--- a/Project/Business Intelligence. Дипломный проект.pptx
+++ b/Project/Business Intelligence. Дипломный проект.pptx
@@ -39,7 +39,7 @@
     <p:sldId id="277" r:id="rId34"/>
   </p:sldIdLst>
   <p:sldSz cx="12192000" cy="6858000"/>
-  <p:notesSz cx="6858000" cy="9144000"/>
+  <p:notesSz cx="7559675" cy="10691813"/>
 </p:presentation>
 </file>
 
@@ -73,7 +73,7 @@
         <p:spPr>
           <a:xfrm>
             <a:off x="1069920" y="1298520"/>
-            <a:ext cx="7314840" cy="3254760"/>
+            <a:ext cx="7314480" cy="3254400"/>
           </a:xfrm>
           <a:prstGeom prst="rect">
             <a:avLst/>
@@ -88,10 +88,10 @@
             <a:noAutofit/>
           </a:bodyPr>
           <a:p>
-            <a:pPr indent="0">
+            <a:pPr indent="0" algn="ctr">
               <a:buNone/>
             </a:pPr>
-            <a:endParaRPr b="0" lang="ru-RU" sz="1400" spc="-1" strike="noStrike">
+            <a:endParaRPr b="0" lang="ru-RU" sz="4400" spc="-1" strike="noStrike">
               <a:solidFill>
                 <a:srgbClr val="000000"/>
               </a:solidFill>
@@ -147,7 +147,7 @@
             <a:spLocks noGrp="1"/>
           </p:cNvSpPr>
           <p:nvPr>
-            <p:ph type="ftr" idx="2"/>
+            <p:ph type="ftr" idx="1"/>
           </p:nvPr>
         </p:nvSpPr>
         <p:spPr/>
@@ -167,14 +167,14 @@
             <a:spLocks noGrp="1"/>
           </p:cNvSpPr>
           <p:nvPr>
-            <p:ph type="sldNum" idx="3"/>
+            <p:ph type="sldNum" idx="2"/>
           </p:nvPr>
         </p:nvSpPr>
         <p:spPr/>
         <p:txBody>
           <a:bodyPr/>
           <a:p>
-            <a:fld id="{C262D7EE-3113-4DA2-8593-8875A6A0F267}" type="slidenum">
+            <a:fld id="{82309C34-E783-49F1-A72A-3702324D45E1}" type="slidenum">
               <a:t>&lt;#&gt;</a:t>
             </a:fld>
           </a:p>
@@ -187,7 +187,7 @@
             <a:spLocks noGrp="1"/>
           </p:cNvSpPr>
           <p:nvPr>
-            <p:ph type="dt" idx="1"/>
+            <p:ph type="dt" idx="3"/>
           </p:nvPr>
         </p:nvSpPr>
         <p:spPr/>
@@ -230,7 +230,7 @@
             <a:spLocks noGrp="1"/>
           </p:cNvSpPr>
           <p:nvPr>
-            <p:ph type="ftr" idx="29"/>
+            <p:ph type="ftr" idx="28"/>
           </p:nvPr>
         </p:nvSpPr>
         <p:spPr/>
@@ -250,14 +250,14 @@
             <a:spLocks noGrp="1"/>
           </p:cNvSpPr>
           <p:nvPr>
-            <p:ph type="sldNum" idx="30"/>
+            <p:ph type="sldNum" idx="29"/>
           </p:nvPr>
         </p:nvSpPr>
         <p:spPr/>
         <p:txBody>
           <a:bodyPr/>
           <a:p>
-            <a:fld id="{0A3E197A-975B-4032-BBA6-D166D5E64A5F}" type="slidenum">
+            <a:fld id="{4CBE5C30-2369-4634-A0BC-BECD18464AB7}" type="slidenum">
               <a:t>&lt;#&gt;</a:t>
             </a:fld>
           </a:p>
@@ -270,7 +270,7 @@
             <a:spLocks noGrp="1"/>
           </p:cNvSpPr>
           <p:nvPr>
-            <p:ph type="dt" idx="28"/>
+            <p:ph type="dt" idx="30"/>
           </p:nvPr>
         </p:nvSpPr>
         <p:spPr/>
@@ -313,7 +313,7 @@
             <a:spLocks noGrp="1"/>
           </p:cNvSpPr>
           <p:nvPr>
-            <p:ph type="ftr" idx="32"/>
+            <p:ph type="ftr" idx="31"/>
           </p:nvPr>
         </p:nvSpPr>
         <p:spPr/>
@@ -333,14 +333,14 @@
             <a:spLocks noGrp="1"/>
           </p:cNvSpPr>
           <p:nvPr>
-            <p:ph type="sldNum" idx="33"/>
+            <p:ph type="sldNum" idx="32"/>
           </p:nvPr>
         </p:nvSpPr>
         <p:spPr/>
         <p:txBody>
           <a:bodyPr/>
           <a:p>
-            <a:fld id="{787935F1-90EC-471B-B731-0FEEA0364B7A}" type="slidenum">
+            <a:fld id="{2CE16971-9979-4CEA-99CC-AD1523B23567}" type="slidenum">
               <a:t>&lt;#&gt;</a:t>
             </a:fld>
           </a:p>
@@ -353,7 +353,7 @@
             <a:spLocks noGrp="1"/>
           </p:cNvSpPr>
           <p:nvPr>
-            <p:ph type="dt" idx="31"/>
+            <p:ph type="dt" idx="33"/>
           </p:nvPr>
         </p:nvSpPr>
         <p:spPr/>
@@ -396,7 +396,7 @@
             <a:spLocks noGrp="1"/>
           </p:cNvSpPr>
           <p:nvPr>
-            <p:ph type="ftr" idx="5"/>
+            <p:ph type="ftr" idx="4"/>
           </p:nvPr>
         </p:nvSpPr>
         <p:spPr/>
@@ -416,14 +416,14 @@
             <a:spLocks noGrp="1"/>
           </p:cNvSpPr>
           <p:nvPr>
-            <p:ph type="sldNum" idx="6"/>
+            <p:ph type="sldNum" idx="5"/>
           </p:nvPr>
         </p:nvSpPr>
         <p:spPr/>
         <p:txBody>
           <a:bodyPr/>
           <a:p>
-            <a:fld id="{D70B74C3-CB62-454B-9CD4-141B77288D10}" type="slidenum">
+            <a:fld id="{39D9419D-7B34-41FC-ADBD-05CD5DA8FE43}" type="slidenum">
               <a:t>&lt;#&gt;</a:t>
             </a:fld>
           </a:p>
@@ -436,7 +436,7 @@
             <a:spLocks noGrp="1"/>
           </p:cNvSpPr>
           <p:nvPr>
-            <p:ph type="dt" idx="4"/>
+            <p:ph type="dt" idx="6"/>
           </p:nvPr>
         </p:nvSpPr>
         <p:spPr/>
@@ -479,7 +479,7 @@
             <a:spLocks noGrp="1"/>
           </p:cNvSpPr>
           <p:nvPr>
-            <p:ph type="ftr" idx="8"/>
+            <p:ph type="ftr" idx="7"/>
           </p:nvPr>
         </p:nvSpPr>
         <p:spPr/>
@@ -499,14 +499,14 @@
             <a:spLocks noGrp="1"/>
           </p:cNvSpPr>
           <p:nvPr>
-            <p:ph type="sldNum" idx="9"/>
+            <p:ph type="sldNum" idx="8"/>
           </p:nvPr>
         </p:nvSpPr>
         <p:spPr/>
         <p:txBody>
           <a:bodyPr/>
           <a:p>
-            <a:fld id="{E2ED2381-88FC-49FB-A3D1-8A119CDD5DB5}" type="slidenum">
+            <a:fld id="{061CB81F-D3CD-40D9-BD93-C8894BB8BE44}" type="slidenum">
               <a:t>&lt;#&gt;</a:t>
             </a:fld>
           </a:p>
@@ -519,7 +519,7 @@
             <a:spLocks noGrp="1"/>
           </p:cNvSpPr>
           <p:nvPr>
-            <p:ph type="dt" idx="7"/>
+            <p:ph type="dt" idx="9"/>
           </p:nvPr>
         </p:nvSpPr>
         <p:spPr/>
@@ -557,7 +557,7 @@
       </p:grpSpPr>
       <p:sp>
         <p:nvSpPr>
-          <p:cNvPr id="32" name="PlaceHolder 1"/>
+          <p:cNvPr id="28" name="PlaceHolder 1"/>
           <p:cNvSpPr>
             <a:spLocks noGrp="1"/>
           </p:cNvSpPr>
@@ -568,7 +568,7 @@
         <p:spPr>
           <a:xfrm>
             <a:off x="1069920" y="1298520"/>
-            <a:ext cx="7314840" cy="3254760"/>
+            <a:ext cx="7314480" cy="3254400"/>
           </a:xfrm>
           <a:prstGeom prst="rect">
             <a:avLst/>
@@ -583,10 +583,10 @@
             <a:noAutofit/>
           </a:bodyPr>
           <a:p>
-            <a:pPr indent="0">
+            <a:pPr indent="0" algn="ctr">
               <a:buNone/>
             </a:pPr>
-            <a:endParaRPr b="0" lang="ru-RU" sz="1400" spc="-1" strike="noStrike">
+            <a:endParaRPr b="0" lang="ru-RU" sz="4400" spc="-1" strike="noStrike">
               <a:solidFill>
                 <a:srgbClr val="000000"/>
               </a:solidFill>
@@ -597,7 +597,7 @@
       </p:sp>
       <p:sp>
         <p:nvSpPr>
-          <p:cNvPr id="33" name="PlaceHolder 2"/>
+          <p:cNvPr id="29" name="PlaceHolder 2"/>
           <p:cNvSpPr>
             <a:spLocks noGrp="1"/>
           </p:cNvSpPr>
@@ -629,7 +629,7 @@
               </a:spcBef>
               <a:buNone/>
             </a:pPr>
-            <a:endParaRPr b="0" lang="ru-RU" sz="1400" spc="-1" strike="noStrike">
+            <a:endParaRPr b="0" lang="ru-RU" sz="3200" spc="-1" strike="noStrike">
               <a:solidFill>
                 <a:srgbClr val="000000"/>
               </a:solidFill>
@@ -645,7 +645,7 @@
             <a:spLocks noGrp="1"/>
           </p:cNvSpPr>
           <p:nvPr>
-            <p:ph type="ftr" idx="11"/>
+            <p:ph type="ftr" idx="10"/>
           </p:nvPr>
         </p:nvSpPr>
         <p:spPr/>
@@ -665,14 +665,14 @@
             <a:spLocks noGrp="1"/>
           </p:cNvSpPr>
           <p:nvPr>
-            <p:ph type="sldNum" idx="12"/>
+            <p:ph type="sldNum" idx="11"/>
           </p:nvPr>
         </p:nvSpPr>
         <p:spPr/>
         <p:txBody>
           <a:bodyPr/>
           <a:p>
-            <a:fld id="{6E264793-F170-447D-8FB3-48558C1B2C99}" type="slidenum">
+            <a:fld id="{2BE7C89E-DD25-4162-A616-0AA77BF742F0}" type="slidenum">
               <a:t>&lt;#&gt;</a:t>
             </a:fld>
           </a:p>
@@ -685,7 +685,7 @@
             <a:spLocks noGrp="1"/>
           </p:cNvSpPr>
           <p:nvPr>
-            <p:ph type="dt" idx="10"/>
+            <p:ph type="dt" idx="12"/>
           </p:nvPr>
         </p:nvSpPr>
         <p:spPr/>
@@ -728,7 +728,7 @@
             <a:spLocks noGrp="1"/>
           </p:cNvSpPr>
           <p:nvPr>
-            <p:ph type="ftr" idx="14"/>
+            <p:ph type="ftr" idx="13"/>
           </p:nvPr>
         </p:nvSpPr>
         <p:spPr/>
@@ -748,14 +748,14 @@
             <a:spLocks noGrp="1"/>
           </p:cNvSpPr>
           <p:nvPr>
-            <p:ph type="sldNum" idx="15"/>
+            <p:ph type="sldNum" idx="14"/>
           </p:nvPr>
         </p:nvSpPr>
         <p:spPr/>
         <p:txBody>
           <a:bodyPr/>
           <a:p>
-            <a:fld id="{0F513AA1-EE9B-4DDA-9F97-FECE69343BCF}" type="slidenum">
+            <a:fld id="{236D1B3D-5C39-427E-9317-0FEE7F0D255B}" type="slidenum">
               <a:t>&lt;#&gt;</a:t>
             </a:fld>
           </a:p>
@@ -768,7 +768,7 @@
             <a:spLocks noGrp="1"/>
           </p:cNvSpPr>
           <p:nvPr>
-            <p:ph type="dt" idx="13"/>
+            <p:ph type="dt" idx="15"/>
           </p:nvPr>
         </p:nvSpPr>
         <p:spPr/>
@@ -806,7 +806,7 @@
       </p:grpSpPr>
       <p:sp>
         <p:nvSpPr>
-          <p:cNvPr id="49" name="PlaceHolder 1"/>
+          <p:cNvPr id="43" name="PlaceHolder 1"/>
           <p:cNvSpPr>
             <a:spLocks noGrp="1"/>
           </p:cNvSpPr>
@@ -817,7 +817,7 @@
         <p:spPr>
           <a:xfrm>
             <a:off x="1069920" y="1298520"/>
-            <a:ext cx="7314840" cy="3254760"/>
+            <a:ext cx="7314480" cy="3254400"/>
           </a:xfrm>
           <a:prstGeom prst="rect">
             <a:avLst/>
@@ -832,10 +832,10 @@
             <a:noAutofit/>
           </a:bodyPr>
           <a:p>
-            <a:pPr indent="0">
+            <a:pPr indent="0" algn="ctr">
               <a:buNone/>
             </a:pPr>
-            <a:endParaRPr b="0" lang="ru-RU" sz="1400" spc="-1" strike="noStrike">
+            <a:endParaRPr b="0" lang="ru-RU" sz="4400" spc="-1" strike="noStrike">
               <a:solidFill>
                 <a:srgbClr val="000000"/>
               </a:solidFill>
@@ -846,7 +846,7 @@
       </p:sp>
       <p:sp>
         <p:nvSpPr>
-          <p:cNvPr id="50" name="PlaceHolder 2"/>
+          <p:cNvPr id="44" name="PlaceHolder 2"/>
           <p:cNvSpPr>
             <a:spLocks noGrp="1"/>
           </p:cNvSpPr>
@@ -878,7 +878,7 @@
               </a:spcBef>
               <a:buNone/>
             </a:pPr>
-            <a:endParaRPr b="0" lang="ru-RU" sz="1400" spc="-1" strike="noStrike">
+            <a:endParaRPr b="0" lang="ru-RU" sz="3200" spc="-1" strike="noStrike">
               <a:solidFill>
                 <a:srgbClr val="000000"/>
               </a:solidFill>
@@ -889,7 +889,7 @@
       </p:sp>
       <p:sp>
         <p:nvSpPr>
-          <p:cNvPr id="51" name="PlaceHolder 3"/>
+          <p:cNvPr id="45" name="PlaceHolder 3"/>
           <p:cNvSpPr>
             <a:spLocks noGrp="1"/>
           </p:cNvSpPr>
@@ -921,7 +921,7 @@
               </a:spcBef>
               <a:buNone/>
             </a:pPr>
-            <a:endParaRPr b="0" lang="ru-RU" sz="1400" spc="-1" strike="noStrike">
+            <a:endParaRPr b="0" lang="ru-RU" sz="3200" spc="-1" strike="noStrike">
               <a:solidFill>
                 <a:srgbClr val="000000"/>
               </a:solidFill>
@@ -937,7 +937,7 @@
             <a:spLocks noGrp="1"/>
           </p:cNvSpPr>
           <p:nvPr>
-            <p:ph type="ftr" idx="17"/>
+            <p:ph type="ftr" idx="16"/>
           </p:nvPr>
         </p:nvSpPr>
         <p:spPr/>
@@ -957,14 +957,14 @@
             <a:spLocks noGrp="1"/>
           </p:cNvSpPr>
           <p:nvPr>
-            <p:ph type="sldNum" idx="18"/>
+            <p:ph type="sldNum" idx="17"/>
           </p:nvPr>
         </p:nvSpPr>
         <p:spPr/>
         <p:txBody>
           <a:bodyPr/>
           <a:p>
-            <a:fld id="{0818F260-4765-4F3F-858C-60D619A4B3EB}" type="slidenum">
+            <a:fld id="{D91C3CF1-D056-4F35-A151-E0B70050B795}" type="slidenum">
               <a:t>&lt;#&gt;</a:t>
             </a:fld>
           </a:p>
@@ -977,7 +977,7 @@
             <a:spLocks noGrp="1"/>
           </p:cNvSpPr>
           <p:nvPr>
-            <p:ph type="dt" idx="16"/>
+            <p:ph type="dt" idx="18"/>
           </p:nvPr>
         </p:nvSpPr>
         <p:spPr/>
@@ -1020,7 +1020,7 @@
             <a:spLocks noGrp="1"/>
           </p:cNvSpPr>
           <p:nvPr>
-            <p:ph type="ftr" idx="20"/>
+            <p:ph type="ftr" idx="19"/>
           </p:nvPr>
         </p:nvSpPr>
         <p:spPr/>
@@ -1040,14 +1040,14 @@
             <a:spLocks noGrp="1"/>
           </p:cNvSpPr>
           <p:nvPr>
-            <p:ph type="sldNum" idx="21"/>
+            <p:ph type="sldNum" idx="20"/>
           </p:nvPr>
         </p:nvSpPr>
         <p:spPr/>
         <p:txBody>
           <a:bodyPr/>
           <a:p>
-            <a:fld id="{EA35A84C-9730-4481-BC42-DBD9D5C9A872}" type="slidenum">
+            <a:fld id="{F25B45A1-7C89-466A-B3B6-4CC59C12B017}" type="slidenum">
               <a:t>&lt;#&gt;</a:t>
             </a:fld>
           </a:p>
@@ -1060,7 +1060,7 @@
             <a:spLocks noGrp="1"/>
           </p:cNvSpPr>
           <p:nvPr>
-            <p:ph type="dt" idx="19"/>
+            <p:ph type="dt" idx="21"/>
           </p:nvPr>
         </p:nvSpPr>
         <p:spPr/>
@@ -1098,7 +1098,7 @@
       </p:grpSpPr>
       <p:sp>
         <p:nvSpPr>
-          <p:cNvPr id="68" name="PlaceHolder 1"/>
+          <p:cNvPr id="57" name="PlaceHolder 1"/>
           <p:cNvSpPr>
             <a:spLocks noGrp="1"/>
           </p:cNvSpPr>
@@ -1109,7 +1109,7 @@
         <p:spPr>
           <a:xfrm>
             <a:off x="1069920" y="1298520"/>
-            <a:ext cx="7314840" cy="3254760"/>
+            <a:ext cx="7314480" cy="3254400"/>
           </a:xfrm>
           <a:prstGeom prst="rect">
             <a:avLst/>
@@ -1124,10 +1124,10 @@
             <a:noAutofit/>
           </a:bodyPr>
           <a:p>
-            <a:pPr indent="0">
+            <a:pPr indent="0" algn="ctr">
               <a:buNone/>
             </a:pPr>
-            <a:endParaRPr b="0" lang="ru-RU" sz="1400" spc="-1" strike="noStrike">
+            <a:endParaRPr b="0" lang="ru-RU" sz="4400" spc="-1" strike="noStrike">
               <a:solidFill>
                 <a:srgbClr val="000000"/>
               </a:solidFill>
@@ -1143,7 +1143,7 @@
             <a:spLocks noGrp="1"/>
           </p:cNvSpPr>
           <p:nvPr>
-            <p:ph type="ftr" idx="23"/>
+            <p:ph type="ftr" idx="22"/>
           </p:nvPr>
         </p:nvSpPr>
         <p:spPr/>
@@ -1163,14 +1163,14 @@
             <a:spLocks noGrp="1"/>
           </p:cNvSpPr>
           <p:nvPr>
-            <p:ph type="sldNum" idx="24"/>
+            <p:ph type="sldNum" idx="23"/>
           </p:nvPr>
         </p:nvSpPr>
         <p:spPr/>
         <p:txBody>
           <a:bodyPr/>
           <a:p>
-            <a:fld id="{DFE3409B-F65B-465A-9460-5DE153DFB9F9}" type="slidenum">
+            <a:fld id="{2F731EC0-3EAA-426F-9604-CE96877EBAF0}" type="slidenum">
               <a:t>&lt;#&gt;</a:t>
             </a:fld>
           </a:p>
@@ -1183,7 +1183,7 @@
             <a:spLocks noGrp="1"/>
           </p:cNvSpPr>
           <p:nvPr>
-            <p:ph type="dt" idx="22"/>
+            <p:ph type="dt" idx="24"/>
           </p:nvPr>
         </p:nvSpPr>
         <p:spPr/>
@@ -1226,7 +1226,7 @@
             <a:spLocks noGrp="1"/>
           </p:cNvSpPr>
           <p:nvPr>
-            <p:ph type="ftr" idx="26"/>
+            <p:ph type="ftr" idx="25"/>
           </p:nvPr>
         </p:nvSpPr>
         <p:spPr/>
@@ -1246,14 +1246,14 @@
             <a:spLocks noGrp="1"/>
           </p:cNvSpPr>
           <p:nvPr>
-            <p:ph type="sldNum" idx="27"/>
+            <p:ph type="sldNum" idx="26"/>
           </p:nvPr>
         </p:nvSpPr>
         <p:spPr/>
         <p:txBody>
           <a:bodyPr/>
           <a:p>
-            <a:fld id="{422B80D8-D421-4504-A634-B68AB1D26C54}" type="slidenum">
+            <a:fld id="{D0770471-B658-4F8A-AD87-A06A559EE3C3}" type="slidenum">
               <a:t>&lt;#&gt;</a:t>
             </a:fld>
           </a:p>
@@ -1266,7 +1266,7 @@
             <a:spLocks noGrp="1"/>
           </p:cNvSpPr>
           <p:nvPr>
-            <p:ph type="dt" idx="25"/>
+            <p:ph type="dt" idx="27"/>
           </p:nvPr>
         </p:nvSpPr>
         <p:spPr/>
@@ -1318,7 +1318,7 @@
         <p:spPr>
           <a:xfrm>
             <a:off x="0" y="758880"/>
-            <a:ext cx="3443400" cy="5330520"/>
+            <a:ext cx="3443040" cy="5330160"/>
           </a:xfrm>
           <a:prstGeom prst="rect">
             <a:avLst/>
@@ -1337,7 +1337,7 @@
           <a:fontRef idx="minor"/>
         </p:style>
         <p:txBody>
-          <a:bodyPr tIns="91440" bIns="91440" anchor="ctr">
+          <a:bodyPr lIns="90000" rIns="90000" tIns="91440" bIns="91440" anchor="ctr">
             <a:noAutofit/>
           </a:bodyPr>
           <a:p>
@@ -1368,7 +1368,7 @@
         <p:spPr>
           <a:xfrm>
             <a:off x="11815920" y="758880"/>
-            <a:ext cx="383760" cy="5330520"/>
+            <a:ext cx="383400" cy="5330160"/>
           </a:xfrm>
           <a:prstGeom prst="rect">
             <a:avLst/>
@@ -1389,7 +1389,7 @@
           <a:fontRef idx="minor"/>
         </p:style>
         <p:txBody>
-          <a:bodyPr tIns="91440" bIns="91440" anchor="ctr">
+          <a:bodyPr lIns="90000" rIns="90000" tIns="91440" bIns="91440" anchor="ctr">
             <a:noAutofit/>
           </a:bodyPr>
           <a:p>
@@ -1420,7 +1420,7 @@
         <p:spPr>
           <a:xfrm>
             <a:off x="0" y="762120"/>
-            <a:ext cx="9141120" cy="5333760"/>
+            <a:ext cx="9140760" cy="5333400"/>
           </a:xfrm>
           <a:prstGeom prst="rect">
             <a:avLst/>
@@ -1439,7 +1439,7 @@
           <a:fontRef idx="minor"/>
         </p:style>
         <p:txBody>
-          <a:bodyPr tIns="91440" bIns="91440" anchor="ctr">
+          <a:bodyPr lIns="90000" rIns="90000" tIns="91440" bIns="91440" anchor="ctr">
             <a:noAutofit/>
           </a:bodyPr>
           <a:p>
@@ -1470,7 +1470,7 @@
         <p:spPr>
           <a:xfrm>
             <a:off x="9270360" y="762120"/>
-            <a:ext cx="2925000" cy="5333760"/>
+            <a:ext cx="2924640" cy="5333400"/>
           </a:xfrm>
           <a:prstGeom prst="rect">
             <a:avLst/>
@@ -1491,7 +1491,7 @@
           <a:fontRef idx="minor"/>
         </p:style>
         <p:txBody>
-          <a:bodyPr tIns="91440" bIns="91440" anchor="ctr">
+          <a:bodyPr lIns="90000" rIns="90000" tIns="91440" bIns="91440" anchor="ctr">
             <a:noAutofit/>
           </a:bodyPr>
           <a:p>
@@ -1526,7 +1526,7 @@
         <p:spPr>
           <a:xfrm>
             <a:off x="1069920" y="1298520"/>
-            <a:ext cx="7314840" cy="3254760"/>
+            <a:ext cx="7314480" cy="3254400"/>
           </a:xfrm>
           <a:prstGeom prst="rect">
             <a:avLst/>
@@ -1537,15 +1537,15 @@
           </a:ln>
         </p:spPr>
         <p:txBody>
-          <a:bodyPr lIns="91440" rIns="91440" tIns="45720" bIns="45720" anchor="b">
-            <a:normAutofit/>
+          <a:bodyPr lIns="0" rIns="0" tIns="0" bIns="0" anchor="ctr">
+            <a:noAutofit/>
           </a:bodyPr>
           <a:p>
             <a:pPr indent="0">
               <a:buNone/>
             </a:pPr>
             <a:r>
-              <a:rPr b="0" lang="ru-RU" sz="5900" spc="-1" strike="noStrike">
+              <a:rPr b="0" lang="ru-RU" sz="1800" spc="-1" strike="noStrike">
                 <a:solidFill>
                   <a:srgbClr val="000000"/>
                 </a:solidFill>
@@ -1553,7 +1553,7 @@
               </a:rPr>
               <a:t>Для правки текста заглавия щёлкните мышью</a:t>
             </a:r>
-            <a:endParaRPr b="0" lang="ru-RU" sz="5900" spc="-1" strike="noStrike">
+            <a:endParaRPr b="0" lang="ru-RU" sz="1800" spc="-1" strike="noStrike">
               <a:solidFill>
                 <a:srgbClr val="000000"/>
               </a:solidFill>
@@ -1569,13 +1569,13 @@
             <a:spLocks noGrp="1"/>
           </p:cNvSpPr>
           <p:nvPr>
-            <p:ph type="dt" idx="1"/>
+            <p:ph type="ftr" idx="1"/>
           </p:nvPr>
         </p:nvSpPr>
         <p:spPr>
           <a:xfrm>
-            <a:off x="262440" y="6356520"/>
-            <a:ext cx="2742840" cy="364680"/>
+            <a:off x="3869280" y="6356520"/>
+            <a:ext cx="5910840" cy="364320"/>
           </a:xfrm>
           <a:prstGeom prst="rect">
             <a:avLst/>
@@ -1590,8 +1590,14 @@
             <a:noAutofit/>
           </a:bodyPr>
           <a:lstStyle>
-            <a:lvl1pPr indent="0">
+            <a:lvl1pPr indent="0" algn="ctr">
+              <a:lnSpc>
+                <a:spcPct val="100000"/>
+              </a:lnSpc>
               <a:buNone/>
+              <a:tabLst>
+                <a:tab algn="l" pos="0"/>
+              </a:tabLst>
               <a:defRPr b="0" lang="ru-RU" sz="1400" spc="-1" strike="noStrike">
                 <a:solidFill>
                   <a:srgbClr val="000000"/>
@@ -1601,8 +1607,14 @@
             </a:lvl1pPr>
           </a:lstStyle>
           <a:p>
-            <a:pPr indent="0">
+            <a:pPr indent="0" algn="ctr">
+              <a:lnSpc>
+                <a:spcPct val="100000"/>
+              </a:lnSpc>
               <a:buNone/>
+              <a:tabLst>
+                <a:tab algn="l" pos="0"/>
+              </a:tabLst>
             </a:pPr>
             <a:r>
               <a:rPr b="0" lang="ru-RU" sz="1400" spc="-1" strike="noStrike">
@@ -1611,7 +1623,7 @@
                 </a:solidFill>
                 <a:latin typeface="Times New Roman"/>
               </a:rPr>
-              <a:t>&lt;дата/время&gt;</a:t>
+              <a:t>&lt;нижний колонтитул&gt;</a:t>
             </a:r>
             <a:endParaRPr b="0" lang="ru-RU" sz="1400" spc="-1" strike="noStrike">
               <a:solidFill>
@@ -1629,73 +1641,13 @@
             <a:spLocks noGrp="1"/>
           </p:cNvSpPr>
           <p:nvPr>
-            <p:ph type="ftr" idx="2"/>
+            <p:ph type="sldNum" idx="2"/>
           </p:nvPr>
         </p:nvSpPr>
         <p:spPr>
           <a:xfrm>
-            <a:off x="3869280" y="6356520"/>
-            <a:ext cx="5911200" cy="364680"/>
-          </a:xfrm>
-          <a:prstGeom prst="rect">
-            <a:avLst/>
-          </a:prstGeom>
-          <a:noFill/>
-          <a:ln w="0">
-            <a:noFill/>
-          </a:ln>
-        </p:spPr>
-        <p:txBody>
-          <a:bodyPr lIns="91440" rIns="91440" tIns="45720" bIns="45720" anchor="ctr">
-            <a:noAutofit/>
-          </a:bodyPr>
-          <a:lstStyle>
-            <a:lvl1pPr indent="0" algn="ctr">
-              <a:buNone/>
-              <a:defRPr b="0" lang="ru-RU" sz="1400" spc="-1" strike="noStrike">
-                <a:solidFill>
-                  <a:srgbClr val="000000"/>
-                </a:solidFill>
-                <a:latin typeface="Times New Roman"/>
-              </a:defRPr>
-            </a:lvl1pPr>
-          </a:lstStyle>
-          <a:p>
-            <a:pPr indent="0" algn="ctr">
-              <a:buNone/>
-            </a:pPr>
-            <a:r>
-              <a:rPr b="0" lang="ru-RU" sz="1400" spc="-1" strike="noStrike">
-                <a:solidFill>
-                  <a:srgbClr val="000000"/>
-                </a:solidFill>
-                <a:latin typeface="Times New Roman"/>
-              </a:rPr>
-              <a:t>&lt;нижний колонтитул&gt;</a:t>
-            </a:r>
-            <a:endParaRPr b="0" lang="ru-RU" sz="1400" spc="-1" strike="noStrike">
-              <a:solidFill>
-                <a:srgbClr val="000000"/>
-              </a:solidFill>
-              <a:latin typeface="Times New Roman"/>
-            </a:endParaRPr>
-          </a:p>
-        </p:txBody>
-      </p:sp>
-      <p:sp>
-        <p:nvSpPr>
-          <p:cNvPr id="7" name="PlaceHolder 4"/>
-          <p:cNvSpPr>
-            <a:spLocks noGrp="1"/>
-          </p:cNvSpPr>
-          <p:nvPr>
-            <p:ph type="sldNum" idx="3"/>
-          </p:nvPr>
-        </p:nvSpPr>
-        <p:spPr>
-          <a:xfrm>
             <a:off x="10634040" y="6356520"/>
-            <a:ext cx="1530720" cy="364680"/>
+            <a:ext cx="1530360" cy="364320"/>
           </a:xfrm>
           <a:prstGeom prst="rect">
             <a:avLst/>
@@ -1737,7 +1689,7 @@
                 <a:tab algn="l" pos="0"/>
               </a:tabLst>
             </a:pPr>
-            <a:fld id="{F941E841-FD0F-4461-BD02-5BDEAD0DB259}" type="slidenum">
+            <a:fld id="{13534936-3011-4548-B294-51725D27C8F9}" type="slidenum">
               <a:rPr b="1" lang="ru-RU" sz="1200" spc="-1" strike="noStrike">
                 <a:solidFill>
                   <a:schemeClr val="accent1"/>
@@ -1748,6 +1700,66 @@
               <a:t>&lt;номер&gt;</a:t>
             </a:fld>
             <a:endParaRPr b="0" lang="ru-RU" sz="1200" spc="-1" strike="noStrike">
+              <a:solidFill>
+                <a:srgbClr val="000000"/>
+              </a:solidFill>
+              <a:latin typeface="Times New Roman"/>
+            </a:endParaRPr>
+          </a:p>
+        </p:txBody>
+      </p:sp>
+      <p:sp>
+        <p:nvSpPr>
+          <p:cNvPr id="7" name="PlaceHolder 4"/>
+          <p:cNvSpPr>
+            <a:spLocks noGrp="1"/>
+          </p:cNvSpPr>
+          <p:nvPr>
+            <p:ph type="dt" idx="3"/>
+          </p:nvPr>
+        </p:nvSpPr>
+        <p:spPr>
+          <a:xfrm>
+            <a:off x="262440" y="6356520"/>
+            <a:ext cx="2742480" cy="364320"/>
+          </a:xfrm>
+          <a:prstGeom prst="rect">
+            <a:avLst/>
+          </a:prstGeom>
+          <a:noFill/>
+          <a:ln w="0">
+            <a:noFill/>
+          </a:ln>
+        </p:spPr>
+        <p:txBody>
+          <a:bodyPr lIns="91440" rIns="91440" tIns="45720" bIns="45720" anchor="ctr">
+            <a:noAutofit/>
+          </a:bodyPr>
+          <a:lstStyle>
+            <a:lvl1pPr indent="0">
+              <a:buNone/>
+              <a:defRPr b="0" lang="ru-RU" sz="1400" spc="-1" strike="noStrike">
+                <a:solidFill>
+                  <a:srgbClr val="000000"/>
+                </a:solidFill>
+                <a:latin typeface="Times New Roman"/>
+              </a:defRPr>
+            </a:lvl1pPr>
+          </a:lstStyle>
+          <a:p>
+            <a:pPr indent="0">
+              <a:buNone/>
+            </a:pPr>
+            <a:r>
+              <a:rPr b="0" lang="ru-RU" sz="1400" spc="-1" strike="noStrike">
+                <a:solidFill>
+                  <a:srgbClr val="000000"/>
+                </a:solidFill>
+                <a:latin typeface="Times New Roman"/>
+              </a:rPr>
+              <a:t>&lt;дата/время&gt;</a:t>
+            </a:r>
+            <a:endParaRPr b="0" lang="ru-RU" sz="1400" spc="-1" strike="noStrike">
               <a:solidFill>
                 <a:srgbClr val="000000"/>
               </a:solidFill>
@@ -1796,7 +1808,7 @@
               <a:buChar char=""/>
             </a:pPr>
             <a:r>
-              <a:rPr b="0" lang="ru-RU" sz="1400" spc="-1" strike="noStrike">
+              <a:rPr b="0" lang="ru-RU" sz="3200" spc="-1" strike="noStrike">
                 <a:solidFill>
                   <a:srgbClr val="000000"/>
                 </a:solidFill>
@@ -1804,7 +1816,7 @@
               </a:rPr>
               <a:t>Для правки структуры щёлкните мышью</a:t>
             </a:r>
-            <a:endParaRPr b="0" lang="ru-RU" sz="1400" spc="-1" strike="noStrike">
+            <a:endParaRPr b="0" lang="ru-RU" sz="3200" spc="-1" strike="noStrike">
               <a:solidFill>
                 <a:srgbClr val="000000"/>
               </a:solidFill>
@@ -1824,7 +1836,7 @@
               <a:buChar char=""/>
             </a:pPr>
             <a:r>
-              <a:rPr b="0" lang="ru-RU" sz="1400" spc="-1" strike="noStrike">
+              <a:rPr b="0" lang="ru-RU" sz="2800" spc="-1" strike="noStrike">
                 <a:solidFill>
                   <a:srgbClr val="000000"/>
                 </a:solidFill>
@@ -1832,7 +1844,7 @@
               </a:rPr>
               <a:t>Второй уровень структуры</a:t>
             </a:r>
-            <a:endParaRPr b="0" lang="ru-RU" sz="1400" spc="-1" strike="noStrike">
+            <a:endParaRPr b="0" lang="ru-RU" sz="2800" spc="-1" strike="noStrike">
               <a:solidFill>
                 <a:srgbClr val="000000"/>
               </a:solidFill>
@@ -1852,7 +1864,7 @@
               <a:buChar char=""/>
             </a:pPr>
             <a:r>
-              <a:rPr b="0" lang="ru-RU" sz="1400" spc="-1" strike="noStrike">
+              <a:rPr b="0" lang="ru-RU" sz="2400" spc="-1" strike="noStrike">
                 <a:solidFill>
                   <a:srgbClr val="000000"/>
                 </a:solidFill>
@@ -1860,7 +1872,7 @@
               </a:rPr>
               <a:t>Третий уровень структуры</a:t>
             </a:r>
-            <a:endParaRPr b="0" lang="ru-RU" sz="1400" spc="-1" strike="noStrike">
+            <a:endParaRPr b="0" lang="ru-RU" sz="2400" spc="-1" strike="noStrike">
               <a:solidFill>
                 <a:srgbClr val="000000"/>
               </a:solidFill>
@@ -1880,7 +1892,7 @@
               <a:buChar char=""/>
             </a:pPr>
             <a:r>
-              <a:rPr b="0" lang="ru-RU" sz="1400" spc="-1" strike="noStrike">
+              <a:rPr b="0" lang="ru-RU" sz="2000" spc="-1" strike="noStrike">
                 <a:solidFill>
                   <a:srgbClr val="000000"/>
                 </a:solidFill>
@@ -1888,7 +1900,7 @@
               </a:rPr>
               <a:t>Четвёртый уровень структуры</a:t>
             </a:r>
-            <a:endParaRPr b="0" lang="ru-RU" sz="1400" spc="-1" strike="noStrike">
+            <a:endParaRPr b="0" lang="ru-RU" sz="2000" spc="-1" strike="noStrike">
               <a:solidFill>
                 <a:srgbClr val="000000"/>
               </a:solidFill>
@@ -2016,14 +2028,14 @@
       </p:grpSpPr>
       <p:sp>
         <p:nvSpPr>
-          <p:cNvPr id="74" name="Google Shape;6;p18"/>
+          <p:cNvPr id="63" name="Google Shape;6;p18"/>
           <p:cNvSpPr/>
           <p:nvPr/>
         </p:nvSpPr>
         <p:spPr>
           <a:xfrm>
             <a:off x="0" y="758880"/>
-            <a:ext cx="3443400" cy="5330520"/>
+            <a:ext cx="3443040" cy="5330160"/>
           </a:xfrm>
           <a:prstGeom prst="rect">
             <a:avLst/>
@@ -2042,7 +2054,7 @@
           <a:fontRef idx="minor"/>
         </p:style>
         <p:txBody>
-          <a:bodyPr tIns="91440" bIns="91440" anchor="ctr">
+          <a:bodyPr lIns="90000" rIns="90000" tIns="91440" bIns="91440" anchor="ctr">
             <a:noAutofit/>
           </a:bodyPr>
           <a:p>
@@ -2066,14 +2078,14 @@
       </p:sp>
       <p:sp>
         <p:nvSpPr>
-          <p:cNvPr id="75" name="Google Shape;8;p18"/>
+          <p:cNvPr id="64" name="Google Shape;8;p18"/>
           <p:cNvSpPr/>
           <p:nvPr/>
         </p:nvSpPr>
         <p:spPr>
           <a:xfrm>
             <a:off x="11815920" y="758880"/>
-            <a:ext cx="383760" cy="5330520"/>
+            <a:ext cx="383400" cy="5330160"/>
           </a:xfrm>
           <a:prstGeom prst="rect">
             <a:avLst/>
@@ -2094,7 +2106,7 @@
           <a:fontRef idx="minor"/>
         </p:style>
         <p:txBody>
-          <a:bodyPr tIns="91440" bIns="91440" anchor="ctr">
+          <a:bodyPr lIns="90000" rIns="90000" tIns="91440" bIns="91440" anchor="ctr">
             <a:noAutofit/>
           </a:bodyPr>
           <a:p>
@@ -2118,577 +2130,18 @@
       </p:sp>
       <p:sp>
         <p:nvSpPr>
-          <p:cNvPr id="76" name="PlaceHolder 1"/>
+          <p:cNvPr id="65" name="PlaceHolder 1"/>
           <p:cNvSpPr>
             <a:spLocks noGrp="1"/>
           </p:cNvSpPr>
           <p:nvPr>
-            <p:ph type="title"/>
+            <p:ph type="ftr" idx="28"/>
           </p:nvPr>
         </p:nvSpPr>
         <p:spPr>
           <a:xfrm>
-            <a:off x="255960" y="1143000"/>
-            <a:ext cx="2834280" cy="2377080"/>
-          </a:xfrm>
-          <a:prstGeom prst="rect">
-            <a:avLst/>
-          </a:prstGeom>
-          <a:noFill/>
-          <a:ln w="0">
-            <a:noFill/>
-          </a:ln>
-        </p:spPr>
-        <p:txBody>
-          <a:bodyPr lIns="91440" rIns="91440" tIns="45720" bIns="45720" anchor="b">
-            <a:normAutofit fontScale="93740"/>
-          </a:bodyPr>
-          <a:p>
-            <a:pPr indent="0">
-              <a:buNone/>
-            </a:pPr>
-            <a:r>
-              <a:rPr b="0" lang="ru-RU" sz="3200" spc="-1" strike="noStrike">
-                <a:solidFill>
-                  <a:srgbClr val="000000"/>
-                </a:solidFill>
-                <a:latin typeface="Arial"/>
-              </a:rPr>
-              <a:t>Для правки текста заглавия щёлкните мышью</a:t>
-            </a:r>
-            <a:endParaRPr b="0" lang="ru-RU" sz="3200" spc="-1" strike="noStrike">
-              <a:solidFill>
-                <a:srgbClr val="000000"/>
-              </a:solidFill>
-              <a:latin typeface="Arial"/>
-            </a:endParaRPr>
-          </a:p>
-        </p:txBody>
-      </p:sp>
-      <p:sp>
-        <p:nvSpPr>
-          <p:cNvPr id="77" name="PlaceHolder 2"/>
-          <p:cNvSpPr>
-            <a:spLocks noGrp="1"/>
-          </p:cNvSpPr>
-          <p:nvPr>
-            <p:ph type="body"/>
-          </p:nvPr>
-        </p:nvSpPr>
-        <p:spPr>
-          <a:xfrm>
-            <a:off x="3867840" y="868680"/>
-            <a:ext cx="7314840" cy="5120280"/>
-          </a:xfrm>
-          <a:prstGeom prst="rect">
-            <a:avLst/>
-          </a:prstGeom>
-          <a:noFill/>
-          <a:ln w="0">
-            <a:noFill/>
-          </a:ln>
-        </p:spPr>
-        <p:txBody>
-          <a:bodyPr lIns="91440" rIns="91440" tIns="45720" bIns="45720" anchor="ctr">
-            <a:normAutofit/>
-          </a:bodyPr>
-          <a:p>
-            <a:pPr marL="432000" indent="-324000">
-              <a:spcBef>
-                <a:spcPts val="1417"/>
-              </a:spcBef>
-              <a:buClr>
-                <a:srgbClr val="000000"/>
-              </a:buClr>
-              <a:buSzPct val="45000"/>
-              <a:buFont typeface="Wingdings" charset="2"/>
-              <a:buChar char=""/>
-            </a:pPr>
-            <a:r>
-              <a:rPr b="0" lang="ru-RU" sz="2000" spc="-1" strike="noStrike">
-                <a:solidFill>
-                  <a:srgbClr val="000000"/>
-                </a:solidFill>
-                <a:latin typeface="Arial"/>
-              </a:rPr>
-              <a:t>Для правки структуры щёлкните мышью</a:t>
-            </a:r>
-            <a:endParaRPr b="0" lang="ru-RU" sz="2000" spc="-1" strike="noStrike">
-              <a:solidFill>
-                <a:srgbClr val="000000"/>
-              </a:solidFill>
-              <a:latin typeface="Arial"/>
-            </a:endParaRPr>
-          </a:p>
-          <a:p>
-            <a:pPr lvl="1" marL="864000" indent="-324000">
-              <a:spcBef>
-                <a:spcPts val="1134"/>
-              </a:spcBef>
-              <a:buClr>
-                <a:srgbClr val="000000"/>
-              </a:buClr>
-              <a:buSzPct val="75000"/>
-              <a:buFont typeface="Symbol" charset="2"/>
-              <a:buChar char=""/>
-            </a:pPr>
-            <a:r>
-              <a:rPr b="0" lang="ru-RU" sz="2000" spc="-1" strike="noStrike">
-                <a:solidFill>
-                  <a:srgbClr val="000000"/>
-                </a:solidFill>
-                <a:latin typeface="Arial"/>
-              </a:rPr>
-              <a:t>Второй уровень структуры</a:t>
-            </a:r>
-            <a:endParaRPr b="0" lang="ru-RU" sz="2000" spc="-1" strike="noStrike">
-              <a:solidFill>
-                <a:srgbClr val="000000"/>
-              </a:solidFill>
-              <a:latin typeface="Arial"/>
-            </a:endParaRPr>
-          </a:p>
-          <a:p>
-            <a:pPr lvl="2" marL="1296000" indent="-288000">
-              <a:spcBef>
-                <a:spcPts val="850"/>
-              </a:spcBef>
-              <a:buClr>
-                <a:srgbClr val="000000"/>
-              </a:buClr>
-              <a:buSzPct val="45000"/>
-              <a:buFont typeface="Wingdings" charset="2"/>
-              <a:buChar char=""/>
-            </a:pPr>
-            <a:r>
-              <a:rPr b="0" lang="ru-RU" sz="2000" spc="-1" strike="noStrike">
-                <a:solidFill>
-                  <a:srgbClr val="000000"/>
-                </a:solidFill>
-                <a:latin typeface="Arial"/>
-              </a:rPr>
-              <a:t>Третий уровень структуры</a:t>
-            </a:r>
-            <a:endParaRPr b="0" lang="ru-RU" sz="2000" spc="-1" strike="noStrike">
-              <a:solidFill>
-                <a:srgbClr val="000000"/>
-              </a:solidFill>
-              <a:latin typeface="Arial"/>
-            </a:endParaRPr>
-          </a:p>
-          <a:p>
-            <a:pPr lvl="3" marL="1728000" indent="-216000">
-              <a:spcBef>
-                <a:spcPts val="567"/>
-              </a:spcBef>
-              <a:buClr>
-                <a:srgbClr val="000000"/>
-              </a:buClr>
-              <a:buSzPct val="75000"/>
-              <a:buFont typeface="Symbol" charset="2"/>
-              <a:buChar char=""/>
-            </a:pPr>
-            <a:r>
-              <a:rPr b="0" lang="ru-RU" sz="2000" spc="-1" strike="noStrike">
-                <a:solidFill>
-                  <a:srgbClr val="000000"/>
-                </a:solidFill>
-                <a:latin typeface="Arial"/>
-              </a:rPr>
-              <a:t>Четвёртый уровень структуры</a:t>
-            </a:r>
-            <a:endParaRPr b="0" lang="ru-RU" sz="2000" spc="-1" strike="noStrike">
-              <a:solidFill>
-                <a:srgbClr val="000000"/>
-              </a:solidFill>
-              <a:latin typeface="Arial"/>
-            </a:endParaRPr>
-          </a:p>
-          <a:p>
-            <a:pPr lvl="4" marL="2160000" indent="-216000">
-              <a:spcBef>
-                <a:spcPts val="283"/>
-              </a:spcBef>
-              <a:buClr>
-                <a:srgbClr val="000000"/>
-              </a:buClr>
-              <a:buSzPct val="45000"/>
-              <a:buFont typeface="Wingdings" charset="2"/>
-              <a:buChar char=""/>
-            </a:pPr>
-            <a:r>
-              <a:rPr b="0" lang="ru-RU" sz="2000" spc="-1" strike="noStrike">
-                <a:solidFill>
-                  <a:srgbClr val="000000"/>
-                </a:solidFill>
-                <a:latin typeface="Arial"/>
-              </a:rPr>
-              <a:t>Пятый уровень структуры</a:t>
-            </a:r>
-            <a:endParaRPr b="0" lang="ru-RU" sz="2000" spc="-1" strike="noStrike">
-              <a:solidFill>
-                <a:srgbClr val="000000"/>
-              </a:solidFill>
-              <a:latin typeface="Arial"/>
-            </a:endParaRPr>
-          </a:p>
-          <a:p>
-            <a:pPr lvl="5" marL="2592000" indent="-216000">
-              <a:spcBef>
-                <a:spcPts val="283"/>
-              </a:spcBef>
-              <a:buClr>
-                <a:srgbClr val="000000"/>
-              </a:buClr>
-              <a:buSzPct val="45000"/>
-              <a:buFont typeface="Wingdings" charset="2"/>
-              <a:buChar char=""/>
-            </a:pPr>
-            <a:r>
-              <a:rPr b="0" lang="ru-RU" sz="2000" spc="-1" strike="noStrike">
-                <a:solidFill>
-                  <a:srgbClr val="000000"/>
-                </a:solidFill>
-                <a:latin typeface="Arial"/>
-              </a:rPr>
-              <a:t>Шестой уровень структуры</a:t>
-            </a:r>
-            <a:endParaRPr b="0" lang="ru-RU" sz="2000" spc="-1" strike="noStrike">
-              <a:solidFill>
-                <a:srgbClr val="000000"/>
-              </a:solidFill>
-              <a:latin typeface="Arial"/>
-            </a:endParaRPr>
-          </a:p>
-          <a:p>
-            <a:pPr lvl="6" marL="3024000" indent="-216000">
-              <a:spcBef>
-                <a:spcPts val="283"/>
-              </a:spcBef>
-              <a:buClr>
-                <a:srgbClr val="000000"/>
-              </a:buClr>
-              <a:buSzPct val="45000"/>
-              <a:buFont typeface="Wingdings" charset="2"/>
-              <a:buChar char=""/>
-            </a:pPr>
-            <a:r>
-              <a:rPr b="0" lang="ru-RU" sz="2000" spc="-1" strike="noStrike">
-                <a:solidFill>
-                  <a:srgbClr val="000000"/>
-                </a:solidFill>
-                <a:latin typeface="Arial"/>
-              </a:rPr>
-              <a:t>Седьмой уровень структуры</a:t>
-            </a:r>
-            <a:endParaRPr b="0" lang="ru-RU" sz="2000" spc="-1" strike="noStrike">
-              <a:solidFill>
-                <a:srgbClr val="000000"/>
-              </a:solidFill>
-              <a:latin typeface="Arial"/>
-            </a:endParaRPr>
-          </a:p>
-        </p:txBody>
-      </p:sp>
-      <p:sp>
-        <p:nvSpPr>
-          <p:cNvPr id="78" name="PlaceHolder 3"/>
-          <p:cNvSpPr>
-            <a:spLocks noGrp="1"/>
-          </p:cNvSpPr>
-          <p:nvPr>
-            <p:ph type="body"/>
-          </p:nvPr>
-        </p:nvSpPr>
-        <p:spPr>
-          <a:xfrm>
-            <a:off x="255960" y="3494160"/>
-            <a:ext cx="2834280" cy="2321640"/>
-          </a:xfrm>
-          <a:prstGeom prst="rect">
-            <a:avLst/>
-          </a:prstGeom>
-          <a:noFill/>
-          <a:ln w="0">
-            <a:noFill/>
-          </a:ln>
-        </p:spPr>
-        <p:txBody>
-          <a:bodyPr lIns="91440" rIns="91440" tIns="45720" bIns="45720" anchor="t">
-            <a:normAutofit fontScale="24994" lnSpcReduction="10000"/>
-          </a:bodyPr>
-          <a:p>
-            <a:pPr marL="432000" indent="-324000">
-              <a:spcBef>
-                <a:spcPts val="1417"/>
-              </a:spcBef>
-              <a:buClr>
-                <a:srgbClr val="000000"/>
-              </a:buClr>
-              <a:buSzPct val="45000"/>
-              <a:buFont typeface="Wingdings" charset="2"/>
-              <a:buChar char=""/>
-            </a:pPr>
-            <a:r>
-              <a:rPr b="0" lang="ru-RU" sz="1400" spc="-1" strike="noStrike">
-                <a:solidFill>
-                  <a:srgbClr val="000000"/>
-                </a:solidFill>
-                <a:latin typeface="Arial"/>
-              </a:rPr>
-              <a:t>Для правки структуры щёлкните мышью</a:t>
-            </a:r>
-            <a:endParaRPr b="0" lang="ru-RU" sz="1400" spc="-1" strike="noStrike">
-              <a:solidFill>
-                <a:srgbClr val="000000"/>
-              </a:solidFill>
-              <a:latin typeface="Arial"/>
-            </a:endParaRPr>
-          </a:p>
-          <a:p>
-            <a:pPr lvl="1" marL="864000" indent="-324000">
-              <a:spcBef>
-                <a:spcPts val="1134"/>
-              </a:spcBef>
-              <a:buClr>
-                <a:srgbClr val="000000"/>
-              </a:buClr>
-              <a:buSzPct val="75000"/>
-              <a:buFont typeface="Symbol" charset="2"/>
-              <a:buChar char=""/>
-            </a:pPr>
-            <a:r>
-              <a:rPr b="0" lang="ru-RU" sz="1400" spc="-1" strike="noStrike">
-                <a:solidFill>
-                  <a:srgbClr val="000000"/>
-                </a:solidFill>
-                <a:latin typeface="Arial"/>
-              </a:rPr>
-              <a:t>Второй уровень структуры</a:t>
-            </a:r>
-            <a:endParaRPr b="0" lang="ru-RU" sz="1400" spc="-1" strike="noStrike">
-              <a:solidFill>
-                <a:srgbClr val="000000"/>
-              </a:solidFill>
-              <a:latin typeface="Arial"/>
-            </a:endParaRPr>
-          </a:p>
-          <a:p>
-            <a:pPr lvl="2" marL="1296000" indent="-288000">
-              <a:spcBef>
-                <a:spcPts val="850"/>
-              </a:spcBef>
-              <a:buClr>
-                <a:srgbClr val="000000"/>
-              </a:buClr>
-              <a:buSzPct val="45000"/>
-              <a:buFont typeface="Wingdings" charset="2"/>
-              <a:buChar char=""/>
-            </a:pPr>
-            <a:r>
-              <a:rPr b="0" lang="ru-RU" sz="1400" spc="-1" strike="noStrike">
-                <a:solidFill>
-                  <a:srgbClr val="000000"/>
-                </a:solidFill>
-                <a:latin typeface="Arial"/>
-              </a:rPr>
-              <a:t>Третий уровень структуры</a:t>
-            </a:r>
-            <a:endParaRPr b="0" lang="ru-RU" sz="1400" spc="-1" strike="noStrike">
-              <a:solidFill>
-                <a:srgbClr val="000000"/>
-              </a:solidFill>
-              <a:latin typeface="Arial"/>
-            </a:endParaRPr>
-          </a:p>
-          <a:p>
-            <a:pPr lvl="3" marL="1728000" indent="-216000">
-              <a:spcBef>
-                <a:spcPts val="567"/>
-              </a:spcBef>
-              <a:buClr>
-                <a:srgbClr val="000000"/>
-              </a:buClr>
-              <a:buSzPct val="75000"/>
-              <a:buFont typeface="Symbol" charset="2"/>
-              <a:buChar char=""/>
-            </a:pPr>
-            <a:r>
-              <a:rPr b="0" lang="ru-RU" sz="1400" spc="-1" strike="noStrike">
-                <a:solidFill>
-                  <a:srgbClr val="000000"/>
-                </a:solidFill>
-                <a:latin typeface="Arial"/>
-              </a:rPr>
-              <a:t>Четвёртый уровень структуры</a:t>
-            </a:r>
-            <a:endParaRPr b="0" lang="ru-RU" sz="1400" spc="-1" strike="noStrike">
-              <a:solidFill>
-                <a:srgbClr val="000000"/>
-              </a:solidFill>
-              <a:latin typeface="Arial"/>
-            </a:endParaRPr>
-          </a:p>
-          <a:p>
-            <a:pPr lvl="4" marL="2160000" indent="-216000">
-              <a:spcBef>
-                <a:spcPts val="283"/>
-              </a:spcBef>
-              <a:buClr>
-                <a:srgbClr val="000000"/>
-              </a:buClr>
-              <a:buSzPct val="45000"/>
-              <a:buFont typeface="Wingdings" charset="2"/>
-              <a:buChar char=""/>
-            </a:pPr>
-            <a:r>
-              <a:rPr b="0" lang="ru-RU" sz="1400" spc="-1" strike="noStrike">
-                <a:solidFill>
-                  <a:srgbClr val="000000"/>
-                </a:solidFill>
-                <a:latin typeface="Arial"/>
-              </a:rPr>
-              <a:t>Пятый уровень структуры</a:t>
-            </a:r>
-            <a:endParaRPr b="0" lang="ru-RU" sz="1400" spc="-1" strike="noStrike">
-              <a:solidFill>
-                <a:srgbClr val="000000"/>
-              </a:solidFill>
-              <a:latin typeface="Arial"/>
-            </a:endParaRPr>
-          </a:p>
-          <a:p>
-            <a:pPr lvl="5" marL="2592000" indent="-216000">
-              <a:spcBef>
-                <a:spcPts val="283"/>
-              </a:spcBef>
-              <a:buClr>
-                <a:srgbClr val="000000"/>
-              </a:buClr>
-              <a:buSzPct val="45000"/>
-              <a:buFont typeface="Wingdings" charset="2"/>
-              <a:buChar char=""/>
-            </a:pPr>
-            <a:r>
-              <a:rPr b="0" lang="ru-RU" sz="1400" spc="-1" strike="noStrike">
-                <a:solidFill>
-                  <a:srgbClr val="000000"/>
-                </a:solidFill>
-                <a:latin typeface="Arial"/>
-              </a:rPr>
-              <a:t>Шестой уровень структуры</a:t>
-            </a:r>
-            <a:endParaRPr b="0" lang="ru-RU" sz="1400" spc="-1" strike="noStrike">
-              <a:solidFill>
-                <a:srgbClr val="000000"/>
-              </a:solidFill>
-              <a:latin typeface="Arial"/>
-            </a:endParaRPr>
-          </a:p>
-          <a:p>
-            <a:pPr lvl="6" marL="3024000" indent="-216000">
-              <a:spcBef>
-                <a:spcPts val="283"/>
-              </a:spcBef>
-              <a:buClr>
-                <a:srgbClr val="000000"/>
-              </a:buClr>
-              <a:buSzPct val="45000"/>
-              <a:buFont typeface="Wingdings" charset="2"/>
-              <a:buChar char=""/>
-            </a:pPr>
-            <a:r>
-              <a:rPr b="0" lang="ru-RU" sz="1400" spc="-1" strike="noStrike">
-                <a:solidFill>
-                  <a:srgbClr val="000000"/>
-                </a:solidFill>
-                <a:latin typeface="Arial"/>
-              </a:rPr>
-              <a:t>Седьмой уровень структуры</a:t>
-            </a:r>
-            <a:endParaRPr b="0" lang="ru-RU" sz="1400" spc="-1" strike="noStrike">
-              <a:solidFill>
-                <a:srgbClr val="000000"/>
-              </a:solidFill>
-              <a:latin typeface="Arial"/>
-            </a:endParaRPr>
-          </a:p>
-        </p:txBody>
-      </p:sp>
-      <p:sp>
-        <p:nvSpPr>
-          <p:cNvPr id="79" name="PlaceHolder 4"/>
-          <p:cNvSpPr>
-            <a:spLocks noGrp="1"/>
-          </p:cNvSpPr>
-          <p:nvPr>
-            <p:ph type="dt" idx="28"/>
-          </p:nvPr>
-        </p:nvSpPr>
-        <p:spPr>
-          <a:xfrm>
-            <a:off x="262440" y="6356520"/>
-            <a:ext cx="2742840" cy="364680"/>
-          </a:xfrm>
-          <a:prstGeom prst="rect">
-            <a:avLst/>
-          </a:prstGeom>
-          <a:noFill/>
-          <a:ln w="0">
-            <a:noFill/>
-          </a:ln>
-        </p:spPr>
-        <p:txBody>
-          <a:bodyPr lIns="91440" rIns="91440" tIns="45720" bIns="45720" anchor="ctr">
-            <a:noAutofit/>
-          </a:bodyPr>
-          <a:lstStyle>
-            <a:lvl1pPr indent="0">
-              <a:buNone/>
-              <a:defRPr b="0" lang="ru-RU" sz="1400" spc="-1" strike="noStrike">
-                <a:solidFill>
-                  <a:srgbClr val="000000"/>
-                </a:solidFill>
-                <a:latin typeface="Times New Roman"/>
-              </a:defRPr>
-            </a:lvl1pPr>
-          </a:lstStyle>
-          <a:p>
-            <a:pPr indent="0">
-              <a:buNone/>
-            </a:pPr>
-            <a:r>
-              <a:rPr b="0" lang="ru-RU" sz="1400" spc="-1" strike="noStrike">
-                <a:solidFill>
-                  <a:srgbClr val="000000"/>
-                </a:solidFill>
-                <a:latin typeface="Times New Roman"/>
-              </a:rPr>
-              <a:t>&lt;дата/время&gt;</a:t>
-            </a:r>
-            <a:endParaRPr b="0" lang="ru-RU" sz="1400" spc="-1" strike="noStrike">
-              <a:solidFill>
-                <a:srgbClr val="000000"/>
-              </a:solidFill>
-              <a:latin typeface="Times New Roman"/>
-            </a:endParaRPr>
-          </a:p>
-        </p:txBody>
-      </p:sp>
-      <p:sp>
-        <p:nvSpPr>
-          <p:cNvPr id="80" name="PlaceHolder 5"/>
-          <p:cNvSpPr>
-            <a:spLocks noGrp="1"/>
-          </p:cNvSpPr>
-          <p:nvPr>
-            <p:ph type="ftr" idx="29"/>
-          </p:nvPr>
-        </p:nvSpPr>
-        <p:spPr>
-          <a:xfrm>
             <a:off x="3869280" y="6356520"/>
-            <a:ext cx="5911200" cy="364680"/>
+            <a:ext cx="5910840" cy="364320"/>
           </a:xfrm>
           <a:prstGeom prst="rect">
             <a:avLst/>
@@ -2704,7 +2157,13 @@
           </a:bodyPr>
           <a:lstStyle>
             <a:lvl1pPr indent="0" algn="ctr">
+              <a:lnSpc>
+                <a:spcPct val="100000"/>
+              </a:lnSpc>
               <a:buNone/>
+              <a:tabLst>
+                <a:tab algn="l" pos="0"/>
+              </a:tabLst>
               <a:defRPr b="0" lang="ru-RU" sz="1400" spc="-1" strike="noStrike">
                 <a:solidFill>
                   <a:srgbClr val="000000"/>
@@ -2715,7 +2174,13 @@
           </a:lstStyle>
           <a:p>
             <a:pPr indent="0" algn="ctr">
+              <a:lnSpc>
+                <a:spcPct val="100000"/>
+              </a:lnSpc>
               <a:buNone/>
+              <a:tabLst>
+                <a:tab algn="l" pos="0"/>
+              </a:tabLst>
             </a:pPr>
             <a:r>
               <a:rPr b="0" lang="ru-RU" sz="1400" spc="-1" strike="noStrike">
@@ -2737,18 +2202,18 @@
       </p:sp>
       <p:sp>
         <p:nvSpPr>
-          <p:cNvPr id="81" name="PlaceHolder 6"/>
+          <p:cNvPr id="66" name="PlaceHolder 2"/>
           <p:cNvSpPr>
             <a:spLocks noGrp="1"/>
           </p:cNvSpPr>
           <p:nvPr>
-            <p:ph type="sldNum" idx="30"/>
+            <p:ph type="sldNum" idx="29"/>
           </p:nvPr>
         </p:nvSpPr>
         <p:spPr>
           <a:xfrm>
             <a:off x="10634040" y="6356520"/>
-            <a:ext cx="1530720" cy="364680"/>
+            <a:ext cx="1530360" cy="364320"/>
           </a:xfrm>
           <a:prstGeom prst="rect">
             <a:avLst/>
@@ -2790,7 +2255,7 @@
                 <a:tab algn="l" pos="0"/>
               </a:tabLst>
             </a:pPr>
-            <a:fld id="{8C695504-AB2C-43D8-A9A7-EBF9EE9274CC}" type="slidenum">
+            <a:fld id="{CCEE643D-6C6E-48F2-B8C1-D9F7C773E558}" type="slidenum">
               <a:rPr b="1" lang="ru-RU" sz="1200" spc="-1" strike="noStrike">
                 <a:solidFill>
                   <a:schemeClr val="accent1"/>
@@ -2801,6 +2266,66 @@
               <a:t>&lt;номер&gt;</a:t>
             </a:fld>
             <a:endParaRPr b="0" lang="ru-RU" sz="1200" spc="-1" strike="noStrike">
+              <a:solidFill>
+                <a:srgbClr val="000000"/>
+              </a:solidFill>
+              <a:latin typeface="Times New Roman"/>
+            </a:endParaRPr>
+          </a:p>
+        </p:txBody>
+      </p:sp>
+      <p:sp>
+        <p:nvSpPr>
+          <p:cNvPr id="67" name="PlaceHolder 3"/>
+          <p:cNvSpPr>
+            <a:spLocks noGrp="1"/>
+          </p:cNvSpPr>
+          <p:nvPr>
+            <p:ph type="dt" idx="30"/>
+          </p:nvPr>
+        </p:nvSpPr>
+        <p:spPr>
+          <a:xfrm>
+            <a:off x="262440" y="6356520"/>
+            <a:ext cx="2742480" cy="364320"/>
+          </a:xfrm>
+          <a:prstGeom prst="rect">
+            <a:avLst/>
+          </a:prstGeom>
+          <a:noFill/>
+          <a:ln w="0">
+            <a:noFill/>
+          </a:ln>
+        </p:spPr>
+        <p:txBody>
+          <a:bodyPr lIns="91440" rIns="91440" tIns="45720" bIns="45720" anchor="ctr">
+            <a:noAutofit/>
+          </a:bodyPr>
+          <a:lstStyle>
+            <a:lvl1pPr indent="0">
+              <a:buNone/>
+              <a:defRPr b="0" lang="ru-RU" sz="1400" spc="-1" strike="noStrike">
+                <a:solidFill>
+                  <a:srgbClr val="000000"/>
+                </a:solidFill>
+                <a:latin typeface="Times New Roman"/>
+              </a:defRPr>
+            </a:lvl1pPr>
+          </a:lstStyle>
+          <a:p>
+            <a:pPr indent="0">
+              <a:buNone/>
+            </a:pPr>
+            <a:r>
+              <a:rPr b="0" lang="ru-RU" sz="1400" spc="-1" strike="noStrike">
+                <a:solidFill>
+                  <a:srgbClr val="000000"/>
+                </a:solidFill>
+                <a:latin typeface="Times New Roman"/>
+              </a:rPr>
+              <a:t>&lt;дата/время&gt;</a:t>
+            </a:r>
+            <a:endParaRPr b="0" lang="ru-RU" sz="1400" spc="-1" strike="noStrike">
               <a:solidFill>
                 <a:srgbClr val="000000"/>
               </a:solidFill>
@@ -2844,14 +2369,14 @@
       </p:grpSpPr>
       <p:sp>
         <p:nvSpPr>
-          <p:cNvPr id="82" name="Google Shape;6;p18"/>
+          <p:cNvPr id="68" name="Google Shape;6;p18"/>
           <p:cNvSpPr/>
           <p:nvPr/>
         </p:nvSpPr>
         <p:spPr>
           <a:xfrm>
             <a:off x="0" y="758880"/>
-            <a:ext cx="3443400" cy="5330520"/>
+            <a:ext cx="3443040" cy="5330160"/>
           </a:xfrm>
           <a:prstGeom prst="rect">
             <a:avLst/>
@@ -2870,7 +2395,7 @@
           <a:fontRef idx="minor"/>
         </p:style>
         <p:txBody>
-          <a:bodyPr tIns="91440" bIns="91440" anchor="ctr">
+          <a:bodyPr lIns="90000" rIns="90000" tIns="91440" bIns="91440" anchor="ctr">
             <a:noAutofit/>
           </a:bodyPr>
           <a:p>
@@ -2894,14 +2419,14 @@
       </p:sp>
       <p:sp>
         <p:nvSpPr>
-          <p:cNvPr id="83" name="Google Shape;8;p18"/>
+          <p:cNvPr id="69" name="Google Shape;8;p18"/>
           <p:cNvSpPr/>
           <p:nvPr/>
         </p:nvSpPr>
         <p:spPr>
           <a:xfrm>
             <a:off x="11815920" y="758880"/>
-            <a:ext cx="383760" cy="5330520"/>
+            <a:ext cx="383400" cy="5330160"/>
           </a:xfrm>
           <a:prstGeom prst="rect">
             <a:avLst/>
@@ -2922,7 +2447,7 @@
           <a:fontRef idx="minor"/>
         </p:style>
         <p:txBody>
-          <a:bodyPr tIns="91440" bIns="91440" anchor="ctr">
+          <a:bodyPr lIns="90000" rIns="90000" tIns="91440" bIns="91440" anchor="ctr">
             <a:noAutofit/>
           </a:bodyPr>
           <a:p>
@@ -2946,579 +2471,18 @@
       </p:sp>
       <p:sp>
         <p:nvSpPr>
-          <p:cNvPr id="84" name="PlaceHolder 1"/>
+          <p:cNvPr id="70" name="PlaceHolder 1"/>
           <p:cNvSpPr>
             <a:spLocks noGrp="1"/>
           </p:cNvSpPr>
           <p:nvPr>
-            <p:ph type="title"/>
+            <p:ph type="ftr" idx="31"/>
           </p:nvPr>
         </p:nvSpPr>
         <p:spPr>
           <a:xfrm>
-            <a:off x="255960" y="1143000"/>
-            <a:ext cx="2834280" cy="2377080"/>
-          </a:xfrm>
-          <a:prstGeom prst="rect">
-            <a:avLst/>
-          </a:prstGeom>
-          <a:noFill/>
-          <a:ln w="0">
-            <a:noFill/>
-          </a:ln>
-        </p:spPr>
-        <p:txBody>
-          <a:bodyPr lIns="91440" rIns="91440" tIns="45720" bIns="45720" anchor="b">
-            <a:normAutofit fontScale="93740"/>
-          </a:bodyPr>
-          <a:p>
-            <a:pPr indent="0">
-              <a:buNone/>
-            </a:pPr>
-            <a:r>
-              <a:rPr b="0" lang="ru-RU" sz="3200" spc="-1" strike="noStrike">
-                <a:solidFill>
-                  <a:srgbClr val="000000"/>
-                </a:solidFill>
-                <a:latin typeface="Arial"/>
-              </a:rPr>
-              <a:t>Для правки текста заглавия щёлкните мышью</a:t>
-            </a:r>
-            <a:endParaRPr b="0" lang="ru-RU" sz="3200" spc="-1" strike="noStrike">
-              <a:solidFill>
-                <a:srgbClr val="000000"/>
-              </a:solidFill>
-              <a:latin typeface="Arial"/>
-            </a:endParaRPr>
-          </a:p>
-        </p:txBody>
-      </p:sp>
-      <p:sp>
-        <p:nvSpPr>
-          <p:cNvPr id="85" name="PlaceHolder 2"/>
-          <p:cNvSpPr>
-            <a:spLocks noGrp="1"/>
-          </p:cNvSpPr>
-          <p:nvPr>
-            <p:ph type="body"/>
-          </p:nvPr>
-        </p:nvSpPr>
-        <p:spPr>
-          <a:xfrm>
-            <a:off x="3570480" y="767520"/>
-            <a:ext cx="8114760" cy="5330520"/>
-          </a:xfrm>
-          <a:prstGeom prst="rect">
-            <a:avLst/>
-          </a:prstGeom>
-          <a:solidFill>
-            <a:srgbClr val="bfbfbf"/>
-          </a:solidFill>
-          <a:ln w="0">
-            <a:noFill/>
-          </a:ln>
-        </p:spPr>
-        <p:txBody>
-          <a:bodyPr lIns="90000" rIns="90000" tIns="45000" bIns="45000" anchor="t">
-            <a:normAutofit/>
-          </a:bodyPr>
-          <a:p>
-            <a:pPr marL="432000" indent="-324000">
-              <a:spcBef>
-                <a:spcPts val="1417"/>
-              </a:spcBef>
-              <a:buClr>
-                <a:srgbClr val="000000"/>
-              </a:buClr>
-              <a:buSzPct val="45000"/>
-              <a:buFont typeface="Wingdings" charset="2"/>
-              <a:buChar char=""/>
-            </a:pPr>
-            <a:r>
-              <a:rPr b="0" lang="ru-RU" sz="1800" spc="-1" strike="noStrike">
-                <a:solidFill>
-                  <a:srgbClr val="000000"/>
-                </a:solidFill>
-                <a:latin typeface="Arial"/>
-              </a:rPr>
-              <a:t>Для правки структуры щёлкните мышью</a:t>
-            </a:r>
-            <a:endParaRPr b="0" lang="ru-RU" sz="1800" spc="-1" strike="noStrike">
-              <a:solidFill>
-                <a:srgbClr val="000000"/>
-              </a:solidFill>
-              <a:latin typeface="Arial"/>
-            </a:endParaRPr>
-          </a:p>
-          <a:p>
-            <a:pPr lvl="1" marL="864000" indent="-324000">
-              <a:spcBef>
-                <a:spcPts val="1134"/>
-              </a:spcBef>
-              <a:buClr>
-                <a:srgbClr val="000000"/>
-              </a:buClr>
-              <a:buSzPct val="75000"/>
-              <a:buFont typeface="Symbol" charset="2"/>
-              <a:buChar char=""/>
-            </a:pPr>
-            <a:r>
-              <a:rPr b="0" lang="ru-RU" sz="1800" spc="-1" strike="noStrike">
-                <a:solidFill>
-                  <a:srgbClr val="000000"/>
-                </a:solidFill>
-                <a:latin typeface="Arial"/>
-              </a:rPr>
-              <a:t>Второй уровень структуры</a:t>
-            </a:r>
-            <a:endParaRPr b="0" lang="ru-RU" sz="1800" spc="-1" strike="noStrike">
-              <a:solidFill>
-                <a:srgbClr val="000000"/>
-              </a:solidFill>
-              <a:latin typeface="Arial"/>
-            </a:endParaRPr>
-          </a:p>
-          <a:p>
-            <a:pPr lvl="2" marL="1296000" indent="-288000">
-              <a:spcBef>
-                <a:spcPts val="850"/>
-              </a:spcBef>
-              <a:buClr>
-                <a:srgbClr val="000000"/>
-              </a:buClr>
-              <a:buSzPct val="45000"/>
-              <a:buFont typeface="Wingdings" charset="2"/>
-              <a:buChar char=""/>
-            </a:pPr>
-            <a:r>
-              <a:rPr b="0" lang="ru-RU" sz="1800" spc="-1" strike="noStrike">
-                <a:solidFill>
-                  <a:srgbClr val="000000"/>
-                </a:solidFill>
-                <a:latin typeface="Arial"/>
-              </a:rPr>
-              <a:t>Третий уровень структуры</a:t>
-            </a:r>
-            <a:endParaRPr b="0" lang="ru-RU" sz="1800" spc="-1" strike="noStrike">
-              <a:solidFill>
-                <a:srgbClr val="000000"/>
-              </a:solidFill>
-              <a:latin typeface="Arial"/>
-            </a:endParaRPr>
-          </a:p>
-          <a:p>
-            <a:pPr lvl="3" marL="1728000" indent="-216000">
-              <a:spcBef>
-                <a:spcPts val="567"/>
-              </a:spcBef>
-              <a:buClr>
-                <a:srgbClr val="000000"/>
-              </a:buClr>
-              <a:buSzPct val="75000"/>
-              <a:buFont typeface="Symbol" charset="2"/>
-              <a:buChar char=""/>
-            </a:pPr>
-            <a:r>
-              <a:rPr b="0" lang="ru-RU" sz="1800" spc="-1" strike="noStrike">
-                <a:solidFill>
-                  <a:srgbClr val="000000"/>
-                </a:solidFill>
-                <a:latin typeface="Arial"/>
-              </a:rPr>
-              <a:t>Четвёртый уровень структуры</a:t>
-            </a:r>
-            <a:endParaRPr b="0" lang="ru-RU" sz="1800" spc="-1" strike="noStrike">
-              <a:solidFill>
-                <a:srgbClr val="000000"/>
-              </a:solidFill>
-              <a:latin typeface="Arial"/>
-            </a:endParaRPr>
-          </a:p>
-          <a:p>
-            <a:pPr lvl="4" marL="2160000" indent="-216000">
-              <a:spcBef>
-                <a:spcPts val="283"/>
-              </a:spcBef>
-              <a:buClr>
-                <a:srgbClr val="000000"/>
-              </a:buClr>
-              <a:buSzPct val="45000"/>
-              <a:buFont typeface="Wingdings" charset="2"/>
-              <a:buChar char=""/>
-            </a:pPr>
-            <a:r>
-              <a:rPr b="0" lang="ru-RU" sz="1800" spc="-1" strike="noStrike">
-                <a:solidFill>
-                  <a:srgbClr val="000000"/>
-                </a:solidFill>
-                <a:latin typeface="Arial"/>
-              </a:rPr>
-              <a:t>Пятый уровень структуры</a:t>
-            </a:r>
-            <a:endParaRPr b="0" lang="ru-RU" sz="1800" spc="-1" strike="noStrike">
-              <a:solidFill>
-                <a:srgbClr val="000000"/>
-              </a:solidFill>
-              <a:latin typeface="Arial"/>
-            </a:endParaRPr>
-          </a:p>
-          <a:p>
-            <a:pPr lvl="5" marL="2592000" indent="-216000">
-              <a:spcBef>
-                <a:spcPts val="283"/>
-              </a:spcBef>
-              <a:buClr>
-                <a:srgbClr val="000000"/>
-              </a:buClr>
-              <a:buSzPct val="45000"/>
-              <a:buFont typeface="Wingdings" charset="2"/>
-              <a:buChar char=""/>
-            </a:pPr>
-            <a:r>
-              <a:rPr b="0" lang="ru-RU" sz="1800" spc="-1" strike="noStrike">
-                <a:solidFill>
-                  <a:srgbClr val="000000"/>
-                </a:solidFill>
-                <a:latin typeface="Arial"/>
-              </a:rPr>
-              <a:t>Шестой уровень структуры</a:t>
-            </a:r>
-            <a:endParaRPr b="0" lang="ru-RU" sz="1800" spc="-1" strike="noStrike">
-              <a:solidFill>
-                <a:srgbClr val="000000"/>
-              </a:solidFill>
-              <a:latin typeface="Arial"/>
-            </a:endParaRPr>
-          </a:p>
-          <a:p>
-            <a:pPr lvl="6" marL="3024000" indent="-216000">
-              <a:spcBef>
-                <a:spcPts val="283"/>
-              </a:spcBef>
-              <a:buClr>
-                <a:srgbClr val="000000"/>
-              </a:buClr>
-              <a:buSzPct val="45000"/>
-              <a:buFont typeface="Wingdings" charset="2"/>
-              <a:buChar char=""/>
-            </a:pPr>
-            <a:r>
-              <a:rPr b="0" lang="ru-RU" sz="1800" spc="-1" strike="noStrike">
-                <a:solidFill>
-                  <a:srgbClr val="000000"/>
-                </a:solidFill>
-                <a:latin typeface="Arial"/>
-              </a:rPr>
-              <a:t>Седьмой уровень структуры</a:t>
-            </a:r>
-            <a:endParaRPr b="0" lang="ru-RU" sz="1800" spc="-1" strike="noStrike">
-              <a:solidFill>
-                <a:srgbClr val="000000"/>
-              </a:solidFill>
-              <a:latin typeface="Arial"/>
-            </a:endParaRPr>
-          </a:p>
-        </p:txBody>
-      </p:sp>
-      <p:sp>
-        <p:nvSpPr>
-          <p:cNvPr id="86" name="PlaceHolder 3"/>
-          <p:cNvSpPr>
-            <a:spLocks noGrp="1"/>
-          </p:cNvSpPr>
-          <p:nvPr>
-            <p:ph type="body"/>
-          </p:nvPr>
-        </p:nvSpPr>
-        <p:spPr>
-          <a:xfrm>
-            <a:off x="255960" y="3493080"/>
-            <a:ext cx="2834280" cy="2322360"/>
-          </a:xfrm>
-          <a:prstGeom prst="rect">
-            <a:avLst/>
-          </a:prstGeom>
-          <a:noFill/>
-          <a:ln w="0">
-            <a:noFill/>
-          </a:ln>
-        </p:spPr>
-        <p:txBody>
-          <a:bodyPr lIns="91440" rIns="91440" tIns="45720" bIns="45720" anchor="t">
-            <a:normAutofit fontScale="24994" lnSpcReduction="10000"/>
-          </a:bodyPr>
-          <a:p>
-            <a:pPr marL="432000" indent="-324000">
-              <a:spcBef>
-                <a:spcPts val="1417"/>
-              </a:spcBef>
-              <a:buClr>
-                <a:srgbClr val="000000"/>
-              </a:buClr>
-              <a:buSzPct val="45000"/>
-              <a:buFont typeface="Wingdings" charset="2"/>
-              <a:buChar char=""/>
-            </a:pPr>
-            <a:r>
-              <a:rPr b="0" lang="ru-RU" sz="1400" spc="-1" strike="noStrike">
-                <a:solidFill>
-                  <a:srgbClr val="000000"/>
-                </a:solidFill>
-                <a:latin typeface="Arial"/>
-              </a:rPr>
-              <a:t>Для правки структуры щёлкните мышью</a:t>
-            </a:r>
-            <a:endParaRPr b="0" lang="ru-RU" sz="1400" spc="-1" strike="noStrike">
-              <a:solidFill>
-                <a:srgbClr val="000000"/>
-              </a:solidFill>
-              <a:latin typeface="Arial"/>
-            </a:endParaRPr>
-          </a:p>
-          <a:p>
-            <a:pPr lvl="1" marL="864000" indent="-324000">
-              <a:spcBef>
-                <a:spcPts val="1134"/>
-              </a:spcBef>
-              <a:buClr>
-                <a:srgbClr val="000000"/>
-              </a:buClr>
-              <a:buSzPct val="75000"/>
-              <a:buFont typeface="Symbol" charset="2"/>
-              <a:buChar char=""/>
-            </a:pPr>
-            <a:r>
-              <a:rPr b="0" lang="ru-RU" sz="1400" spc="-1" strike="noStrike">
-                <a:solidFill>
-                  <a:srgbClr val="000000"/>
-                </a:solidFill>
-                <a:latin typeface="Arial"/>
-              </a:rPr>
-              <a:t>Второй уровень структуры</a:t>
-            </a:r>
-            <a:endParaRPr b="0" lang="ru-RU" sz="1400" spc="-1" strike="noStrike">
-              <a:solidFill>
-                <a:srgbClr val="000000"/>
-              </a:solidFill>
-              <a:latin typeface="Arial"/>
-            </a:endParaRPr>
-          </a:p>
-          <a:p>
-            <a:pPr lvl="2" marL="1296000" indent="-288000">
-              <a:spcBef>
-                <a:spcPts val="850"/>
-              </a:spcBef>
-              <a:buClr>
-                <a:srgbClr val="000000"/>
-              </a:buClr>
-              <a:buSzPct val="45000"/>
-              <a:buFont typeface="Wingdings" charset="2"/>
-              <a:buChar char=""/>
-            </a:pPr>
-            <a:r>
-              <a:rPr b="0" lang="ru-RU" sz="1400" spc="-1" strike="noStrike">
-                <a:solidFill>
-                  <a:srgbClr val="000000"/>
-                </a:solidFill>
-                <a:latin typeface="Arial"/>
-              </a:rPr>
-              <a:t>Третий уровень структуры</a:t>
-            </a:r>
-            <a:endParaRPr b="0" lang="ru-RU" sz="1400" spc="-1" strike="noStrike">
-              <a:solidFill>
-                <a:srgbClr val="000000"/>
-              </a:solidFill>
-              <a:latin typeface="Arial"/>
-            </a:endParaRPr>
-          </a:p>
-          <a:p>
-            <a:pPr lvl="3" marL="1728000" indent="-216000">
-              <a:spcBef>
-                <a:spcPts val="567"/>
-              </a:spcBef>
-              <a:buClr>
-                <a:srgbClr val="000000"/>
-              </a:buClr>
-              <a:buSzPct val="75000"/>
-              <a:buFont typeface="Symbol" charset="2"/>
-              <a:buChar char=""/>
-            </a:pPr>
-            <a:r>
-              <a:rPr b="0" lang="ru-RU" sz="1400" spc="-1" strike="noStrike">
-                <a:solidFill>
-                  <a:srgbClr val="000000"/>
-                </a:solidFill>
-                <a:latin typeface="Arial"/>
-              </a:rPr>
-              <a:t>Четвёртый уровень структуры</a:t>
-            </a:r>
-            <a:endParaRPr b="0" lang="ru-RU" sz="1400" spc="-1" strike="noStrike">
-              <a:solidFill>
-                <a:srgbClr val="000000"/>
-              </a:solidFill>
-              <a:latin typeface="Arial"/>
-            </a:endParaRPr>
-          </a:p>
-          <a:p>
-            <a:pPr lvl="4" marL="2160000" indent="-216000">
-              <a:spcBef>
-                <a:spcPts val="283"/>
-              </a:spcBef>
-              <a:buClr>
-                <a:srgbClr val="000000"/>
-              </a:buClr>
-              <a:buSzPct val="45000"/>
-              <a:buFont typeface="Wingdings" charset="2"/>
-              <a:buChar char=""/>
-            </a:pPr>
-            <a:r>
-              <a:rPr b="0" lang="ru-RU" sz="1400" spc="-1" strike="noStrike">
-                <a:solidFill>
-                  <a:srgbClr val="000000"/>
-                </a:solidFill>
-                <a:latin typeface="Arial"/>
-              </a:rPr>
-              <a:t>Пятый уровень структуры</a:t>
-            </a:r>
-            <a:endParaRPr b="0" lang="ru-RU" sz="1400" spc="-1" strike="noStrike">
-              <a:solidFill>
-                <a:srgbClr val="000000"/>
-              </a:solidFill>
-              <a:latin typeface="Arial"/>
-            </a:endParaRPr>
-          </a:p>
-          <a:p>
-            <a:pPr lvl="5" marL="2592000" indent="-216000">
-              <a:spcBef>
-                <a:spcPts val="283"/>
-              </a:spcBef>
-              <a:buClr>
-                <a:srgbClr val="000000"/>
-              </a:buClr>
-              <a:buSzPct val="45000"/>
-              <a:buFont typeface="Wingdings" charset="2"/>
-              <a:buChar char=""/>
-            </a:pPr>
-            <a:r>
-              <a:rPr b="0" lang="ru-RU" sz="1400" spc="-1" strike="noStrike">
-                <a:solidFill>
-                  <a:srgbClr val="000000"/>
-                </a:solidFill>
-                <a:latin typeface="Arial"/>
-              </a:rPr>
-              <a:t>Шестой уровень структуры</a:t>
-            </a:r>
-            <a:endParaRPr b="0" lang="ru-RU" sz="1400" spc="-1" strike="noStrike">
-              <a:solidFill>
-                <a:srgbClr val="000000"/>
-              </a:solidFill>
-              <a:latin typeface="Arial"/>
-            </a:endParaRPr>
-          </a:p>
-          <a:p>
-            <a:pPr lvl="6" marL="3024000" indent="-216000">
-              <a:spcBef>
-                <a:spcPts val="283"/>
-              </a:spcBef>
-              <a:buClr>
-                <a:srgbClr val="000000"/>
-              </a:buClr>
-              <a:buSzPct val="45000"/>
-              <a:buFont typeface="Wingdings" charset="2"/>
-              <a:buChar char=""/>
-            </a:pPr>
-            <a:r>
-              <a:rPr b="0" lang="ru-RU" sz="1400" spc="-1" strike="noStrike">
-                <a:solidFill>
-                  <a:srgbClr val="000000"/>
-                </a:solidFill>
-                <a:latin typeface="Arial"/>
-              </a:rPr>
-              <a:t>Седьмой уровень структуры</a:t>
-            </a:r>
-            <a:endParaRPr b="0" lang="ru-RU" sz="1400" spc="-1" strike="noStrike">
-              <a:solidFill>
-                <a:srgbClr val="000000"/>
-              </a:solidFill>
-              <a:latin typeface="Arial"/>
-            </a:endParaRPr>
-          </a:p>
-        </p:txBody>
-      </p:sp>
-      <p:sp>
-        <p:nvSpPr>
-          <p:cNvPr id="87" name="PlaceHolder 4"/>
-          <p:cNvSpPr>
-            <a:spLocks noGrp="1"/>
-          </p:cNvSpPr>
-          <p:nvPr>
-            <p:ph type="dt" idx="31"/>
-          </p:nvPr>
-        </p:nvSpPr>
-        <p:spPr>
-          <a:xfrm>
-            <a:off x="262440" y="6356520"/>
-            <a:ext cx="2742840" cy="364680"/>
-          </a:xfrm>
-          <a:prstGeom prst="rect">
-            <a:avLst/>
-          </a:prstGeom>
-          <a:noFill/>
-          <a:ln w="0">
-            <a:noFill/>
-          </a:ln>
-        </p:spPr>
-        <p:txBody>
-          <a:bodyPr lIns="91440" rIns="91440" tIns="45720" bIns="45720" anchor="ctr">
-            <a:noAutofit/>
-          </a:bodyPr>
-          <a:lstStyle>
-            <a:lvl1pPr indent="0">
-              <a:buNone/>
-              <a:defRPr b="0" lang="ru-RU" sz="1400" spc="-1" strike="noStrike">
-                <a:solidFill>
-                  <a:srgbClr val="000000"/>
-                </a:solidFill>
-                <a:latin typeface="Times New Roman"/>
-              </a:defRPr>
-            </a:lvl1pPr>
-          </a:lstStyle>
-          <a:p>
-            <a:pPr indent="0">
-              <a:buNone/>
-            </a:pPr>
-            <a:r>
-              <a:rPr b="0" lang="ru-RU" sz="1400" spc="-1" strike="noStrike">
-                <a:solidFill>
-                  <a:srgbClr val="000000"/>
-                </a:solidFill>
-                <a:latin typeface="Times New Roman"/>
-              </a:rPr>
-              <a:t>&lt;дата/время&gt;</a:t>
-            </a:r>
-            <a:endParaRPr b="0" lang="ru-RU" sz="1400" spc="-1" strike="noStrike">
-              <a:solidFill>
-                <a:srgbClr val="000000"/>
-              </a:solidFill>
-              <a:latin typeface="Times New Roman"/>
-            </a:endParaRPr>
-          </a:p>
-        </p:txBody>
-      </p:sp>
-      <p:sp>
-        <p:nvSpPr>
-          <p:cNvPr id="88" name="PlaceHolder 5"/>
-          <p:cNvSpPr>
-            <a:spLocks noGrp="1"/>
-          </p:cNvSpPr>
-          <p:nvPr>
-            <p:ph type="ftr" idx="32"/>
-          </p:nvPr>
-        </p:nvSpPr>
-        <p:spPr>
-          <a:xfrm>
             <a:off x="3499200" y="6356520"/>
-            <a:ext cx="5911200" cy="364680"/>
+            <a:ext cx="5910840" cy="364320"/>
           </a:xfrm>
           <a:prstGeom prst="rect">
             <a:avLst/>
@@ -3534,7 +2498,13 @@
           </a:bodyPr>
           <a:lstStyle>
             <a:lvl1pPr indent="0" algn="ctr">
+              <a:lnSpc>
+                <a:spcPct val="100000"/>
+              </a:lnSpc>
               <a:buNone/>
+              <a:tabLst>
+                <a:tab algn="l" pos="0"/>
+              </a:tabLst>
               <a:defRPr b="0" lang="ru-RU" sz="1400" spc="-1" strike="noStrike">
                 <a:solidFill>
                   <a:srgbClr val="000000"/>
@@ -3545,7 +2515,13 @@
           </a:lstStyle>
           <a:p>
             <a:pPr indent="0" algn="ctr">
+              <a:lnSpc>
+                <a:spcPct val="100000"/>
+              </a:lnSpc>
               <a:buNone/>
+              <a:tabLst>
+                <a:tab algn="l" pos="0"/>
+              </a:tabLst>
             </a:pPr>
             <a:r>
               <a:rPr b="0" lang="ru-RU" sz="1400" spc="-1" strike="noStrike">
@@ -3567,18 +2543,18 @@
       </p:sp>
       <p:sp>
         <p:nvSpPr>
-          <p:cNvPr id="89" name="PlaceHolder 6"/>
+          <p:cNvPr id="71" name="PlaceHolder 2"/>
           <p:cNvSpPr>
             <a:spLocks noGrp="1"/>
           </p:cNvSpPr>
           <p:nvPr>
-            <p:ph type="sldNum" idx="33"/>
+            <p:ph type="sldNum" idx="32"/>
           </p:nvPr>
         </p:nvSpPr>
         <p:spPr>
           <a:xfrm>
             <a:off x="10634040" y="6356520"/>
-            <a:ext cx="1530720" cy="364680"/>
+            <a:ext cx="1530360" cy="364320"/>
           </a:xfrm>
           <a:prstGeom prst="rect">
             <a:avLst/>
@@ -3620,7 +2596,7 @@
                 <a:tab algn="l" pos="0"/>
               </a:tabLst>
             </a:pPr>
-            <a:fld id="{805D3D56-51DF-4422-8E4A-7C52A1FA4BFD}" type="slidenum">
+            <a:fld id="{6F6BB642-5DB4-4433-B7D5-26009213AC65}" type="slidenum">
               <a:rPr b="1" lang="ru-RU" sz="1200" spc="-1" strike="noStrike">
                 <a:solidFill>
                   <a:schemeClr val="accent1"/>
@@ -3631,6 +2607,66 @@
               <a:t>&lt;номер&gt;</a:t>
             </a:fld>
             <a:endParaRPr b="0" lang="ru-RU" sz="1200" spc="-1" strike="noStrike">
+              <a:solidFill>
+                <a:srgbClr val="000000"/>
+              </a:solidFill>
+              <a:latin typeface="Times New Roman"/>
+            </a:endParaRPr>
+          </a:p>
+        </p:txBody>
+      </p:sp>
+      <p:sp>
+        <p:nvSpPr>
+          <p:cNvPr id="72" name="PlaceHolder 3"/>
+          <p:cNvSpPr>
+            <a:spLocks noGrp="1"/>
+          </p:cNvSpPr>
+          <p:nvPr>
+            <p:ph type="dt" idx="33"/>
+          </p:nvPr>
+        </p:nvSpPr>
+        <p:spPr>
+          <a:xfrm>
+            <a:off x="262440" y="6356520"/>
+            <a:ext cx="2742480" cy="364320"/>
+          </a:xfrm>
+          <a:prstGeom prst="rect">
+            <a:avLst/>
+          </a:prstGeom>
+          <a:noFill/>
+          <a:ln w="0">
+            <a:noFill/>
+          </a:ln>
+        </p:spPr>
+        <p:txBody>
+          <a:bodyPr lIns="91440" rIns="91440" tIns="45720" bIns="45720" anchor="ctr">
+            <a:noAutofit/>
+          </a:bodyPr>
+          <a:lstStyle>
+            <a:lvl1pPr indent="0">
+              <a:buNone/>
+              <a:defRPr b="0" lang="ru-RU" sz="1400" spc="-1" strike="noStrike">
+                <a:solidFill>
+                  <a:srgbClr val="000000"/>
+                </a:solidFill>
+                <a:latin typeface="Times New Roman"/>
+              </a:defRPr>
+            </a:lvl1pPr>
+          </a:lstStyle>
+          <a:p>
+            <a:pPr indent="0">
+              <a:buNone/>
+            </a:pPr>
+            <a:r>
+              <a:rPr b="0" lang="ru-RU" sz="1400" spc="-1" strike="noStrike">
+                <a:solidFill>
+                  <a:srgbClr val="000000"/>
+                </a:solidFill>
+                <a:latin typeface="Times New Roman"/>
+              </a:rPr>
+              <a:t>&lt;дата/время&gt;</a:t>
+            </a:r>
+            <a:endParaRPr b="0" lang="ru-RU" sz="1400" spc="-1" strike="noStrike">
               <a:solidFill>
                 <a:srgbClr val="000000"/>
               </a:solidFill>
@@ -3681,7 +2717,7 @@
         <p:spPr>
           <a:xfrm>
             <a:off x="0" y="758880"/>
-            <a:ext cx="3443400" cy="5330520"/>
+            <a:ext cx="3443040" cy="5330160"/>
           </a:xfrm>
           <a:prstGeom prst="rect">
             <a:avLst/>
@@ -3700,7 +2736,7 @@
           <a:fontRef idx="minor"/>
         </p:style>
         <p:txBody>
-          <a:bodyPr tIns="91440" bIns="91440" anchor="ctr">
+          <a:bodyPr lIns="90000" rIns="90000" tIns="91440" bIns="91440" anchor="ctr">
             <a:noAutofit/>
           </a:bodyPr>
           <a:p>
@@ -3731,7 +2767,7 @@
         <p:spPr>
           <a:xfrm>
             <a:off x="11815920" y="758880"/>
-            <a:ext cx="383760" cy="5330520"/>
+            <a:ext cx="383400" cy="5330160"/>
           </a:xfrm>
           <a:prstGeom prst="rect">
             <a:avLst/>
@@ -3752,7 +2788,7 @@
           <a:fontRef idx="minor"/>
         </p:style>
         <p:txBody>
-          <a:bodyPr tIns="91440" bIns="91440" anchor="ctr">
+          <a:bodyPr lIns="90000" rIns="90000" tIns="91440" bIns="91440" anchor="ctr">
             <a:noAutofit/>
           </a:bodyPr>
           <a:p>
@@ -3781,13 +2817,13 @@
             <a:spLocks noGrp="1"/>
           </p:cNvSpPr>
           <p:nvPr>
-            <p:ph type="title"/>
+            <p:ph type="ftr" idx="4"/>
           </p:nvPr>
         </p:nvSpPr>
         <p:spPr>
           <a:xfrm>
-            <a:off x="253080" y="1123920"/>
-            <a:ext cx="2946960" cy="4600800"/>
+            <a:off x="3869280" y="6356520"/>
+            <a:ext cx="5910840" cy="364320"/>
           </a:xfrm>
           <a:prstGeom prst="rect">
             <a:avLst/>
@@ -3799,26 +2835,49 @@
         </p:spPr>
         <p:txBody>
           <a:bodyPr lIns="91440" rIns="91440" tIns="45720" bIns="45720" anchor="ctr">
-            <a:normAutofit/>
+            <a:noAutofit/>
           </a:bodyPr>
-          <a:p>
-            <a:pPr indent="0">
+          <a:lstStyle>
+            <a:lvl1pPr indent="0" algn="ctr">
+              <a:lnSpc>
+                <a:spcPct val="100000"/>
+              </a:lnSpc>
               <a:buNone/>
-            </a:pPr>
-            <a:r>
-              <a:rPr b="0" lang="ru-RU" sz="3600" spc="-1" strike="noStrike">
+              <a:tabLst>
+                <a:tab algn="l" pos="0"/>
+              </a:tabLst>
+              <a:defRPr b="0" lang="ru-RU" sz="1400" spc="-1" strike="noStrike">
                 <a:solidFill>
                   <a:srgbClr val="000000"/>
                 </a:solidFill>
-                <a:latin typeface="Arial"/>
-              </a:rPr>
-              <a:t>Для правки текста заглавия щёлкните мышью</a:t>
-            </a:r>
-            <a:endParaRPr b="0" lang="ru-RU" sz="3600" spc="-1" strike="noStrike">
-              <a:solidFill>
-                <a:srgbClr val="000000"/>
-              </a:solidFill>
-              <a:latin typeface="Arial"/>
+                <a:latin typeface="Times New Roman"/>
+              </a:defRPr>
+            </a:lvl1pPr>
+          </a:lstStyle>
+          <a:p>
+            <a:pPr indent="0" algn="ctr">
+              <a:lnSpc>
+                <a:spcPct val="100000"/>
+              </a:lnSpc>
+              <a:buNone/>
+              <a:tabLst>
+                <a:tab algn="l" pos="0"/>
+              </a:tabLst>
+            </a:pPr>
+            <a:r>
+              <a:rPr b="0" lang="ru-RU" sz="1400" spc="-1" strike="noStrike">
+                <a:solidFill>
+                  <a:srgbClr val="000000"/>
+                </a:solidFill>
+                <a:latin typeface="Times New Roman"/>
+              </a:rPr>
+              <a:t>&lt;нижний колонтитул&gt;</a:t>
+            </a:r>
+            <a:endParaRPr b="0" lang="ru-RU" sz="1400" spc="-1" strike="noStrike">
+              <a:solidFill>
+                <a:srgbClr val="000000"/>
+              </a:solidFill>
+              <a:latin typeface="Times New Roman"/>
             </a:endParaRPr>
           </a:p>
         </p:txBody>
@@ -3830,358 +2889,13 @@
             <a:spLocks noGrp="1"/>
           </p:cNvSpPr>
           <p:nvPr>
-            <p:ph type="body"/>
+            <p:ph type="sldNum" idx="5"/>
           </p:nvPr>
         </p:nvSpPr>
         <p:spPr>
-          <a:xfrm rot="5400000">
-            <a:off x="4966920" y="-233280"/>
-            <a:ext cx="5120280" cy="7314840"/>
-          </a:xfrm>
-          <a:prstGeom prst="rect">
-            <a:avLst/>
-          </a:prstGeom>
-          <a:noFill/>
-          <a:ln w="0">
-            <a:noFill/>
-          </a:ln>
-        </p:spPr>
-        <p:txBody>
-          <a:bodyPr lIns="91440" rIns="91440" tIns="45720" bIns="45720" anchor="t">
-            <a:normAutofit/>
-          </a:bodyPr>
-          <a:p>
-            <a:pPr marL="432000" indent="-324000">
-              <a:spcBef>
-                <a:spcPts val="1417"/>
-              </a:spcBef>
-              <a:buClr>
-                <a:srgbClr val="000000"/>
-              </a:buClr>
-              <a:buSzPct val="45000"/>
-              <a:buFont typeface="Wingdings" charset="2"/>
-              <a:buChar char=""/>
-            </a:pPr>
-            <a:r>
-              <a:rPr b="0" lang="ru-RU" sz="2000" spc="-1" strike="noStrike">
-                <a:solidFill>
-                  <a:srgbClr val="000000"/>
-                </a:solidFill>
-                <a:latin typeface="Arial"/>
-              </a:rPr>
-              <a:t>Для правки структуры щёлкните мышью</a:t>
-            </a:r>
-            <a:endParaRPr b="0" lang="ru-RU" sz="2000" spc="-1" strike="noStrike">
-              <a:solidFill>
-                <a:srgbClr val="000000"/>
-              </a:solidFill>
-              <a:latin typeface="Arial"/>
-            </a:endParaRPr>
-          </a:p>
-          <a:p>
-            <a:pPr lvl="1" marL="864000" indent="-324000">
-              <a:spcBef>
-                <a:spcPts val="1134"/>
-              </a:spcBef>
-              <a:buClr>
-                <a:srgbClr val="000000"/>
-              </a:buClr>
-              <a:buSzPct val="75000"/>
-              <a:buFont typeface="Symbol" charset="2"/>
-              <a:buChar char=""/>
-            </a:pPr>
-            <a:r>
-              <a:rPr b="0" lang="ru-RU" sz="2000" spc="-1" strike="noStrike">
-                <a:solidFill>
-                  <a:srgbClr val="000000"/>
-                </a:solidFill>
-                <a:latin typeface="Arial"/>
-              </a:rPr>
-              <a:t>Второй уровень структуры</a:t>
-            </a:r>
-            <a:endParaRPr b="0" lang="ru-RU" sz="2000" spc="-1" strike="noStrike">
-              <a:solidFill>
-                <a:srgbClr val="000000"/>
-              </a:solidFill>
-              <a:latin typeface="Arial"/>
-            </a:endParaRPr>
-          </a:p>
-          <a:p>
-            <a:pPr lvl="2" marL="1296000" indent="-288000">
-              <a:spcBef>
-                <a:spcPts val="850"/>
-              </a:spcBef>
-              <a:buClr>
-                <a:srgbClr val="000000"/>
-              </a:buClr>
-              <a:buSzPct val="45000"/>
-              <a:buFont typeface="Wingdings" charset="2"/>
-              <a:buChar char=""/>
-            </a:pPr>
-            <a:r>
-              <a:rPr b="0" lang="ru-RU" sz="2000" spc="-1" strike="noStrike">
-                <a:solidFill>
-                  <a:srgbClr val="000000"/>
-                </a:solidFill>
-                <a:latin typeface="Arial"/>
-              </a:rPr>
-              <a:t>Третий уровень структуры</a:t>
-            </a:r>
-            <a:endParaRPr b="0" lang="ru-RU" sz="2000" spc="-1" strike="noStrike">
-              <a:solidFill>
-                <a:srgbClr val="000000"/>
-              </a:solidFill>
-              <a:latin typeface="Arial"/>
-            </a:endParaRPr>
-          </a:p>
-          <a:p>
-            <a:pPr lvl="3" marL="1728000" indent="-216000">
-              <a:spcBef>
-                <a:spcPts val="567"/>
-              </a:spcBef>
-              <a:buClr>
-                <a:srgbClr val="000000"/>
-              </a:buClr>
-              <a:buSzPct val="75000"/>
-              <a:buFont typeface="Symbol" charset="2"/>
-              <a:buChar char=""/>
-            </a:pPr>
-            <a:r>
-              <a:rPr b="0" lang="ru-RU" sz="2000" spc="-1" strike="noStrike">
-                <a:solidFill>
-                  <a:srgbClr val="000000"/>
-                </a:solidFill>
-                <a:latin typeface="Arial"/>
-              </a:rPr>
-              <a:t>Четвёртый уровень структуры</a:t>
-            </a:r>
-            <a:endParaRPr b="0" lang="ru-RU" sz="2000" spc="-1" strike="noStrike">
-              <a:solidFill>
-                <a:srgbClr val="000000"/>
-              </a:solidFill>
-              <a:latin typeface="Arial"/>
-            </a:endParaRPr>
-          </a:p>
-          <a:p>
-            <a:pPr lvl="4" marL="2160000" indent="-216000">
-              <a:spcBef>
-                <a:spcPts val="283"/>
-              </a:spcBef>
-              <a:buClr>
-                <a:srgbClr val="000000"/>
-              </a:buClr>
-              <a:buSzPct val="45000"/>
-              <a:buFont typeface="Wingdings" charset="2"/>
-              <a:buChar char=""/>
-            </a:pPr>
-            <a:r>
-              <a:rPr b="0" lang="ru-RU" sz="2000" spc="-1" strike="noStrike">
-                <a:solidFill>
-                  <a:srgbClr val="000000"/>
-                </a:solidFill>
-                <a:latin typeface="Arial"/>
-              </a:rPr>
-              <a:t>Пятый уровень структуры</a:t>
-            </a:r>
-            <a:endParaRPr b="0" lang="ru-RU" sz="2000" spc="-1" strike="noStrike">
-              <a:solidFill>
-                <a:srgbClr val="000000"/>
-              </a:solidFill>
-              <a:latin typeface="Arial"/>
-            </a:endParaRPr>
-          </a:p>
-          <a:p>
-            <a:pPr lvl="5" marL="2592000" indent="-216000">
-              <a:spcBef>
-                <a:spcPts val="283"/>
-              </a:spcBef>
-              <a:buClr>
-                <a:srgbClr val="000000"/>
-              </a:buClr>
-              <a:buSzPct val="45000"/>
-              <a:buFont typeface="Wingdings" charset="2"/>
-              <a:buChar char=""/>
-            </a:pPr>
-            <a:r>
-              <a:rPr b="0" lang="ru-RU" sz="2000" spc="-1" strike="noStrike">
-                <a:solidFill>
-                  <a:srgbClr val="000000"/>
-                </a:solidFill>
-                <a:latin typeface="Arial"/>
-              </a:rPr>
-              <a:t>Шестой уровень структуры</a:t>
-            </a:r>
-            <a:endParaRPr b="0" lang="ru-RU" sz="2000" spc="-1" strike="noStrike">
-              <a:solidFill>
-                <a:srgbClr val="000000"/>
-              </a:solidFill>
-              <a:latin typeface="Arial"/>
-            </a:endParaRPr>
-          </a:p>
-          <a:p>
-            <a:pPr lvl="6" marL="3024000" indent="-216000">
-              <a:spcBef>
-                <a:spcPts val="283"/>
-              </a:spcBef>
-              <a:buClr>
-                <a:srgbClr val="000000"/>
-              </a:buClr>
-              <a:buSzPct val="45000"/>
-              <a:buFont typeface="Wingdings" charset="2"/>
-              <a:buChar char=""/>
-            </a:pPr>
-            <a:r>
-              <a:rPr b="0" lang="ru-RU" sz="2000" spc="-1" strike="noStrike">
-                <a:solidFill>
-                  <a:srgbClr val="000000"/>
-                </a:solidFill>
-                <a:latin typeface="Arial"/>
-              </a:rPr>
-              <a:t>Седьмой уровень структуры</a:t>
-            </a:r>
-            <a:endParaRPr b="0" lang="ru-RU" sz="2000" spc="-1" strike="noStrike">
-              <a:solidFill>
-                <a:srgbClr val="000000"/>
-              </a:solidFill>
-              <a:latin typeface="Arial"/>
-            </a:endParaRPr>
-          </a:p>
-        </p:txBody>
-      </p:sp>
-      <p:sp>
-        <p:nvSpPr>
-          <p:cNvPr id="15" name="PlaceHolder 3"/>
-          <p:cNvSpPr>
-            <a:spLocks noGrp="1"/>
-          </p:cNvSpPr>
-          <p:nvPr>
-            <p:ph type="dt" idx="4"/>
-          </p:nvPr>
-        </p:nvSpPr>
-        <p:spPr>
-          <a:xfrm>
-            <a:off x="262440" y="6356520"/>
-            <a:ext cx="2742840" cy="364680"/>
-          </a:xfrm>
-          <a:prstGeom prst="rect">
-            <a:avLst/>
-          </a:prstGeom>
-          <a:noFill/>
-          <a:ln w="0">
-            <a:noFill/>
-          </a:ln>
-        </p:spPr>
-        <p:txBody>
-          <a:bodyPr lIns="91440" rIns="91440" tIns="45720" bIns="45720" anchor="ctr">
-            <a:noAutofit/>
-          </a:bodyPr>
-          <a:lstStyle>
-            <a:lvl1pPr indent="0">
-              <a:buNone/>
-              <a:defRPr b="0" lang="ru-RU" sz="1400" spc="-1" strike="noStrike">
-                <a:solidFill>
-                  <a:srgbClr val="000000"/>
-                </a:solidFill>
-                <a:latin typeface="Times New Roman"/>
-              </a:defRPr>
-            </a:lvl1pPr>
-          </a:lstStyle>
-          <a:p>
-            <a:pPr indent="0">
-              <a:buNone/>
-            </a:pPr>
-            <a:r>
-              <a:rPr b="0" lang="ru-RU" sz="1400" spc="-1" strike="noStrike">
-                <a:solidFill>
-                  <a:srgbClr val="000000"/>
-                </a:solidFill>
-                <a:latin typeface="Times New Roman"/>
-              </a:rPr>
-              <a:t>&lt;дата/время&gt;</a:t>
-            </a:r>
-            <a:endParaRPr b="0" lang="ru-RU" sz="1400" spc="-1" strike="noStrike">
-              <a:solidFill>
-                <a:srgbClr val="000000"/>
-              </a:solidFill>
-              <a:latin typeface="Times New Roman"/>
-            </a:endParaRPr>
-          </a:p>
-        </p:txBody>
-      </p:sp>
-      <p:sp>
-        <p:nvSpPr>
-          <p:cNvPr id="16" name="PlaceHolder 4"/>
-          <p:cNvSpPr>
-            <a:spLocks noGrp="1"/>
-          </p:cNvSpPr>
-          <p:nvPr>
-            <p:ph type="ftr" idx="5"/>
-          </p:nvPr>
-        </p:nvSpPr>
-        <p:spPr>
-          <a:xfrm>
-            <a:off x="3869280" y="6356520"/>
-            <a:ext cx="5911200" cy="364680"/>
-          </a:xfrm>
-          <a:prstGeom prst="rect">
-            <a:avLst/>
-          </a:prstGeom>
-          <a:noFill/>
-          <a:ln w="0">
-            <a:noFill/>
-          </a:ln>
-        </p:spPr>
-        <p:txBody>
-          <a:bodyPr lIns="91440" rIns="91440" tIns="45720" bIns="45720" anchor="ctr">
-            <a:noAutofit/>
-          </a:bodyPr>
-          <a:lstStyle>
-            <a:lvl1pPr indent="0" algn="ctr">
-              <a:buNone/>
-              <a:defRPr b="0" lang="ru-RU" sz="1400" spc="-1" strike="noStrike">
-                <a:solidFill>
-                  <a:srgbClr val="000000"/>
-                </a:solidFill>
-                <a:latin typeface="Times New Roman"/>
-              </a:defRPr>
-            </a:lvl1pPr>
-          </a:lstStyle>
-          <a:p>
-            <a:pPr indent="0" algn="ctr">
-              <a:buNone/>
-            </a:pPr>
-            <a:r>
-              <a:rPr b="0" lang="ru-RU" sz="1400" spc="-1" strike="noStrike">
-                <a:solidFill>
-                  <a:srgbClr val="000000"/>
-                </a:solidFill>
-                <a:latin typeface="Times New Roman"/>
-              </a:rPr>
-              <a:t>&lt;нижний колонтитул&gt;</a:t>
-            </a:r>
-            <a:endParaRPr b="0" lang="ru-RU" sz="1400" spc="-1" strike="noStrike">
-              <a:solidFill>
-                <a:srgbClr val="000000"/>
-              </a:solidFill>
-              <a:latin typeface="Times New Roman"/>
-            </a:endParaRPr>
-          </a:p>
-        </p:txBody>
-      </p:sp>
-      <p:sp>
-        <p:nvSpPr>
-          <p:cNvPr id="17" name="PlaceHolder 5"/>
-          <p:cNvSpPr>
-            <a:spLocks noGrp="1"/>
-          </p:cNvSpPr>
-          <p:nvPr>
-            <p:ph type="sldNum" idx="6"/>
-          </p:nvPr>
-        </p:nvSpPr>
-        <p:spPr>
           <a:xfrm>
             <a:off x="10634040" y="6356520"/>
-            <a:ext cx="1530720" cy="364680"/>
+            <a:ext cx="1530360" cy="364320"/>
           </a:xfrm>
           <a:prstGeom prst="rect">
             <a:avLst/>
@@ -4223,7 +2937,7 @@
                 <a:tab algn="l" pos="0"/>
               </a:tabLst>
             </a:pPr>
-            <a:fld id="{A74A7D03-6716-4E3B-8595-72AA1DA9085E}" type="slidenum">
+            <a:fld id="{15010BB1-0FD7-41BF-BD8C-964D6D263503}" type="slidenum">
               <a:rPr b="1" lang="ru-RU" sz="1200" spc="-1" strike="noStrike">
                 <a:solidFill>
                   <a:schemeClr val="accent1"/>
@@ -4234,6 +2948,66 @@
               <a:t>&lt;номер&gt;</a:t>
             </a:fld>
             <a:endParaRPr b="0" lang="ru-RU" sz="1200" spc="-1" strike="noStrike">
+              <a:solidFill>
+                <a:srgbClr val="000000"/>
+              </a:solidFill>
+              <a:latin typeface="Times New Roman"/>
+            </a:endParaRPr>
+          </a:p>
+        </p:txBody>
+      </p:sp>
+      <p:sp>
+        <p:nvSpPr>
+          <p:cNvPr id="15" name="PlaceHolder 3"/>
+          <p:cNvSpPr>
+            <a:spLocks noGrp="1"/>
+          </p:cNvSpPr>
+          <p:nvPr>
+            <p:ph type="dt" idx="6"/>
+          </p:nvPr>
+        </p:nvSpPr>
+        <p:spPr>
+          <a:xfrm>
+            <a:off x="262440" y="6356520"/>
+            <a:ext cx="2742480" cy="364320"/>
+          </a:xfrm>
+          <a:prstGeom prst="rect">
+            <a:avLst/>
+          </a:prstGeom>
+          <a:noFill/>
+          <a:ln w="0">
+            <a:noFill/>
+          </a:ln>
+        </p:spPr>
+        <p:txBody>
+          <a:bodyPr lIns="91440" rIns="91440" tIns="45720" bIns="45720" anchor="ctr">
+            <a:noAutofit/>
+          </a:bodyPr>
+          <a:lstStyle>
+            <a:lvl1pPr indent="0">
+              <a:buNone/>
+              <a:defRPr b="0" lang="ru-RU" sz="1400" spc="-1" strike="noStrike">
+                <a:solidFill>
+                  <a:srgbClr val="000000"/>
+                </a:solidFill>
+                <a:latin typeface="Times New Roman"/>
+              </a:defRPr>
+            </a:lvl1pPr>
+          </a:lstStyle>
+          <a:p>
+            <a:pPr indent="0">
+              <a:buNone/>
+            </a:pPr>
+            <a:r>
+              <a:rPr b="0" lang="ru-RU" sz="1400" spc="-1" strike="noStrike">
+                <a:solidFill>
+                  <a:srgbClr val="000000"/>
+                </a:solidFill>
+                <a:latin typeface="Times New Roman"/>
+              </a:rPr>
+              <a:t>&lt;дата/время&gt;</a:t>
+            </a:r>
+            <a:endParaRPr b="0" lang="ru-RU" sz="1400" spc="-1" strike="noStrike">
               <a:solidFill>
                 <a:srgbClr val="000000"/>
               </a:solidFill>
@@ -4277,14 +3051,14 @@
       </p:grpSpPr>
       <p:sp>
         <p:nvSpPr>
-          <p:cNvPr id="18" name="Google Shape;6;p18"/>
+          <p:cNvPr id="16" name="Google Shape;6;p18"/>
           <p:cNvSpPr/>
           <p:nvPr/>
         </p:nvSpPr>
         <p:spPr>
           <a:xfrm>
             <a:off x="0" y="758880"/>
-            <a:ext cx="3443400" cy="5330520"/>
+            <a:ext cx="3443040" cy="5330160"/>
           </a:xfrm>
           <a:prstGeom prst="rect">
             <a:avLst/>
@@ -4303,7 +3077,7 @@
           <a:fontRef idx="minor"/>
         </p:style>
         <p:txBody>
-          <a:bodyPr tIns="91440" bIns="91440" anchor="ctr">
+          <a:bodyPr lIns="90000" rIns="90000" tIns="91440" bIns="91440" anchor="ctr">
             <a:noAutofit/>
           </a:bodyPr>
           <a:p>
@@ -4327,14 +3101,14 @@
       </p:sp>
       <p:sp>
         <p:nvSpPr>
-          <p:cNvPr id="19" name="Google Shape;8;p18"/>
+          <p:cNvPr id="17" name="Google Shape;8;p18"/>
           <p:cNvSpPr/>
           <p:nvPr/>
         </p:nvSpPr>
         <p:spPr>
           <a:xfrm>
             <a:off x="11815920" y="758880"/>
-            <a:ext cx="383760" cy="5330520"/>
+            <a:ext cx="383400" cy="5330160"/>
           </a:xfrm>
           <a:prstGeom prst="rect">
             <a:avLst/>
@@ -4355,7 +3129,7 @@
           <a:fontRef idx="minor"/>
         </p:style>
         <p:txBody>
-          <a:bodyPr tIns="91440" bIns="91440" anchor="ctr">
+          <a:bodyPr lIns="90000" rIns="90000" tIns="91440" bIns="91440" anchor="ctr">
             <a:noAutofit/>
           </a:bodyPr>
           <a:p>
@@ -4379,352 +3153,18 @@
       </p:sp>
       <p:sp>
         <p:nvSpPr>
-          <p:cNvPr id="20" name="PlaceHolder 1"/>
+          <p:cNvPr id="18" name="PlaceHolder 1"/>
           <p:cNvSpPr>
             <a:spLocks noGrp="1"/>
           </p:cNvSpPr>
           <p:nvPr>
-            <p:ph type="title"/>
+            <p:ph type="ftr" idx="7"/>
           </p:nvPr>
         </p:nvSpPr>
         <p:spPr>
-          <a:xfrm rot="5400000">
-            <a:off x="-685440" y="2057040"/>
-            <a:ext cx="4952520" cy="2819160"/>
-          </a:xfrm>
-          <a:prstGeom prst="rect">
-            <a:avLst/>
-          </a:prstGeom>
-          <a:noFill/>
-          <a:ln w="0">
-            <a:noFill/>
-          </a:ln>
-        </p:spPr>
-        <p:txBody>
-          <a:bodyPr lIns="91440" rIns="91440" tIns="45720" bIns="45720" anchor="ctr">
-            <a:normAutofit/>
-          </a:bodyPr>
-          <a:p>
-            <a:pPr indent="0">
-              <a:buNone/>
-            </a:pPr>
-            <a:r>
-              <a:rPr b="0" lang="ru-RU" sz="3600" spc="-1" strike="noStrike">
-                <a:solidFill>
-                  <a:srgbClr val="000000"/>
-                </a:solidFill>
-                <a:latin typeface="Arial"/>
-              </a:rPr>
-              <a:t>Для правки текста заглавия щёлкните мышью</a:t>
-            </a:r>
-            <a:endParaRPr b="0" lang="ru-RU" sz="3600" spc="-1" strike="noStrike">
-              <a:solidFill>
-                <a:srgbClr val="000000"/>
-              </a:solidFill>
-              <a:latin typeface="Arial"/>
-            </a:endParaRPr>
-          </a:p>
-        </p:txBody>
-      </p:sp>
-      <p:sp>
-        <p:nvSpPr>
-          <p:cNvPr id="21" name="PlaceHolder 2"/>
-          <p:cNvSpPr>
-            <a:spLocks noGrp="1"/>
-          </p:cNvSpPr>
-          <p:nvPr>
-            <p:ph type="body"/>
-          </p:nvPr>
-        </p:nvSpPr>
-        <p:spPr>
-          <a:xfrm rot="5400000">
-            <a:off x="4965480" y="-228600"/>
-            <a:ext cx="5120280" cy="7314840"/>
-          </a:xfrm>
-          <a:prstGeom prst="rect">
-            <a:avLst/>
-          </a:prstGeom>
-          <a:noFill/>
-          <a:ln w="0">
-            <a:noFill/>
-          </a:ln>
-        </p:spPr>
-        <p:txBody>
-          <a:bodyPr lIns="91440" rIns="91440" tIns="45720" bIns="45720" anchor="t">
-            <a:normAutofit/>
-          </a:bodyPr>
-          <a:p>
-            <a:pPr marL="432000" indent="-324000">
-              <a:spcBef>
-                <a:spcPts val="1417"/>
-              </a:spcBef>
-              <a:buClr>
-                <a:srgbClr val="000000"/>
-              </a:buClr>
-              <a:buSzPct val="45000"/>
-              <a:buFont typeface="Wingdings" charset="2"/>
-              <a:buChar char=""/>
-            </a:pPr>
-            <a:r>
-              <a:rPr b="0" lang="ru-RU" sz="2000" spc="-1" strike="noStrike">
-                <a:solidFill>
-                  <a:srgbClr val="000000"/>
-                </a:solidFill>
-                <a:latin typeface="Arial"/>
-              </a:rPr>
-              <a:t>Для правки структуры щёлкните мышью</a:t>
-            </a:r>
-            <a:endParaRPr b="0" lang="ru-RU" sz="2000" spc="-1" strike="noStrike">
-              <a:solidFill>
-                <a:srgbClr val="000000"/>
-              </a:solidFill>
-              <a:latin typeface="Arial"/>
-            </a:endParaRPr>
-          </a:p>
-          <a:p>
-            <a:pPr lvl="1" marL="864000" indent="-324000">
-              <a:spcBef>
-                <a:spcPts val="1134"/>
-              </a:spcBef>
-              <a:buClr>
-                <a:srgbClr val="000000"/>
-              </a:buClr>
-              <a:buSzPct val="75000"/>
-              <a:buFont typeface="Symbol" charset="2"/>
-              <a:buChar char=""/>
-            </a:pPr>
-            <a:r>
-              <a:rPr b="0" lang="ru-RU" sz="2000" spc="-1" strike="noStrike">
-                <a:solidFill>
-                  <a:srgbClr val="000000"/>
-                </a:solidFill>
-                <a:latin typeface="Arial"/>
-              </a:rPr>
-              <a:t>Второй уровень структуры</a:t>
-            </a:r>
-            <a:endParaRPr b="0" lang="ru-RU" sz="2000" spc="-1" strike="noStrike">
-              <a:solidFill>
-                <a:srgbClr val="000000"/>
-              </a:solidFill>
-              <a:latin typeface="Arial"/>
-            </a:endParaRPr>
-          </a:p>
-          <a:p>
-            <a:pPr lvl="2" marL="1296000" indent="-288000">
-              <a:spcBef>
-                <a:spcPts val="850"/>
-              </a:spcBef>
-              <a:buClr>
-                <a:srgbClr val="000000"/>
-              </a:buClr>
-              <a:buSzPct val="45000"/>
-              <a:buFont typeface="Wingdings" charset="2"/>
-              <a:buChar char=""/>
-            </a:pPr>
-            <a:r>
-              <a:rPr b="0" lang="ru-RU" sz="2000" spc="-1" strike="noStrike">
-                <a:solidFill>
-                  <a:srgbClr val="000000"/>
-                </a:solidFill>
-                <a:latin typeface="Arial"/>
-              </a:rPr>
-              <a:t>Третий уровень структуры</a:t>
-            </a:r>
-            <a:endParaRPr b="0" lang="ru-RU" sz="2000" spc="-1" strike="noStrike">
-              <a:solidFill>
-                <a:srgbClr val="000000"/>
-              </a:solidFill>
-              <a:latin typeface="Arial"/>
-            </a:endParaRPr>
-          </a:p>
-          <a:p>
-            <a:pPr lvl="3" marL="1728000" indent="-216000">
-              <a:spcBef>
-                <a:spcPts val="567"/>
-              </a:spcBef>
-              <a:buClr>
-                <a:srgbClr val="000000"/>
-              </a:buClr>
-              <a:buSzPct val="75000"/>
-              <a:buFont typeface="Symbol" charset="2"/>
-              <a:buChar char=""/>
-            </a:pPr>
-            <a:r>
-              <a:rPr b="0" lang="ru-RU" sz="2000" spc="-1" strike="noStrike">
-                <a:solidFill>
-                  <a:srgbClr val="000000"/>
-                </a:solidFill>
-                <a:latin typeface="Arial"/>
-              </a:rPr>
-              <a:t>Четвёртый уровень структуры</a:t>
-            </a:r>
-            <a:endParaRPr b="0" lang="ru-RU" sz="2000" spc="-1" strike="noStrike">
-              <a:solidFill>
-                <a:srgbClr val="000000"/>
-              </a:solidFill>
-              <a:latin typeface="Arial"/>
-            </a:endParaRPr>
-          </a:p>
-          <a:p>
-            <a:pPr lvl="4" marL="2160000" indent="-216000">
-              <a:spcBef>
-                <a:spcPts val="283"/>
-              </a:spcBef>
-              <a:buClr>
-                <a:srgbClr val="000000"/>
-              </a:buClr>
-              <a:buSzPct val="45000"/>
-              <a:buFont typeface="Wingdings" charset="2"/>
-              <a:buChar char=""/>
-            </a:pPr>
-            <a:r>
-              <a:rPr b="0" lang="ru-RU" sz="2000" spc="-1" strike="noStrike">
-                <a:solidFill>
-                  <a:srgbClr val="000000"/>
-                </a:solidFill>
-                <a:latin typeface="Arial"/>
-              </a:rPr>
-              <a:t>Пятый уровень структуры</a:t>
-            </a:r>
-            <a:endParaRPr b="0" lang="ru-RU" sz="2000" spc="-1" strike="noStrike">
-              <a:solidFill>
-                <a:srgbClr val="000000"/>
-              </a:solidFill>
-              <a:latin typeface="Arial"/>
-            </a:endParaRPr>
-          </a:p>
-          <a:p>
-            <a:pPr lvl="5" marL="2592000" indent="-216000">
-              <a:spcBef>
-                <a:spcPts val="283"/>
-              </a:spcBef>
-              <a:buClr>
-                <a:srgbClr val="000000"/>
-              </a:buClr>
-              <a:buSzPct val="45000"/>
-              <a:buFont typeface="Wingdings" charset="2"/>
-              <a:buChar char=""/>
-            </a:pPr>
-            <a:r>
-              <a:rPr b="0" lang="ru-RU" sz="2000" spc="-1" strike="noStrike">
-                <a:solidFill>
-                  <a:srgbClr val="000000"/>
-                </a:solidFill>
-                <a:latin typeface="Arial"/>
-              </a:rPr>
-              <a:t>Шестой уровень структуры</a:t>
-            </a:r>
-            <a:endParaRPr b="0" lang="ru-RU" sz="2000" spc="-1" strike="noStrike">
-              <a:solidFill>
-                <a:srgbClr val="000000"/>
-              </a:solidFill>
-              <a:latin typeface="Arial"/>
-            </a:endParaRPr>
-          </a:p>
-          <a:p>
-            <a:pPr lvl="6" marL="3024000" indent="-216000">
-              <a:spcBef>
-                <a:spcPts val="283"/>
-              </a:spcBef>
-              <a:buClr>
-                <a:srgbClr val="000000"/>
-              </a:buClr>
-              <a:buSzPct val="45000"/>
-              <a:buFont typeface="Wingdings" charset="2"/>
-              <a:buChar char=""/>
-            </a:pPr>
-            <a:r>
-              <a:rPr b="0" lang="ru-RU" sz="2000" spc="-1" strike="noStrike">
-                <a:solidFill>
-                  <a:srgbClr val="000000"/>
-                </a:solidFill>
-                <a:latin typeface="Arial"/>
-              </a:rPr>
-              <a:t>Седьмой уровень структуры</a:t>
-            </a:r>
-            <a:endParaRPr b="0" lang="ru-RU" sz="2000" spc="-1" strike="noStrike">
-              <a:solidFill>
-                <a:srgbClr val="000000"/>
-              </a:solidFill>
-              <a:latin typeface="Arial"/>
-            </a:endParaRPr>
-          </a:p>
-        </p:txBody>
-      </p:sp>
-      <p:sp>
-        <p:nvSpPr>
-          <p:cNvPr id="22" name="PlaceHolder 3"/>
-          <p:cNvSpPr>
-            <a:spLocks noGrp="1"/>
-          </p:cNvSpPr>
-          <p:nvPr>
-            <p:ph type="dt" idx="7"/>
-          </p:nvPr>
-        </p:nvSpPr>
-        <p:spPr>
-          <a:xfrm>
-            <a:off x="262440" y="6356520"/>
-            <a:ext cx="2742840" cy="364680"/>
-          </a:xfrm>
-          <a:prstGeom prst="rect">
-            <a:avLst/>
-          </a:prstGeom>
-          <a:noFill/>
-          <a:ln w="0">
-            <a:noFill/>
-          </a:ln>
-        </p:spPr>
-        <p:txBody>
-          <a:bodyPr lIns="91440" rIns="91440" tIns="45720" bIns="45720" anchor="ctr">
-            <a:noAutofit/>
-          </a:bodyPr>
-          <a:lstStyle>
-            <a:lvl1pPr indent="0">
-              <a:buNone/>
-              <a:defRPr b="0" lang="ru-RU" sz="1400" spc="-1" strike="noStrike">
-                <a:solidFill>
-                  <a:srgbClr val="000000"/>
-                </a:solidFill>
-                <a:latin typeface="Times New Roman"/>
-              </a:defRPr>
-            </a:lvl1pPr>
-          </a:lstStyle>
-          <a:p>
-            <a:pPr indent="0">
-              <a:buNone/>
-            </a:pPr>
-            <a:r>
-              <a:rPr b="0" lang="ru-RU" sz="1400" spc="-1" strike="noStrike">
-                <a:solidFill>
-                  <a:srgbClr val="000000"/>
-                </a:solidFill>
-                <a:latin typeface="Times New Roman"/>
-              </a:rPr>
-              <a:t>&lt;дата/время&gt;</a:t>
-            </a:r>
-            <a:endParaRPr b="0" lang="ru-RU" sz="1400" spc="-1" strike="noStrike">
-              <a:solidFill>
-                <a:srgbClr val="000000"/>
-              </a:solidFill>
-              <a:latin typeface="Times New Roman"/>
-            </a:endParaRPr>
-          </a:p>
-        </p:txBody>
-      </p:sp>
-      <p:sp>
-        <p:nvSpPr>
-          <p:cNvPr id="23" name="PlaceHolder 4"/>
-          <p:cNvSpPr>
-            <a:spLocks noGrp="1"/>
-          </p:cNvSpPr>
-          <p:nvPr>
-            <p:ph type="ftr" idx="8"/>
-          </p:nvPr>
-        </p:nvSpPr>
-        <p:spPr>
           <a:xfrm>
             <a:off x="3869280" y="6356520"/>
-            <a:ext cx="5911200" cy="364680"/>
+            <a:ext cx="5910840" cy="364320"/>
           </a:xfrm>
           <a:prstGeom prst="rect">
             <a:avLst/>
@@ -4740,7 +3180,13 @@
           </a:bodyPr>
           <a:lstStyle>
             <a:lvl1pPr indent="0" algn="ctr">
+              <a:lnSpc>
+                <a:spcPct val="100000"/>
+              </a:lnSpc>
               <a:buNone/>
+              <a:tabLst>
+                <a:tab algn="l" pos="0"/>
+              </a:tabLst>
               <a:defRPr b="0" lang="ru-RU" sz="1400" spc="-1" strike="noStrike">
                 <a:solidFill>
                   <a:srgbClr val="000000"/>
@@ -4751,7 +3197,13 @@
           </a:lstStyle>
           <a:p>
             <a:pPr indent="0" algn="ctr">
+              <a:lnSpc>
+                <a:spcPct val="100000"/>
+              </a:lnSpc>
               <a:buNone/>
+              <a:tabLst>
+                <a:tab algn="l" pos="0"/>
+              </a:tabLst>
             </a:pPr>
             <a:r>
               <a:rPr b="0" lang="ru-RU" sz="1400" spc="-1" strike="noStrike">
@@ -4773,18 +3225,18 @@
       </p:sp>
       <p:sp>
         <p:nvSpPr>
-          <p:cNvPr id="24" name="PlaceHolder 5"/>
+          <p:cNvPr id="19" name="PlaceHolder 2"/>
           <p:cNvSpPr>
             <a:spLocks noGrp="1"/>
           </p:cNvSpPr>
           <p:nvPr>
-            <p:ph type="sldNum" idx="9"/>
+            <p:ph type="sldNum" idx="8"/>
           </p:nvPr>
         </p:nvSpPr>
         <p:spPr>
           <a:xfrm>
             <a:off x="10634040" y="6356520"/>
-            <a:ext cx="1530720" cy="364680"/>
+            <a:ext cx="1530360" cy="364320"/>
           </a:xfrm>
           <a:prstGeom prst="rect">
             <a:avLst/>
@@ -4826,7 +3278,7 @@
                 <a:tab algn="l" pos="0"/>
               </a:tabLst>
             </a:pPr>
-            <a:fld id="{0EED3978-DDF4-4BE9-891C-44541E566DBE}" type="slidenum">
+            <a:fld id="{991C2AFB-06A7-44D1-876F-4319B81328DE}" type="slidenum">
               <a:rPr b="1" lang="ru-RU" sz="1200" spc="-1" strike="noStrike">
                 <a:solidFill>
                   <a:schemeClr val="accent1"/>
@@ -4837,6 +3289,66 @@
               <a:t>&lt;номер&gt;</a:t>
             </a:fld>
             <a:endParaRPr b="0" lang="ru-RU" sz="1200" spc="-1" strike="noStrike">
+              <a:solidFill>
+                <a:srgbClr val="000000"/>
+              </a:solidFill>
+              <a:latin typeface="Times New Roman"/>
+            </a:endParaRPr>
+          </a:p>
+        </p:txBody>
+      </p:sp>
+      <p:sp>
+        <p:nvSpPr>
+          <p:cNvPr id="20" name="PlaceHolder 3"/>
+          <p:cNvSpPr>
+            <a:spLocks noGrp="1"/>
+          </p:cNvSpPr>
+          <p:nvPr>
+            <p:ph type="dt" idx="9"/>
+          </p:nvPr>
+        </p:nvSpPr>
+        <p:spPr>
+          <a:xfrm>
+            <a:off x="262440" y="6356520"/>
+            <a:ext cx="2742480" cy="364320"/>
+          </a:xfrm>
+          <a:prstGeom prst="rect">
+            <a:avLst/>
+          </a:prstGeom>
+          <a:noFill/>
+          <a:ln w="0">
+            <a:noFill/>
+          </a:ln>
+        </p:spPr>
+        <p:txBody>
+          <a:bodyPr lIns="91440" rIns="91440" tIns="45720" bIns="45720" anchor="ctr">
+            <a:noAutofit/>
+          </a:bodyPr>
+          <a:lstStyle>
+            <a:lvl1pPr indent="0">
+              <a:buNone/>
+              <a:defRPr b="0" lang="ru-RU" sz="1400" spc="-1" strike="noStrike">
+                <a:solidFill>
+                  <a:srgbClr val="000000"/>
+                </a:solidFill>
+                <a:latin typeface="Times New Roman"/>
+              </a:defRPr>
+            </a:lvl1pPr>
+          </a:lstStyle>
+          <a:p>
+            <a:pPr indent="0">
+              <a:buNone/>
+            </a:pPr>
+            <a:r>
+              <a:rPr b="0" lang="ru-RU" sz="1400" spc="-1" strike="noStrike">
+                <a:solidFill>
+                  <a:srgbClr val="000000"/>
+                </a:solidFill>
+                <a:latin typeface="Times New Roman"/>
+              </a:rPr>
+              <a:t>&lt;дата/время&gt;</a:t>
+            </a:r>
+            <a:endParaRPr b="0" lang="ru-RU" sz="1400" spc="-1" strike="noStrike">
               <a:solidFill>
                 <a:srgbClr val="000000"/>
               </a:solidFill>
@@ -4880,14 +3392,14 @@
       </p:grpSpPr>
       <p:sp>
         <p:nvSpPr>
-          <p:cNvPr id="25" name="Google Shape;6;p18"/>
+          <p:cNvPr id="21" name="Google Shape;6;p18"/>
           <p:cNvSpPr/>
           <p:nvPr/>
         </p:nvSpPr>
         <p:spPr>
           <a:xfrm>
             <a:off x="0" y="758880"/>
-            <a:ext cx="3443400" cy="5330520"/>
+            <a:ext cx="3443040" cy="5330160"/>
           </a:xfrm>
           <a:prstGeom prst="rect">
             <a:avLst/>
@@ -4906,7 +3418,7 @@
           <a:fontRef idx="minor"/>
         </p:style>
         <p:txBody>
-          <a:bodyPr tIns="91440" bIns="91440" anchor="ctr">
+          <a:bodyPr lIns="90000" rIns="90000" tIns="91440" bIns="91440" anchor="ctr">
             <a:noAutofit/>
           </a:bodyPr>
           <a:p>
@@ -4930,14 +3442,14 @@
       </p:sp>
       <p:sp>
         <p:nvSpPr>
-          <p:cNvPr id="26" name="Google Shape;8;p18"/>
+          <p:cNvPr id="22" name="Google Shape;8;p18"/>
           <p:cNvSpPr/>
           <p:nvPr/>
         </p:nvSpPr>
         <p:spPr>
           <a:xfrm>
             <a:off x="11815920" y="758880"/>
-            <a:ext cx="383760" cy="5330520"/>
+            <a:ext cx="383400" cy="5330160"/>
           </a:xfrm>
           <a:prstGeom prst="rect">
             <a:avLst/>
@@ -4958,7 +3470,7 @@
           <a:fontRef idx="minor"/>
         </p:style>
         <p:txBody>
-          <a:bodyPr tIns="91440" bIns="91440" anchor="ctr">
+          <a:bodyPr lIns="90000" rIns="90000" tIns="91440" bIns="91440" anchor="ctr">
             <a:noAutofit/>
           </a:bodyPr>
           <a:p>
@@ -4982,7 +3494,7 @@
       </p:sp>
       <p:sp>
         <p:nvSpPr>
-          <p:cNvPr id="27" name="PlaceHolder 1"/>
+          <p:cNvPr id="23" name="PlaceHolder 1"/>
           <p:cNvSpPr>
             <a:spLocks noGrp="1"/>
           </p:cNvSpPr>
@@ -4992,8 +3504,8 @@
         </p:nvSpPr>
         <p:spPr>
           <a:xfrm>
-            <a:off x="253080" y="1123920"/>
-            <a:ext cx="2946960" cy="4600800"/>
+            <a:off x="1069920" y="1298520"/>
+            <a:ext cx="7314480" cy="3254400"/>
           </a:xfrm>
           <a:prstGeom prst="rect">
             <a:avLst/>
@@ -5004,15 +3516,15 @@
           </a:ln>
         </p:spPr>
         <p:txBody>
-          <a:bodyPr lIns="91440" rIns="91440" tIns="45720" bIns="45720" anchor="ctr">
-            <a:normAutofit/>
+          <a:bodyPr lIns="0" rIns="0" tIns="0" bIns="0" anchor="ctr">
+            <a:noAutofit/>
           </a:bodyPr>
           <a:p>
             <a:pPr indent="0">
               <a:buNone/>
             </a:pPr>
             <a:r>
-              <a:rPr b="0" lang="ru-RU" sz="3600" spc="-1" strike="noStrike">
+              <a:rPr b="0" lang="ru-RU" sz="1800" spc="-1" strike="noStrike">
                 <a:solidFill>
                   <a:srgbClr val="000000"/>
                 </a:solidFill>
@@ -5020,7 +3532,7 @@
               </a:rPr>
               <a:t>Для правки текста заглавия щёлкните мышью</a:t>
             </a:r>
-            <a:endParaRPr b="0" lang="ru-RU" sz="3600" spc="-1" strike="noStrike">
+            <a:endParaRPr b="0" lang="ru-RU" sz="1800" spc="-1" strike="noStrike">
               <a:solidFill>
                 <a:srgbClr val="000000"/>
               </a:solidFill>
@@ -5031,7 +3543,7 @@
       </p:sp>
       <p:sp>
         <p:nvSpPr>
-          <p:cNvPr id="28" name="PlaceHolder 2"/>
+          <p:cNvPr id="24" name="PlaceHolder 2"/>
           <p:cNvSpPr>
             <a:spLocks noGrp="1"/>
           </p:cNvSpPr>
@@ -5041,8 +3553,8 @@
         </p:nvSpPr>
         <p:spPr>
           <a:xfrm>
-            <a:off x="3869280" y="864000"/>
-            <a:ext cx="7314840" cy="5120280"/>
+            <a:off x="609480" y="1604520"/>
+            <a:ext cx="10972080" cy="3976920"/>
           </a:xfrm>
           <a:prstGeom prst="rect">
             <a:avLst/>
@@ -5053,7 +3565,7 @@
           </a:ln>
         </p:spPr>
         <p:txBody>
-          <a:bodyPr lIns="91440" rIns="91440" tIns="45720" bIns="45720" anchor="ctr">
+          <a:bodyPr lIns="0" rIns="0" tIns="0" bIns="0" anchor="t">
             <a:normAutofit/>
           </a:bodyPr>
           <a:p>
@@ -5069,7 +3581,7 @@
               <a:buChar char=""/>
             </a:pPr>
             <a:r>
-              <a:rPr b="0" lang="ru-RU" sz="2000" spc="-1" strike="noStrike">
+              <a:rPr b="0" lang="ru-RU" sz="1800" spc="-1" strike="noStrike">
                 <a:solidFill>
                   <a:srgbClr val="000000"/>
                 </a:solidFill>
@@ -5077,7 +3589,7 @@
               </a:rPr>
               <a:t>Для правки структуры щёлкните мышью</a:t>
             </a:r>
-            <a:endParaRPr b="0" lang="ru-RU" sz="2000" spc="-1" strike="noStrike">
+            <a:endParaRPr b="0" lang="ru-RU" sz="1800" spc="-1" strike="noStrike">
               <a:solidFill>
                 <a:srgbClr val="000000"/>
               </a:solidFill>
@@ -5097,7 +3609,7 @@
               <a:buChar char=""/>
             </a:pPr>
             <a:r>
-              <a:rPr b="0" lang="ru-RU" sz="2000" spc="-1" strike="noStrike">
+              <a:rPr b="0" lang="ru-RU" sz="1800" spc="-1" strike="noStrike">
                 <a:solidFill>
                   <a:srgbClr val="000000"/>
                 </a:solidFill>
@@ -5105,7 +3617,7 @@
               </a:rPr>
               <a:t>Второй уровень структуры</a:t>
             </a:r>
-            <a:endParaRPr b="0" lang="ru-RU" sz="2000" spc="-1" strike="noStrike">
+            <a:endParaRPr b="0" lang="ru-RU" sz="1800" spc="-1" strike="noStrike">
               <a:solidFill>
                 <a:srgbClr val="000000"/>
               </a:solidFill>
@@ -5125,7 +3637,7 @@
               <a:buChar char=""/>
             </a:pPr>
             <a:r>
-              <a:rPr b="0" lang="ru-RU" sz="2000" spc="-1" strike="noStrike">
+              <a:rPr b="0" lang="ru-RU" sz="1800" spc="-1" strike="noStrike">
                 <a:solidFill>
                   <a:srgbClr val="000000"/>
                 </a:solidFill>
@@ -5133,7 +3645,7 @@
               </a:rPr>
               <a:t>Третий уровень структуры</a:t>
             </a:r>
-            <a:endParaRPr b="0" lang="ru-RU" sz="2000" spc="-1" strike="noStrike">
+            <a:endParaRPr b="0" lang="ru-RU" sz="1800" spc="-1" strike="noStrike">
               <a:solidFill>
                 <a:srgbClr val="000000"/>
               </a:solidFill>
@@ -5153,7 +3665,7 @@
               <a:buChar char=""/>
             </a:pPr>
             <a:r>
-              <a:rPr b="0" lang="ru-RU" sz="2000" spc="-1" strike="noStrike">
+              <a:rPr b="0" lang="ru-RU" sz="1800" spc="-1" strike="noStrike">
                 <a:solidFill>
                   <a:srgbClr val="000000"/>
                 </a:solidFill>
@@ -5161,7 +3673,7 @@
               </a:rPr>
               <a:t>Четвёртый уровень структуры</a:t>
             </a:r>
-            <a:endParaRPr b="0" lang="ru-RU" sz="2000" spc="-1" strike="noStrike">
+            <a:endParaRPr b="0" lang="ru-RU" sz="1800" spc="-1" strike="noStrike">
               <a:solidFill>
                 <a:srgbClr val="000000"/>
               </a:solidFill>
@@ -5181,7 +3693,7 @@
               <a:buChar char=""/>
             </a:pPr>
             <a:r>
-              <a:rPr b="0" lang="ru-RU" sz="2000" spc="-1" strike="noStrike">
+              <a:rPr b="0" lang="ru-RU" sz="1800" spc="-1" strike="noStrike">
                 <a:solidFill>
                   <a:srgbClr val="000000"/>
                 </a:solidFill>
@@ -5189,7 +3701,7 @@
               </a:rPr>
               <a:t>Пятый уровень структуры</a:t>
             </a:r>
-            <a:endParaRPr b="0" lang="ru-RU" sz="2000" spc="-1" strike="noStrike">
+            <a:endParaRPr b="0" lang="ru-RU" sz="1800" spc="-1" strike="noStrike">
               <a:solidFill>
                 <a:srgbClr val="000000"/>
               </a:solidFill>
@@ -5209,7 +3721,7 @@
               <a:buChar char=""/>
             </a:pPr>
             <a:r>
-              <a:rPr b="0" lang="ru-RU" sz="2000" spc="-1" strike="noStrike">
+              <a:rPr b="0" lang="ru-RU" sz="1800" spc="-1" strike="noStrike">
                 <a:solidFill>
                   <a:srgbClr val="000000"/>
                 </a:solidFill>
@@ -5217,7 +3729,7 @@
               </a:rPr>
               <a:t>Шестой уровень структуры</a:t>
             </a:r>
-            <a:endParaRPr b="0" lang="ru-RU" sz="2000" spc="-1" strike="noStrike">
+            <a:endParaRPr b="0" lang="ru-RU" sz="1800" spc="-1" strike="noStrike">
               <a:solidFill>
                 <a:srgbClr val="000000"/>
               </a:solidFill>
@@ -5237,7 +3749,7 @@
               <a:buChar char=""/>
             </a:pPr>
             <a:r>
-              <a:rPr b="0" lang="ru-RU" sz="2000" spc="-1" strike="noStrike">
+              <a:rPr b="0" lang="ru-RU" sz="1800" spc="-1" strike="noStrike">
                 <a:solidFill>
                   <a:srgbClr val="000000"/>
                 </a:solidFill>
@@ -5245,7 +3757,7 @@
               </a:rPr>
               <a:t>Седьмой уровень структуры</a:t>
             </a:r>
-            <a:endParaRPr b="0" lang="ru-RU" sz="2000" spc="-1" strike="noStrike">
+            <a:endParaRPr b="0" lang="ru-RU" sz="1800" spc="-1" strike="noStrike">
               <a:solidFill>
                 <a:srgbClr val="000000"/>
               </a:solidFill>
@@ -5256,78 +3768,18 @@
       </p:sp>
       <p:sp>
         <p:nvSpPr>
-          <p:cNvPr id="29" name="PlaceHolder 3"/>
+          <p:cNvPr id="25" name="PlaceHolder 3"/>
           <p:cNvSpPr>
             <a:spLocks noGrp="1"/>
           </p:cNvSpPr>
           <p:nvPr>
-            <p:ph type="dt" idx="10"/>
+            <p:ph type="ftr" idx="10"/>
           </p:nvPr>
         </p:nvSpPr>
         <p:spPr>
           <a:xfrm>
-            <a:off x="262440" y="6356520"/>
-            <a:ext cx="2742840" cy="364680"/>
-          </a:xfrm>
-          <a:prstGeom prst="rect">
-            <a:avLst/>
-          </a:prstGeom>
-          <a:noFill/>
-          <a:ln w="0">
-            <a:noFill/>
-          </a:ln>
-        </p:spPr>
-        <p:txBody>
-          <a:bodyPr lIns="91440" rIns="91440" tIns="45720" bIns="45720" anchor="ctr">
-            <a:noAutofit/>
-          </a:bodyPr>
-          <a:lstStyle>
-            <a:lvl1pPr indent="0">
-              <a:buNone/>
-              <a:defRPr b="0" lang="ru-RU" sz="1400" spc="-1" strike="noStrike">
-                <a:solidFill>
-                  <a:srgbClr val="000000"/>
-                </a:solidFill>
-                <a:latin typeface="Times New Roman"/>
-              </a:defRPr>
-            </a:lvl1pPr>
-          </a:lstStyle>
-          <a:p>
-            <a:pPr indent="0">
-              <a:buNone/>
-            </a:pPr>
-            <a:r>
-              <a:rPr b="0" lang="ru-RU" sz="1400" spc="-1" strike="noStrike">
-                <a:solidFill>
-                  <a:srgbClr val="000000"/>
-                </a:solidFill>
-                <a:latin typeface="Times New Roman"/>
-              </a:rPr>
-              <a:t>&lt;дата/время&gt;</a:t>
-            </a:r>
-            <a:endParaRPr b="0" lang="ru-RU" sz="1400" spc="-1" strike="noStrike">
-              <a:solidFill>
-                <a:srgbClr val="000000"/>
-              </a:solidFill>
-              <a:latin typeface="Times New Roman"/>
-            </a:endParaRPr>
-          </a:p>
-        </p:txBody>
-      </p:sp>
-      <p:sp>
-        <p:nvSpPr>
-          <p:cNvPr id="30" name="PlaceHolder 4"/>
-          <p:cNvSpPr>
-            <a:spLocks noGrp="1"/>
-          </p:cNvSpPr>
-          <p:nvPr>
-            <p:ph type="ftr" idx="11"/>
-          </p:nvPr>
-        </p:nvSpPr>
-        <p:spPr>
-          <a:xfrm>
             <a:off x="3869280" y="6356520"/>
-            <a:ext cx="5911200" cy="364680"/>
+            <a:ext cx="5910840" cy="364320"/>
           </a:xfrm>
           <a:prstGeom prst="rect">
             <a:avLst/>
@@ -5343,7 +3795,13 @@
           </a:bodyPr>
           <a:lstStyle>
             <a:lvl1pPr indent="0" algn="ctr">
+              <a:lnSpc>
+                <a:spcPct val="100000"/>
+              </a:lnSpc>
               <a:buNone/>
+              <a:tabLst>
+                <a:tab algn="l" pos="0"/>
+              </a:tabLst>
               <a:defRPr b="0" lang="ru-RU" sz="1400" spc="-1" strike="noStrike">
                 <a:solidFill>
                   <a:srgbClr val="000000"/>
@@ -5354,7 +3812,13 @@
           </a:lstStyle>
           <a:p>
             <a:pPr indent="0" algn="ctr">
+              <a:lnSpc>
+                <a:spcPct val="100000"/>
+              </a:lnSpc>
               <a:buNone/>
+              <a:tabLst>
+                <a:tab algn="l" pos="0"/>
+              </a:tabLst>
             </a:pPr>
             <a:r>
               <a:rPr b="0" lang="ru-RU" sz="1400" spc="-1" strike="noStrike">
@@ -5376,18 +3840,18 @@
       </p:sp>
       <p:sp>
         <p:nvSpPr>
-          <p:cNvPr id="31" name="PlaceHolder 5"/>
+          <p:cNvPr id="26" name="PlaceHolder 4"/>
           <p:cNvSpPr>
             <a:spLocks noGrp="1"/>
           </p:cNvSpPr>
           <p:nvPr>
-            <p:ph type="sldNum" idx="12"/>
+            <p:ph type="sldNum" idx="11"/>
           </p:nvPr>
         </p:nvSpPr>
         <p:spPr>
           <a:xfrm>
             <a:off x="10634040" y="6356520"/>
-            <a:ext cx="1530720" cy="364680"/>
+            <a:ext cx="1530360" cy="364320"/>
           </a:xfrm>
           <a:prstGeom prst="rect">
             <a:avLst/>
@@ -5429,7 +3893,7 @@
                 <a:tab algn="l" pos="0"/>
               </a:tabLst>
             </a:pPr>
-            <a:fld id="{3190D71E-F11B-40F0-A715-5463E1864601}" type="slidenum">
+            <a:fld id="{5FD59E12-FCC6-433F-A59E-FAED1A9A0A9A}" type="slidenum">
               <a:rPr b="1" lang="ru-RU" sz="1200" spc="-1" strike="noStrike">
                 <a:solidFill>
                   <a:schemeClr val="accent1"/>
@@ -5440,6 +3904,66 @@
               <a:t>&lt;номер&gt;</a:t>
             </a:fld>
             <a:endParaRPr b="0" lang="ru-RU" sz="1200" spc="-1" strike="noStrike">
+              <a:solidFill>
+                <a:srgbClr val="000000"/>
+              </a:solidFill>
+              <a:latin typeface="Times New Roman"/>
+            </a:endParaRPr>
+          </a:p>
+        </p:txBody>
+      </p:sp>
+      <p:sp>
+        <p:nvSpPr>
+          <p:cNvPr id="27" name="PlaceHolder 5"/>
+          <p:cNvSpPr>
+            <a:spLocks noGrp="1"/>
+          </p:cNvSpPr>
+          <p:nvPr>
+            <p:ph type="dt" idx="12"/>
+          </p:nvPr>
+        </p:nvSpPr>
+        <p:spPr>
+          <a:xfrm>
+            <a:off x="262440" y="6356520"/>
+            <a:ext cx="2742480" cy="364320"/>
+          </a:xfrm>
+          <a:prstGeom prst="rect">
+            <a:avLst/>
+          </a:prstGeom>
+          <a:noFill/>
+          <a:ln w="0">
+            <a:noFill/>
+          </a:ln>
+        </p:spPr>
+        <p:txBody>
+          <a:bodyPr lIns="91440" rIns="91440" tIns="45720" bIns="45720" anchor="ctr">
+            <a:noAutofit/>
+          </a:bodyPr>
+          <a:lstStyle>
+            <a:lvl1pPr indent="0">
+              <a:buNone/>
+              <a:defRPr b="0" lang="ru-RU" sz="1400" spc="-1" strike="noStrike">
+                <a:solidFill>
+                  <a:srgbClr val="000000"/>
+                </a:solidFill>
+                <a:latin typeface="Times New Roman"/>
+              </a:defRPr>
+            </a:lvl1pPr>
+          </a:lstStyle>
+          <a:p>
+            <a:pPr indent="0">
+              <a:buNone/>
+            </a:pPr>
+            <a:r>
+              <a:rPr b="0" lang="ru-RU" sz="1400" spc="-1" strike="noStrike">
+                <a:solidFill>
+                  <a:srgbClr val="000000"/>
+                </a:solidFill>
+                <a:latin typeface="Times New Roman"/>
+              </a:rPr>
+              <a:t>&lt;дата/время&gt;</a:t>
+            </a:r>
+            <a:endParaRPr b="0" lang="ru-RU" sz="1400" spc="-1" strike="noStrike">
               <a:solidFill>
                 <a:srgbClr val="000000"/>
               </a:solidFill>
@@ -5483,14 +4007,14 @@
       </p:grpSpPr>
       <p:sp>
         <p:nvSpPr>
-          <p:cNvPr id="34" name="Google Shape;6;p18"/>
+          <p:cNvPr id="30" name="Google Shape;6;p18"/>
           <p:cNvSpPr/>
           <p:nvPr/>
         </p:nvSpPr>
         <p:spPr>
           <a:xfrm>
             <a:off x="0" y="758880"/>
-            <a:ext cx="3443400" cy="5330520"/>
+            <a:ext cx="3443040" cy="5330160"/>
           </a:xfrm>
           <a:prstGeom prst="rect">
             <a:avLst/>
@@ -5509,7 +4033,7 @@
           <a:fontRef idx="minor"/>
         </p:style>
         <p:txBody>
-          <a:bodyPr tIns="91440" bIns="91440" anchor="ctr">
+          <a:bodyPr lIns="90000" rIns="90000" tIns="91440" bIns="91440" anchor="ctr">
             <a:noAutofit/>
           </a:bodyPr>
           <a:p>
@@ -5533,14 +4057,14 @@
       </p:sp>
       <p:sp>
         <p:nvSpPr>
-          <p:cNvPr id="35" name="Google Shape;8;p18"/>
+          <p:cNvPr id="31" name="Google Shape;8;p18"/>
           <p:cNvSpPr/>
           <p:nvPr/>
         </p:nvSpPr>
         <p:spPr>
           <a:xfrm>
             <a:off x="11815920" y="758880"/>
-            <a:ext cx="383760" cy="5330520"/>
+            <a:ext cx="383400" cy="5330160"/>
           </a:xfrm>
           <a:prstGeom prst="rect">
             <a:avLst/>
@@ -5561,7 +4085,7 @@
           <a:fontRef idx="minor"/>
         </p:style>
         <p:txBody>
-          <a:bodyPr tIns="91440" bIns="91440" anchor="ctr">
+          <a:bodyPr lIns="90000" rIns="90000" tIns="91440" bIns="91440" anchor="ctr">
             <a:noAutofit/>
           </a:bodyPr>
           <a:p>
@@ -5585,352 +4109,18 @@
       </p:sp>
       <p:sp>
         <p:nvSpPr>
-          <p:cNvPr id="36" name="PlaceHolder 1"/>
+          <p:cNvPr id="32" name="PlaceHolder 1"/>
           <p:cNvSpPr>
             <a:spLocks noGrp="1"/>
           </p:cNvSpPr>
           <p:nvPr>
-            <p:ph type="title"/>
+            <p:ph type="ftr" idx="13"/>
           </p:nvPr>
         </p:nvSpPr>
         <p:spPr>
           <a:xfrm>
-            <a:off x="3867840" y="1298520"/>
-            <a:ext cx="7314840" cy="3254760"/>
-          </a:xfrm>
-          <a:prstGeom prst="rect">
-            <a:avLst/>
-          </a:prstGeom>
-          <a:noFill/>
-          <a:ln w="0">
-            <a:noFill/>
-          </a:ln>
-        </p:spPr>
-        <p:txBody>
-          <a:bodyPr lIns="91440" rIns="91440" tIns="45720" bIns="45720" anchor="b">
-            <a:normAutofit/>
-          </a:bodyPr>
-          <a:p>
-            <a:pPr indent="0">
-              <a:buNone/>
-            </a:pPr>
-            <a:r>
-              <a:rPr b="0" lang="ru-RU" sz="5900" spc="-1" strike="noStrike">
-                <a:solidFill>
-                  <a:srgbClr val="000000"/>
-                </a:solidFill>
-                <a:latin typeface="Arial"/>
-              </a:rPr>
-              <a:t>Для правки текста заглавия щёлкните мышью</a:t>
-            </a:r>
-            <a:endParaRPr b="0" lang="ru-RU" sz="5900" spc="-1" strike="noStrike">
-              <a:solidFill>
-                <a:srgbClr val="000000"/>
-              </a:solidFill>
-              <a:latin typeface="Arial"/>
-            </a:endParaRPr>
-          </a:p>
-        </p:txBody>
-      </p:sp>
-      <p:sp>
-        <p:nvSpPr>
-          <p:cNvPr id="37" name="PlaceHolder 2"/>
-          <p:cNvSpPr>
-            <a:spLocks noGrp="1"/>
-          </p:cNvSpPr>
-          <p:nvPr>
-            <p:ph type="body"/>
-          </p:nvPr>
-        </p:nvSpPr>
-        <p:spPr>
-          <a:xfrm>
-            <a:off x="3886200" y="4672440"/>
-            <a:ext cx="7314840" cy="914040"/>
-          </a:xfrm>
-          <a:prstGeom prst="rect">
-            <a:avLst/>
-          </a:prstGeom>
-          <a:noFill/>
-          <a:ln w="0">
-            <a:noFill/>
-          </a:ln>
-        </p:spPr>
-        <p:txBody>
-          <a:bodyPr lIns="91440" rIns="91440" tIns="45720" bIns="45720" anchor="t">
-            <a:normAutofit fontScale="18184" lnSpcReduction="10000"/>
-          </a:bodyPr>
-          <a:p>
-            <a:pPr marL="432000" indent="-324000">
-              <a:spcBef>
-                <a:spcPts val="1417"/>
-              </a:spcBef>
-              <a:buClr>
-                <a:srgbClr val="000000"/>
-              </a:buClr>
-              <a:buSzPct val="45000"/>
-              <a:buFont typeface="Wingdings" charset="2"/>
-              <a:buChar char=""/>
-            </a:pPr>
-            <a:r>
-              <a:rPr b="0" lang="ru-RU" sz="2200" spc="-1" strike="noStrike">
-                <a:solidFill>
-                  <a:srgbClr val="000000"/>
-                </a:solidFill>
-                <a:latin typeface="Arial"/>
-              </a:rPr>
-              <a:t>Для правки структуры щёлкните мышью</a:t>
-            </a:r>
-            <a:endParaRPr b="0" lang="ru-RU" sz="2200" spc="-1" strike="noStrike">
-              <a:solidFill>
-                <a:srgbClr val="000000"/>
-              </a:solidFill>
-              <a:latin typeface="Arial"/>
-            </a:endParaRPr>
-          </a:p>
-          <a:p>
-            <a:pPr lvl="1" marL="864000" indent="-324000">
-              <a:spcBef>
-                <a:spcPts val="1134"/>
-              </a:spcBef>
-              <a:buClr>
-                <a:srgbClr val="000000"/>
-              </a:buClr>
-              <a:buSzPct val="75000"/>
-              <a:buFont typeface="Symbol" charset="2"/>
-              <a:buChar char=""/>
-            </a:pPr>
-            <a:r>
-              <a:rPr b="0" lang="ru-RU" sz="2200" spc="-1" strike="noStrike">
-                <a:solidFill>
-                  <a:srgbClr val="000000"/>
-                </a:solidFill>
-                <a:latin typeface="Arial"/>
-              </a:rPr>
-              <a:t>Второй уровень структуры</a:t>
-            </a:r>
-            <a:endParaRPr b="0" lang="ru-RU" sz="2200" spc="-1" strike="noStrike">
-              <a:solidFill>
-                <a:srgbClr val="000000"/>
-              </a:solidFill>
-              <a:latin typeface="Arial"/>
-            </a:endParaRPr>
-          </a:p>
-          <a:p>
-            <a:pPr lvl="2" marL="1296000" indent="-288000">
-              <a:spcBef>
-                <a:spcPts val="850"/>
-              </a:spcBef>
-              <a:buClr>
-                <a:srgbClr val="000000"/>
-              </a:buClr>
-              <a:buSzPct val="45000"/>
-              <a:buFont typeface="Wingdings" charset="2"/>
-              <a:buChar char=""/>
-            </a:pPr>
-            <a:r>
-              <a:rPr b="0" lang="ru-RU" sz="2200" spc="-1" strike="noStrike">
-                <a:solidFill>
-                  <a:srgbClr val="000000"/>
-                </a:solidFill>
-                <a:latin typeface="Arial"/>
-              </a:rPr>
-              <a:t>Третий уровень структуры</a:t>
-            </a:r>
-            <a:endParaRPr b="0" lang="ru-RU" sz="2200" spc="-1" strike="noStrike">
-              <a:solidFill>
-                <a:srgbClr val="000000"/>
-              </a:solidFill>
-              <a:latin typeface="Arial"/>
-            </a:endParaRPr>
-          </a:p>
-          <a:p>
-            <a:pPr lvl="3" marL="1728000" indent="-216000">
-              <a:spcBef>
-                <a:spcPts val="567"/>
-              </a:spcBef>
-              <a:buClr>
-                <a:srgbClr val="000000"/>
-              </a:buClr>
-              <a:buSzPct val="75000"/>
-              <a:buFont typeface="Symbol" charset="2"/>
-              <a:buChar char=""/>
-            </a:pPr>
-            <a:r>
-              <a:rPr b="0" lang="ru-RU" sz="2200" spc="-1" strike="noStrike">
-                <a:solidFill>
-                  <a:srgbClr val="000000"/>
-                </a:solidFill>
-                <a:latin typeface="Arial"/>
-              </a:rPr>
-              <a:t>Четвёртый уровень структуры</a:t>
-            </a:r>
-            <a:endParaRPr b="0" lang="ru-RU" sz="2200" spc="-1" strike="noStrike">
-              <a:solidFill>
-                <a:srgbClr val="000000"/>
-              </a:solidFill>
-              <a:latin typeface="Arial"/>
-            </a:endParaRPr>
-          </a:p>
-          <a:p>
-            <a:pPr lvl="4" marL="2160000" indent="-216000">
-              <a:spcBef>
-                <a:spcPts val="283"/>
-              </a:spcBef>
-              <a:buClr>
-                <a:srgbClr val="000000"/>
-              </a:buClr>
-              <a:buSzPct val="45000"/>
-              <a:buFont typeface="Wingdings" charset="2"/>
-              <a:buChar char=""/>
-            </a:pPr>
-            <a:r>
-              <a:rPr b="0" lang="ru-RU" sz="2200" spc="-1" strike="noStrike">
-                <a:solidFill>
-                  <a:srgbClr val="000000"/>
-                </a:solidFill>
-                <a:latin typeface="Arial"/>
-              </a:rPr>
-              <a:t>Пятый уровень структуры</a:t>
-            </a:r>
-            <a:endParaRPr b="0" lang="ru-RU" sz="2200" spc="-1" strike="noStrike">
-              <a:solidFill>
-                <a:srgbClr val="000000"/>
-              </a:solidFill>
-              <a:latin typeface="Arial"/>
-            </a:endParaRPr>
-          </a:p>
-          <a:p>
-            <a:pPr lvl="5" marL="2592000" indent="-216000">
-              <a:spcBef>
-                <a:spcPts val="283"/>
-              </a:spcBef>
-              <a:buClr>
-                <a:srgbClr val="000000"/>
-              </a:buClr>
-              <a:buSzPct val="45000"/>
-              <a:buFont typeface="Wingdings" charset="2"/>
-              <a:buChar char=""/>
-            </a:pPr>
-            <a:r>
-              <a:rPr b="0" lang="ru-RU" sz="2200" spc="-1" strike="noStrike">
-                <a:solidFill>
-                  <a:srgbClr val="000000"/>
-                </a:solidFill>
-                <a:latin typeface="Arial"/>
-              </a:rPr>
-              <a:t>Шестой уровень структуры</a:t>
-            </a:r>
-            <a:endParaRPr b="0" lang="ru-RU" sz="2200" spc="-1" strike="noStrike">
-              <a:solidFill>
-                <a:srgbClr val="000000"/>
-              </a:solidFill>
-              <a:latin typeface="Arial"/>
-            </a:endParaRPr>
-          </a:p>
-          <a:p>
-            <a:pPr lvl="6" marL="3024000" indent="-216000">
-              <a:spcBef>
-                <a:spcPts val="283"/>
-              </a:spcBef>
-              <a:buClr>
-                <a:srgbClr val="000000"/>
-              </a:buClr>
-              <a:buSzPct val="45000"/>
-              <a:buFont typeface="Wingdings" charset="2"/>
-              <a:buChar char=""/>
-            </a:pPr>
-            <a:r>
-              <a:rPr b="0" lang="ru-RU" sz="2200" spc="-1" strike="noStrike">
-                <a:solidFill>
-                  <a:srgbClr val="000000"/>
-                </a:solidFill>
-                <a:latin typeface="Arial"/>
-              </a:rPr>
-              <a:t>Седьмой уровень структуры</a:t>
-            </a:r>
-            <a:endParaRPr b="0" lang="ru-RU" sz="2200" spc="-1" strike="noStrike">
-              <a:solidFill>
-                <a:srgbClr val="000000"/>
-              </a:solidFill>
-              <a:latin typeface="Arial"/>
-            </a:endParaRPr>
-          </a:p>
-        </p:txBody>
-      </p:sp>
-      <p:sp>
-        <p:nvSpPr>
-          <p:cNvPr id="38" name="PlaceHolder 3"/>
-          <p:cNvSpPr>
-            <a:spLocks noGrp="1"/>
-          </p:cNvSpPr>
-          <p:nvPr>
-            <p:ph type="dt" idx="13"/>
-          </p:nvPr>
-        </p:nvSpPr>
-        <p:spPr>
-          <a:xfrm>
-            <a:off x="262440" y="6356520"/>
-            <a:ext cx="2742840" cy="364680"/>
-          </a:xfrm>
-          <a:prstGeom prst="rect">
-            <a:avLst/>
-          </a:prstGeom>
-          <a:noFill/>
-          <a:ln w="0">
-            <a:noFill/>
-          </a:ln>
-        </p:spPr>
-        <p:txBody>
-          <a:bodyPr lIns="91440" rIns="91440" tIns="45720" bIns="45720" anchor="ctr">
-            <a:noAutofit/>
-          </a:bodyPr>
-          <a:lstStyle>
-            <a:lvl1pPr indent="0">
-              <a:buNone/>
-              <a:defRPr b="0" lang="ru-RU" sz="1400" spc="-1" strike="noStrike">
-                <a:solidFill>
-                  <a:srgbClr val="000000"/>
-                </a:solidFill>
-                <a:latin typeface="Times New Roman"/>
-              </a:defRPr>
-            </a:lvl1pPr>
-          </a:lstStyle>
-          <a:p>
-            <a:pPr indent="0">
-              <a:buNone/>
-            </a:pPr>
-            <a:r>
-              <a:rPr b="0" lang="ru-RU" sz="1400" spc="-1" strike="noStrike">
-                <a:solidFill>
-                  <a:srgbClr val="000000"/>
-                </a:solidFill>
-                <a:latin typeface="Times New Roman"/>
-              </a:rPr>
-              <a:t>&lt;дата/время&gt;</a:t>
-            </a:r>
-            <a:endParaRPr b="0" lang="ru-RU" sz="1400" spc="-1" strike="noStrike">
-              <a:solidFill>
-                <a:srgbClr val="000000"/>
-              </a:solidFill>
-              <a:latin typeface="Times New Roman"/>
-            </a:endParaRPr>
-          </a:p>
-        </p:txBody>
-      </p:sp>
-      <p:sp>
-        <p:nvSpPr>
-          <p:cNvPr id="39" name="PlaceHolder 4"/>
-          <p:cNvSpPr>
-            <a:spLocks noGrp="1"/>
-          </p:cNvSpPr>
-          <p:nvPr>
-            <p:ph type="ftr" idx="14"/>
-          </p:nvPr>
-        </p:nvSpPr>
-        <p:spPr>
-          <a:xfrm>
             <a:off x="3869280" y="6356520"/>
-            <a:ext cx="5911200" cy="364680"/>
+            <a:ext cx="5910840" cy="364320"/>
           </a:xfrm>
           <a:prstGeom prst="rect">
             <a:avLst/>
@@ -5946,7 +4136,13 @@
           </a:bodyPr>
           <a:lstStyle>
             <a:lvl1pPr indent="0" algn="ctr">
+              <a:lnSpc>
+                <a:spcPct val="100000"/>
+              </a:lnSpc>
               <a:buNone/>
+              <a:tabLst>
+                <a:tab algn="l" pos="0"/>
+              </a:tabLst>
               <a:defRPr b="0" lang="ru-RU" sz="1400" spc="-1" strike="noStrike">
                 <a:solidFill>
                   <a:srgbClr val="000000"/>
@@ -5957,7 +4153,13 @@
           </a:lstStyle>
           <a:p>
             <a:pPr indent="0" algn="ctr">
+              <a:lnSpc>
+                <a:spcPct val="100000"/>
+              </a:lnSpc>
               <a:buNone/>
+              <a:tabLst>
+                <a:tab algn="l" pos="0"/>
+              </a:tabLst>
             </a:pPr>
             <a:r>
               <a:rPr b="0" lang="ru-RU" sz="1400" spc="-1" strike="noStrike">
@@ -5979,18 +4181,18 @@
       </p:sp>
       <p:sp>
         <p:nvSpPr>
-          <p:cNvPr id="40" name="PlaceHolder 5"/>
+          <p:cNvPr id="33" name="PlaceHolder 2"/>
           <p:cNvSpPr>
             <a:spLocks noGrp="1"/>
           </p:cNvSpPr>
           <p:nvPr>
-            <p:ph type="sldNum" idx="15"/>
+            <p:ph type="sldNum" idx="14"/>
           </p:nvPr>
         </p:nvSpPr>
         <p:spPr>
           <a:xfrm>
             <a:off x="10634040" y="6356520"/>
-            <a:ext cx="1530720" cy="364680"/>
+            <a:ext cx="1530360" cy="364320"/>
           </a:xfrm>
           <a:prstGeom prst="rect">
             <a:avLst/>
@@ -6032,7 +4234,7 @@
                 <a:tab algn="l" pos="0"/>
               </a:tabLst>
             </a:pPr>
-            <a:fld id="{5D8D02DF-3BC8-4D5D-B465-36E5E836FD03}" type="slidenum">
+            <a:fld id="{C46A3DD2-A4EC-4271-90B4-3EDBD53AB4C9}" type="slidenum">
               <a:rPr b="1" lang="ru-RU" sz="1200" spc="-1" strike="noStrike">
                 <a:solidFill>
                   <a:schemeClr val="accent1"/>
@@ -6043,6 +4245,66 @@
               <a:t>&lt;номер&gt;</a:t>
             </a:fld>
             <a:endParaRPr b="0" lang="ru-RU" sz="1200" spc="-1" strike="noStrike">
+              <a:solidFill>
+                <a:srgbClr val="000000"/>
+              </a:solidFill>
+              <a:latin typeface="Times New Roman"/>
+            </a:endParaRPr>
+          </a:p>
+        </p:txBody>
+      </p:sp>
+      <p:sp>
+        <p:nvSpPr>
+          <p:cNvPr id="34" name="PlaceHolder 3"/>
+          <p:cNvSpPr>
+            <a:spLocks noGrp="1"/>
+          </p:cNvSpPr>
+          <p:nvPr>
+            <p:ph type="dt" idx="15"/>
+          </p:nvPr>
+        </p:nvSpPr>
+        <p:spPr>
+          <a:xfrm>
+            <a:off x="262440" y="6356520"/>
+            <a:ext cx="2742480" cy="364320"/>
+          </a:xfrm>
+          <a:prstGeom prst="rect">
+            <a:avLst/>
+          </a:prstGeom>
+          <a:noFill/>
+          <a:ln w="0">
+            <a:noFill/>
+          </a:ln>
+        </p:spPr>
+        <p:txBody>
+          <a:bodyPr lIns="91440" rIns="91440" tIns="45720" bIns="45720" anchor="ctr">
+            <a:noAutofit/>
+          </a:bodyPr>
+          <a:lstStyle>
+            <a:lvl1pPr indent="0">
+              <a:buNone/>
+              <a:defRPr b="0" lang="ru-RU" sz="1400" spc="-1" strike="noStrike">
+                <a:solidFill>
+                  <a:srgbClr val="000000"/>
+                </a:solidFill>
+                <a:latin typeface="Times New Roman"/>
+              </a:defRPr>
+            </a:lvl1pPr>
+          </a:lstStyle>
+          <a:p>
+            <a:pPr indent="0">
+              <a:buNone/>
+            </a:pPr>
+            <a:r>
+              <a:rPr b="0" lang="ru-RU" sz="1400" spc="-1" strike="noStrike">
+                <a:solidFill>
+                  <a:srgbClr val="000000"/>
+                </a:solidFill>
+                <a:latin typeface="Times New Roman"/>
+              </a:rPr>
+              <a:t>&lt;дата/время&gt;</a:t>
+            </a:r>
+            <a:endParaRPr b="0" lang="ru-RU" sz="1400" spc="-1" strike="noStrike">
               <a:solidFill>
                 <a:srgbClr val="000000"/>
               </a:solidFill>
@@ -6086,14 +4348,14 @@
       </p:grpSpPr>
       <p:sp>
         <p:nvSpPr>
-          <p:cNvPr id="41" name="Google Shape;6;p18"/>
+          <p:cNvPr id="35" name="Google Shape;6;p18"/>
           <p:cNvSpPr/>
           <p:nvPr/>
         </p:nvSpPr>
         <p:spPr>
           <a:xfrm>
             <a:off x="0" y="758880"/>
-            <a:ext cx="3443400" cy="5330520"/>
+            <a:ext cx="3443040" cy="5330160"/>
           </a:xfrm>
           <a:prstGeom prst="rect">
             <a:avLst/>
@@ -6112,7 +4374,7 @@
           <a:fontRef idx="minor"/>
         </p:style>
         <p:txBody>
-          <a:bodyPr tIns="91440" bIns="91440" anchor="ctr">
+          <a:bodyPr lIns="90000" rIns="90000" tIns="91440" bIns="91440" anchor="ctr">
             <a:noAutofit/>
           </a:bodyPr>
           <a:p>
@@ -6136,14 +4398,14 @@
       </p:sp>
       <p:sp>
         <p:nvSpPr>
-          <p:cNvPr id="42" name="Google Shape;8;p18"/>
+          <p:cNvPr id="36" name="Google Shape;8;p18"/>
           <p:cNvSpPr/>
           <p:nvPr/>
         </p:nvSpPr>
         <p:spPr>
           <a:xfrm>
             <a:off x="11815920" y="758880"/>
-            <a:ext cx="383760" cy="5330520"/>
+            <a:ext cx="383400" cy="5330160"/>
           </a:xfrm>
           <a:prstGeom prst="rect">
             <a:avLst/>
@@ -6164,7 +4426,7 @@
           <a:fontRef idx="minor"/>
         </p:style>
         <p:txBody>
-          <a:bodyPr tIns="91440" bIns="91440" anchor="ctr">
+          <a:bodyPr lIns="90000" rIns="90000" tIns="91440" bIns="91440" anchor="ctr">
             <a:noAutofit/>
           </a:bodyPr>
           <a:p>
@@ -6188,7 +4450,7 @@
       </p:sp>
       <p:sp>
         <p:nvSpPr>
-          <p:cNvPr id="43" name="PlaceHolder 1"/>
+          <p:cNvPr id="37" name="PlaceHolder 1"/>
           <p:cNvSpPr>
             <a:spLocks noGrp="1"/>
           </p:cNvSpPr>
@@ -6198,8 +4460,8 @@
         </p:nvSpPr>
         <p:spPr>
           <a:xfrm>
-            <a:off x="253080" y="1123920"/>
-            <a:ext cx="2946960" cy="4600800"/>
+            <a:off x="1069920" y="1298520"/>
+            <a:ext cx="7314480" cy="3254400"/>
           </a:xfrm>
           <a:prstGeom prst="rect">
             <a:avLst/>
@@ -6210,15 +4472,15 @@
           </a:ln>
         </p:spPr>
         <p:txBody>
-          <a:bodyPr lIns="91440" rIns="91440" tIns="45720" bIns="45720" anchor="ctr">
-            <a:normAutofit/>
+          <a:bodyPr lIns="0" rIns="0" tIns="0" bIns="0" anchor="ctr">
+            <a:noAutofit/>
           </a:bodyPr>
           <a:p>
             <a:pPr indent="0">
               <a:buNone/>
             </a:pPr>
             <a:r>
-              <a:rPr b="0" lang="ru-RU" sz="3600" spc="-1" strike="noStrike">
+              <a:rPr b="0" lang="ru-RU" sz="1800" spc="-1" strike="noStrike">
                 <a:solidFill>
                   <a:srgbClr val="000000"/>
                 </a:solidFill>
@@ -6226,7 +4488,7 @@
               </a:rPr>
               <a:t>Для правки текста заглавия щёлкните мышью</a:t>
             </a:r>
-            <a:endParaRPr b="0" lang="ru-RU" sz="3600" spc="-1" strike="noStrike">
+            <a:endParaRPr b="0" lang="ru-RU" sz="1800" spc="-1" strike="noStrike">
               <a:solidFill>
                 <a:srgbClr val="000000"/>
               </a:solidFill>
@@ -6237,7 +4499,7 @@
       </p:sp>
       <p:sp>
         <p:nvSpPr>
-          <p:cNvPr id="44" name="PlaceHolder 2"/>
+          <p:cNvPr id="38" name="PlaceHolder 2"/>
           <p:cNvSpPr>
             <a:spLocks noGrp="1"/>
           </p:cNvSpPr>
@@ -6247,8 +4509,8 @@
         </p:nvSpPr>
         <p:spPr>
           <a:xfrm>
-            <a:off x="3867840" y="868680"/>
-            <a:ext cx="3474360" cy="5120280"/>
+            <a:off x="609480" y="1604520"/>
+            <a:ext cx="5353920" cy="3976920"/>
           </a:xfrm>
           <a:prstGeom prst="rect">
             <a:avLst/>
@@ -6259,8 +4521,8 @@
           </a:ln>
         </p:spPr>
         <p:txBody>
-          <a:bodyPr lIns="91440" rIns="91440" tIns="45720" bIns="45720" anchor="ctr">
-            <a:normAutofit fontScale="65458" lnSpcReduction="10000"/>
+          <a:bodyPr lIns="0" rIns="0" tIns="0" bIns="0" anchor="t">
+            <a:normAutofit/>
           </a:bodyPr>
           <a:p>
             <a:pPr marL="432000" indent="-324000">
@@ -6275,7 +4537,7 @@
               <a:buChar char=""/>
             </a:pPr>
             <a:r>
-              <a:rPr b="0" lang="ru-RU" sz="2000" spc="-1" strike="noStrike">
+              <a:rPr b="0" lang="ru-RU" sz="1800" spc="-1" strike="noStrike">
                 <a:solidFill>
                   <a:srgbClr val="000000"/>
                 </a:solidFill>
@@ -6283,7 +4545,7 @@
               </a:rPr>
               <a:t>Для правки структуры щёлкните мышью</a:t>
             </a:r>
-            <a:endParaRPr b="0" lang="ru-RU" sz="2000" spc="-1" strike="noStrike">
+            <a:endParaRPr b="0" lang="ru-RU" sz="1800" spc="-1" strike="noStrike">
               <a:solidFill>
                 <a:srgbClr val="000000"/>
               </a:solidFill>
@@ -6303,7 +4565,7 @@
               <a:buChar char=""/>
             </a:pPr>
             <a:r>
-              <a:rPr b="0" lang="ru-RU" sz="2000" spc="-1" strike="noStrike">
+              <a:rPr b="0" lang="ru-RU" sz="1800" spc="-1" strike="noStrike">
                 <a:solidFill>
                   <a:srgbClr val="000000"/>
                 </a:solidFill>
@@ -6311,7 +4573,7 @@
               </a:rPr>
               <a:t>Второй уровень структуры</a:t>
             </a:r>
-            <a:endParaRPr b="0" lang="ru-RU" sz="2000" spc="-1" strike="noStrike">
+            <a:endParaRPr b="0" lang="ru-RU" sz="1800" spc="-1" strike="noStrike">
               <a:solidFill>
                 <a:srgbClr val="000000"/>
               </a:solidFill>
@@ -6331,7 +4593,7 @@
               <a:buChar char=""/>
             </a:pPr>
             <a:r>
-              <a:rPr b="0" lang="ru-RU" sz="2000" spc="-1" strike="noStrike">
+              <a:rPr b="0" lang="ru-RU" sz="1800" spc="-1" strike="noStrike">
                 <a:solidFill>
                   <a:srgbClr val="000000"/>
                 </a:solidFill>
@@ -6339,7 +4601,7 @@
               </a:rPr>
               <a:t>Третий уровень структуры</a:t>
             </a:r>
-            <a:endParaRPr b="0" lang="ru-RU" sz="2000" spc="-1" strike="noStrike">
+            <a:endParaRPr b="0" lang="ru-RU" sz="1800" spc="-1" strike="noStrike">
               <a:solidFill>
                 <a:srgbClr val="000000"/>
               </a:solidFill>
@@ -6359,7 +4621,7 @@
               <a:buChar char=""/>
             </a:pPr>
             <a:r>
-              <a:rPr b="0" lang="ru-RU" sz="2000" spc="-1" strike="noStrike">
+              <a:rPr b="0" lang="ru-RU" sz="1800" spc="-1" strike="noStrike">
                 <a:solidFill>
                   <a:srgbClr val="000000"/>
                 </a:solidFill>
@@ -6367,7 +4629,7 @@
               </a:rPr>
               <a:t>Четвёртый уровень структуры</a:t>
             </a:r>
-            <a:endParaRPr b="0" lang="ru-RU" sz="2000" spc="-1" strike="noStrike">
+            <a:endParaRPr b="0" lang="ru-RU" sz="1800" spc="-1" strike="noStrike">
               <a:solidFill>
                 <a:srgbClr val="000000"/>
               </a:solidFill>
@@ -6387,7 +4649,7 @@
               <a:buChar char=""/>
             </a:pPr>
             <a:r>
-              <a:rPr b="0" lang="ru-RU" sz="2000" spc="-1" strike="noStrike">
+              <a:rPr b="0" lang="ru-RU" sz="1800" spc="-1" strike="noStrike">
                 <a:solidFill>
                   <a:srgbClr val="000000"/>
                 </a:solidFill>
@@ -6395,7 +4657,7 @@
               </a:rPr>
               <a:t>Пятый уровень структуры</a:t>
             </a:r>
-            <a:endParaRPr b="0" lang="ru-RU" sz="2000" spc="-1" strike="noStrike">
+            <a:endParaRPr b="0" lang="ru-RU" sz="1800" spc="-1" strike="noStrike">
               <a:solidFill>
                 <a:srgbClr val="000000"/>
               </a:solidFill>
@@ -6415,7 +4677,7 @@
               <a:buChar char=""/>
             </a:pPr>
             <a:r>
-              <a:rPr b="0" lang="ru-RU" sz="2000" spc="-1" strike="noStrike">
+              <a:rPr b="0" lang="ru-RU" sz="1800" spc="-1" strike="noStrike">
                 <a:solidFill>
                   <a:srgbClr val="000000"/>
                 </a:solidFill>
@@ -6423,7 +4685,7 @@
               </a:rPr>
               <a:t>Шестой уровень структуры</a:t>
             </a:r>
-            <a:endParaRPr b="0" lang="ru-RU" sz="2000" spc="-1" strike="noStrike">
+            <a:endParaRPr b="0" lang="ru-RU" sz="1800" spc="-1" strike="noStrike">
               <a:solidFill>
                 <a:srgbClr val="000000"/>
               </a:solidFill>
@@ -6443,7 +4705,7 @@
               <a:buChar char=""/>
             </a:pPr>
             <a:r>
-              <a:rPr b="0" lang="ru-RU" sz="2000" spc="-1" strike="noStrike">
+              <a:rPr b="0" lang="ru-RU" sz="1800" spc="-1" strike="noStrike">
                 <a:solidFill>
                   <a:srgbClr val="000000"/>
                 </a:solidFill>
@@ -6451,7 +4713,7 @@
               </a:rPr>
               <a:t>Седьмой уровень структуры</a:t>
             </a:r>
-            <a:endParaRPr b="0" lang="ru-RU" sz="2000" spc="-1" strike="noStrike">
+            <a:endParaRPr b="0" lang="ru-RU" sz="1800" spc="-1" strike="noStrike">
               <a:solidFill>
                 <a:srgbClr val="000000"/>
               </a:solidFill>
@@ -6462,7 +4724,7 @@
       </p:sp>
       <p:sp>
         <p:nvSpPr>
-          <p:cNvPr id="45" name="PlaceHolder 3"/>
+          <p:cNvPr id="39" name="PlaceHolder 3"/>
           <p:cNvSpPr>
             <a:spLocks noGrp="1"/>
           </p:cNvSpPr>
@@ -6472,8 +4734,8 @@
         </p:nvSpPr>
         <p:spPr>
           <a:xfrm>
-            <a:off x="7818120" y="868680"/>
-            <a:ext cx="3474360" cy="5120280"/>
+            <a:off x="6231960" y="1604520"/>
+            <a:ext cx="5353920" cy="3976920"/>
           </a:xfrm>
           <a:prstGeom prst="rect">
             <a:avLst/>
@@ -6484,8 +4746,8 @@
           </a:ln>
         </p:spPr>
         <p:txBody>
-          <a:bodyPr lIns="91440" rIns="91440" tIns="45720" bIns="45720" anchor="ctr">
-            <a:normAutofit fontScale="65458" lnSpcReduction="10000"/>
+          <a:bodyPr lIns="0" rIns="0" tIns="0" bIns="0" anchor="t">
+            <a:normAutofit/>
           </a:bodyPr>
           <a:p>
             <a:pPr marL="432000" indent="-324000">
@@ -6500,7 +4762,7 @@
               <a:buChar char=""/>
             </a:pPr>
             <a:r>
-              <a:rPr b="0" lang="ru-RU" sz="2000" spc="-1" strike="noStrike">
+              <a:rPr b="0" lang="ru-RU" sz="1800" spc="-1" strike="noStrike">
                 <a:solidFill>
                   <a:srgbClr val="000000"/>
                 </a:solidFill>
@@ -6508,7 +4770,7 @@
               </a:rPr>
               <a:t>Для правки структуры щёлкните мышью</a:t>
             </a:r>
-            <a:endParaRPr b="0" lang="ru-RU" sz="2000" spc="-1" strike="noStrike">
+            <a:endParaRPr b="0" lang="ru-RU" sz="1800" spc="-1" strike="noStrike">
               <a:solidFill>
                 <a:srgbClr val="000000"/>
               </a:solidFill>
@@ -6528,7 +4790,7 @@
               <a:buChar char=""/>
             </a:pPr>
             <a:r>
-              <a:rPr b="0" lang="ru-RU" sz="2000" spc="-1" strike="noStrike">
+              <a:rPr b="0" lang="ru-RU" sz="1800" spc="-1" strike="noStrike">
                 <a:solidFill>
                   <a:srgbClr val="000000"/>
                 </a:solidFill>
@@ -6536,7 +4798,7 @@
               </a:rPr>
               <a:t>Второй уровень структуры</a:t>
             </a:r>
-            <a:endParaRPr b="0" lang="ru-RU" sz="2000" spc="-1" strike="noStrike">
+            <a:endParaRPr b="0" lang="ru-RU" sz="1800" spc="-1" strike="noStrike">
               <a:solidFill>
                 <a:srgbClr val="000000"/>
               </a:solidFill>
@@ -6556,7 +4818,7 @@
               <a:buChar char=""/>
             </a:pPr>
             <a:r>
-              <a:rPr b="0" lang="ru-RU" sz="2000" spc="-1" strike="noStrike">
+              <a:rPr b="0" lang="ru-RU" sz="1800" spc="-1" strike="noStrike">
                 <a:solidFill>
                   <a:srgbClr val="000000"/>
                 </a:solidFill>
@@ -6564,7 +4826,7 @@
               </a:rPr>
               <a:t>Третий уровень структуры</a:t>
             </a:r>
-            <a:endParaRPr b="0" lang="ru-RU" sz="2000" spc="-1" strike="noStrike">
+            <a:endParaRPr b="0" lang="ru-RU" sz="1800" spc="-1" strike="noStrike">
               <a:solidFill>
                 <a:srgbClr val="000000"/>
               </a:solidFill>
@@ -6584,7 +4846,7 @@
               <a:buChar char=""/>
             </a:pPr>
             <a:r>
-              <a:rPr b="0" lang="ru-RU" sz="2000" spc="-1" strike="noStrike">
+              <a:rPr b="0" lang="ru-RU" sz="1800" spc="-1" strike="noStrike">
                 <a:solidFill>
                   <a:srgbClr val="000000"/>
                 </a:solidFill>
@@ -6592,7 +4854,7 @@
               </a:rPr>
               <a:t>Четвёртый уровень структуры</a:t>
             </a:r>
-            <a:endParaRPr b="0" lang="ru-RU" sz="2000" spc="-1" strike="noStrike">
+            <a:endParaRPr b="0" lang="ru-RU" sz="1800" spc="-1" strike="noStrike">
               <a:solidFill>
                 <a:srgbClr val="000000"/>
               </a:solidFill>
@@ -6612,7 +4874,7 @@
               <a:buChar char=""/>
             </a:pPr>
             <a:r>
-              <a:rPr b="0" lang="ru-RU" sz="2000" spc="-1" strike="noStrike">
+              <a:rPr b="0" lang="ru-RU" sz="1800" spc="-1" strike="noStrike">
                 <a:solidFill>
                   <a:srgbClr val="000000"/>
                 </a:solidFill>
@@ -6620,7 +4882,7 @@
               </a:rPr>
               <a:t>Пятый уровень структуры</a:t>
             </a:r>
-            <a:endParaRPr b="0" lang="ru-RU" sz="2000" spc="-1" strike="noStrike">
+            <a:endParaRPr b="0" lang="ru-RU" sz="1800" spc="-1" strike="noStrike">
               <a:solidFill>
                 <a:srgbClr val="000000"/>
               </a:solidFill>
@@ -6640,7 +4902,7 @@
               <a:buChar char=""/>
             </a:pPr>
             <a:r>
-              <a:rPr b="0" lang="ru-RU" sz="2000" spc="-1" strike="noStrike">
+              <a:rPr b="0" lang="ru-RU" sz="1800" spc="-1" strike="noStrike">
                 <a:solidFill>
                   <a:srgbClr val="000000"/>
                 </a:solidFill>
@@ -6648,7 +4910,7 @@
               </a:rPr>
               <a:t>Шестой уровень структуры</a:t>
             </a:r>
-            <a:endParaRPr b="0" lang="ru-RU" sz="2000" spc="-1" strike="noStrike">
+            <a:endParaRPr b="0" lang="ru-RU" sz="1800" spc="-1" strike="noStrike">
               <a:solidFill>
                 <a:srgbClr val="000000"/>
               </a:solidFill>
@@ -6668,7 +4930,7 @@
               <a:buChar char=""/>
             </a:pPr>
             <a:r>
-              <a:rPr b="0" lang="ru-RU" sz="2000" spc="-1" strike="noStrike">
+              <a:rPr b="0" lang="ru-RU" sz="1800" spc="-1" strike="noStrike">
                 <a:solidFill>
                   <a:srgbClr val="000000"/>
                 </a:solidFill>
@@ -6676,7 +4938,7 @@
               </a:rPr>
               <a:t>Седьмой уровень структуры</a:t>
             </a:r>
-            <a:endParaRPr b="0" lang="ru-RU" sz="2000" spc="-1" strike="noStrike">
+            <a:endParaRPr b="0" lang="ru-RU" sz="1800" spc="-1" strike="noStrike">
               <a:solidFill>
                 <a:srgbClr val="000000"/>
               </a:solidFill>
@@ -6687,78 +4949,18 @@
       </p:sp>
       <p:sp>
         <p:nvSpPr>
-          <p:cNvPr id="46" name="PlaceHolder 4"/>
+          <p:cNvPr id="40" name="PlaceHolder 4"/>
           <p:cNvSpPr>
             <a:spLocks noGrp="1"/>
           </p:cNvSpPr>
           <p:nvPr>
-            <p:ph type="dt" idx="16"/>
+            <p:ph type="ftr" idx="16"/>
           </p:nvPr>
         </p:nvSpPr>
         <p:spPr>
           <a:xfrm>
-            <a:off x="262440" y="6356520"/>
-            <a:ext cx="2742840" cy="364680"/>
-          </a:xfrm>
-          <a:prstGeom prst="rect">
-            <a:avLst/>
-          </a:prstGeom>
-          <a:noFill/>
-          <a:ln w="0">
-            <a:noFill/>
-          </a:ln>
-        </p:spPr>
-        <p:txBody>
-          <a:bodyPr lIns="91440" rIns="91440" tIns="45720" bIns="45720" anchor="ctr">
-            <a:noAutofit/>
-          </a:bodyPr>
-          <a:lstStyle>
-            <a:lvl1pPr indent="0">
-              <a:buNone/>
-              <a:defRPr b="0" lang="ru-RU" sz="1400" spc="-1" strike="noStrike">
-                <a:solidFill>
-                  <a:srgbClr val="000000"/>
-                </a:solidFill>
-                <a:latin typeface="Times New Roman"/>
-              </a:defRPr>
-            </a:lvl1pPr>
-          </a:lstStyle>
-          <a:p>
-            <a:pPr indent="0">
-              <a:buNone/>
-            </a:pPr>
-            <a:r>
-              <a:rPr b="0" lang="ru-RU" sz="1400" spc="-1" strike="noStrike">
-                <a:solidFill>
-                  <a:srgbClr val="000000"/>
-                </a:solidFill>
-                <a:latin typeface="Times New Roman"/>
-              </a:rPr>
-              <a:t>&lt;дата/время&gt;</a:t>
-            </a:r>
-            <a:endParaRPr b="0" lang="ru-RU" sz="1400" spc="-1" strike="noStrike">
-              <a:solidFill>
-                <a:srgbClr val="000000"/>
-              </a:solidFill>
-              <a:latin typeface="Times New Roman"/>
-            </a:endParaRPr>
-          </a:p>
-        </p:txBody>
-      </p:sp>
-      <p:sp>
-        <p:nvSpPr>
-          <p:cNvPr id="47" name="PlaceHolder 5"/>
-          <p:cNvSpPr>
-            <a:spLocks noGrp="1"/>
-          </p:cNvSpPr>
-          <p:nvPr>
-            <p:ph type="ftr" idx="17"/>
-          </p:nvPr>
-        </p:nvSpPr>
-        <p:spPr>
-          <a:xfrm>
             <a:off x="3869280" y="6356520"/>
-            <a:ext cx="5911200" cy="364680"/>
+            <a:ext cx="5910840" cy="364320"/>
           </a:xfrm>
           <a:prstGeom prst="rect">
             <a:avLst/>
@@ -6774,7 +4976,13 @@
           </a:bodyPr>
           <a:lstStyle>
             <a:lvl1pPr indent="0" algn="ctr">
+              <a:lnSpc>
+                <a:spcPct val="100000"/>
+              </a:lnSpc>
               <a:buNone/>
+              <a:tabLst>
+                <a:tab algn="l" pos="0"/>
+              </a:tabLst>
               <a:defRPr b="0" lang="ru-RU" sz="1400" spc="-1" strike="noStrike">
                 <a:solidFill>
                   <a:srgbClr val="000000"/>
@@ -6785,7 +4993,13 @@
           </a:lstStyle>
           <a:p>
             <a:pPr indent="0" algn="ctr">
+              <a:lnSpc>
+                <a:spcPct val="100000"/>
+              </a:lnSpc>
               <a:buNone/>
+              <a:tabLst>
+                <a:tab algn="l" pos="0"/>
+              </a:tabLst>
             </a:pPr>
             <a:r>
               <a:rPr b="0" lang="ru-RU" sz="1400" spc="-1" strike="noStrike">
@@ -6807,18 +5021,18 @@
       </p:sp>
       <p:sp>
         <p:nvSpPr>
-          <p:cNvPr id="48" name="PlaceHolder 6"/>
+          <p:cNvPr id="41" name="PlaceHolder 5"/>
           <p:cNvSpPr>
             <a:spLocks noGrp="1"/>
           </p:cNvSpPr>
           <p:nvPr>
-            <p:ph type="sldNum" idx="18"/>
+            <p:ph type="sldNum" idx="17"/>
           </p:nvPr>
         </p:nvSpPr>
         <p:spPr>
           <a:xfrm>
             <a:off x="10634040" y="6356520"/>
-            <a:ext cx="1530720" cy="364680"/>
+            <a:ext cx="1530360" cy="364320"/>
           </a:xfrm>
           <a:prstGeom prst="rect">
             <a:avLst/>
@@ -6860,7 +5074,7 @@
                 <a:tab algn="l" pos="0"/>
               </a:tabLst>
             </a:pPr>
-            <a:fld id="{16D14BCD-A492-475F-8493-94B5945709E3}" type="slidenum">
+            <a:fld id="{836E1ABD-9A1F-4BFA-9FCC-6A987AE3E8BE}" type="slidenum">
               <a:rPr b="1" lang="ru-RU" sz="1200" spc="-1" strike="noStrike">
                 <a:solidFill>
                   <a:schemeClr val="accent1"/>
@@ -6871,6 +5085,66 @@
               <a:t>&lt;номер&gt;</a:t>
             </a:fld>
             <a:endParaRPr b="0" lang="ru-RU" sz="1200" spc="-1" strike="noStrike">
+              <a:solidFill>
+                <a:srgbClr val="000000"/>
+              </a:solidFill>
+              <a:latin typeface="Times New Roman"/>
+            </a:endParaRPr>
+          </a:p>
+        </p:txBody>
+      </p:sp>
+      <p:sp>
+        <p:nvSpPr>
+          <p:cNvPr id="42" name="PlaceHolder 6"/>
+          <p:cNvSpPr>
+            <a:spLocks noGrp="1"/>
+          </p:cNvSpPr>
+          <p:nvPr>
+            <p:ph type="dt" idx="18"/>
+          </p:nvPr>
+        </p:nvSpPr>
+        <p:spPr>
+          <a:xfrm>
+            <a:off x="262440" y="6356520"/>
+            <a:ext cx="2742480" cy="364320"/>
+          </a:xfrm>
+          <a:prstGeom prst="rect">
+            <a:avLst/>
+          </a:prstGeom>
+          <a:noFill/>
+          <a:ln w="0">
+            <a:noFill/>
+          </a:ln>
+        </p:spPr>
+        <p:txBody>
+          <a:bodyPr lIns="91440" rIns="91440" tIns="45720" bIns="45720" anchor="ctr">
+            <a:noAutofit/>
+          </a:bodyPr>
+          <a:lstStyle>
+            <a:lvl1pPr indent="0">
+              <a:buNone/>
+              <a:defRPr b="0" lang="ru-RU" sz="1400" spc="-1" strike="noStrike">
+                <a:solidFill>
+                  <a:srgbClr val="000000"/>
+                </a:solidFill>
+                <a:latin typeface="Times New Roman"/>
+              </a:defRPr>
+            </a:lvl1pPr>
+          </a:lstStyle>
+          <a:p>
+            <a:pPr indent="0">
+              <a:buNone/>
+            </a:pPr>
+            <a:r>
+              <a:rPr b="0" lang="ru-RU" sz="1400" spc="-1" strike="noStrike">
+                <a:solidFill>
+                  <a:srgbClr val="000000"/>
+                </a:solidFill>
+                <a:latin typeface="Times New Roman"/>
+              </a:rPr>
+              <a:t>&lt;дата/время&gt;</a:t>
+            </a:r>
+            <a:endParaRPr b="0" lang="ru-RU" sz="1400" spc="-1" strike="noStrike">
               <a:solidFill>
                 <a:srgbClr val="000000"/>
               </a:solidFill>
@@ -6914,14 +5188,14 @@
       </p:grpSpPr>
       <p:sp>
         <p:nvSpPr>
-          <p:cNvPr id="52" name="Google Shape;6;p18"/>
+          <p:cNvPr id="46" name="Google Shape;6;p18"/>
           <p:cNvSpPr/>
           <p:nvPr/>
         </p:nvSpPr>
         <p:spPr>
           <a:xfrm>
             <a:off x="0" y="758880"/>
-            <a:ext cx="3443400" cy="5330520"/>
+            <a:ext cx="3443040" cy="5330160"/>
           </a:xfrm>
           <a:prstGeom prst="rect">
             <a:avLst/>
@@ -6940,7 +5214,7 @@
           <a:fontRef idx="minor"/>
         </p:style>
         <p:txBody>
-          <a:bodyPr tIns="91440" bIns="91440" anchor="ctr">
+          <a:bodyPr lIns="90000" rIns="90000" tIns="91440" bIns="91440" anchor="ctr">
             <a:noAutofit/>
           </a:bodyPr>
           <a:p>
@@ -6964,14 +5238,14 @@
       </p:sp>
       <p:sp>
         <p:nvSpPr>
-          <p:cNvPr id="53" name="Google Shape;8;p18"/>
+          <p:cNvPr id="47" name="Google Shape;8;p18"/>
           <p:cNvSpPr/>
           <p:nvPr/>
         </p:nvSpPr>
         <p:spPr>
           <a:xfrm>
             <a:off x="11815920" y="758880"/>
-            <a:ext cx="383760" cy="5330520"/>
+            <a:ext cx="383400" cy="5330160"/>
           </a:xfrm>
           <a:prstGeom prst="rect">
             <a:avLst/>
@@ -6992,7 +5266,7 @@
           <a:fontRef idx="minor"/>
         </p:style>
         <p:txBody>
-          <a:bodyPr tIns="91440" bIns="91440" anchor="ctr">
+          <a:bodyPr lIns="90000" rIns="90000" tIns="91440" bIns="91440" anchor="ctr">
             <a:noAutofit/>
           </a:bodyPr>
           <a:p>
@@ -7016,1027 +5290,18 @@
       </p:sp>
       <p:sp>
         <p:nvSpPr>
-          <p:cNvPr id="54" name="PlaceHolder 1"/>
+          <p:cNvPr id="48" name="PlaceHolder 1"/>
           <p:cNvSpPr>
             <a:spLocks noGrp="1"/>
           </p:cNvSpPr>
           <p:nvPr>
-            <p:ph type="title"/>
+            <p:ph type="ftr" idx="19"/>
           </p:nvPr>
         </p:nvSpPr>
         <p:spPr>
           <a:xfrm>
-            <a:off x="253080" y="1123920"/>
-            <a:ext cx="2946960" cy="4600800"/>
-          </a:xfrm>
-          <a:prstGeom prst="rect">
-            <a:avLst/>
-          </a:prstGeom>
-          <a:noFill/>
-          <a:ln w="0">
-            <a:noFill/>
-          </a:ln>
-        </p:spPr>
-        <p:txBody>
-          <a:bodyPr lIns="91440" rIns="91440" tIns="45720" bIns="45720" anchor="ctr">
-            <a:normAutofit/>
-          </a:bodyPr>
-          <a:p>
-            <a:pPr indent="0">
-              <a:buNone/>
-            </a:pPr>
-            <a:r>
-              <a:rPr b="0" lang="ru-RU" sz="3600" spc="-1" strike="noStrike">
-                <a:solidFill>
-                  <a:srgbClr val="000000"/>
-                </a:solidFill>
-                <a:latin typeface="Arial"/>
-              </a:rPr>
-              <a:t>Для правки текста заглавия щёлкните мышью</a:t>
-            </a:r>
-            <a:endParaRPr b="0" lang="ru-RU" sz="3600" spc="-1" strike="noStrike">
-              <a:solidFill>
-                <a:srgbClr val="000000"/>
-              </a:solidFill>
-              <a:latin typeface="Arial"/>
-            </a:endParaRPr>
-          </a:p>
-        </p:txBody>
-      </p:sp>
-      <p:sp>
-        <p:nvSpPr>
-          <p:cNvPr id="55" name="PlaceHolder 2"/>
-          <p:cNvSpPr>
-            <a:spLocks noGrp="1"/>
-          </p:cNvSpPr>
-          <p:nvPr>
-            <p:ph type="body"/>
-          </p:nvPr>
-        </p:nvSpPr>
-        <p:spPr>
-          <a:xfrm>
-            <a:off x="3867840" y="1023480"/>
-            <a:ext cx="3474360" cy="807480"/>
-          </a:xfrm>
-          <a:prstGeom prst="rect">
-            <a:avLst/>
-          </a:prstGeom>
-          <a:noFill/>
-          <a:ln w="0">
-            <a:noFill/>
-          </a:ln>
-        </p:spPr>
-        <p:txBody>
-          <a:bodyPr lIns="91440" rIns="91440" tIns="45720" bIns="45720" anchor="b">
-            <a:normAutofit fontScale="12492"/>
-          </a:bodyPr>
-          <a:p>
-            <a:pPr marL="432000" indent="-324000">
-              <a:spcBef>
-                <a:spcPts val="1417"/>
-              </a:spcBef>
-              <a:buClr>
-                <a:srgbClr val="000000"/>
-              </a:buClr>
-              <a:buSzPct val="45000"/>
-              <a:buFont typeface="Wingdings" charset="2"/>
-              <a:buChar char=""/>
-            </a:pPr>
-            <a:r>
-              <a:rPr b="0" lang="ru-RU" sz="2000" spc="-1" strike="noStrike">
-                <a:solidFill>
-                  <a:srgbClr val="000000"/>
-                </a:solidFill>
-                <a:latin typeface="Arial"/>
-              </a:rPr>
-              <a:t>Для правки структуры щёлкните мышью</a:t>
-            </a:r>
-            <a:endParaRPr b="0" lang="ru-RU" sz="2000" spc="-1" strike="noStrike">
-              <a:solidFill>
-                <a:srgbClr val="000000"/>
-              </a:solidFill>
-              <a:latin typeface="Arial"/>
-            </a:endParaRPr>
-          </a:p>
-          <a:p>
-            <a:pPr lvl="1" marL="864000" indent="-324000">
-              <a:spcBef>
-                <a:spcPts val="1134"/>
-              </a:spcBef>
-              <a:buClr>
-                <a:srgbClr val="000000"/>
-              </a:buClr>
-              <a:buSzPct val="75000"/>
-              <a:buFont typeface="Symbol" charset="2"/>
-              <a:buChar char=""/>
-            </a:pPr>
-            <a:r>
-              <a:rPr b="0" lang="ru-RU" sz="2000" spc="-1" strike="noStrike">
-                <a:solidFill>
-                  <a:srgbClr val="000000"/>
-                </a:solidFill>
-                <a:latin typeface="Arial"/>
-              </a:rPr>
-              <a:t>Второй уровень структуры</a:t>
-            </a:r>
-            <a:endParaRPr b="0" lang="ru-RU" sz="2000" spc="-1" strike="noStrike">
-              <a:solidFill>
-                <a:srgbClr val="000000"/>
-              </a:solidFill>
-              <a:latin typeface="Arial"/>
-            </a:endParaRPr>
-          </a:p>
-          <a:p>
-            <a:pPr lvl="2" marL="1296000" indent="-288000">
-              <a:spcBef>
-                <a:spcPts val="850"/>
-              </a:spcBef>
-              <a:buClr>
-                <a:srgbClr val="000000"/>
-              </a:buClr>
-              <a:buSzPct val="45000"/>
-              <a:buFont typeface="Wingdings" charset="2"/>
-              <a:buChar char=""/>
-            </a:pPr>
-            <a:r>
-              <a:rPr b="0" lang="ru-RU" sz="2000" spc="-1" strike="noStrike">
-                <a:solidFill>
-                  <a:srgbClr val="000000"/>
-                </a:solidFill>
-                <a:latin typeface="Arial"/>
-              </a:rPr>
-              <a:t>Третий уровень структуры</a:t>
-            </a:r>
-            <a:endParaRPr b="0" lang="ru-RU" sz="2000" spc="-1" strike="noStrike">
-              <a:solidFill>
-                <a:srgbClr val="000000"/>
-              </a:solidFill>
-              <a:latin typeface="Arial"/>
-            </a:endParaRPr>
-          </a:p>
-          <a:p>
-            <a:pPr lvl="3" marL="1728000" indent="-216000">
-              <a:spcBef>
-                <a:spcPts val="567"/>
-              </a:spcBef>
-              <a:buClr>
-                <a:srgbClr val="000000"/>
-              </a:buClr>
-              <a:buSzPct val="75000"/>
-              <a:buFont typeface="Symbol" charset="2"/>
-              <a:buChar char=""/>
-            </a:pPr>
-            <a:r>
-              <a:rPr b="0" lang="ru-RU" sz="2000" spc="-1" strike="noStrike">
-                <a:solidFill>
-                  <a:srgbClr val="000000"/>
-                </a:solidFill>
-                <a:latin typeface="Arial"/>
-              </a:rPr>
-              <a:t>Четвёртый уровень структуры</a:t>
-            </a:r>
-            <a:endParaRPr b="0" lang="ru-RU" sz="2000" spc="-1" strike="noStrike">
-              <a:solidFill>
-                <a:srgbClr val="000000"/>
-              </a:solidFill>
-              <a:latin typeface="Arial"/>
-            </a:endParaRPr>
-          </a:p>
-          <a:p>
-            <a:pPr lvl="4" marL="2160000" indent="-216000">
-              <a:spcBef>
-                <a:spcPts val="283"/>
-              </a:spcBef>
-              <a:buClr>
-                <a:srgbClr val="000000"/>
-              </a:buClr>
-              <a:buSzPct val="45000"/>
-              <a:buFont typeface="Wingdings" charset="2"/>
-              <a:buChar char=""/>
-            </a:pPr>
-            <a:r>
-              <a:rPr b="0" lang="ru-RU" sz="2000" spc="-1" strike="noStrike">
-                <a:solidFill>
-                  <a:srgbClr val="000000"/>
-                </a:solidFill>
-                <a:latin typeface="Arial"/>
-              </a:rPr>
-              <a:t>Пятый уровень структуры</a:t>
-            </a:r>
-            <a:endParaRPr b="0" lang="ru-RU" sz="2000" spc="-1" strike="noStrike">
-              <a:solidFill>
-                <a:srgbClr val="000000"/>
-              </a:solidFill>
-              <a:latin typeface="Arial"/>
-            </a:endParaRPr>
-          </a:p>
-          <a:p>
-            <a:pPr lvl="5" marL="2592000" indent="-216000">
-              <a:spcBef>
-                <a:spcPts val="283"/>
-              </a:spcBef>
-              <a:buClr>
-                <a:srgbClr val="000000"/>
-              </a:buClr>
-              <a:buSzPct val="45000"/>
-              <a:buFont typeface="Wingdings" charset="2"/>
-              <a:buChar char=""/>
-            </a:pPr>
-            <a:r>
-              <a:rPr b="0" lang="ru-RU" sz="2000" spc="-1" strike="noStrike">
-                <a:solidFill>
-                  <a:srgbClr val="000000"/>
-                </a:solidFill>
-                <a:latin typeface="Arial"/>
-              </a:rPr>
-              <a:t>Шестой уровень структуры</a:t>
-            </a:r>
-            <a:endParaRPr b="0" lang="ru-RU" sz="2000" spc="-1" strike="noStrike">
-              <a:solidFill>
-                <a:srgbClr val="000000"/>
-              </a:solidFill>
-              <a:latin typeface="Arial"/>
-            </a:endParaRPr>
-          </a:p>
-          <a:p>
-            <a:pPr lvl="6" marL="3024000" indent="-216000">
-              <a:spcBef>
-                <a:spcPts val="283"/>
-              </a:spcBef>
-              <a:buClr>
-                <a:srgbClr val="000000"/>
-              </a:buClr>
-              <a:buSzPct val="45000"/>
-              <a:buFont typeface="Wingdings" charset="2"/>
-              <a:buChar char=""/>
-            </a:pPr>
-            <a:r>
-              <a:rPr b="0" lang="ru-RU" sz="2000" spc="-1" strike="noStrike">
-                <a:solidFill>
-                  <a:srgbClr val="000000"/>
-                </a:solidFill>
-                <a:latin typeface="Arial"/>
-              </a:rPr>
-              <a:t>Седьмой уровень структуры</a:t>
-            </a:r>
-            <a:endParaRPr b="0" lang="ru-RU" sz="2000" spc="-1" strike="noStrike">
-              <a:solidFill>
-                <a:srgbClr val="000000"/>
-              </a:solidFill>
-              <a:latin typeface="Arial"/>
-            </a:endParaRPr>
-          </a:p>
-        </p:txBody>
-      </p:sp>
-      <p:sp>
-        <p:nvSpPr>
-          <p:cNvPr id="56" name="PlaceHolder 3"/>
-          <p:cNvSpPr>
-            <a:spLocks noGrp="1"/>
-          </p:cNvSpPr>
-          <p:nvPr>
-            <p:ph type="body"/>
-          </p:nvPr>
-        </p:nvSpPr>
-        <p:spPr>
-          <a:xfrm>
-            <a:off x="3867840" y="1931040"/>
-            <a:ext cx="3474360" cy="4023000"/>
-          </a:xfrm>
-          <a:prstGeom prst="rect">
-            <a:avLst/>
-          </a:prstGeom>
-          <a:noFill/>
-          <a:ln w="0">
-            <a:noFill/>
-          </a:ln>
-        </p:spPr>
-        <p:txBody>
-          <a:bodyPr lIns="91440" rIns="91440" tIns="45720" bIns="45720" anchor="ctr">
-            <a:normAutofit fontScale="62460" lnSpcReduction="20000"/>
-          </a:bodyPr>
-          <a:p>
-            <a:pPr marL="432000" indent="-324000">
-              <a:spcBef>
-                <a:spcPts val="1417"/>
-              </a:spcBef>
-              <a:buClr>
-                <a:srgbClr val="000000"/>
-              </a:buClr>
-              <a:buSzPct val="45000"/>
-              <a:buFont typeface="Wingdings" charset="2"/>
-              <a:buChar char=""/>
-            </a:pPr>
-            <a:r>
-              <a:rPr b="0" lang="ru-RU" sz="2000" spc="-1" strike="noStrike">
-                <a:solidFill>
-                  <a:srgbClr val="000000"/>
-                </a:solidFill>
-                <a:latin typeface="Arial"/>
-              </a:rPr>
-              <a:t>Для правки структуры щёлкните мышью</a:t>
-            </a:r>
-            <a:endParaRPr b="0" lang="ru-RU" sz="2000" spc="-1" strike="noStrike">
-              <a:solidFill>
-                <a:srgbClr val="000000"/>
-              </a:solidFill>
-              <a:latin typeface="Arial"/>
-            </a:endParaRPr>
-          </a:p>
-          <a:p>
-            <a:pPr lvl="1" marL="864000" indent="-324000">
-              <a:spcBef>
-                <a:spcPts val="1134"/>
-              </a:spcBef>
-              <a:buClr>
-                <a:srgbClr val="000000"/>
-              </a:buClr>
-              <a:buSzPct val="75000"/>
-              <a:buFont typeface="Symbol" charset="2"/>
-              <a:buChar char=""/>
-            </a:pPr>
-            <a:r>
-              <a:rPr b="0" lang="ru-RU" sz="2000" spc="-1" strike="noStrike">
-                <a:solidFill>
-                  <a:srgbClr val="000000"/>
-                </a:solidFill>
-                <a:latin typeface="Arial"/>
-              </a:rPr>
-              <a:t>Второй уровень структуры</a:t>
-            </a:r>
-            <a:endParaRPr b="0" lang="ru-RU" sz="2000" spc="-1" strike="noStrike">
-              <a:solidFill>
-                <a:srgbClr val="000000"/>
-              </a:solidFill>
-              <a:latin typeface="Arial"/>
-            </a:endParaRPr>
-          </a:p>
-          <a:p>
-            <a:pPr lvl="2" marL="1296000" indent="-288000">
-              <a:spcBef>
-                <a:spcPts val="850"/>
-              </a:spcBef>
-              <a:buClr>
-                <a:srgbClr val="000000"/>
-              </a:buClr>
-              <a:buSzPct val="45000"/>
-              <a:buFont typeface="Wingdings" charset="2"/>
-              <a:buChar char=""/>
-            </a:pPr>
-            <a:r>
-              <a:rPr b="0" lang="ru-RU" sz="2000" spc="-1" strike="noStrike">
-                <a:solidFill>
-                  <a:srgbClr val="000000"/>
-                </a:solidFill>
-                <a:latin typeface="Arial"/>
-              </a:rPr>
-              <a:t>Третий уровень структуры</a:t>
-            </a:r>
-            <a:endParaRPr b="0" lang="ru-RU" sz="2000" spc="-1" strike="noStrike">
-              <a:solidFill>
-                <a:srgbClr val="000000"/>
-              </a:solidFill>
-              <a:latin typeface="Arial"/>
-            </a:endParaRPr>
-          </a:p>
-          <a:p>
-            <a:pPr lvl="3" marL="1728000" indent="-216000">
-              <a:spcBef>
-                <a:spcPts val="567"/>
-              </a:spcBef>
-              <a:buClr>
-                <a:srgbClr val="000000"/>
-              </a:buClr>
-              <a:buSzPct val="75000"/>
-              <a:buFont typeface="Symbol" charset="2"/>
-              <a:buChar char=""/>
-            </a:pPr>
-            <a:r>
-              <a:rPr b="0" lang="ru-RU" sz="2000" spc="-1" strike="noStrike">
-                <a:solidFill>
-                  <a:srgbClr val="000000"/>
-                </a:solidFill>
-                <a:latin typeface="Arial"/>
-              </a:rPr>
-              <a:t>Четвёртый уровень структуры</a:t>
-            </a:r>
-            <a:endParaRPr b="0" lang="ru-RU" sz="2000" spc="-1" strike="noStrike">
-              <a:solidFill>
-                <a:srgbClr val="000000"/>
-              </a:solidFill>
-              <a:latin typeface="Arial"/>
-            </a:endParaRPr>
-          </a:p>
-          <a:p>
-            <a:pPr lvl="4" marL="2160000" indent="-216000">
-              <a:spcBef>
-                <a:spcPts val="283"/>
-              </a:spcBef>
-              <a:buClr>
-                <a:srgbClr val="000000"/>
-              </a:buClr>
-              <a:buSzPct val="45000"/>
-              <a:buFont typeface="Wingdings" charset="2"/>
-              <a:buChar char=""/>
-            </a:pPr>
-            <a:r>
-              <a:rPr b="0" lang="ru-RU" sz="2000" spc="-1" strike="noStrike">
-                <a:solidFill>
-                  <a:srgbClr val="000000"/>
-                </a:solidFill>
-                <a:latin typeface="Arial"/>
-              </a:rPr>
-              <a:t>Пятый уровень структуры</a:t>
-            </a:r>
-            <a:endParaRPr b="0" lang="ru-RU" sz="2000" spc="-1" strike="noStrike">
-              <a:solidFill>
-                <a:srgbClr val="000000"/>
-              </a:solidFill>
-              <a:latin typeface="Arial"/>
-            </a:endParaRPr>
-          </a:p>
-          <a:p>
-            <a:pPr lvl="5" marL="2592000" indent="-216000">
-              <a:spcBef>
-                <a:spcPts val="283"/>
-              </a:spcBef>
-              <a:buClr>
-                <a:srgbClr val="000000"/>
-              </a:buClr>
-              <a:buSzPct val="45000"/>
-              <a:buFont typeface="Wingdings" charset="2"/>
-              <a:buChar char=""/>
-            </a:pPr>
-            <a:r>
-              <a:rPr b="0" lang="ru-RU" sz="2000" spc="-1" strike="noStrike">
-                <a:solidFill>
-                  <a:srgbClr val="000000"/>
-                </a:solidFill>
-                <a:latin typeface="Arial"/>
-              </a:rPr>
-              <a:t>Шестой уровень структуры</a:t>
-            </a:r>
-            <a:endParaRPr b="0" lang="ru-RU" sz="2000" spc="-1" strike="noStrike">
-              <a:solidFill>
-                <a:srgbClr val="000000"/>
-              </a:solidFill>
-              <a:latin typeface="Arial"/>
-            </a:endParaRPr>
-          </a:p>
-          <a:p>
-            <a:pPr lvl="6" marL="3024000" indent="-216000">
-              <a:spcBef>
-                <a:spcPts val="283"/>
-              </a:spcBef>
-              <a:buClr>
-                <a:srgbClr val="000000"/>
-              </a:buClr>
-              <a:buSzPct val="45000"/>
-              <a:buFont typeface="Wingdings" charset="2"/>
-              <a:buChar char=""/>
-            </a:pPr>
-            <a:r>
-              <a:rPr b="0" lang="ru-RU" sz="2000" spc="-1" strike="noStrike">
-                <a:solidFill>
-                  <a:srgbClr val="000000"/>
-                </a:solidFill>
-                <a:latin typeface="Arial"/>
-              </a:rPr>
-              <a:t>Седьмой уровень структуры</a:t>
-            </a:r>
-            <a:endParaRPr b="0" lang="ru-RU" sz="2000" spc="-1" strike="noStrike">
-              <a:solidFill>
-                <a:srgbClr val="000000"/>
-              </a:solidFill>
-              <a:latin typeface="Arial"/>
-            </a:endParaRPr>
-          </a:p>
-        </p:txBody>
-      </p:sp>
-      <p:sp>
-        <p:nvSpPr>
-          <p:cNvPr id="57" name="PlaceHolder 4"/>
-          <p:cNvSpPr>
-            <a:spLocks noGrp="1"/>
-          </p:cNvSpPr>
-          <p:nvPr>
-            <p:ph type="body"/>
-          </p:nvPr>
-        </p:nvSpPr>
-        <p:spPr>
-          <a:xfrm>
-            <a:off x="7818480" y="1023480"/>
-            <a:ext cx="3474360" cy="812880"/>
-          </a:xfrm>
-          <a:prstGeom prst="rect">
-            <a:avLst/>
-          </a:prstGeom>
-          <a:noFill/>
-          <a:ln w="0">
-            <a:noFill/>
-          </a:ln>
-        </p:spPr>
-        <p:txBody>
-          <a:bodyPr lIns="91440" rIns="91440" tIns="45720" bIns="45720" anchor="b">
-            <a:normAutofit fontScale="12492"/>
-          </a:bodyPr>
-          <a:p>
-            <a:pPr marL="432000" indent="-324000">
-              <a:spcBef>
-                <a:spcPts val="1417"/>
-              </a:spcBef>
-              <a:buClr>
-                <a:srgbClr val="000000"/>
-              </a:buClr>
-              <a:buSzPct val="45000"/>
-              <a:buFont typeface="Wingdings" charset="2"/>
-              <a:buChar char=""/>
-            </a:pPr>
-            <a:r>
-              <a:rPr b="0" lang="ru-RU" sz="2000" spc="-1" strike="noStrike">
-                <a:solidFill>
-                  <a:srgbClr val="000000"/>
-                </a:solidFill>
-                <a:latin typeface="Arial"/>
-              </a:rPr>
-              <a:t>Для правки структуры щёлкните мышью</a:t>
-            </a:r>
-            <a:endParaRPr b="0" lang="ru-RU" sz="2000" spc="-1" strike="noStrike">
-              <a:solidFill>
-                <a:srgbClr val="000000"/>
-              </a:solidFill>
-              <a:latin typeface="Arial"/>
-            </a:endParaRPr>
-          </a:p>
-          <a:p>
-            <a:pPr lvl="1" marL="864000" indent="-324000">
-              <a:spcBef>
-                <a:spcPts val="1134"/>
-              </a:spcBef>
-              <a:buClr>
-                <a:srgbClr val="000000"/>
-              </a:buClr>
-              <a:buSzPct val="75000"/>
-              <a:buFont typeface="Symbol" charset="2"/>
-              <a:buChar char=""/>
-            </a:pPr>
-            <a:r>
-              <a:rPr b="0" lang="ru-RU" sz="2000" spc="-1" strike="noStrike">
-                <a:solidFill>
-                  <a:srgbClr val="000000"/>
-                </a:solidFill>
-                <a:latin typeface="Arial"/>
-              </a:rPr>
-              <a:t>Второй уровень структуры</a:t>
-            </a:r>
-            <a:endParaRPr b="0" lang="ru-RU" sz="2000" spc="-1" strike="noStrike">
-              <a:solidFill>
-                <a:srgbClr val="000000"/>
-              </a:solidFill>
-              <a:latin typeface="Arial"/>
-            </a:endParaRPr>
-          </a:p>
-          <a:p>
-            <a:pPr lvl="2" marL="1296000" indent="-288000">
-              <a:spcBef>
-                <a:spcPts val="850"/>
-              </a:spcBef>
-              <a:buClr>
-                <a:srgbClr val="000000"/>
-              </a:buClr>
-              <a:buSzPct val="45000"/>
-              <a:buFont typeface="Wingdings" charset="2"/>
-              <a:buChar char=""/>
-            </a:pPr>
-            <a:r>
-              <a:rPr b="0" lang="ru-RU" sz="2000" spc="-1" strike="noStrike">
-                <a:solidFill>
-                  <a:srgbClr val="000000"/>
-                </a:solidFill>
-                <a:latin typeface="Arial"/>
-              </a:rPr>
-              <a:t>Третий уровень структуры</a:t>
-            </a:r>
-            <a:endParaRPr b="0" lang="ru-RU" sz="2000" spc="-1" strike="noStrike">
-              <a:solidFill>
-                <a:srgbClr val="000000"/>
-              </a:solidFill>
-              <a:latin typeface="Arial"/>
-            </a:endParaRPr>
-          </a:p>
-          <a:p>
-            <a:pPr lvl="3" marL="1728000" indent="-216000">
-              <a:spcBef>
-                <a:spcPts val="567"/>
-              </a:spcBef>
-              <a:buClr>
-                <a:srgbClr val="000000"/>
-              </a:buClr>
-              <a:buSzPct val="75000"/>
-              <a:buFont typeface="Symbol" charset="2"/>
-              <a:buChar char=""/>
-            </a:pPr>
-            <a:r>
-              <a:rPr b="0" lang="ru-RU" sz="2000" spc="-1" strike="noStrike">
-                <a:solidFill>
-                  <a:srgbClr val="000000"/>
-                </a:solidFill>
-                <a:latin typeface="Arial"/>
-              </a:rPr>
-              <a:t>Четвёртый уровень структуры</a:t>
-            </a:r>
-            <a:endParaRPr b="0" lang="ru-RU" sz="2000" spc="-1" strike="noStrike">
-              <a:solidFill>
-                <a:srgbClr val="000000"/>
-              </a:solidFill>
-              <a:latin typeface="Arial"/>
-            </a:endParaRPr>
-          </a:p>
-          <a:p>
-            <a:pPr lvl="4" marL="2160000" indent="-216000">
-              <a:spcBef>
-                <a:spcPts val="283"/>
-              </a:spcBef>
-              <a:buClr>
-                <a:srgbClr val="000000"/>
-              </a:buClr>
-              <a:buSzPct val="45000"/>
-              <a:buFont typeface="Wingdings" charset="2"/>
-              <a:buChar char=""/>
-            </a:pPr>
-            <a:r>
-              <a:rPr b="0" lang="ru-RU" sz="2000" spc="-1" strike="noStrike">
-                <a:solidFill>
-                  <a:srgbClr val="000000"/>
-                </a:solidFill>
-                <a:latin typeface="Arial"/>
-              </a:rPr>
-              <a:t>Пятый уровень структуры</a:t>
-            </a:r>
-            <a:endParaRPr b="0" lang="ru-RU" sz="2000" spc="-1" strike="noStrike">
-              <a:solidFill>
-                <a:srgbClr val="000000"/>
-              </a:solidFill>
-              <a:latin typeface="Arial"/>
-            </a:endParaRPr>
-          </a:p>
-          <a:p>
-            <a:pPr lvl="5" marL="2592000" indent="-216000">
-              <a:spcBef>
-                <a:spcPts val="283"/>
-              </a:spcBef>
-              <a:buClr>
-                <a:srgbClr val="000000"/>
-              </a:buClr>
-              <a:buSzPct val="45000"/>
-              <a:buFont typeface="Wingdings" charset="2"/>
-              <a:buChar char=""/>
-            </a:pPr>
-            <a:r>
-              <a:rPr b="0" lang="ru-RU" sz="2000" spc="-1" strike="noStrike">
-                <a:solidFill>
-                  <a:srgbClr val="000000"/>
-                </a:solidFill>
-                <a:latin typeface="Arial"/>
-              </a:rPr>
-              <a:t>Шестой уровень структуры</a:t>
-            </a:r>
-            <a:endParaRPr b="0" lang="ru-RU" sz="2000" spc="-1" strike="noStrike">
-              <a:solidFill>
-                <a:srgbClr val="000000"/>
-              </a:solidFill>
-              <a:latin typeface="Arial"/>
-            </a:endParaRPr>
-          </a:p>
-          <a:p>
-            <a:pPr lvl="6" marL="3024000" indent="-216000">
-              <a:spcBef>
-                <a:spcPts val="283"/>
-              </a:spcBef>
-              <a:buClr>
-                <a:srgbClr val="000000"/>
-              </a:buClr>
-              <a:buSzPct val="45000"/>
-              <a:buFont typeface="Wingdings" charset="2"/>
-              <a:buChar char=""/>
-            </a:pPr>
-            <a:r>
-              <a:rPr b="0" lang="ru-RU" sz="2000" spc="-1" strike="noStrike">
-                <a:solidFill>
-                  <a:srgbClr val="000000"/>
-                </a:solidFill>
-                <a:latin typeface="Arial"/>
-              </a:rPr>
-              <a:t>Седьмой уровень структуры</a:t>
-            </a:r>
-            <a:endParaRPr b="0" lang="ru-RU" sz="2000" spc="-1" strike="noStrike">
-              <a:solidFill>
-                <a:srgbClr val="000000"/>
-              </a:solidFill>
-              <a:latin typeface="Arial"/>
-            </a:endParaRPr>
-          </a:p>
-        </p:txBody>
-      </p:sp>
-      <p:sp>
-        <p:nvSpPr>
-          <p:cNvPr id="58" name="PlaceHolder 5"/>
-          <p:cNvSpPr>
-            <a:spLocks noGrp="1"/>
-          </p:cNvSpPr>
-          <p:nvPr>
-            <p:ph type="body"/>
-          </p:nvPr>
-        </p:nvSpPr>
-        <p:spPr>
-          <a:xfrm>
-            <a:off x="7818480" y="1931040"/>
-            <a:ext cx="3474360" cy="4023000"/>
-          </a:xfrm>
-          <a:prstGeom prst="rect">
-            <a:avLst/>
-          </a:prstGeom>
-          <a:noFill/>
-          <a:ln w="0">
-            <a:noFill/>
-          </a:ln>
-        </p:spPr>
-        <p:txBody>
-          <a:bodyPr lIns="91440" rIns="91440" tIns="45720" bIns="45720" anchor="ctr">
-            <a:normAutofit fontScale="62460" lnSpcReduction="20000"/>
-          </a:bodyPr>
-          <a:p>
-            <a:pPr marL="432000" indent="-324000">
-              <a:spcBef>
-                <a:spcPts val="1417"/>
-              </a:spcBef>
-              <a:buClr>
-                <a:srgbClr val="000000"/>
-              </a:buClr>
-              <a:buSzPct val="45000"/>
-              <a:buFont typeface="Wingdings" charset="2"/>
-              <a:buChar char=""/>
-            </a:pPr>
-            <a:r>
-              <a:rPr b="0" lang="ru-RU" sz="2000" spc="-1" strike="noStrike">
-                <a:solidFill>
-                  <a:srgbClr val="000000"/>
-                </a:solidFill>
-                <a:latin typeface="Arial"/>
-              </a:rPr>
-              <a:t>Для правки структуры щёлкните мышью</a:t>
-            </a:r>
-            <a:endParaRPr b="0" lang="ru-RU" sz="2000" spc="-1" strike="noStrike">
-              <a:solidFill>
-                <a:srgbClr val="000000"/>
-              </a:solidFill>
-              <a:latin typeface="Arial"/>
-            </a:endParaRPr>
-          </a:p>
-          <a:p>
-            <a:pPr lvl="1" marL="864000" indent="-324000">
-              <a:spcBef>
-                <a:spcPts val="1134"/>
-              </a:spcBef>
-              <a:buClr>
-                <a:srgbClr val="000000"/>
-              </a:buClr>
-              <a:buSzPct val="75000"/>
-              <a:buFont typeface="Symbol" charset="2"/>
-              <a:buChar char=""/>
-            </a:pPr>
-            <a:r>
-              <a:rPr b="0" lang="ru-RU" sz="2000" spc="-1" strike="noStrike">
-                <a:solidFill>
-                  <a:srgbClr val="000000"/>
-                </a:solidFill>
-                <a:latin typeface="Arial"/>
-              </a:rPr>
-              <a:t>Второй уровень структуры</a:t>
-            </a:r>
-            <a:endParaRPr b="0" lang="ru-RU" sz="2000" spc="-1" strike="noStrike">
-              <a:solidFill>
-                <a:srgbClr val="000000"/>
-              </a:solidFill>
-              <a:latin typeface="Arial"/>
-            </a:endParaRPr>
-          </a:p>
-          <a:p>
-            <a:pPr lvl="2" marL="1296000" indent="-288000">
-              <a:spcBef>
-                <a:spcPts val="850"/>
-              </a:spcBef>
-              <a:buClr>
-                <a:srgbClr val="000000"/>
-              </a:buClr>
-              <a:buSzPct val="45000"/>
-              <a:buFont typeface="Wingdings" charset="2"/>
-              <a:buChar char=""/>
-            </a:pPr>
-            <a:r>
-              <a:rPr b="0" lang="ru-RU" sz="2000" spc="-1" strike="noStrike">
-                <a:solidFill>
-                  <a:srgbClr val="000000"/>
-                </a:solidFill>
-                <a:latin typeface="Arial"/>
-              </a:rPr>
-              <a:t>Третий уровень структуры</a:t>
-            </a:r>
-            <a:endParaRPr b="0" lang="ru-RU" sz="2000" spc="-1" strike="noStrike">
-              <a:solidFill>
-                <a:srgbClr val="000000"/>
-              </a:solidFill>
-              <a:latin typeface="Arial"/>
-            </a:endParaRPr>
-          </a:p>
-          <a:p>
-            <a:pPr lvl="3" marL="1728000" indent="-216000">
-              <a:spcBef>
-                <a:spcPts val="567"/>
-              </a:spcBef>
-              <a:buClr>
-                <a:srgbClr val="000000"/>
-              </a:buClr>
-              <a:buSzPct val="75000"/>
-              <a:buFont typeface="Symbol" charset="2"/>
-              <a:buChar char=""/>
-            </a:pPr>
-            <a:r>
-              <a:rPr b="0" lang="ru-RU" sz="2000" spc="-1" strike="noStrike">
-                <a:solidFill>
-                  <a:srgbClr val="000000"/>
-                </a:solidFill>
-                <a:latin typeface="Arial"/>
-              </a:rPr>
-              <a:t>Четвёртый уровень структуры</a:t>
-            </a:r>
-            <a:endParaRPr b="0" lang="ru-RU" sz="2000" spc="-1" strike="noStrike">
-              <a:solidFill>
-                <a:srgbClr val="000000"/>
-              </a:solidFill>
-              <a:latin typeface="Arial"/>
-            </a:endParaRPr>
-          </a:p>
-          <a:p>
-            <a:pPr lvl="4" marL="2160000" indent="-216000">
-              <a:spcBef>
-                <a:spcPts val="283"/>
-              </a:spcBef>
-              <a:buClr>
-                <a:srgbClr val="000000"/>
-              </a:buClr>
-              <a:buSzPct val="45000"/>
-              <a:buFont typeface="Wingdings" charset="2"/>
-              <a:buChar char=""/>
-            </a:pPr>
-            <a:r>
-              <a:rPr b="0" lang="ru-RU" sz="2000" spc="-1" strike="noStrike">
-                <a:solidFill>
-                  <a:srgbClr val="000000"/>
-                </a:solidFill>
-                <a:latin typeface="Arial"/>
-              </a:rPr>
-              <a:t>Пятый уровень структуры</a:t>
-            </a:r>
-            <a:endParaRPr b="0" lang="ru-RU" sz="2000" spc="-1" strike="noStrike">
-              <a:solidFill>
-                <a:srgbClr val="000000"/>
-              </a:solidFill>
-              <a:latin typeface="Arial"/>
-            </a:endParaRPr>
-          </a:p>
-          <a:p>
-            <a:pPr lvl="5" marL="2592000" indent="-216000">
-              <a:spcBef>
-                <a:spcPts val="283"/>
-              </a:spcBef>
-              <a:buClr>
-                <a:srgbClr val="000000"/>
-              </a:buClr>
-              <a:buSzPct val="45000"/>
-              <a:buFont typeface="Wingdings" charset="2"/>
-              <a:buChar char=""/>
-            </a:pPr>
-            <a:r>
-              <a:rPr b="0" lang="ru-RU" sz="2000" spc="-1" strike="noStrike">
-                <a:solidFill>
-                  <a:srgbClr val="000000"/>
-                </a:solidFill>
-                <a:latin typeface="Arial"/>
-              </a:rPr>
-              <a:t>Шестой уровень структуры</a:t>
-            </a:r>
-            <a:endParaRPr b="0" lang="ru-RU" sz="2000" spc="-1" strike="noStrike">
-              <a:solidFill>
-                <a:srgbClr val="000000"/>
-              </a:solidFill>
-              <a:latin typeface="Arial"/>
-            </a:endParaRPr>
-          </a:p>
-          <a:p>
-            <a:pPr lvl="6" marL="3024000" indent="-216000">
-              <a:spcBef>
-                <a:spcPts val="283"/>
-              </a:spcBef>
-              <a:buClr>
-                <a:srgbClr val="000000"/>
-              </a:buClr>
-              <a:buSzPct val="45000"/>
-              <a:buFont typeface="Wingdings" charset="2"/>
-              <a:buChar char=""/>
-            </a:pPr>
-            <a:r>
-              <a:rPr b="0" lang="ru-RU" sz="2000" spc="-1" strike="noStrike">
-                <a:solidFill>
-                  <a:srgbClr val="000000"/>
-                </a:solidFill>
-                <a:latin typeface="Arial"/>
-              </a:rPr>
-              <a:t>Седьмой уровень структуры</a:t>
-            </a:r>
-            <a:endParaRPr b="0" lang="ru-RU" sz="2000" spc="-1" strike="noStrike">
-              <a:solidFill>
-                <a:srgbClr val="000000"/>
-              </a:solidFill>
-              <a:latin typeface="Arial"/>
-            </a:endParaRPr>
-          </a:p>
-        </p:txBody>
-      </p:sp>
-      <p:sp>
-        <p:nvSpPr>
-          <p:cNvPr id="59" name="PlaceHolder 6"/>
-          <p:cNvSpPr>
-            <a:spLocks noGrp="1"/>
-          </p:cNvSpPr>
-          <p:nvPr>
-            <p:ph type="dt" idx="19"/>
-          </p:nvPr>
-        </p:nvSpPr>
-        <p:spPr>
-          <a:xfrm>
-            <a:off x="262440" y="6356520"/>
-            <a:ext cx="2742840" cy="364680"/>
-          </a:xfrm>
-          <a:prstGeom prst="rect">
-            <a:avLst/>
-          </a:prstGeom>
-          <a:noFill/>
-          <a:ln w="0">
-            <a:noFill/>
-          </a:ln>
-        </p:spPr>
-        <p:txBody>
-          <a:bodyPr lIns="91440" rIns="91440" tIns="45720" bIns="45720" anchor="ctr">
-            <a:noAutofit/>
-          </a:bodyPr>
-          <a:lstStyle>
-            <a:lvl1pPr indent="0">
-              <a:buNone/>
-              <a:defRPr b="0" lang="ru-RU" sz="1400" spc="-1" strike="noStrike">
-                <a:solidFill>
-                  <a:srgbClr val="000000"/>
-                </a:solidFill>
-                <a:latin typeface="Times New Roman"/>
-              </a:defRPr>
-            </a:lvl1pPr>
-          </a:lstStyle>
-          <a:p>
-            <a:pPr indent="0">
-              <a:buNone/>
-            </a:pPr>
-            <a:r>
-              <a:rPr b="0" lang="ru-RU" sz="1400" spc="-1" strike="noStrike">
-                <a:solidFill>
-                  <a:srgbClr val="000000"/>
-                </a:solidFill>
-                <a:latin typeface="Times New Roman"/>
-              </a:rPr>
-              <a:t>&lt;дата/время&gt;</a:t>
-            </a:r>
-            <a:endParaRPr b="0" lang="ru-RU" sz="1400" spc="-1" strike="noStrike">
-              <a:solidFill>
-                <a:srgbClr val="000000"/>
-              </a:solidFill>
-              <a:latin typeface="Times New Roman"/>
-            </a:endParaRPr>
-          </a:p>
-        </p:txBody>
-      </p:sp>
-      <p:sp>
-        <p:nvSpPr>
-          <p:cNvPr id="60" name="PlaceHolder 7"/>
-          <p:cNvSpPr>
-            <a:spLocks noGrp="1"/>
-          </p:cNvSpPr>
-          <p:nvPr>
-            <p:ph type="ftr" idx="20"/>
-          </p:nvPr>
-        </p:nvSpPr>
-        <p:spPr>
-          <a:xfrm>
             <a:off x="3869280" y="6356520"/>
-            <a:ext cx="5911200" cy="364680"/>
+            <a:ext cx="5910840" cy="364320"/>
           </a:xfrm>
           <a:prstGeom prst="rect">
             <a:avLst/>
@@ -8052,7 +5317,13 @@
           </a:bodyPr>
           <a:lstStyle>
             <a:lvl1pPr indent="0" algn="ctr">
+              <a:lnSpc>
+                <a:spcPct val="100000"/>
+              </a:lnSpc>
               <a:buNone/>
+              <a:tabLst>
+                <a:tab algn="l" pos="0"/>
+              </a:tabLst>
               <a:defRPr b="0" lang="ru-RU" sz="1400" spc="-1" strike="noStrike">
                 <a:solidFill>
                   <a:srgbClr val="000000"/>
@@ -8063,7 +5334,13 @@
           </a:lstStyle>
           <a:p>
             <a:pPr indent="0" algn="ctr">
+              <a:lnSpc>
+                <a:spcPct val="100000"/>
+              </a:lnSpc>
               <a:buNone/>
+              <a:tabLst>
+                <a:tab algn="l" pos="0"/>
+              </a:tabLst>
             </a:pPr>
             <a:r>
               <a:rPr b="0" lang="ru-RU" sz="1400" spc="-1" strike="noStrike">
@@ -8085,18 +5362,18 @@
       </p:sp>
       <p:sp>
         <p:nvSpPr>
-          <p:cNvPr id="61" name="PlaceHolder 8"/>
+          <p:cNvPr id="49" name="PlaceHolder 2"/>
           <p:cNvSpPr>
             <a:spLocks noGrp="1"/>
           </p:cNvSpPr>
           <p:nvPr>
-            <p:ph type="sldNum" idx="21"/>
+            <p:ph type="sldNum" idx="20"/>
           </p:nvPr>
         </p:nvSpPr>
         <p:spPr>
           <a:xfrm>
             <a:off x="10634040" y="6356520"/>
-            <a:ext cx="1530720" cy="364680"/>
+            <a:ext cx="1530360" cy="364320"/>
           </a:xfrm>
           <a:prstGeom prst="rect">
             <a:avLst/>
@@ -8138,7 +5415,7 @@
                 <a:tab algn="l" pos="0"/>
               </a:tabLst>
             </a:pPr>
-            <a:fld id="{33B7B88F-2A9F-437B-9D65-AA7C9158BDFD}" type="slidenum">
+            <a:fld id="{41627A76-EC91-4E17-B571-6DF5B656A0CF}" type="slidenum">
               <a:rPr b="1" lang="ru-RU" sz="1200" spc="-1" strike="noStrike">
                 <a:solidFill>
                   <a:schemeClr val="accent1"/>
@@ -8149,6 +5426,66 @@
               <a:t>&lt;номер&gt;</a:t>
             </a:fld>
             <a:endParaRPr b="0" lang="ru-RU" sz="1200" spc="-1" strike="noStrike">
+              <a:solidFill>
+                <a:srgbClr val="000000"/>
+              </a:solidFill>
+              <a:latin typeface="Times New Roman"/>
+            </a:endParaRPr>
+          </a:p>
+        </p:txBody>
+      </p:sp>
+      <p:sp>
+        <p:nvSpPr>
+          <p:cNvPr id="50" name="PlaceHolder 3"/>
+          <p:cNvSpPr>
+            <a:spLocks noGrp="1"/>
+          </p:cNvSpPr>
+          <p:nvPr>
+            <p:ph type="dt" idx="21"/>
+          </p:nvPr>
+        </p:nvSpPr>
+        <p:spPr>
+          <a:xfrm>
+            <a:off x="262440" y="6356520"/>
+            <a:ext cx="2742480" cy="364320"/>
+          </a:xfrm>
+          <a:prstGeom prst="rect">
+            <a:avLst/>
+          </a:prstGeom>
+          <a:noFill/>
+          <a:ln w="0">
+            <a:noFill/>
+          </a:ln>
+        </p:spPr>
+        <p:txBody>
+          <a:bodyPr lIns="91440" rIns="91440" tIns="45720" bIns="45720" anchor="ctr">
+            <a:noAutofit/>
+          </a:bodyPr>
+          <a:lstStyle>
+            <a:lvl1pPr indent="0">
+              <a:buNone/>
+              <a:defRPr b="0" lang="ru-RU" sz="1400" spc="-1" strike="noStrike">
+                <a:solidFill>
+                  <a:srgbClr val="000000"/>
+                </a:solidFill>
+                <a:latin typeface="Times New Roman"/>
+              </a:defRPr>
+            </a:lvl1pPr>
+          </a:lstStyle>
+          <a:p>
+            <a:pPr indent="0">
+              <a:buNone/>
+            </a:pPr>
+            <a:r>
+              <a:rPr b="0" lang="ru-RU" sz="1400" spc="-1" strike="noStrike">
+                <a:solidFill>
+                  <a:srgbClr val="000000"/>
+                </a:solidFill>
+                <a:latin typeface="Times New Roman"/>
+              </a:rPr>
+              <a:t>&lt;дата/время&gt;</a:t>
+            </a:r>
+            <a:endParaRPr b="0" lang="ru-RU" sz="1400" spc="-1" strike="noStrike">
               <a:solidFill>
                 <a:srgbClr val="000000"/>
               </a:solidFill>
@@ -8192,14 +5529,14 @@
       </p:grpSpPr>
       <p:sp>
         <p:nvSpPr>
-          <p:cNvPr id="62" name="Google Shape;6;p18"/>
+          <p:cNvPr id="51" name="Google Shape;6;p18"/>
           <p:cNvSpPr/>
           <p:nvPr/>
         </p:nvSpPr>
         <p:spPr>
           <a:xfrm>
             <a:off x="0" y="758880"/>
-            <a:ext cx="3443400" cy="5330520"/>
+            <a:ext cx="3443040" cy="5330160"/>
           </a:xfrm>
           <a:prstGeom prst="rect">
             <a:avLst/>
@@ -8218,7 +5555,7 @@
           <a:fontRef idx="minor"/>
         </p:style>
         <p:txBody>
-          <a:bodyPr tIns="91440" bIns="91440" anchor="ctr">
+          <a:bodyPr lIns="90000" rIns="90000" tIns="91440" bIns="91440" anchor="ctr">
             <a:noAutofit/>
           </a:bodyPr>
           <a:p>
@@ -8242,14 +5579,14 @@
       </p:sp>
       <p:sp>
         <p:nvSpPr>
-          <p:cNvPr id="63" name="Google Shape;8;p18"/>
+          <p:cNvPr id="52" name="Google Shape;8;p18"/>
           <p:cNvSpPr/>
           <p:nvPr/>
         </p:nvSpPr>
         <p:spPr>
           <a:xfrm>
             <a:off x="11815920" y="758880"/>
-            <a:ext cx="383760" cy="5330520"/>
+            <a:ext cx="383400" cy="5330160"/>
           </a:xfrm>
           <a:prstGeom prst="rect">
             <a:avLst/>
@@ -8270,7 +5607,7 @@
           <a:fontRef idx="minor"/>
         </p:style>
         <p:txBody>
-          <a:bodyPr tIns="91440" bIns="91440" anchor="ctr">
+          <a:bodyPr lIns="90000" rIns="90000" tIns="91440" bIns="91440" anchor="ctr">
             <a:noAutofit/>
           </a:bodyPr>
           <a:p>
@@ -8294,7 +5631,7 @@
       </p:sp>
       <p:sp>
         <p:nvSpPr>
-          <p:cNvPr id="64" name="PlaceHolder 1"/>
+          <p:cNvPr id="53" name="PlaceHolder 1"/>
           <p:cNvSpPr>
             <a:spLocks noGrp="1"/>
           </p:cNvSpPr>
@@ -8304,8 +5641,8 @@
         </p:nvSpPr>
         <p:spPr>
           <a:xfrm>
-            <a:off x="253080" y="1123920"/>
-            <a:ext cx="2946960" cy="4600800"/>
+            <a:off x="1069920" y="1298520"/>
+            <a:ext cx="7314480" cy="3254400"/>
           </a:xfrm>
           <a:prstGeom prst="rect">
             <a:avLst/>
@@ -8316,15 +5653,15 @@
           </a:ln>
         </p:spPr>
         <p:txBody>
-          <a:bodyPr lIns="91440" rIns="91440" tIns="45720" bIns="45720" anchor="ctr">
-            <a:normAutofit/>
+          <a:bodyPr lIns="0" rIns="0" tIns="0" bIns="0" anchor="ctr">
+            <a:noAutofit/>
           </a:bodyPr>
           <a:p>
             <a:pPr indent="0">
               <a:buNone/>
             </a:pPr>
             <a:r>
-              <a:rPr b="0" lang="ru-RU" sz="3600" spc="-1" strike="noStrike">
+              <a:rPr b="0" lang="ru-RU" sz="1800" spc="-1" strike="noStrike">
                 <a:solidFill>
                   <a:srgbClr val="000000"/>
                 </a:solidFill>
@@ -8332,7 +5669,7 @@
               </a:rPr>
               <a:t>Для правки текста заглавия щёлкните мышью</a:t>
             </a:r>
-            <a:endParaRPr b="0" lang="ru-RU" sz="3600" spc="-1" strike="noStrike">
+            <a:endParaRPr b="0" lang="ru-RU" sz="1800" spc="-1" strike="noStrike">
               <a:solidFill>
                 <a:srgbClr val="000000"/>
               </a:solidFill>
@@ -8343,78 +5680,18 @@
       </p:sp>
       <p:sp>
         <p:nvSpPr>
-          <p:cNvPr id="65" name="PlaceHolder 2"/>
+          <p:cNvPr id="54" name="PlaceHolder 2"/>
           <p:cNvSpPr>
             <a:spLocks noGrp="1"/>
           </p:cNvSpPr>
           <p:nvPr>
-            <p:ph type="dt" idx="22"/>
+            <p:ph type="ftr" idx="22"/>
           </p:nvPr>
         </p:nvSpPr>
         <p:spPr>
           <a:xfrm>
-            <a:off x="262440" y="6356520"/>
-            <a:ext cx="2742840" cy="364680"/>
-          </a:xfrm>
-          <a:prstGeom prst="rect">
-            <a:avLst/>
-          </a:prstGeom>
-          <a:noFill/>
-          <a:ln w="0">
-            <a:noFill/>
-          </a:ln>
-        </p:spPr>
-        <p:txBody>
-          <a:bodyPr lIns="91440" rIns="91440" tIns="45720" bIns="45720" anchor="ctr">
-            <a:noAutofit/>
-          </a:bodyPr>
-          <a:lstStyle>
-            <a:lvl1pPr indent="0">
-              <a:buNone/>
-              <a:defRPr b="0" lang="ru-RU" sz="1400" spc="-1" strike="noStrike">
-                <a:solidFill>
-                  <a:srgbClr val="000000"/>
-                </a:solidFill>
-                <a:latin typeface="Times New Roman"/>
-              </a:defRPr>
-            </a:lvl1pPr>
-          </a:lstStyle>
-          <a:p>
-            <a:pPr indent="0">
-              <a:buNone/>
-            </a:pPr>
-            <a:r>
-              <a:rPr b="0" lang="ru-RU" sz="1400" spc="-1" strike="noStrike">
-                <a:solidFill>
-                  <a:srgbClr val="000000"/>
-                </a:solidFill>
-                <a:latin typeface="Times New Roman"/>
-              </a:rPr>
-              <a:t>&lt;дата/время&gt;</a:t>
-            </a:r>
-            <a:endParaRPr b="0" lang="ru-RU" sz="1400" spc="-1" strike="noStrike">
-              <a:solidFill>
-                <a:srgbClr val="000000"/>
-              </a:solidFill>
-              <a:latin typeface="Times New Roman"/>
-            </a:endParaRPr>
-          </a:p>
-        </p:txBody>
-      </p:sp>
-      <p:sp>
-        <p:nvSpPr>
-          <p:cNvPr id="66" name="PlaceHolder 3"/>
-          <p:cNvSpPr>
-            <a:spLocks noGrp="1"/>
-          </p:cNvSpPr>
-          <p:nvPr>
-            <p:ph type="ftr" idx="23"/>
-          </p:nvPr>
-        </p:nvSpPr>
-        <p:spPr>
-          <a:xfrm>
             <a:off x="3869280" y="6356520"/>
-            <a:ext cx="5911200" cy="364680"/>
+            <a:ext cx="5910840" cy="364320"/>
           </a:xfrm>
           <a:prstGeom prst="rect">
             <a:avLst/>
@@ -8430,7 +5707,13 @@
           </a:bodyPr>
           <a:lstStyle>
             <a:lvl1pPr indent="0" algn="ctr">
+              <a:lnSpc>
+                <a:spcPct val="100000"/>
+              </a:lnSpc>
               <a:buNone/>
+              <a:tabLst>
+                <a:tab algn="l" pos="0"/>
+              </a:tabLst>
               <a:defRPr b="0" lang="ru-RU" sz="1400" spc="-1" strike="noStrike">
                 <a:solidFill>
                   <a:srgbClr val="000000"/>
@@ -8441,7 +5724,13 @@
           </a:lstStyle>
           <a:p>
             <a:pPr indent="0" algn="ctr">
+              <a:lnSpc>
+                <a:spcPct val="100000"/>
+              </a:lnSpc>
               <a:buNone/>
+              <a:tabLst>
+                <a:tab algn="l" pos="0"/>
+              </a:tabLst>
             </a:pPr>
             <a:r>
               <a:rPr b="0" lang="ru-RU" sz="1400" spc="-1" strike="noStrike">
@@ -8463,18 +5752,18 @@
       </p:sp>
       <p:sp>
         <p:nvSpPr>
-          <p:cNvPr id="67" name="PlaceHolder 4"/>
+          <p:cNvPr id="55" name="PlaceHolder 3"/>
           <p:cNvSpPr>
             <a:spLocks noGrp="1"/>
           </p:cNvSpPr>
           <p:nvPr>
-            <p:ph type="sldNum" idx="24"/>
+            <p:ph type="sldNum" idx="23"/>
           </p:nvPr>
         </p:nvSpPr>
         <p:spPr>
           <a:xfrm>
             <a:off x="10634040" y="6356520"/>
-            <a:ext cx="1530720" cy="364680"/>
+            <a:ext cx="1530360" cy="364320"/>
           </a:xfrm>
           <a:prstGeom prst="rect">
             <a:avLst/>
@@ -8516,7 +5805,7 @@
                 <a:tab algn="l" pos="0"/>
               </a:tabLst>
             </a:pPr>
-            <a:fld id="{55CF4CA3-BE68-4CB8-A47B-776FF1BD7781}" type="slidenum">
+            <a:fld id="{9CE6D729-50DD-4139-B87A-7B45DED05E96}" type="slidenum">
               <a:rPr b="1" lang="ru-RU" sz="1200" spc="-1" strike="noStrike">
                 <a:solidFill>
                   <a:schemeClr val="accent1"/>
@@ -8527,6 +5816,66 @@
               <a:t>&lt;номер&gt;</a:t>
             </a:fld>
             <a:endParaRPr b="0" lang="ru-RU" sz="1200" spc="-1" strike="noStrike">
+              <a:solidFill>
+                <a:srgbClr val="000000"/>
+              </a:solidFill>
+              <a:latin typeface="Times New Roman"/>
+            </a:endParaRPr>
+          </a:p>
+        </p:txBody>
+      </p:sp>
+      <p:sp>
+        <p:nvSpPr>
+          <p:cNvPr id="56" name="PlaceHolder 4"/>
+          <p:cNvSpPr>
+            <a:spLocks noGrp="1"/>
+          </p:cNvSpPr>
+          <p:nvPr>
+            <p:ph type="dt" idx="24"/>
+          </p:nvPr>
+        </p:nvSpPr>
+        <p:spPr>
+          <a:xfrm>
+            <a:off x="262440" y="6356520"/>
+            <a:ext cx="2742480" cy="364320"/>
+          </a:xfrm>
+          <a:prstGeom prst="rect">
+            <a:avLst/>
+          </a:prstGeom>
+          <a:noFill/>
+          <a:ln w="0">
+            <a:noFill/>
+          </a:ln>
+        </p:spPr>
+        <p:txBody>
+          <a:bodyPr lIns="91440" rIns="91440" tIns="45720" bIns="45720" anchor="ctr">
+            <a:noAutofit/>
+          </a:bodyPr>
+          <a:lstStyle>
+            <a:lvl1pPr indent="0">
+              <a:buNone/>
+              <a:defRPr b="0" lang="ru-RU" sz="1400" spc="-1" strike="noStrike">
+                <a:solidFill>
+                  <a:srgbClr val="000000"/>
+                </a:solidFill>
+                <a:latin typeface="Times New Roman"/>
+              </a:defRPr>
+            </a:lvl1pPr>
+          </a:lstStyle>
+          <a:p>
+            <a:pPr indent="0">
+              <a:buNone/>
+            </a:pPr>
+            <a:r>
+              <a:rPr b="0" lang="ru-RU" sz="1400" spc="-1" strike="noStrike">
+                <a:solidFill>
+                  <a:srgbClr val="000000"/>
+                </a:solidFill>
+                <a:latin typeface="Times New Roman"/>
+              </a:rPr>
+              <a:t>&lt;дата/время&gt;</a:t>
+            </a:r>
+            <a:endParaRPr b="0" lang="ru-RU" sz="1400" spc="-1" strike="noStrike">
               <a:solidFill>
                 <a:srgbClr val="000000"/>
               </a:solidFill>
@@ -8570,14 +5919,14 @@
       </p:grpSpPr>
       <p:sp>
         <p:nvSpPr>
-          <p:cNvPr id="69" name="Google Shape;6;p18" hidden="1"/>
+          <p:cNvPr id="58" name="Google Shape;6;p18" hidden="1"/>
           <p:cNvSpPr/>
           <p:nvPr/>
         </p:nvSpPr>
         <p:spPr>
           <a:xfrm>
             <a:off x="0" y="758880"/>
-            <a:ext cx="3443400" cy="5330520"/>
+            <a:ext cx="3443040" cy="5330160"/>
           </a:xfrm>
           <a:prstGeom prst="rect">
             <a:avLst/>
@@ -8596,7 +5945,7 @@
           <a:fontRef idx="minor"/>
         </p:style>
         <p:txBody>
-          <a:bodyPr tIns="91440" bIns="91440" anchor="ctr">
+          <a:bodyPr lIns="90000" rIns="90000" tIns="91440" bIns="91440" anchor="ctr">
             <a:noAutofit/>
           </a:bodyPr>
           <a:p>
@@ -8620,14 +5969,14 @@
       </p:sp>
       <p:sp>
         <p:nvSpPr>
-          <p:cNvPr id="70" name="Google Shape;8;p18" hidden="1"/>
+          <p:cNvPr id="59" name="Google Shape;8;p18" hidden="1"/>
           <p:cNvSpPr/>
           <p:nvPr/>
         </p:nvSpPr>
         <p:spPr>
           <a:xfrm>
             <a:off x="11815920" y="758880"/>
-            <a:ext cx="383760" cy="5330520"/>
+            <a:ext cx="383400" cy="5330160"/>
           </a:xfrm>
           <a:prstGeom prst="rect">
             <a:avLst/>
@@ -8648,7 +5997,7 @@
           <a:fontRef idx="minor"/>
         </p:style>
         <p:txBody>
-          <a:bodyPr tIns="91440" bIns="91440" anchor="ctr">
+          <a:bodyPr lIns="90000" rIns="90000" tIns="91440" bIns="91440" anchor="ctr">
             <a:noAutofit/>
           </a:bodyPr>
           <a:p>
@@ -8672,78 +6021,18 @@
       </p:sp>
       <p:sp>
         <p:nvSpPr>
-          <p:cNvPr id="71" name="PlaceHolder 1"/>
+          <p:cNvPr id="60" name="PlaceHolder 1"/>
           <p:cNvSpPr>
             <a:spLocks noGrp="1"/>
           </p:cNvSpPr>
           <p:nvPr>
-            <p:ph type="dt" idx="25"/>
+            <p:ph type="ftr" idx="25"/>
           </p:nvPr>
         </p:nvSpPr>
         <p:spPr>
           <a:xfrm>
-            <a:off x="262440" y="6356520"/>
-            <a:ext cx="2742840" cy="364680"/>
-          </a:xfrm>
-          <a:prstGeom prst="rect">
-            <a:avLst/>
-          </a:prstGeom>
-          <a:noFill/>
-          <a:ln w="0">
-            <a:noFill/>
-          </a:ln>
-        </p:spPr>
-        <p:txBody>
-          <a:bodyPr lIns="91440" rIns="91440" tIns="45720" bIns="45720" anchor="ctr">
-            <a:noAutofit/>
-          </a:bodyPr>
-          <a:lstStyle>
-            <a:lvl1pPr indent="0">
-              <a:buNone/>
-              <a:defRPr b="0" lang="ru-RU" sz="1400" spc="-1" strike="noStrike">
-                <a:solidFill>
-                  <a:srgbClr val="000000"/>
-                </a:solidFill>
-                <a:latin typeface="Times New Roman"/>
-              </a:defRPr>
-            </a:lvl1pPr>
-          </a:lstStyle>
-          <a:p>
-            <a:pPr indent="0">
-              <a:buNone/>
-            </a:pPr>
-            <a:r>
-              <a:rPr b="0" lang="ru-RU" sz="1400" spc="-1" strike="noStrike">
-                <a:solidFill>
-                  <a:srgbClr val="000000"/>
-                </a:solidFill>
-                <a:latin typeface="Times New Roman"/>
-              </a:rPr>
-              <a:t>&lt;дата/время&gt;</a:t>
-            </a:r>
-            <a:endParaRPr b="0" lang="ru-RU" sz="1400" spc="-1" strike="noStrike">
-              <a:solidFill>
-                <a:srgbClr val="000000"/>
-              </a:solidFill>
-              <a:latin typeface="Times New Roman"/>
-            </a:endParaRPr>
-          </a:p>
-        </p:txBody>
-      </p:sp>
-      <p:sp>
-        <p:nvSpPr>
-          <p:cNvPr id="72" name="PlaceHolder 2"/>
-          <p:cNvSpPr>
-            <a:spLocks noGrp="1"/>
-          </p:cNvSpPr>
-          <p:nvPr>
-            <p:ph type="ftr" idx="26"/>
-          </p:nvPr>
-        </p:nvSpPr>
-        <p:spPr>
-          <a:xfrm>
             <a:off x="3869280" y="6356520"/>
-            <a:ext cx="5911200" cy="364680"/>
+            <a:ext cx="5910840" cy="364320"/>
           </a:xfrm>
           <a:prstGeom prst="rect">
             <a:avLst/>
@@ -8759,7 +6048,13 @@
           </a:bodyPr>
           <a:lstStyle>
             <a:lvl1pPr indent="0" algn="ctr">
+              <a:lnSpc>
+                <a:spcPct val="100000"/>
+              </a:lnSpc>
               <a:buNone/>
+              <a:tabLst>
+                <a:tab algn="l" pos="0"/>
+              </a:tabLst>
               <a:defRPr b="0" lang="ru-RU" sz="1400" spc="-1" strike="noStrike">
                 <a:solidFill>
                   <a:srgbClr val="000000"/>
@@ -8770,7 +6065,13 @@
           </a:lstStyle>
           <a:p>
             <a:pPr indent="0" algn="ctr">
+              <a:lnSpc>
+                <a:spcPct val="100000"/>
+              </a:lnSpc>
               <a:buNone/>
+              <a:tabLst>
+                <a:tab algn="l" pos="0"/>
+              </a:tabLst>
             </a:pPr>
             <a:r>
               <a:rPr b="0" lang="ru-RU" sz="1400" spc="-1" strike="noStrike">
@@ -8792,18 +6093,18 @@
       </p:sp>
       <p:sp>
         <p:nvSpPr>
-          <p:cNvPr id="73" name="PlaceHolder 3"/>
+          <p:cNvPr id="61" name="PlaceHolder 2"/>
           <p:cNvSpPr>
             <a:spLocks noGrp="1"/>
           </p:cNvSpPr>
           <p:nvPr>
-            <p:ph type="sldNum" idx="27"/>
+            <p:ph type="sldNum" idx="26"/>
           </p:nvPr>
         </p:nvSpPr>
         <p:spPr>
           <a:xfrm>
             <a:off x="10634040" y="6356520"/>
-            <a:ext cx="1530720" cy="364680"/>
+            <a:ext cx="1530360" cy="364320"/>
           </a:xfrm>
           <a:prstGeom prst="rect">
             <a:avLst/>
@@ -8845,7 +6146,7 @@
                 <a:tab algn="l" pos="0"/>
               </a:tabLst>
             </a:pPr>
-            <a:fld id="{04923252-0B04-4DE1-AB2E-544A057FB267}" type="slidenum">
+            <a:fld id="{CFC1C695-210E-4E9B-B2A8-FEF3BFAE5969}" type="slidenum">
               <a:rPr b="1" lang="ru-RU" sz="1200" spc="-1" strike="noStrike">
                 <a:solidFill>
                   <a:schemeClr val="accent1"/>
@@ -8856,6 +6157,66 @@
               <a:t>&lt;номер&gt;</a:t>
             </a:fld>
             <a:endParaRPr b="0" lang="ru-RU" sz="1200" spc="-1" strike="noStrike">
+              <a:solidFill>
+                <a:srgbClr val="000000"/>
+              </a:solidFill>
+              <a:latin typeface="Times New Roman"/>
+            </a:endParaRPr>
+          </a:p>
+        </p:txBody>
+      </p:sp>
+      <p:sp>
+        <p:nvSpPr>
+          <p:cNvPr id="62" name="PlaceHolder 3"/>
+          <p:cNvSpPr>
+            <a:spLocks noGrp="1"/>
+          </p:cNvSpPr>
+          <p:nvPr>
+            <p:ph type="dt" idx="27"/>
+          </p:nvPr>
+        </p:nvSpPr>
+        <p:spPr>
+          <a:xfrm>
+            <a:off x="262440" y="6356520"/>
+            <a:ext cx="2742480" cy="364320"/>
+          </a:xfrm>
+          <a:prstGeom prst="rect">
+            <a:avLst/>
+          </a:prstGeom>
+          <a:noFill/>
+          <a:ln w="0">
+            <a:noFill/>
+          </a:ln>
+        </p:spPr>
+        <p:txBody>
+          <a:bodyPr lIns="91440" rIns="91440" tIns="45720" bIns="45720" anchor="ctr">
+            <a:noAutofit/>
+          </a:bodyPr>
+          <a:lstStyle>
+            <a:lvl1pPr indent="0">
+              <a:buNone/>
+              <a:defRPr b="0" lang="ru-RU" sz="1400" spc="-1" strike="noStrike">
+                <a:solidFill>
+                  <a:srgbClr val="000000"/>
+                </a:solidFill>
+                <a:latin typeface="Times New Roman"/>
+              </a:defRPr>
+            </a:lvl1pPr>
+          </a:lstStyle>
+          <a:p>
+            <a:pPr indent="0">
+              <a:buNone/>
+            </a:pPr>
+            <a:r>
+              <a:rPr b="0" lang="ru-RU" sz="1400" spc="-1" strike="noStrike">
+                <a:solidFill>
+                  <a:srgbClr val="000000"/>
+                </a:solidFill>
+                <a:latin typeface="Times New Roman"/>
+              </a:rPr>
+              <a:t>&lt;дата/время&gt;</a:t>
+            </a:r>
+            <a:endParaRPr b="0" lang="ru-RU" sz="1400" spc="-1" strike="noStrike">
               <a:solidFill>
                 <a:srgbClr val="000000"/>
               </a:solidFill>
@@ -8892,7 +6253,7 @@
       </p:grpSpPr>
       <p:sp>
         <p:nvSpPr>
-          <p:cNvPr id="90" name="PlaceHolder 1"/>
+          <p:cNvPr id="73" name="PlaceHolder 1"/>
           <p:cNvSpPr>
             <a:spLocks noGrp="1"/>
           </p:cNvSpPr>
@@ -8903,7 +6264,7 @@
         <p:spPr>
           <a:xfrm>
             <a:off x="1036440" y="1802160"/>
-            <a:ext cx="7287480" cy="1759320"/>
+            <a:ext cx="7287120" cy="1758960"/>
           </a:xfrm>
           <a:prstGeom prst="rect">
             <a:avLst/>
@@ -8974,7 +6335,7 @@
       </p:sp>
       <p:sp>
         <p:nvSpPr>
-          <p:cNvPr id="91" name="PlaceHolder 2"/>
+          <p:cNvPr id="74" name="PlaceHolder 2"/>
           <p:cNvSpPr>
             <a:spLocks noGrp="1"/>
           </p:cNvSpPr>
@@ -8984,8 +6345,8 @@
         </p:nvSpPr>
         <p:spPr>
           <a:xfrm>
-            <a:off x="5400000" y="5040000"/>
-            <a:ext cx="3426480" cy="894960"/>
+            <a:off x="4788000" y="5040000"/>
+            <a:ext cx="4326120" cy="894600"/>
           </a:xfrm>
           <a:prstGeom prst="rect">
             <a:avLst/>
@@ -9000,7 +6361,7 @@
             <a:noAutofit/>
           </a:bodyPr>
           <a:p>
-            <a:pPr indent="0" algn="ctr">
+            <a:pPr indent="0">
               <a:lnSpc>
                 <a:spcPct val="100000"/>
               </a:lnSpc>
@@ -9027,7 +6388,7 @@
             </a:endParaRPr>
           </a:p>
           <a:p>
-            <a:pPr indent="0" algn="ctr">
+            <a:pPr indent="0">
               <a:lnSpc>
                 <a:spcPct val="100000"/>
               </a:lnSpc>
@@ -9050,7 +6411,7 @@
                 <a:latin typeface="Corbel"/>
                 <a:ea typeface="Corbel"/>
               </a:rPr>
-              <a:t>www.linkedin.com/in/евгений-пивоварчик-7a7259212 </a:t>
+              <a:t>linkedin.com/in/евгений-пивоварчик-7a7259212 </a:t>
             </a:r>
             <a:endParaRPr b="0" lang="ru-RU" sz="1600" spc="-1" strike="noStrike">
               <a:solidFill>
@@ -9063,7 +6424,7 @@
       </p:sp>
       <p:pic>
         <p:nvPicPr>
-          <p:cNvPr id="92" name="Google Shape;90;p1" descr=""/>
+          <p:cNvPr id="75" name="Google Shape;90;p1" descr=""/>
           <p:cNvPicPr/>
           <p:nvPr/>
         </p:nvPicPr>
@@ -9075,7 +6436,7 @@
         <p:spPr>
           <a:xfrm>
             <a:off x="0" y="3758040"/>
-            <a:ext cx="2834280" cy="2317320"/>
+            <a:ext cx="2833920" cy="2316960"/>
           </a:xfrm>
           <a:prstGeom prst="rect">
             <a:avLst/>
@@ -9087,14 +6448,14 @@
       </p:pic>
       <p:sp>
         <p:nvSpPr>
-          <p:cNvPr id="93" name="Google Shape;89;p 1"/>
-          <p:cNvSpPr txBox="1"/>
+          <p:cNvPr id="76" name="Google Shape;89;p 1"/>
+          <p:cNvSpPr/>
           <p:nvPr/>
         </p:nvSpPr>
         <p:spPr>
           <a:xfrm>
             <a:off x="3053520" y="3785040"/>
-            <a:ext cx="3426480" cy="354960"/>
+            <a:ext cx="3426120" cy="354600"/>
           </a:xfrm>
           <a:prstGeom prst="rect">
             <a:avLst/>
@@ -9104,8 +6465,14 @@
             <a:noFill/>
           </a:ln>
         </p:spPr>
-        <p:txBody>
-          <a:bodyPr anchor="t">
+        <p:style>
+          <a:lnRef idx="0"/>
+          <a:fillRef idx="0"/>
+          <a:effectRef idx="0"/>
+          <a:fontRef idx="minor"/>
+        </p:style>
+        <p:txBody>
+          <a:bodyPr lIns="90000" rIns="90000" tIns="45000" bIns="45000" anchor="t">
             <a:noAutofit/>
           </a:bodyPr>
           <a:p>
@@ -9168,7 +6535,7 @@
       </p:grpSpPr>
       <p:sp>
         <p:nvSpPr>
-          <p:cNvPr id="113" name="PlaceHolder 1"/>
+          <p:cNvPr id="96" name="PlaceHolder 1"/>
           <p:cNvSpPr>
             <a:spLocks noGrp="1"/>
           </p:cNvSpPr>
@@ -9179,7 +6546,7 @@
         <p:spPr>
           <a:xfrm>
             <a:off x="111600" y="1077120"/>
-            <a:ext cx="3189960" cy="4845960"/>
+            <a:ext cx="3189600" cy="4845600"/>
           </a:xfrm>
           <a:prstGeom prst="rect">
             <a:avLst/>
@@ -9240,7 +6607,7 @@
       </p:sp>
       <p:pic>
         <p:nvPicPr>
-          <p:cNvPr id="114" name="" descr=""/>
+          <p:cNvPr id="97" name="" descr=""/>
           <p:cNvPicPr/>
           <p:nvPr/>
         </p:nvPicPr>
@@ -9251,7 +6618,7 @@
         <p:spPr>
           <a:xfrm>
             <a:off x="3567960" y="608400"/>
-            <a:ext cx="4892040" cy="5691960"/>
+            <a:ext cx="4891680" cy="5691600"/>
           </a:xfrm>
           <a:prstGeom prst="rect">
             <a:avLst/>
@@ -9263,14 +6630,14 @@
       </p:pic>
       <p:sp>
         <p:nvSpPr>
-          <p:cNvPr id="115" name="Google Shape;146;p11"/>
+          <p:cNvPr id="98" name="Google Shape;146;p11"/>
           <p:cNvSpPr/>
           <p:nvPr/>
         </p:nvSpPr>
         <p:spPr>
           <a:xfrm>
             <a:off x="8136000" y="180000"/>
-            <a:ext cx="3602880" cy="2246760"/>
+            <a:ext cx="3602520" cy="2245320"/>
           </a:xfrm>
           <a:prstGeom prst="rect">
             <a:avLst/>
@@ -9292,7 +6659,7 @@
           <a:fontRef idx="minor"/>
         </p:style>
         <p:txBody>
-          <a:bodyPr anchor="t">
+          <a:bodyPr lIns="90000" rIns="90000" tIns="45000" bIns="45000" anchor="t">
             <a:spAutoFit/>
           </a:bodyPr>
           <a:p>
@@ -9384,7 +6751,7 @@
       </p:grpSpPr>
       <p:sp>
         <p:nvSpPr>
-          <p:cNvPr id="116" name="PlaceHolder 1"/>
+          <p:cNvPr id="99" name="PlaceHolder 1"/>
           <p:cNvSpPr>
             <a:spLocks noGrp="1"/>
           </p:cNvSpPr>
@@ -9395,7 +6762,7 @@
         <p:spPr>
           <a:xfrm>
             <a:off x="253080" y="1123920"/>
-            <a:ext cx="2946960" cy="4600800"/>
+            <a:ext cx="2946600" cy="4600440"/>
           </a:xfrm>
           <a:prstGeom prst="rect">
             <a:avLst/>
@@ -9469,14 +6836,14 @@
       </p:sp>
       <p:sp>
         <p:nvSpPr>
-          <p:cNvPr id="117" name="Google Shape;154;p12"/>
+          <p:cNvPr id="100" name="Google Shape;154;p12"/>
           <p:cNvSpPr/>
           <p:nvPr/>
         </p:nvSpPr>
         <p:spPr>
           <a:xfrm>
             <a:off x="5077800" y="518040"/>
-            <a:ext cx="4880160" cy="877320"/>
+            <a:ext cx="4879800" cy="875880"/>
           </a:xfrm>
           <a:prstGeom prst="rect">
             <a:avLst/>
@@ -9498,7 +6865,7 @@
           <a:fontRef idx="minor"/>
         </p:style>
         <p:txBody>
-          <a:bodyPr anchor="t">
+          <a:bodyPr lIns="90000" rIns="90000" tIns="45000" bIns="45000" anchor="t">
             <a:spAutoFit/>
           </a:bodyPr>
           <a:p>
@@ -9560,7 +6927,7 @@
       </p:sp>
       <p:pic>
         <p:nvPicPr>
-          <p:cNvPr id="118" name="" descr=""/>
+          <p:cNvPr id="101" name="" descr=""/>
           <p:cNvPicPr/>
           <p:nvPr/>
         </p:nvPicPr>
@@ -9571,7 +6938,7 @@
         <p:spPr>
           <a:xfrm>
             <a:off x="4341240" y="1877040"/>
-            <a:ext cx="6278760" cy="3702960"/>
+            <a:ext cx="6278400" cy="3702600"/>
           </a:xfrm>
           <a:prstGeom prst="rect">
             <a:avLst/>
@@ -9613,7 +6980,7 @@
       </p:grpSpPr>
       <p:sp>
         <p:nvSpPr>
-          <p:cNvPr id="119" name="PlaceHolder 1"/>
+          <p:cNvPr id="102" name="PlaceHolder 1"/>
           <p:cNvSpPr>
             <a:spLocks noGrp="1"/>
           </p:cNvSpPr>
@@ -9624,7 +6991,7 @@
         <p:spPr>
           <a:xfrm>
             <a:off x="253080" y="1123920"/>
-            <a:ext cx="2946960" cy="4600800"/>
+            <a:ext cx="2946600" cy="4600440"/>
           </a:xfrm>
           <a:prstGeom prst="rect">
             <a:avLst/>
@@ -9682,7 +7049,7 @@
       </p:sp>
       <p:pic>
         <p:nvPicPr>
-          <p:cNvPr id="120" name="" descr=""/>
+          <p:cNvPr id="103" name="" descr=""/>
           <p:cNvPicPr/>
           <p:nvPr/>
         </p:nvPicPr>
@@ -9693,7 +7060,7 @@
         <p:spPr>
           <a:xfrm>
             <a:off x="3456000" y="1080000"/>
-            <a:ext cx="8335080" cy="4680000"/>
+            <a:ext cx="8334720" cy="4679640"/>
           </a:xfrm>
           <a:prstGeom prst="rect">
             <a:avLst/>
@@ -9735,7 +7102,7 @@
       </p:grpSpPr>
       <p:sp>
         <p:nvSpPr>
-          <p:cNvPr id="121" name="PlaceHolder 1"/>
+          <p:cNvPr id="104" name="PlaceHolder 1"/>
           <p:cNvSpPr>
             <a:spLocks noGrp="1"/>
           </p:cNvSpPr>
@@ -9746,7 +7113,7 @@
         <p:spPr>
           <a:xfrm>
             <a:off x="253080" y="1123920"/>
-            <a:ext cx="2946960" cy="4600800"/>
+            <a:ext cx="2946600" cy="4600440"/>
           </a:xfrm>
           <a:prstGeom prst="rect">
             <a:avLst/>
@@ -9804,7 +7171,7 @@
       </p:sp>
       <p:pic>
         <p:nvPicPr>
-          <p:cNvPr id="122" name="" descr=""/>
+          <p:cNvPr id="105" name="" descr=""/>
           <p:cNvPicPr/>
           <p:nvPr/>
         </p:nvPicPr>
@@ -9815,7 +7182,7 @@
         <p:spPr>
           <a:xfrm>
             <a:off x="3456000" y="1080000"/>
-            <a:ext cx="8343720" cy="4680000"/>
+            <a:ext cx="8343360" cy="4679640"/>
           </a:xfrm>
           <a:prstGeom prst="rect">
             <a:avLst/>
@@ -9857,7 +7224,7 @@
       </p:grpSpPr>
       <p:sp>
         <p:nvSpPr>
-          <p:cNvPr id="123" name="PlaceHolder 1"/>
+          <p:cNvPr id="106" name="PlaceHolder 1"/>
           <p:cNvSpPr>
             <a:spLocks noGrp="1"/>
           </p:cNvSpPr>
@@ -9868,7 +7235,7 @@
         <p:spPr>
           <a:xfrm>
             <a:off x="253080" y="1123920"/>
-            <a:ext cx="2946960" cy="4600800"/>
+            <a:ext cx="2946600" cy="4600440"/>
           </a:xfrm>
           <a:prstGeom prst="rect">
             <a:avLst/>
@@ -9926,7 +7293,7 @@
       </p:sp>
       <p:pic>
         <p:nvPicPr>
-          <p:cNvPr id="124" name="" descr=""/>
+          <p:cNvPr id="107" name="" descr=""/>
           <p:cNvPicPr/>
           <p:nvPr/>
         </p:nvPicPr>
@@ -9937,7 +7304,7 @@
         <p:spPr>
           <a:xfrm>
             <a:off x="3456000" y="1080000"/>
-            <a:ext cx="8344800" cy="4680000"/>
+            <a:ext cx="8344440" cy="4679640"/>
           </a:xfrm>
           <a:prstGeom prst="rect">
             <a:avLst/>
@@ -9979,7 +7346,7 @@
       </p:grpSpPr>
       <p:sp>
         <p:nvSpPr>
-          <p:cNvPr id="125" name="PlaceHolder 1"/>
+          <p:cNvPr id="108" name="PlaceHolder 1"/>
           <p:cNvSpPr>
             <a:spLocks noGrp="1"/>
           </p:cNvSpPr>
@@ -9990,7 +7357,7 @@
         <p:spPr>
           <a:xfrm>
             <a:off x="253080" y="1123920"/>
-            <a:ext cx="2946960" cy="4600800"/>
+            <a:ext cx="2946600" cy="4600440"/>
           </a:xfrm>
           <a:prstGeom prst="rect">
             <a:avLst/>
@@ -10048,7 +7415,7 @@
       </p:sp>
       <p:pic>
         <p:nvPicPr>
-          <p:cNvPr id="126" name="" descr=""/>
+          <p:cNvPr id="109" name="" descr=""/>
           <p:cNvPicPr/>
           <p:nvPr/>
         </p:nvPicPr>
@@ -10059,7 +7426,7 @@
         <p:spPr>
           <a:xfrm>
             <a:off x="3456000" y="1080000"/>
-            <a:ext cx="8344800" cy="4680000"/>
+            <a:ext cx="8344440" cy="4679640"/>
           </a:xfrm>
           <a:prstGeom prst="rect">
             <a:avLst/>
@@ -10101,7 +7468,7 @@
       </p:grpSpPr>
       <p:sp>
         <p:nvSpPr>
-          <p:cNvPr id="127" name="PlaceHolder 1"/>
+          <p:cNvPr id="110" name="PlaceHolder 1"/>
           <p:cNvSpPr>
             <a:spLocks noGrp="1"/>
           </p:cNvSpPr>
@@ -10112,7 +7479,7 @@
         <p:spPr>
           <a:xfrm>
             <a:off x="253080" y="1123920"/>
-            <a:ext cx="2946960" cy="4600800"/>
+            <a:ext cx="2946600" cy="4600440"/>
           </a:xfrm>
           <a:prstGeom prst="rect">
             <a:avLst/>
@@ -10170,7 +7537,7 @@
       </p:sp>
       <p:pic>
         <p:nvPicPr>
-          <p:cNvPr id="128" name="" descr=""/>
+          <p:cNvPr id="111" name="" descr=""/>
           <p:cNvPicPr/>
           <p:nvPr/>
         </p:nvPicPr>
@@ -10181,7 +7548,7 @@
         <p:spPr>
           <a:xfrm>
             <a:off x="3456000" y="1080000"/>
-            <a:ext cx="8344800" cy="4680000"/>
+            <a:ext cx="8344440" cy="4679640"/>
           </a:xfrm>
           <a:prstGeom prst="rect">
             <a:avLst/>
@@ -10223,7 +7590,7 @@
       </p:grpSpPr>
       <p:sp>
         <p:nvSpPr>
-          <p:cNvPr id="129" name="PlaceHolder 1"/>
+          <p:cNvPr id="112" name="PlaceHolder 1"/>
           <p:cNvSpPr>
             <a:spLocks noGrp="1"/>
           </p:cNvSpPr>
@@ -10234,7 +7601,7 @@
         <p:spPr>
           <a:xfrm>
             <a:off x="253080" y="1123920"/>
-            <a:ext cx="2946960" cy="4600800"/>
+            <a:ext cx="2946600" cy="4600440"/>
           </a:xfrm>
           <a:prstGeom prst="rect">
             <a:avLst/>
@@ -10292,7 +7659,7 @@
       </p:sp>
       <p:pic>
         <p:nvPicPr>
-          <p:cNvPr id="130" name="" descr=""/>
+          <p:cNvPr id="113" name="" descr=""/>
           <p:cNvPicPr/>
           <p:nvPr/>
         </p:nvPicPr>
@@ -10303,7 +7670,7 @@
         <p:spPr>
           <a:xfrm>
             <a:off x="3456000" y="1059120"/>
-            <a:ext cx="8344800" cy="4680000"/>
+            <a:ext cx="8344440" cy="4679640"/>
           </a:xfrm>
           <a:prstGeom prst="rect">
             <a:avLst/>
@@ -10345,7 +7712,7 @@
       </p:grpSpPr>
       <p:sp>
         <p:nvSpPr>
-          <p:cNvPr id="131" name="PlaceHolder 1"/>
+          <p:cNvPr id="114" name="PlaceHolder 1"/>
           <p:cNvSpPr>
             <a:spLocks noGrp="1"/>
           </p:cNvSpPr>
@@ -10356,7 +7723,7 @@
         <p:spPr>
           <a:xfrm>
             <a:off x="253080" y="1123920"/>
-            <a:ext cx="2946960" cy="4600800"/>
+            <a:ext cx="2946600" cy="4600440"/>
           </a:xfrm>
           <a:prstGeom prst="rect">
             <a:avLst/>
@@ -10414,7 +7781,7 @@
       </p:sp>
       <p:pic>
         <p:nvPicPr>
-          <p:cNvPr id="132" name="" descr=""/>
+          <p:cNvPr id="115" name="" descr=""/>
           <p:cNvPicPr/>
           <p:nvPr/>
         </p:nvPicPr>
@@ -10425,7 +7792,7 @@
         <p:spPr>
           <a:xfrm>
             <a:off x="3780000" y="540000"/>
-            <a:ext cx="7742160" cy="5783400"/>
+            <a:ext cx="7741800" cy="5783040"/>
           </a:xfrm>
           <a:prstGeom prst="rect">
             <a:avLst/>
@@ -10437,7 +7804,7 @@
       </p:pic>
       <p:pic>
         <p:nvPicPr>
-          <p:cNvPr id="133" name="" descr=""/>
+          <p:cNvPr id="116" name="" descr=""/>
           <p:cNvPicPr/>
           <p:nvPr/>
         </p:nvPicPr>
@@ -10448,7 +7815,7 @@
         <p:spPr>
           <a:xfrm>
             <a:off x="2880000" y="4900320"/>
-            <a:ext cx="2963880" cy="1759680"/>
+            <a:ext cx="2963520" cy="1759320"/>
           </a:xfrm>
           <a:prstGeom prst="rect">
             <a:avLst/>
@@ -10490,7 +7857,7 @@
       </p:grpSpPr>
       <p:sp>
         <p:nvSpPr>
-          <p:cNvPr id="134" name="PlaceHolder 1"/>
+          <p:cNvPr id="117" name="PlaceHolder 1"/>
           <p:cNvSpPr>
             <a:spLocks noGrp="1"/>
           </p:cNvSpPr>
@@ -10501,7 +7868,7 @@
         <p:spPr>
           <a:xfrm>
             <a:off x="253080" y="1123920"/>
-            <a:ext cx="2946960" cy="4600800"/>
+            <a:ext cx="2946600" cy="4600440"/>
           </a:xfrm>
           <a:prstGeom prst="rect">
             <a:avLst/>
@@ -10559,7 +7926,7 @@
       </p:sp>
       <p:pic>
         <p:nvPicPr>
-          <p:cNvPr id="135" name="" descr=""/>
+          <p:cNvPr id="118" name="" descr=""/>
           <p:cNvPicPr/>
           <p:nvPr/>
         </p:nvPicPr>
@@ -10570,7 +7937,7 @@
         <p:spPr>
           <a:xfrm>
             <a:off x="3960000" y="387000"/>
-            <a:ext cx="7459920" cy="5913000"/>
+            <a:ext cx="7459560" cy="5912640"/>
           </a:xfrm>
           <a:prstGeom prst="rect">
             <a:avLst/>
@@ -10612,7 +7979,7 @@
       </p:grpSpPr>
       <p:sp>
         <p:nvSpPr>
-          <p:cNvPr id="94" name="PlaceHolder 1"/>
+          <p:cNvPr id="77" name="PlaceHolder 1"/>
           <p:cNvSpPr>
             <a:spLocks noGrp="1"/>
           </p:cNvSpPr>
@@ -10623,7 +7990,7 @@
         <p:spPr>
           <a:xfrm>
             <a:off x="253080" y="1123920"/>
-            <a:ext cx="2946960" cy="4600800"/>
+            <a:ext cx="2946600" cy="4600440"/>
           </a:xfrm>
           <a:prstGeom prst="rect">
             <a:avLst/>
@@ -10668,7 +8035,7 @@
       </p:sp>
       <p:sp>
         <p:nvSpPr>
-          <p:cNvPr id="95" name="PlaceHolder 2"/>
+          <p:cNvPr id="78" name="PlaceHolder 2"/>
           <p:cNvSpPr>
             <a:spLocks noGrp="1"/>
           </p:cNvSpPr>
@@ -10679,7 +8046,7 @@
         <p:spPr>
           <a:xfrm>
             <a:off x="3889440" y="762120"/>
-            <a:ext cx="7314840" cy="5313240"/>
+            <a:ext cx="7314480" cy="5312880"/>
           </a:xfrm>
           <a:prstGeom prst="rect">
             <a:avLst/>
@@ -11003,7 +8370,7 @@
       </p:grpSpPr>
       <p:sp>
         <p:nvSpPr>
-          <p:cNvPr id="136" name="PlaceHolder 1"/>
+          <p:cNvPr id="119" name="PlaceHolder 1"/>
           <p:cNvSpPr>
             <a:spLocks noGrp="1"/>
           </p:cNvSpPr>
@@ -11014,7 +8381,7 @@
         <p:spPr>
           <a:xfrm>
             <a:off x="253080" y="1123920"/>
-            <a:ext cx="2946960" cy="4600800"/>
+            <a:ext cx="2946600" cy="4600440"/>
           </a:xfrm>
           <a:prstGeom prst="rect">
             <a:avLst/>
@@ -11072,7 +8439,7 @@
       </p:sp>
       <p:pic>
         <p:nvPicPr>
-          <p:cNvPr id="137" name="" descr=""/>
+          <p:cNvPr id="120" name="" descr=""/>
           <p:cNvPicPr/>
           <p:nvPr/>
         </p:nvPicPr>
@@ -11083,7 +8450,7 @@
         <p:spPr>
           <a:xfrm>
             <a:off x="4052160" y="506160"/>
-            <a:ext cx="7467840" cy="5974200"/>
+            <a:ext cx="7467480" cy="5973840"/>
           </a:xfrm>
           <a:prstGeom prst="rect">
             <a:avLst/>
@@ -11125,7 +8492,7 @@
       </p:grpSpPr>
       <p:sp>
         <p:nvSpPr>
-          <p:cNvPr id="138" name="PlaceHolder 1"/>
+          <p:cNvPr id="121" name="PlaceHolder 1"/>
           <p:cNvSpPr>
             <a:spLocks noGrp="1"/>
           </p:cNvSpPr>
@@ -11136,7 +8503,7 @@
         <p:spPr>
           <a:xfrm>
             <a:off x="253080" y="1123920"/>
-            <a:ext cx="2946960" cy="4600800"/>
+            <a:ext cx="2946600" cy="4600440"/>
           </a:xfrm>
           <a:prstGeom prst="rect">
             <a:avLst/>
@@ -11181,18 +8548,19 @@
       </p:sp>
       <p:pic>
         <p:nvPicPr>
-          <p:cNvPr id="139" name="" descr=""/>
+          <p:cNvPr id="122" name="" descr=""/>
           <p:cNvPicPr/>
           <p:nvPr/>
         </p:nvPicPr>
         <p:blipFill>
           <a:blip r:embed="rId1"/>
+          <a:srcRect l="10437" t="7852" r="0" b="0"/>
           <a:stretch/>
         </p:blipFill>
         <p:spPr>
           <a:xfrm>
-            <a:off x="3848400" y="866880"/>
-            <a:ext cx="4518360" cy="5006160"/>
+            <a:off x="4320000" y="1260000"/>
+            <a:ext cx="4046400" cy="4612680"/>
           </a:xfrm>
           <a:prstGeom prst="rect">
             <a:avLst/>
@@ -11204,41 +8572,19 @@
       </p:pic>
       <p:pic>
         <p:nvPicPr>
-          <p:cNvPr id="140" name="" descr=""/>
+          <p:cNvPr id="123" name="" descr=""/>
           <p:cNvPicPr/>
           <p:nvPr/>
         </p:nvPicPr>
         <p:blipFill>
           <a:blip r:embed="rId2"/>
+          <a:srcRect l="10737" t="0" r="0" b="0"/>
           <a:stretch/>
         </p:blipFill>
         <p:spPr>
           <a:xfrm>
-            <a:off x="8196120" y="2020320"/>
-            <a:ext cx="2963880" cy="1759680"/>
-          </a:xfrm>
-          <a:prstGeom prst="rect">
-            <a:avLst/>
-          </a:prstGeom>
-          <a:ln w="0">
-            <a:noFill/>
-          </a:ln>
-        </p:spPr>
-      </p:pic>
-      <p:pic>
-        <p:nvPicPr>
-          <p:cNvPr id="141" name="" descr=""/>
-          <p:cNvPicPr/>
-          <p:nvPr/>
-        </p:nvPicPr>
-        <p:blipFill>
-          <a:blip r:embed="rId3"/>
-          <a:stretch/>
-        </p:blipFill>
-        <p:spPr>
-          <a:xfrm>
-            <a:off x="8280000" y="3960000"/>
-            <a:ext cx="3352680" cy="2049480"/>
+            <a:off x="8167680" y="1440000"/>
+            <a:ext cx="2992320" cy="2049120"/>
           </a:xfrm>
           <a:prstGeom prst="rect">
             <a:avLst/>
@@ -11280,7 +8626,7 @@
       </p:grpSpPr>
       <p:pic>
         <p:nvPicPr>
-          <p:cNvPr id="142" name="Google Shape;183;p17" descr=""/>
+          <p:cNvPr id="124" name="Google Shape;183;p17" descr=""/>
           <p:cNvPicPr/>
           <p:nvPr/>
         </p:nvPicPr>
@@ -11291,7 +8637,7 @@
         <p:spPr>
           <a:xfrm>
             <a:off x="-25200" y="3544920"/>
-            <a:ext cx="4917240" cy="2516400"/>
+            <a:ext cx="4916880" cy="2516040"/>
           </a:xfrm>
           <a:prstGeom prst="rect">
             <a:avLst/>
@@ -11303,14 +8649,14 @@
       </p:pic>
       <p:sp>
         <p:nvSpPr>
-          <p:cNvPr id="143" name="Google Shape;184;p17"/>
+          <p:cNvPr id="125" name="Google Shape;184;p17"/>
           <p:cNvSpPr/>
           <p:nvPr/>
         </p:nvSpPr>
         <p:spPr>
           <a:xfrm>
             <a:off x="1194120" y="2580120"/>
-            <a:ext cx="6400440" cy="1234080"/>
+            <a:ext cx="6400080" cy="1232640"/>
           </a:xfrm>
           <a:prstGeom prst="rect">
             <a:avLst/>
@@ -11327,7 +8673,7 @@
           <a:fontRef idx="minor"/>
         </p:style>
         <p:txBody>
-          <a:bodyPr anchor="t">
+          <a:bodyPr lIns="90000" rIns="90000" tIns="45000" bIns="45000" anchor="t">
             <a:spAutoFit/>
           </a:bodyPr>
           <a:p>
@@ -11403,7 +8749,7 @@
       </p:grpSpPr>
       <p:sp>
         <p:nvSpPr>
-          <p:cNvPr id="96" name="PlaceHolder 1"/>
+          <p:cNvPr id="79" name="PlaceHolder 1"/>
           <p:cNvSpPr>
             <a:spLocks noGrp="1"/>
           </p:cNvSpPr>
@@ -11414,7 +8760,7 @@
         <p:spPr>
           <a:xfrm>
             <a:off x="182880" y="1123920"/>
-            <a:ext cx="3272760" cy="4707720"/>
+            <a:ext cx="3272400" cy="4707360"/>
           </a:xfrm>
           <a:prstGeom prst="rect">
             <a:avLst/>
@@ -11504,7 +8850,7 @@
       </p:sp>
       <p:pic>
         <p:nvPicPr>
-          <p:cNvPr id="97" name="" descr=""/>
+          <p:cNvPr id="80" name="" descr=""/>
           <p:cNvPicPr/>
           <p:nvPr/>
         </p:nvPicPr>
@@ -11515,7 +8861,7 @@
         <p:spPr>
           <a:xfrm>
             <a:off x="4140000" y="651960"/>
-            <a:ext cx="7424280" cy="5648040"/>
+            <a:ext cx="7423920" cy="5647680"/>
           </a:xfrm>
           <a:prstGeom prst="rect">
             <a:avLst/>
@@ -11557,7 +8903,7 @@
       </p:grpSpPr>
       <p:sp>
         <p:nvSpPr>
-          <p:cNvPr id="98" name="PlaceHolder 1"/>
+          <p:cNvPr id="81" name="PlaceHolder 1"/>
           <p:cNvSpPr>
             <a:spLocks noGrp="1"/>
           </p:cNvSpPr>
@@ -11568,7 +8914,7 @@
         <p:spPr>
           <a:xfrm>
             <a:off x="152280" y="1123920"/>
-            <a:ext cx="3098520" cy="4600800"/>
+            <a:ext cx="3098160" cy="4600440"/>
           </a:xfrm>
           <a:prstGeom prst="rect">
             <a:avLst/>
@@ -11629,7 +8975,7 @@
       </p:sp>
       <p:pic>
         <p:nvPicPr>
-          <p:cNvPr id="99" name="" descr=""/>
+          <p:cNvPr id="82" name="" descr=""/>
           <p:cNvPicPr/>
           <p:nvPr/>
         </p:nvPicPr>
@@ -11640,7 +8986,7 @@
         <p:spPr>
           <a:xfrm>
             <a:off x="3600000" y="540000"/>
-            <a:ext cx="8126280" cy="5760000"/>
+            <a:ext cx="8125920" cy="5759640"/>
           </a:xfrm>
           <a:prstGeom prst="rect">
             <a:avLst/>
@@ -11682,7 +9028,7 @@
       </p:grpSpPr>
       <p:sp>
         <p:nvSpPr>
-          <p:cNvPr id="100" name="PlaceHolder 1"/>
+          <p:cNvPr id="83" name="PlaceHolder 1"/>
           <p:cNvSpPr>
             <a:spLocks noGrp="1"/>
           </p:cNvSpPr>
@@ -11693,7 +9039,7 @@
         <p:spPr>
           <a:xfrm>
             <a:off x="182880" y="1123920"/>
-            <a:ext cx="3336840" cy="4600800"/>
+            <a:ext cx="3336480" cy="4600440"/>
           </a:xfrm>
           <a:prstGeom prst="rect">
             <a:avLst/>
@@ -11754,7 +9100,7 @@
       </p:sp>
       <p:pic>
         <p:nvPicPr>
-          <p:cNvPr id="101" name="" descr=""/>
+          <p:cNvPr id="84" name="" descr=""/>
           <p:cNvPicPr/>
           <p:nvPr/>
         </p:nvPicPr>
@@ -11765,7 +9111,7 @@
         <p:spPr>
           <a:xfrm>
             <a:off x="3728160" y="540000"/>
-            <a:ext cx="7971840" cy="5940000"/>
+            <a:ext cx="7971480" cy="5939640"/>
           </a:xfrm>
           <a:prstGeom prst="rect">
             <a:avLst/>
@@ -11807,7 +9153,7 @@
       </p:grpSpPr>
       <p:sp>
         <p:nvSpPr>
-          <p:cNvPr id="102" name="PlaceHolder 1"/>
+          <p:cNvPr id="85" name="PlaceHolder 1"/>
           <p:cNvSpPr>
             <a:spLocks noGrp="1"/>
           </p:cNvSpPr>
@@ -11818,7 +9164,7 @@
         <p:spPr>
           <a:xfrm>
             <a:off x="182880" y="1123920"/>
-            <a:ext cx="3336840" cy="4600800"/>
+            <a:ext cx="3336480" cy="4600440"/>
           </a:xfrm>
           <a:prstGeom prst="rect">
             <a:avLst/>
@@ -11908,7 +9254,7 @@
       </p:sp>
       <p:pic>
         <p:nvPicPr>
-          <p:cNvPr id="103" name="" descr=""/>
+          <p:cNvPr id="86" name="" descr=""/>
           <p:cNvPicPr/>
           <p:nvPr/>
         </p:nvPicPr>
@@ -11919,7 +9265,7 @@
         <p:spPr>
           <a:xfrm>
             <a:off x="3741480" y="540000"/>
-            <a:ext cx="4358520" cy="5814000"/>
+            <a:ext cx="4358160" cy="5813640"/>
           </a:xfrm>
           <a:prstGeom prst="rect">
             <a:avLst/>
@@ -11931,7 +9277,7 @@
       </p:pic>
       <p:pic>
         <p:nvPicPr>
-          <p:cNvPr id="104" name="" descr=""/>
+          <p:cNvPr id="87" name="" descr=""/>
           <p:cNvPicPr/>
           <p:nvPr/>
         </p:nvPicPr>
@@ -11942,7 +9288,7 @@
         <p:spPr>
           <a:xfrm>
             <a:off x="7200000" y="1980000"/>
-            <a:ext cx="4600440" cy="1946520"/>
+            <a:ext cx="4600080" cy="1946160"/>
           </a:xfrm>
           <a:prstGeom prst="rect">
             <a:avLst/>
@@ -11986,7 +9332,7 @@
       </p:grpSpPr>
       <p:sp>
         <p:nvSpPr>
-          <p:cNvPr id="105" name="PlaceHolder 1"/>
+          <p:cNvPr id="88" name="PlaceHolder 1"/>
           <p:cNvSpPr>
             <a:spLocks noGrp="1"/>
           </p:cNvSpPr>
@@ -11997,7 +9343,7 @@
         <p:spPr>
           <a:xfrm>
             <a:off x="0" y="1123920"/>
-            <a:ext cx="3372840" cy="4768560"/>
+            <a:ext cx="3372480" cy="4768200"/>
           </a:xfrm>
           <a:prstGeom prst="rect">
             <a:avLst/>
@@ -12045,17 +9391,7 @@
                 <a:latin typeface="Corbel"/>
                 <a:ea typeface="Corbel"/>
               </a:rPr>
-              <a:t>Таблица </a:t>
-            </a:r>
-            <a:r>
-              <a:rPr b="0" lang="ru-RU" sz="2400" spc="-1" strike="noStrike">
-                <a:solidFill>
-                  <a:srgbClr val="ffffff"/>
-                </a:solidFill>
-                <a:latin typeface="Corbel"/>
-                <a:ea typeface="Corbel"/>
-              </a:rPr>
-              <a:t>Employees</a:t>
+              <a:t>Таблица Employees</a:t>
             </a:r>
             <a:endParaRPr b="0" lang="ru-RU" sz="2400" spc="-1" strike="noStrike">
               <a:solidFill>
@@ -12068,7 +9404,7 @@
       </p:sp>
       <p:pic>
         <p:nvPicPr>
-          <p:cNvPr id="106" name="" descr=""/>
+          <p:cNvPr id="89" name="" descr=""/>
           <p:cNvPicPr/>
           <p:nvPr/>
         </p:nvPicPr>
@@ -12079,7 +9415,7 @@
         <p:spPr>
           <a:xfrm>
             <a:off x="3600000" y="1055160"/>
-            <a:ext cx="7992720" cy="4704840"/>
+            <a:ext cx="7992360" cy="4704480"/>
           </a:xfrm>
           <a:prstGeom prst="rect">
             <a:avLst/>
@@ -12121,7 +9457,7 @@
       </p:grpSpPr>
       <p:sp>
         <p:nvSpPr>
-          <p:cNvPr id="107" name="PlaceHolder 1"/>
+          <p:cNvPr id="90" name="PlaceHolder 1"/>
           <p:cNvSpPr>
             <a:spLocks noGrp="1"/>
           </p:cNvSpPr>
@@ -12132,7 +9468,7 @@
         <p:spPr>
           <a:xfrm>
             <a:off x="0" y="1123920"/>
-            <a:ext cx="3372840" cy="4768560"/>
+            <a:ext cx="3372480" cy="4768200"/>
           </a:xfrm>
           <a:prstGeom prst="rect">
             <a:avLst/>
@@ -12180,17 +9516,7 @@
                 <a:latin typeface="Corbel"/>
                 <a:ea typeface="Corbel"/>
               </a:rPr>
-              <a:t>Таблица </a:t>
-            </a:r>
-            <a:r>
-              <a:rPr b="0" lang="ru-RU" sz="2400" spc="-1" strike="noStrike">
-                <a:solidFill>
-                  <a:srgbClr val="ffffff"/>
-                </a:solidFill>
-                <a:latin typeface="Corbel"/>
-                <a:ea typeface="Corbel"/>
-              </a:rPr>
-              <a:t>VisitClients</a:t>
+              <a:t>Таблица VisitClients</a:t>
             </a:r>
             <a:endParaRPr b="0" lang="ru-RU" sz="2400" spc="-1" strike="noStrike">
               <a:solidFill>
@@ -12203,7 +9529,7 @@
       </p:sp>
       <p:pic>
         <p:nvPicPr>
-          <p:cNvPr id="108" name="" descr=""/>
+          <p:cNvPr id="91" name="" descr=""/>
           <p:cNvPicPr/>
           <p:nvPr/>
         </p:nvPicPr>
@@ -12214,7 +9540,7 @@
         <p:spPr>
           <a:xfrm>
             <a:off x="3600000" y="720000"/>
-            <a:ext cx="7970760" cy="5532120"/>
+            <a:ext cx="7970400" cy="5531760"/>
           </a:xfrm>
           <a:prstGeom prst="rect">
             <a:avLst/>
@@ -12256,7 +9582,7 @@
       </p:grpSpPr>
       <p:sp>
         <p:nvSpPr>
-          <p:cNvPr id="109" name="PlaceHolder 1"/>
+          <p:cNvPr id="92" name="PlaceHolder 1"/>
           <p:cNvSpPr>
             <a:spLocks noGrp="1"/>
           </p:cNvSpPr>
@@ -12267,7 +9593,7 @@
         <p:spPr>
           <a:xfrm>
             <a:off x="0" y="1123920"/>
-            <a:ext cx="3372840" cy="4768560"/>
+            <a:ext cx="3372480" cy="4768200"/>
           </a:xfrm>
           <a:prstGeom prst="rect">
             <a:avLst/>
@@ -12315,17 +9641,7 @@
                 <a:latin typeface="Corbel"/>
                 <a:ea typeface="Corbel"/>
               </a:rPr>
-              <a:t>Таблица </a:t>
-            </a:r>
-            <a:r>
-              <a:rPr b="0" lang="ru-RU" sz="2400" spc="-1" strike="noStrike">
-                <a:solidFill>
-                  <a:srgbClr val="ffffff"/>
-                </a:solidFill>
-                <a:latin typeface="Corbel"/>
-                <a:ea typeface="Corbel"/>
-              </a:rPr>
-              <a:t>VisitClients</a:t>
+              <a:t>Таблица VisitClients</a:t>
             </a:r>
             <a:endParaRPr b="0" lang="ru-RU" sz="2400" spc="-1" strike="noStrike">
               <a:solidFill>
@@ -12338,7 +9654,7 @@
       </p:sp>
       <p:pic>
         <p:nvPicPr>
-          <p:cNvPr id="110" name="" descr=""/>
+          <p:cNvPr id="93" name="" descr=""/>
           <p:cNvPicPr/>
           <p:nvPr/>
         </p:nvPicPr>
@@ -12349,7 +9665,7 @@
         <p:spPr>
           <a:xfrm>
             <a:off x="4059360" y="1179360"/>
-            <a:ext cx="5120640" cy="1340640"/>
+            <a:ext cx="5120280" cy="1340280"/>
           </a:xfrm>
           <a:prstGeom prst="rect">
             <a:avLst/>
@@ -12361,7 +9677,7 @@
       </p:pic>
       <p:pic>
         <p:nvPicPr>
-          <p:cNvPr id="111" name="" descr=""/>
+          <p:cNvPr id="94" name="" descr=""/>
           <p:cNvPicPr/>
           <p:nvPr/>
         </p:nvPicPr>
@@ -12372,7 +9688,7 @@
         <p:spPr>
           <a:xfrm>
             <a:off x="4091040" y="3060000"/>
-            <a:ext cx="4548960" cy="517680"/>
+            <a:ext cx="4548600" cy="517320"/>
           </a:xfrm>
           <a:prstGeom prst="rect">
             <a:avLst/>
@@ -12384,7 +9700,7 @@
       </p:pic>
       <p:pic>
         <p:nvPicPr>
-          <p:cNvPr id="112" name="" descr=""/>
+          <p:cNvPr id="95" name="" descr=""/>
           <p:cNvPicPr/>
           <p:nvPr/>
         </p:nvPicPr>
@@ -12395,7 +9711,7 @@
         <p:spPr>
           <a:xfrm>
             <a:off x="8481960" y="3060000"/>
-            <a:ext cx="2858040" cy="2858040"/>
+            <a:ext cx="2857680" cy="2857680"/>
           </a:xfrm>
           <a:prstGeom prst="rect">
             <a:avLst/>

--- a/Project/Business Intelligence. Дипломный проект.pptx
+++ b/Project/Business Intelligence. Дипломный проект.pptx
@@ -73,7 +73,7 @@
         <p:spPr>
           <a:xfrm>
             <a:off x="1069920" y="1298520"/>
-            <a:ext cx="7314480" cy="3254400"/>
+            <a:ext cx="7314120" cy="3254040"/>
           </a:xfrm>
           <a:prstGeom prst="rect">
             <a:avLst/>
@@ -174,7 +174,7 @@
         <p:txBody>
           <a:bodyPr/>
           <a:p>
-            <a:fld id="{82309C34-E783-49F1-A72A-3702324D45E1}" type="slidenum">
+            <a:fld id="{AB89488E-8642-450C-BCD2-25B3FA1679F5}" type="slidenum">
               <a:t>&lt;#&gt;</a:t>
             </a:fld>
           </a:p>
@@ -257,7 +257,7 @@
         <p:txBody>
           <a:bodyPr/>
           <a:p>
-            <a:fld id="{4CBE5C30-2369-4634-A0BC-BECD18464AB7}" type="slidenum">
+            <a:fld id="{30BEAF2F-4E4D-47EC-9A99-87D2F5F098AE}" type="slidenum">
               <a:t>&lt;#&gt;</a:t>
             </a:fld>
           </a:p>
@@ -340,7 +340,7 @@
         <p:txBody>
           <a:bodyPr/>
           <a:p>
-            <a:fld id="{2CE16971-9979-4CEA-99CC-AD1523B23567}" type="slidenum">
+            <a:fld id="{52D66F00-0492-4949-9EF4-6FEB40B10A57}" type="slidenum">
               <a:t>&lt;#&gt;</a:t>
             </a:fld>
           </a:p>
@@ -423,7 +423,7 @@
         <p:txBody>
           <a:bodyPr/>
           <a:p>
-            <a:fld id="{39D9419D-7B34-41FC-ADBD-05CD5DA8FE43}" type="slidenum">
+            <a:fld id="{5917481F-79F5-4033-9C9E-BCB6493128DA}" type="slidenum">
               <a:t>&lt;#&gt;</a:t>
             </a:fld>
           </a:p>
@@ -506,7 +506,7 @@
         <p:txBody>
           <a:bodyPr/>
           <a:p>
-            <a:fld id="{061CB81F-D3CD-40D9-BD93-C8894BB8BE44}" type="slidenum">
+            <a:fld id="{C329E771-8837-47AA-A400-CB2E7B229021}" type="slidenum">
               <a:t>&lt;#&gt;</a:t>
             </a:fld>
           </a:p>
@@ -568,7 +568,7 @@
         <p:spPr>
           <a:xfrm>
             <a:off x="1069920" y="1298520"/>
-            <a:ext cx="7314480" cy="3254400"/>
+            <a:ext cx="7314120" cy="3254040"/>
           </a:xfrm>
           <a:prstGeom prst="rect">
             <a:avLst/>
@@ -672,7 +672,7 @@
         <p:txBody>
           <a:bodyPr/>
           <a:p>
-            <a:fld id="{2BE7C89E-DD25-4162-A616-0AA77BF742F0}" type="slidenum">
+            <a:fld id="{D78BA4CB-A24C-492E-AE3F-764280ABADE5}" type="slidenum">
               <a:t>&lt;#&gt;</a:t>
             </a:fld>
           </a:p>
@@ -755,7 +755,7 @@
         <p:txBody>
           <a:bodyPr/>
           <a:p>
-            <a:fld id="{236D1B3D-5C39-427E-9317-0FEE7F0D255B}" type="slidenum">
+            <a:fld id="{DCD7942C-67EF-4EE7-83BB-AA6EB438F205}" type="slidenum">
               <a:t>&lt;#&gt;</a:t>
             </a:fld>
           </a:p>
@@ -817,7 +817,7 @@
         <p:spPr>
           <a:xfrm>
             <a:off x="1069920" y="1298520"/>
-            <a:ext cx="7314480" cy="3254400"/>
+            <a:ext cx="7314120" cy="3254040"/>
           </a:xfrm>
           <a:prstGeom prst="rect">
             <a:avLst/>
@@ -964,7 +964,7 @@
         <p:txBody>
           <a:bodyPr/>
           <a:p>
-            <a:fld id="{D91C3CF1-D056-4F35-A151-E0B70050B795}" type="slidenum">
+            <a:fld id="{DAEEA5D4-4F1D-4278-909F-B03D8D8BF73A}" type="slidenum">
               <a:t>&lt;#&gt;</a:t>
             </a:fld>
           </a:p>
@@ -1047,7 +1047,7 @@
         <p:txBody>
           <a:bodyPr/>
           <a:p>
-            <a:fld id="{F25B45A1-7C89-466A-B3B6-4CC59C12B017}" type="slidenum">
+            <a:fld id="{1FF80110-36CF-47A0-A33E-B0AE3F94F918}" type="slidenum">
               <a:t>&lt;#&gt;</a:t>
             </a:fld>
           </a:p>
@@ -1109,7 +1109,7 @@
         <p:spPr>
           <a:xfrm>
             <a:off x="1069920" y="1298520"/>
-            <a:ext cx="7314480" cy="3254400"/>
+            <a:ext cx="7314120" cy="3254040"/>
           </a:xfrm>
           <a:prstGeom prst="rect">
             <a:avLst/>
@@ -1170,7 +1170,7 @@
         <p:txBody>
           <a:bodyPr/>
           <a:p>
-            <a:fld id="{2F731EC0-3EAA-426F-9604-CE96877EBAF0}" type="slidenum">
+            <a:fld id="{850B469D-88F6-448E-949F-3F20A09E1E06}" type="slidenum">
               <a:t>&lt;#&gt;</a:t>
             </a:fld>
           </a:p>
@@ -1253,7 +1253,7 @@
         <p:txBody>
           <a:bodyPr/>
           <a:p>
-            <a:fld id="{D0770471-B658-4F8A-AD87-A06A559EE3C3}" type="slidenum">
+            <a:fld id="{64B80668-CE29-4C7C-A051-A3036A0776F7}" type="slidenum">
               <a:t>&lt;#&gt;</a:t>
             </a:fld>
           </a:p>
@@ -1318,7 +1318,7 @@
         <p:spPr>
           <a:xfrm>
             <a:off x="0" y="758880"/>
-            <a:ext cx="3443040" cy="5330160"/>
+            <a:ext cx="3442680" cy="5329800"/>
           </a:xfrm>
           <a:prstGeom prst="rect">
             <a:avLst/>
@@ -1368,7 +1368,7 @@
         <p:spPr>
           <a:xfrm>
             <a:off x="11815920" y="758880"/>
-            <a:ext cx="383400" cy="5330160"/>
+            <a:ext cx="383040" cy="5329800"/>
           </a:xfrm>
           <a:prstGeom prst="rect">
             <a:avLst/>
@@ -1420,7 +1420,7 @@
         <p:spPr>
           <a:xfrm>
             <a:off x="0" y="762120"/>
-            <a:ext cx="9140760" cy="5333400"/>
+            <a:ext cx="9140400" cy="5333040"/>
           </a:xfrm>
           <a:prstGeom prst="rect">
             <a:avLst/>
@@ -1470,7 +1470,7 @@
         <p:spPr>
           <a:xfrm>
             <a:off x="9270360" y="762120"/>
-            <a:ext cx="2924640" cy="5333400"/>
+            <a:ext cx="2924280" cy="5333040"/>
           </a:xfrm>
           <a:prstGeom prst="rect">
             <a:avLst/>
@@ -1526,7 +1526,7 @@
         <p:spPr>
           <a:xfrm>
             <a:off x="1069920" y="1298520"/>
-            <a:ext cx="7314480" cy="3254400"/>
+            <a:ext cx="7314120" cy="3254040"/>
           </a:xfrm>
           <a:prstGeom prst="rect">
             <a:avLst/>
@@ -1575,7 +1575,7 @@
         <p:spPr>
           <a:xfrm>
             <a:off x="3869280" y="6356520"/>
-            <a:ext cx="5910840" cy="364320"/>
+            <a:ext cx="5910480" cy="363960"/>
           </a:xfrm>
           <a:prstGeom prst="rect">
             <a:avLst/>
@@ -1623,7 +1623,7 @@
                 </a:solidFill>
                 <a:latin typeface="Times New Roman"/>
               </a:rPr>
-              <a:t>&lt;нижний колонтитул&gt;</a:t>
+              <a:t> </a:t>
             </a:r>
             <a:endParaRPr b="0" lang="ru-RU" sz="1400" spc="-1" strike="noStrike">
               <a:solidFill>
@@ -1647,7 +1647,7 @@
         <p:spPr>
           <a:xfrm>
             <a:off x="10634040" y="6356520"/>
-            <a:ext cx="1530360" cy="364320"/>
+            <a:ext cx="1530000" cy="363960"/>
           </a:xfrm>
           <a:prstGeom prst="rect">
             <a:avLst/>
@@ -1689,7 +1689,7 @@
                 <a:tab algn="l" pos="0"/>
               </a:tabLst>
             </a:pPr>
-            <a:fld id="{13534936-3011-4548-B294-51725D27C8F9}" type="slidenum">
+            <a:fld id="{569F3849-D2E6-4325-A023-F86216CCDD34}" type="slidenum">
               <a:rPr b="1" lang="ru-RU" sz="1200" spc="-1" strike="noStrike">
                 <a:solidFill>
                   <a:schemeClr val="accent1"/>
@@ -1697,7 +1697,7 @@
                 <a:latin typeface="Corbel"/>
                 <a:ea typeface="Corbel"/>
               </a:rPr>
-              <a:t>&lt;номер&gt;</a:t>
+              <a:t>1</a:t>
             </a:fld>
             <a:endParaRPr b="0" lang="ru-RU" sz="1200" spc="-1" strike="noStrike">
               <a:solidFill>
@@ -1721,7 +1721,7 @@
         <p:spPr>
           <a:xfrm>
             <a:off x="262440" y="6356520"/>
-            <a:ext cx="2742480" cy="364320"/>
+            <a:ext cx="2742120" cy="363960"/>
           </a:xfrm>
           <a:prstGeom prst="rect">
             <a:avLst/>
@@ -1757,7 +1757,7 @@
                 </a:solidFill>
                 <a:latin typeface="Times New Roman"/>
               </a:rPr>
-              <a:t>&lt;дата/время&gt;</a:t>
+              <a:t> </a:t>
             </a:r>
             <a:endParaRPr b="0" lang="ru-RU" sz="1400" spc="-1" strike="noStrike">
               <a:solidFill>
@@ -2035,7 +2035,7 @@
         <p:spPr>
           <a:xfrm>
             <a:off x="0" y="758880"/>
-            <a:ext cx="3443040" cy="5330160"/>
+            <a:ext cx="3442680" cy="5329800"/>
           </a:xfrm>
           <a:prstGeom prst="rect">
             <a:avLst/>
@@ -2085,7 +2085,7 @@
         <p:spPr>
           <a:xfrm>
             <a:off x="11815920" y="758880"/>
-            <a:ext cx="383400" cy="5330160"/>
+            <a:ext cx="383040" cy="5329800"/>
           </a:xfrm>
           <a:prstGeom prst="rect">
             <a:avLst/>
@@ -2141,7 +2141,7 @@
         <p:spPr>
           <a:xfrm>
             <a:off x="3869280" y="6356520"/>
-            <a:ext cx="5910840" cy="364320"/>
+            <a:ext cx="5910480" cy="363960"/>
           </a:xfrm>
           <a:prstGeom prst="rect">
             <a:avLst/>
@@ -2213,7 +2213,7 @@
         <p:spPr>
           <a:xfrm>
             <a:off x="10634040" y="6356520"/>
-            <a:ext cx="1530360" cy="364320"/>
+            <a:ext cx="1530000" cy="363960"/>
           </a:xfrm>
           <a:prstGeom prst="rect">
             <a:avLst/>
@@ -2255,7 +2255,7 @@
                 <a:tab algn="l" pos="0"/>
               </a:tabLst>
             </a:pPr>
-            <a:fld id="{CCEE643D-6C6E-48F2-B8C1-D9F7C773E558}" type="slidenum">
+            <a:fld id="{167F199E-D7B4-4B34-893D-4553E5AC55B9}" type="slidenum">
               <a:rPr b="1" lang="ru-RU" sz="1200" spc="-1" strike="noStrike">
                 <a:solidFill>
                   <a:schemeClr val="accent1"/>
@@ -2287,7 +2287,7 @@
         <p:spPr>
           <a:xfrm>
             <a:off x="262440" y="6356520"/>
-            <a:ext cx="2742480" cy="364320"/>
+            <a:ext cx="2742120" cy="363960"/>
           </a:xfrm>
           <a:prstGeom prst="rect">
             <a:avLst/>
@@ -2376,7 +2376,7 @@
         <p:spPr>
           <a:xfrm>
             <a:off x="0" y="758880"/>
-            <a:ext cx="3443040" cy="5330160"/>
+            <a:ext cx="3442680" cy="5329800"/>
           </a:xfrm>
           <a:prstGeom prst="rect">
             <a:avLst/>
@@ -2426,7 +2426,7 @@
         <p:spPr>
           <a:xfrm>
             <a:off x="11815920" y="758880"/>
-            <a:ext cx="383400" cy="5330160"/>
+            <a:ext cx="383040" cy="5329800"/>
           </a:xfrm>
           <a:prstGeom prst="rect">
             <a:avLst/>
@@ -2482,7 +2482,7 @@
         <p:spPr>
           <a:xfrm>
             <a:off x="3499200" y="6356520"/>
-            <a:ext cx="5910840" cy="364320"/>
+            <a:ext cx="5910480" cy="363960"/>
           </a:xfrm>
           <a:prstGeom prst="rect">
             <a:avLst/>
@@ -2554,7 +2554,7 @@
         <p:spPr>
           <a:xfrm>
             <a:off x="10634040" y="6356520"/>
-            <a:ext cx="1530360" cy="364320"/>
+            <a:ext cx="1530000" cy="363960"/>
           </a:xfrm>
           <a:prstGeom prst="rect">
             <a:avLst/>
@@ -2596,7 +2596,7 @@
                 <a:tab algn="l" pos="0"/>
               </a:tabLst>
             </a:pPr>
-            <a:fld id="{6F6BB642-5DB4-4433-B7D5-26009213AC65}" type="slidenum">
+            <a:fld id="{16A50D17-3678-4C96-B4EA-66BD480D5926}" type="slidenum">
               <a:rPr b="1" lang="ru-RU" sz="1200" spc="-1" strike="noStrike">
                 <a:solidFill>
                   <a:schemeClr val="accent1"/>
@@ -2628,7 +2628,7 @@
         <p:spPr>
           <a:xfrm>
             <a:off x="262440" y="6356520"/>
-            <a:ext cx="2742480" cy="364320"/>
+            <a:ext cx="2742120" cy="363960"/>
           </a:xfrm>
           <a:prstGeom prst="rect">
             <a:avLst/>
@@ -2717,7 +2717,7 @@
         <p:spPr>
           <a:xfrm>
             <a:off x="0" y="758880"/>
-            <a:ext cx="3443040" cy="5330160"/>
+            <a:ext cx="3442680" cy="5329800"/>
           </a:xfrm>
           <a:prstGeom prst="rect">
             <a:avLst/>
@@ -2767,7 +2767,7 @@
         <p:spPr>
           <a:xfrm>
             <a:off x="11815920" y="758880"/>
-            <a:ext cx="383400" cy="5330160"/>
+            <a:ext cx="383040" cy="5329800"/>
           </a:xfrm>
           <a:prstGeom prst="rect">
             <a:avLst/>
@@ -2823,7 +2823,7 @@
         <p:spPr>
           <a:xfrm>
             <a:off x="3869280" y="6356520"/>
-            <a:ext cx="5910840" cy="364320"/>
+            <a:ext cx="5910480" cy="363960"/>
           </a:xfrm>
           <a:prstGeom prst="rect">
             <a:avLst/>
@@ -2895,7 +2895,7 @@
         <p:spPr>
           <a:xfrm>
             <a:off x="10634040" y="6356520"/>
-            <a:ext cx="1530360" cy="364320"/>
+            <a:ext cx="1530000" cy="363960"/>
           </a:xfrm>
           <a:prstGeom prst="rect">
             <a:avLst/>
@@ -2937,7 +2937,7 @@
                 <a:tab algn="l" pos="0"/>
               </a:tabLst>
             </a:pPr>
-            <a:fld id="{15010BB1-0FD7-41BF-BD8C-964D6D263503}" type="slidenum">
+            <a:fld id="{91A70A06-E872-48A2-9DAB-DB9D8B47502D}" type="slidenum">
               <a:rPr b="1" lang="ru-RU" sz="1200" spc="-1" strike="noStrike">
                 <a:solidFill>
                   <a:schemeClr val="accent1"/>
@@ -2969,7 +2969,7 @@
         <p:spPr>
           <a:xfrm>
             <a:off x="262440" y="6356520"/>
-            <a:ext cx="2742480" cy="364320"/>
+            <a:ext cx="2742120" cy="363960"/>
           </a:xfrm>
           <a:prstGeom prst="rect">
             <a:avLst/>
@@ -3058,7 +3058,7 @@
         <p:spPr>
           <a:xfrm>
             <a:off x="0" y="758880"/>
-            <a:ext cx="3443040" cy="5330160"/>
+            <a:ext cx="3442680" cy="5329800"/>
           </a:xfrm>
           <a:prstGeom prst="rect">
             <a:avLst/>
@@ -3108,7 +3108,7 @@
         <p:spPr>
           <a:xfrm>
             <a:off x="11815920" y="758880"/>
-            <a:ext cx="383400" cy="5330160"/>
+            <a:ext cx="383040" cy="5329800"/>
           </a:xfrm>
           <a:prstGeom prst="rect">
             <a:avLst/>
@@ -3164,7 +3164,7 @@
         <p:spPr>
           <a:xfrm>
             <a:off x="3869280" y="6356520"/>
-            <a:ext cx="5910840" cy="364320"/>
+            <a:ext cx="5910480" cy="363960"/>
           </a:xfrm>
           <a:prstGeom prst="rect">
             <a:avLst/>
@@ -3236,7 +3236,7 @@
         <p:spPr>
           <a:xfrm>
             <a:off x="10634040" y="6356520"/>
-            <a:ext cx="1530360" cy="364320"/>
+            <a:ext cx="1530000" cy="363960"/>
           </a:xfrm>
           <a:prstGeom prst="rect">
             <a:avLst/>
@@ -3278,7 +3278,7 @@
                 <a:tab algn="l" pos="0"/>
               </a:tabLst>
             </a:pPr>
-            <a:fld id="{991C2AFB-06A7-44D1-876F-4319B81328DE}" type="slidenum">
+            <a:fld id="{2D3969C8-85E9-475D-A09C-80A20386099C}" type="slidenum">
               <a:rPr b="1" lang="ru-RU" sz="1200" spc="-1" strike="noStrike">
                 <a:solidFill>
                   <a:schemeClr val="accent1"/>
@@ -3310,7 +3310,7 @@
         <p:spPr>
           <a:xfrm>
             <a:off x="262440" y="6356520"/>
-            <a:ext cx="2742480" cy="364320"/>
+            <a:ext cx="2742120" cy="363960"/>
           </a:xfrm>
           <a:prstGeom prst="rect">
             <a:avLst/>
@@ -3399,7 +3399,7 @@
         <p:spPr>
           <a:xfrm>
             <a:off x="0" y="758880"/>
-            <a:ext cx="3443040" cy="5330160"/>
+            <a:ext cx="3442680" cy="5329800"/>
           </a:xfrm>
           <a:prstGeom prst="rect">
             <a:avLst/>
@@ -3449,7 +3449,7 @@
         <p:spPr>
           <a:xfrm>
             <a:off x="11815920" y="758880"/>
-            <a:ext cx="383400" cy="5330160"/>
+            <a:ext cx="383040" cy="5329800"/>
           </a:xfrm>
           <a:prstGeom prst="rect">
             <a:avLst/>
@@ -3505,7 +3505,7 @@
         <p:spPr>
           <a:xfrm>
             <a:off x="1069920" y="1298520"/>
-            <a:ext cx="7314480" cy="3254400"/>
+            <a:ext cx="7314120" cy="3254040"/>
           </a:xfrm>
           <a:prstGeom prst="rect">
             <a:avLst/>
@@ -3779,7 +3779,7 @@
         <p:spPr>
           <a:xfrm>
             <a:off x="3869280" y="6356520"/>
-            <a:ext cx="5910840" cy="364320"/>
+            <a:ext cx="5910480" cy="363960"/>
           </a:xfrm>
           <a:prstGeom prst="rect">
             <a:avLst/>
@@ -3851,7 +3851,7 @@
         <p:spPr>
           <a:xfrm>
             <a:off x="10634040" y="6356520"/>
-            <a:ext cx="1530360" cy="364320"/>
+            <a:ext cx="1530000" cy="363960"/>
           </a:xfrm>
           <a:prstGeom prst="rect">
             <a:avLst/>
@@ -3893,7 +3893,7 @@
                 <a:tab algn="l" pos="0"/>
               </a:tabLst>
             </a:pPr>
-            <a:fld id="{5FD59E12-FCC6-433F-A59E-FAED1A9A0A9A}" type="slidenum">
+            <a:fld id="{CF8D6F53-FE49-43D6-9715-62EECBA5BC2F}" type="slidenum">
               <a:rPr b="1" lang="ru-RU" sz="1200" spc="-1" strike="noStrike">
                 <a:solidFill>
                   <a:schemeClr val="accent1"/>
@@ -3925,7 +3925,7 @@
         <p:spPr>
           <a:xfrm>
             <a:off x="262440" y="6356520"/>
-            <a:ext cx="2742480" cy="364320"/>
+            <a:ext cx="2742120" cy="363960"/>
           </a:xfrm>
           <a:prstGeom prst="rect">
             <a:avLst/>
@@ -4014,7 +4014,7 @@
         <p:spPr>
           <a:xfrm>
             <a:off x="0" y="758880"/>
-            <a:ext cx="3443040" cy="5330160"/>
+            <a:ext cx="3442680" cy="5329800"/>
           </a:xfrm>
           <a:prstGeom prst="rect">
             <a:avLst/>
@@ -4064,7 +4064,7 @@
         <p:spPr>
           <a:xfrm>
             <a:off x="11815920" y="758880"/>
-            <a:ext cx="383400" cy="5330160"/>
+            <a:ext cx="383040" cy="5329800"/>
           </a:xfrm>
           <a:prstGeom prst="rect">
             <a:avLst/>
@@ -4120,7 +4120,7 @@
         <p:spPr>
           <a:xfrm>
             <a:off x="3869280" y="6356520"/>
-            <a:ext cx="5910840" cy="364320"/>
+            <a:ext cx="5910480" cy="363960"/>
           </a:xfrm>
           <a:prstGeom prst="rect">
             <a:avLst/>
@@ -4192,7 +4192,7 @@
         <p:spPr>
           <a:xfrm>
             <a:off x="10634040" y="6356520"/>
-            <a:ext cx="1530360" cy="364320"/>
+            <a:ext cx="1530000" cy="363960"/>
           </a:xfrm>
           <a:prstGeom prst="rect">
             <a:avLst/>
@@ -4234,7 +4234,7 @@
                 <a:tab algn="l" pos="0"/>
               </a:tabLst>
             </a:pPr>
-            <a:fld id="{C46A3DD2-A4EC-4271-90B4-3EDBD53AB4C9}" type="slidenum">
+            <a:fld id="{9568B6A4-8485-42DE-AE26-7007084B178E}" type="slidenum">
               <a:rPr b="1" lang="ru-RU" sz="1200" spc="-1" strike="noStrike">
                 <a:solidFill>
                   <a:schemeClr val="accent1"/>
@@ -4266,7 +4266,7 @@
         <p:spPr>
           <a:xfrm>
             <a:off x="262440" y="6356520"/>
-            <a:ext cx="2742480" cy="364320"/>
+            <a:ext cx="2742120" cy="363960"/>
           </a:xfrm>
           <a:prstGeom prst="rect">
             <a:avLst/>
@@ -4355,7 +4355,7 @@
         <p:spPr>
           <a:xfrm>
             <a:off x="0" y="758880"/>
-            <a:ext cx="3443040" cy="5330160"/>
+            <a:ext cx="3442680" cy="5329800"/>
           </a:xfrm>
           <a:prstGeom prst="rect">
             <a:avLst/>
@@ -4405,7 +4405,7 @@
         <p:spPr>
           <a:xfrm>
             <a:off x="11815920" y="758880"/>
-            <a:ext cx="383400" cy="5330160"/>
+            <a:ext cx="383040" cy="5329800"/>
           </a:xfrm>
           <a:prstGeom prst="rect">
             <a:avLst/>
@@ -4461,7 +4461,7 @@
         <p:spPr>
           <a:xfrm>
             <a:off x="1069920" y="1298520"/>
-            <a:ext cx="7314480" cy="3254400"/>
+            <a:ext cx="7314120" cy="3254040"/>
           </a:xfrm>
           <a:prstGeom prst="rect">
             <a:avLst/>
@@ -4960,7 +4960,7 @@
         <p:spPr>
           <a:xfrm>
             <a:off x="3869280" y="6356520"/>
-            <a:ext cx="5910840" cy="364320"/>
+            <a:ext cx="5910480" cy="363960"/>
           </a:xfrm>
           <a:prstGeom prst="rect">
             <a:avLst/>
@@ -5032,7 +5032,7 @@
         <p:spPr>
           <a:xfrm>
             <a:off x="10634040" y="6356520"/>
-            <a:ext cx="1530360" cy="364320"/>
+            <a:ext cx="1530000" cy="363960"/>
           </a:xfrm>
           <a:prstGeom prst="rect">
             <a:avLst/>
@@ -5074,7 +5074,7 @@
                 <a:tab algn="l" pos="0"/>
               </a:tabLst>
             </a:pPr>
-            <a:fld id="{836E1ABD-9A1F-4BFA-9FCC-6A987AE3E8BE}" type="slidenum">
+            <a:fld id="{4E9C3CB5-E13D-445F-8E0B-7FBFB3C87EC9}" type="slidenum">
               <a:rPr b="1" lang="ru-RU" sz="1200" spc="-1" strike="noStrike">
                 <a:solidFill>
                   <a:schemeClr val="accent1"/>
@@ -5106,7 +5106,7 @@
         <p:spPr>
           <a:xfrm>
             <a:off x="262440" y="6356520"/>
-            <a:ext cx="2742480" cy="364320"/>
+            <a:ext cx="2742120" cy="363960"/>
           </a:xfrm>
           <a:prstGeom prst="rect">
             <a:avLst/>
@@ -5195,7 +5195,7 @@
         <p:spPr>
           <a:xfrm>
             <a:off x="0" y="758880"/>
-            <a:ext cx="3443040" cy="5330160"/>
+            <a:ext cx="3442680" cy="5329800"/>
           </a:xfrm>
           <a:prstGeom prst="rect">
             <a:avLst/>
@@ -5245,7 +5245,7 @@
         <p:spPr>
           <a:xfrm>
             <a:off x="11815920" y="758880"/>
-            <a:ext cx="383400" cy="5330160"/>
+            <a:ext cx="383040" cy="5329800"/>
           </a:xfrm>
           <a:prstGeom prst="rect">
             <a:avLst/>
@@ -5301,7 +5301,7 @@
         <p:spPr>
           <a:xfrm>
             <a:off x="3869280" y="6356520"/>
-            <a:ext cx="5910840" cy="364320"/>
+            <a:ext cx="5910480" cy="363960"/>
           </a:xfrm>
           <a:prstGeom prst="rect">
             <a:avLst/>
@@ -5373,7 +5373,7 @@
         <p:spPr>
           <a:xfrm>
             <a:off x="10634040" y="6356520"/>
-            <a:ext cx="1530360" cy="364320"/>
+            <a:ext cx="1530000" cy="363960"/>
           </a:xfrm>
           <a:prstGeom prst="rect">
             <a:avLst/>
@@ -5415,7 +5415,7 @@
                 <a:tab algn="l" pos="0"/>
               </a:tabLst>
             </a:pPr>
-            <a:fld id="{41627A76-EC91-4E17-B571-6DF5B656A0CF}" type="slidenum">
+            <a:fld id="{ADECD5CC-624B-4658-B736-9C312B9390D5}" type="slidenum">
               <a:rPr b="1" lang="ru-RU" sz="1200" spc="-1" strike="noStrike">
                 <a:solidFill>
                   <a:schemeClr val="accent1"/>
@@ -5447,7 +5447,7 @@
         <p:spPr>
           <a:xfrm>
             <a:off x="262440" y="6356520"/>
-            <a:ext cx="2742480" cy="364320"/>
+            <a:ext cx="2742120" cy="363960"/>
           </a:xfrm>
           <a:prstGeom prst="rect">
             <a:avLst/>
@@ -5536,7 +5536,7 @@
         <p:spPr>
           <a:xfrm>
             <a:off x="0" y="758880"/>
-            <a:ext cx="3443040" cy="5330160"/>
+            <a:ext cx="3442680" cy="5329800"/>
           </a:xfrm>
           <a:prstGeom prst="rect">
             <a:avLst/>
@@ -5586,7 +5586,7 @@
         <p:spPr>
           <a:xfrm>
             <a:off x="11815920" y="758880"/>
-            <a:ext cx="383400" cy="5330160"/>
+            <a:ext cx="383040" cy="5329800"/>
           </a:xfrm>
           <a:prstGeom prst="rect">
             <a:avLst/>
@@ -5642,7 +5642,7 @@
         <p:spPr>
           <a:xfrm>
             <a:off x="1069920" y="1298520"/>
-            <a:ext cx="7314480" cy="3254400"/>
+            <a:ext cx="7314120" cy="3254040"/>
           </a:xfrm>
           <a:prstGeom prst="rect">
             <a:avLst/>
@@ -5691,7 +5691,7 @@
         <p:spPr>
           <a:xfrm>
             <a:off x="3869280" y="6356520"/>
-            <a:ext cx="5910840" cy="364320"/>
+            <a:ext cx="5910480" cy="363960"/>
           </a:xfrm>
           <a:prstGeom prst="rect">
             <a:avLst/>
@@ -5763,7 +5763,7 @@
         <p:spPr>
           <a:xfrm>
             <a:off x="10634040" y="6356520"/>
-            <a:ext cx="1530360" cy="364320"/>
+            <a:ext cx="1530000" cy="363960"/>
           </a:xfrm>
           <a:prstGeom prst="rect">
             <a:avLst/>
@@ -5805,7 +5805,7 @@
                 <a:tab algn="l" pos="0"/>
               </a:tabLst>
             </a:pPr>
-            <a:fld id="{9CE6D729-50DD-4139-B87A-7B45DED05E96}" type="slidenum">
+            <a:fld id="{72D3801E-0B6E-4E1C-883F-CAF6AFBE6C04}" type="slidenum">
               <a:rPr b="1" lang="ru-RU" sz="1200" spc="-1" strike="noStrike">
                 <a:solidFill>
                   <a:schemeClr val="accent1"/>
@@ -5837,7 +5837,7 @@
         <p:spPr>
           <a:xfrm>
             <a:off x="262440" y="6356520"/>
-            <a:ext cx="2742480" cy="364320"/>
+            <a:ext cx="2742120" cy="363960"/>
           </a:xfrm>
           <a:prstGeom prst="rect">
             <a:avLst/>
@@ -5926,7 +5926,7 @@
         <p:spPr>
           <a:xfrm>
             <a:off x="0" y="758880"/>
-            <a:ext cx="3443040" cy="5330160"/>
+            <a:ext cx="3442680" cy="5329800"/>
           </a:xfrm>
           <a:prstGeom prst="rect">
             <a:avLst/>
@@ -5976,7 +5976,7 @@
         <p:spPr>
           <a:xfrm>
             <a:off x="11815920" y="758880"/>
-            <a:ext cx="383400" cy="5330160"/>
+            <a:ext cx="383040" cy="5329800"/>
           </a:xfrm>
           <a:prstGeom prst="rect">
             <a:avLst/>
@@ -6032,7 +6032,7 @@
         <p:spPr>
           <a:xfrm>
             <a:off x="3869280" y="6356520"/>
-            <a:ext cx="5910840" cy="364320"/>
+            <a:ext cx="5910480" cy="363960"/>
           </a:xfrm>
           <a:prstGeom prst="rect">
             <a:avLst/>
@@ -6104,7 +6104,7 @@
         <p:spPr>
           <a:xfrm>
             <a:off x="10634040" y="6356520"/>
-            <a:ext cx="1530360" cy="364320"/>
+            <a:ext cx="1530000" cy="363960"/>
           </a:xfrm>
           <a:prstGeom prst="rect">
             <a:avLst/>
@@ -6146,7 +6146,7 @@
                 <a:tab algn="l" pos="0"/>
               </a:tabLst>
             </a:pPr>
-            <a:fld id="{CFC1C695-210E-4E9B-B2A8-FEF3BFAE5969}" type="slidenum">
+            <a:fld id="{F504AC60-1796-4BA9-BC7F-907401A2E1D1}" type="slidenum">
               <a:rPr b="1" lang="ru-RU" sz="1200" spc="-1" strike="noStrike">
                 <a:solidFill>
                   <a:schemeClr val="accent1"/>
@@ -6178,7 +6178,7 @@
         <p:spPr>
           <a:xfrm>
             <a:off x="262440" y="6356520"/>
-            <a:ext cx="2742480" cy="364320"/>
+            <a:ext cx="2742120" cy="363960"/>
           </a:xfrm>
           <a:prstGeom prst="rect">
             <a:avLst/>
@@ -6264,7 +6264,7 @@
         <p:spPr>
           <a:xfrm>
             <a:off x="1036440" y="1802160"/>
-            <a:ext cx="7287120" cy="1758960"/>
+            <a:ext cx="7286760" cy="1758600"/>
           </a:xfrm>
           <a:prstGeom prst="rect">
             <a:avLst/>
@@ -6345,8 +6345,8 @@
         </p:nvSpPr>
         <p:spPr>
           <a:xfrm>
-            <a:off x="4788000" y="5040000"/>
-            <a:ext cx="4326120" cy="894600"/>
+            <a:off x="5832000" y="5040000"/>
+            <a:ext cx="4325760" cy="894240"/>
           </a:xfrm>
           <a:prstGeom prst="rect">
             <a:avLst/>
@@ -6411,7 +6411,7 @@
                 <a:latin typeface="Corbel"/>
                 <a:ea typeface="Corbel"/>
               </a:rPr>
-              <a:t>linkedin.com/in/евгений-пивоварчик-7a7259212 </a:t>
+              <a:t>linkedin.com/in/evgeniy-pivovarchik/ </a:t>
             </a:r>
             <a:endParaRPr b="0" lang="ru-RU" sz="1600" spc="-1" strike="noStrike">
               <a:solidFill>
@@ -6436,7 +6436,7 @@
         <p:spPr>
           <a:xfrm>
             <a:off x="0" y="3758040"/>
-            <a:ext cx="2833920" cy="2316960"/>
+            <a:ext cx="2833560" cy="2316600"/>
           </a:xfrm>
           <a:prstGeom prst="rect">
             <a:avLst/>
@@ -6455,7 +6455,7 @@
         <p:spPr>
           <a:xfrm>
             <a:off x="3053520" y="3785040"/>
-            <a:ext cx="3426120" cy="354600"/>
+            <a:ext cx="3425760" cy="354240"/>
           </a:xfrm>
           <a:prstGeom prst="rect">
             <a:avLst/>
@@ -6546,7 +6546,7 @@
         <p:spPr>
           <a:xfrm>
             <a:off x="111600" y="1077120"/>
-            <a:ext cx="3189600" cy="4845600"/>
+            <a:ext cx="3189240" cy="4845240"/>
           </a:xfrm>
           <a:prstGeom prst="rect">
             <a:avLst/>
@@ -6618,7 +6618,7 @@
         <p:spPr>
           <a:xfrm>
             <a:off x="3567960" y="608400"/>
-            <a:ext cx="4891680" cy="5691600"/>
+            <a:ext cx="4891320" cy="5691240"/>
           </a:xfrm>
           <a:prstGeom prst="rect">
             <a:avLst/>
@@ -6637,7 +6637,7 @@
         <p:spPr>
           <a:xfrm>
             <a:off x="8136000" y="180000"/>
-            <a:ext cx="3602520" cy="2245320"/>
+            <a:ext cx="3602160" cy="2245320"/>
           </a:xfrm>
           <a:prstGeom prst="rect">
             <a:avLst/>
@@ -6762,7 +6762,7 @@
         <p:spPr>
           <a:xfrm>
             <a:off x="253080" y="1123920"/>
-            <a:ext cx="2946600" cy="4600440"/>
+            <a:ext cx="2946240" cy="4600080"/>
           </a:xfrm>
           <a:prstGeom prst="rect">
             <a:avLst/>
@@ -6843,7 +6843,7 @@
         <p:spPr>
           <a:xfrm>
             <a:off x="5077800" y="518040"/>
-            <a:ext cx="4879800" cy="875880"/>
+            <a:ext cx="4879440" cy="875880"/>
           </a:xfrm>
           <a:prstGeom prst="rect">
             <a:avLst/>
@@ -6938,7 +6938,7 @@
         <p:spPr>
           <a:xfrm>
             <a:off x="4341240" y="1877040"/>
-            <a:ext cx="6278400" cy="3702600"/>
+            <a:ext cx="6278040" cy="3702240"/>
           </a:xfrm>
           <a:prstGeom prst="rect">
             <a:avLst/>
@@ -6991,7 +6991,7 @@
         <p:spPr>
           <a:xfrm>
             <a:off x="253080" y="1123920"/>
-            <a:ext cx="2946600" cy="4600440"/>
+            <a:ext cx="2946240" cy="4600080"/>
           </a:xfrm>
           <a:prstGeom prst="rect">
             <a:avLst/>
@@ -7060,7 +7060,7 @@
         <p:spPr>
           <a:xfrm>
             <a:off x="3456000" y="1080000"/>
-            <a:ext cx="8334720" cy="4679640"/>
+            <a:ext cx="8334360" cy="4679280"/>
           </a:xfrm>
           <a:prstGeom prst="rect">
             <a:avLst/>
@@ -7113,7 +7113,7 @@
         <p:spPr>
           <a:xfrm>
             <a:off x="253080" y="1123920"/>
-            <a:ext cx="2946600" cy="4600440"/>
+            <a:ext cx="2946240" cy="4600080"/>
           </a:xfrm>
           <a:prstGeom prst="rect">
             <a:avLst/>
@@ -7182,7 +7182,7 @@
         <p:spPr>
           <a:xfrm>
             <a:off x="3456000" y="1080000"/>
-            <a:ext cx="8343360" cy="4679640"/>
+            <a:ext cx="8343000" cy="4679280"/>
           </a:xfrm>
           <a:prstGeom prst="rect">
             <a:avLst/>
@@ -7235,7 +7235,7 @@
         <p:spPr>
           <a:xfrm>
             <a:off x="253080" y="1123920"/>
-            <a:ext cx="2946600" cy="4600440"/>
+            <a:ext cx="2946240" cy="4600080"/>
           </a:xfrm>
           <a:prstGeom prst="rect">
             <a:avLst/>
@@ -7304,7 +7304,7 @@
         <p:spPr>
           <a:xfrm>
             <a:off x="3456000" y="1080000"/>
-            <a:ext cx="8344440" cy="4679640"/>
+            <a:ext cx="8344080" cy="4679280"/>
           </a:xfrm>
           <a:prstGeom prst="rect">
             <a:avLst/>
@@ -7357,7 +7357,7 @@
         <p:spPr>
           <a:xfrm>
             <a:off x="253080" y="1123920"/>
-            <a:ext cx="2946600" cy="4600440"/>
+            <a:ext cx="2946240" cy="4600080"/>
           </a:xfrm>
           <a:prstGeom prst="rect">
             <a:avLst/>
@@ -7426,7 +7426,7 @@
         <p:spPr>
           <a:xfrm>
             <a:off x="3456000" y="1080000"/>
-            <a:ext cx="8344440" cy="4679640"/>
+            <a:ext cx="8344080" cy="4679280"/>
           </a:xfrm>
           <a:prstGeom prst="rect">
             <a:avLst/>
@@ -7479,7 +7479,7 @@
         <p:spPr>
           <a:xfrm>
             <a:off x="253080" y="1123920"/>
-            <a:ext cx="2946600" cy="4600440"/>
+            <a:ext cx="2946240" cy="4600080"/>
           </a:xfrm>
           <a:prstGeom prst="rect">
             <a:avLst/>
@@ -7548,7 +7548,7 @@
         <p:spPr>
           <a:xfrm>
             <a:off x="3456000" y="1080000"/>
-            <a:ext cx="8344440" cy="4679640"/>
+            <a:ext cx="8344080" cy="4679280"/>
           </a:xfrm>
           <a:prstGeom prst="rect">
             <a:avLst/>
@@ -7601,7 +7601,7 @@
         <p:spPr>
           <a:xfrm>
             <a:off x="253080" y="1123920"/>
-            <a:ext cx="2946600" cy="4600440"/>
+            <a:ext cx="2946240" cy="4600080"/>
           </a:xfrm>
           <a:prstGeom prst="rect">
             <a:avLst/>
@@ -7670,7 +7670,7 @@
         <p:spPr>
           <a:xfrm>
             <a:off x="3456000" y="1059120"/>
-            <a:ext cx="8344440" cy="4679640"/>
+            <a:ext cx="8344080" cy="4679280"/>
           </a:xfrm>
           <a:prstGeom prst="rect">
             <a:avLst/>
@@ -7723,7 +7723,7 @@
         <p:spPr>
           <a:xfrm>
             <a:off x="253080" y="1123920"/>
-            <a:ext cx="2946600" cy="4600440"/>
+            <a:ext cx="2946240" cy="4600080"/>
           </a:xfrm>
           <a:prstGeom prst="rect">
             <a:avLst/>
@@ -7792,7 +7792,7 @@
         <p:spPr>
           <a:xfrm>
             <a:off x="3780000" y="540000"/>
-            <a:ext cx="7741800" cy="5783040"/>
+            <a:ext cx="7741440" cy="5782680"/>
           </a:xfrm>
           <a:prstGeom prst="rect">
             <a:avLst/>
@@ -7815,7 +7815,7 @@
         <p:spPr>
           <a:xfrm>
             <a:off x="2880000" y="4900320"/>
-            <a:ext cx="2963520" cy="1759320"/>
+            <a:ext cx="2963160" cy="1758960"/>
           </a:xfrm>
           <a:prstGeom prst="rect">
             <a:avLst/>
@@ -7868,7 +7868,7 @@
         <p:spPr>
           <a:xfrm>
             <a:off x="253080" y="1123920"/>
-            <a:ext cx="2946600" cy="4600440"/>
+            <a:ext cx="2946240" cy="4600080"/>
           </a:xfrm>
           <a:prstGeom prst="rect">
             <a:avLst/>
@@ -7937,7 +7937,7 @@
         <p:spPr>
           <a:xfrm>
             <a:off x="3960000" y="387000"/>
-            <a:ext cx="7459560" cy="5912640"/>
+            <a:ext cx="7459200" cy="5912280"/>
           </a:xfrm>
           <a:prstGeom prst="rect">
             <a:avLst/>
@@ -7990,7 +7990,7 @@
         <p:spPr>
           <a:xfrm>
             <a:off x="253080" y="1123920"/>
-            <a:ext cx="2946600" cy="4600440"/>
+            <a:ext cx="2946240" cy="4600080"/>
           </a:xfrm>
           <a:prstGeom prst="rect">
             <a:avLst/>
@@ -8046,7 +8046,7 @@
         <p:spPr>
           <a:xfrm>
             <a:off x="3889440" y="762120"/>
-            <a:ext cx="7314480" cy="5312880"/>
+            <a:ext cx="7314120" cy="5312520"/>
           </a:xfrm>
           <a:prstGeom prst="rect">
             <a:avLst/>
@@ -8381,7 +8381,7 @@
         <p:spPr>
           <a:xfrm>
             <a:off x="253080" y="1123920"/>
-            <a:ext cx="2946600" cy="4600440"/>
+            <a:ext cx="2946240" cy="4600080"/>
           </a:xfrm>
           <a:prstGeom prst="rect">
             <a:avLst/>
@@ -8450,7 +8450,7 @@
         <p:spPr>
           <a:xfrm>
             <a:off x="4052160" y="506160"/>
-            <a:ext cx="7467480" cy="5973840"/>
+            <a:ext cx="7467120" cy="5973480"/>
           </a:xfrm>
           <a:prstGeom prst="rect">
             <a:avLst/>
@@ -8503,7 +8503,7 @@
         <p:spPr>
           <a:xfrm>
             <a:off x="253080" y="1123920"/>
-            <a:ext cx="2946600" cy="4600440"/>
+            <a:ext cx="2946240" cy="4600080"/>
           </a:xfrm>
           <a:prstGeom prst="rect">
             <a:avLst/>
@@ -8560,7 +8560,7 @@
         <p:spPr>
           <a:xfrm>
             <a:off x="4320000" y="1260000"/>
-            <a:ext cx="4046400" cy="4612680"/>
+            <a:ext cx="4046040" cy="4612320"/>
           </a:xfrm>
           <a:prstGeom prst="rect">
             <a:avLst/>
@@ -8584,7 +8584,7 @@
         <p:spPr>
           <a:xfrm>
             <a:off x="8167680" y="1440000"/>
-            <a:ext cx="2992320" cy="2049120"/>
+            <a:ext cx="2991960" cy="2048760"/>
           </a:xfrm>
           <a:prstGeom prst="rect">
             <a:avLst/>
@@ -8637,7 +8637,7 @@
         <p:spPr>
           <a:xfrm>
             <a:off x="-25200" y="3544920"/>
-            <a:ext cx="4916880" cy="2516040"/>
+            <a:ext cx="4916520" cy="2515680"/>
           </a:xfrm>
           <a:prstGeom prst="rect">
             <a:avLst/>
@@ -8656,7 +8656,7 @@
         <p:spPr>
           <a:xfrm>
             <a:off x="1194120" y="2580120"/>
-            <a:ext cx="6400080" cy="1232640"/>
+            <a:ext cx="6399720" cy="1232640"/>
           </a:xfrm>
           <a:prstGeom prst="rect">
             <a:avLst/>
@@ -8760,7 +8760,7 @@
         <p:spPr>
           <a:xfrm>
             <a:off x="182880" y="1123920"/>
-            <a:ext cx="3272400" cy="4707360"/>
+            <a:ext cx="3272040" cy="4707000"/>
           </a:xfrm>
           <a:prstGeom prst="rect">
             <a:avLst/>
@@ -8861,7 +8861,7 @@
         <p:spPr>
           <a:xfrm>
             <a:off x="4140000" y="651960"/>
-            <a:ext cx="7423920" cy="5647680"/>
+            <a:ext cx="7423560" cy="5647320"/>
           </a:xfrm>
           <a:prstGeom prst="rect">
             <a:avLst/>
@@ -8914,7 +8914,7 @@
         <p:spPr>
           <a:xfrm>
             <a:off x="152280" y="1123920"/>
-            <a:ext cx="3098160" cy="4600440"/>
+            <a:ext cx="3097800" cy="4600080"/>
           </a:xfrm>
           <a:prstGeom prst="rect">
             <a:avLst/>
@@ -8986,7 +8986,7 @@
         <p:spPr>
           <a:xfrm>
             <a:off x="3600000" y="540000"/>
-            <a:ext cx="8125920" cy="5759640"/>
+            <a:ext cx="8125560" cy="5759280"/>
           </a:xfrm>
           <a:prstGeom prst="rect">
             <a:avLst/>
@@ -9039,7 +9039,7 @@
         <p:spPr>
           <a:xfrm>
             <a:off x="182880" y="1123920"/>
-            <a:ext cx="3336480" cy="4600440"/>
+            <a:ext cx="3336120" cy="4600080"/>
           </a:xfrm>
           <a:prstGeom prst="rect">
             <a:avLst/>
@@ -9111,7 +9111,7 @@
         <p:spPr>
           <a:xfrm>
             <a:off x="3728160" y="540000"/>
-            <a:ext cx="7971480" cy="5939640"/>
+            <a:ext cx="7971120" cy="5939280"/>
           </a:xfrm>
           <a:prstGeom prst="rect">
             <a:avLst/>
@@ -9164,7 +9164,7 @@
         <p:spPr>
           <a:xfrm>
             <a:off x="182880" y="1123920"/>
-            <a:ext cx="3336480" cy="4600440"/>
+            <a:ext cx="3336120" cy="4600080"/>
           </a:xfrm>
           <a:prstGeom prst="rect">
             <a:avLst/>
@@ -9265,7 +9265,7 @@
         <p:spPr>
           <a:xfrm>
             <a:off x="3741480" y="540000"/>
-            <a:ext cx="4358160" cy="5813640"/>
+            <a:ext cx="4357800" cy="5813280"/>
           </a:xfrm>
           <a:prstGeom prst="rect">
             <a:avLst/>
@@ -9288,7 +9288,7 @@
         <p:spPr>
           <a:xfrm>
             <a:off x="7200000" y="1980000"/>
-            <a:ext cx="4600080" cy="1946160"/>
+            <a:ext cx="4599720" cy="1945800"/>
           </a:xfrm>
           <a:prstGeom prst="rect">
             <a:avLst/>
@@ -9343,7 +9343,7 @@
         <p:spPr>
           <a:xfrm>
             <a:off x="0" y="1123920"/>
-            <a:ext cx="3372480" cy="4768200"/>
+            <a:ext cx="3372120" cy="4767840"/>
           </a:xfrm>
           <a:prstGeom prst="rect">
             <a:avLst/>
@@ -9415,7 +9415,7 @@
         <p:spPr>
           <a:xfrm>
             <a:off x="3600000" y="1055160"/>
-            <a:ext cx="7992360" cy="4704480"/>
+            <a:ext cx="7992000" cy="4704120"/>
           </a:xfrm>
           <a:prstGeom prst="rect">
             <a:avLst/>
@@ -9468,7 +9468,7 @@
         <p:spPr>
           <a:xfrm>
             <a:off x="0" y="1123920"/>
-            <a:ext cx="3372480" cy="4768200"/>
+            <a:ext cx="3372120" cy="4767840"/>
           </a:xfrm>
           <a:prstGeom prst="rect">
             <a:avLst/>
@@ -9540,7 +9540,7 @@
         <p:spPr>
           <a:xfrm>
             <a:off x="3600000" y="720000"/>
-            <a:ext cx="7970400" cy="5531760"/>
+            <a:ext cx="7970040" cy="5531400"/>
           </a:xfrm>
           <a:prstGeom prst="rect">
             <a:avLst/>
@@ -9593,7 +9593,7 @@
         <p:spPr>
           <a:xfrm>
             <a:off x="0" y="1123920"/>
-            <a:ext cx="3372480" cy="4768200"/>
+            <a:ext cx="3372120" cy="4767840"/>
           </a:xfrm>
           <a:prstGeom prst="rect">
             <a:avLst/>
@@ -9665,7 +9665,7 @@
         <p:spPr>
           <a:xfrm>
             <a:off x="4059360" y="1179360"/>
-            <a:ext cx="5120280" cy="1340280"/>
+            <a:ext cx="5119920" cy="1339920"/>
           </a:xfrm>
           <a:prstGeom prst="rect">
             <a:avLst/>
@@ -9688,7 +9688,7 @@
         <p:spPr>
           <a:xfrm>
             <a:off x="4091040" y="3060000"/>
-            <a:ext cx="4548600" cy="517320"/>
+            <a:ext cx="4548240" cy="516960"/>
           </a:xfrm>
           <a:prstGeom prst="rect">
             <a:avLst/>
@@ -9711,7 +9711,7 @@
         <p:spPr>
           <a:xfrm>
             <a:off x="8481960" y="3060000"/>
-            <a:ext cx="2857680" cy="2857680"/>
+            <a:ext cx="2857320" cy="2857320"/>
           </a:xfrm>
           <a:prstGeom prst="rect">
             <a:avLst/>

--- a/Project/Business Intelligence. Дипломный проект.pptx
+++ b/Project/Business Intelligence. Дипломный проект.pptx
@@ -73,7 +73,7 @@
         <p:spPr>
           <a:xfrm>
             <a:off x="1069920" y="1298520"/>
-            <a:ext cx="7314120" cy="3254040"/>
+            <a:ext cx="7313400" cy="3253320"/>
           </a:xfrm>
           <a:prstGeom prst="rect">
             <a:avLst/>
@@ -174,7 +174,7 @@
         <p:txBody>
           <a:bodyPr/>
           <a:p>
-            <a:fld id="{AB89488E-8642-450C-BCD2-25B3FA1679F5}" type="slidenum">
+            <a:fld id="{0355C393-8355-4B13-A75F-0056D8657A82}" type="slidenum">
               <a:t>&lt;#&gt;</a:t>
             </a:fld>
           </a:p>
@@ -257,7 +257,7 @@
         <p:txBody>
           <a:bodyPr/>
           <a:p>
-            <a:fld id="{30BEAF2F-4E4D-47EC-9A99-87D2F5F098AE}" type="slidenum">
+            <a:fld id="{459AA0D0-741C-4342-BC41-C1997CB2277E}" type="slidenum">
               <a:t>&lt;#&gt;</a:t>
             </a:fld>
           </a:p>
@@ -340,7 +340,7 @@
         <p:txBody>
           <a:bodyPr/>
           <a:p>
-            <a:fld id="{52D66F00-0492-4949-9EF4-6FEB40B10A57}" type="slidenum">
+            <a:fld id="{6A1D3302-B035-40F8-8F97-B91E3B7A01CB}" type="slidenum">
               <a:t>&lt;#&gt;</a:t>
             </a:fld>
           </a:p>
@@ -423,7 +423,7 @@
         <p:txBody>
           <a:bodyPr/>
           <a:p>
-            <a:fld id="{5917481F-79F5-4033-9C9E-BCB6493128DA}" type="slidenum">
+            <a:fld id="{99A0C91D-1D0A-4CCC-9365-B382C4936C73}" type="slidenum">
               <a:t>&lt;#&gt;</a:t>
             </a:fld>
           </a:p>
@@ -506,7 +506,7 @@
         <p:txBody>
           <a:bodyPr/>
           <a:p>
-            <a:fld id="{C329E771-8837-47AA-A400-CB2E7B229021}" type="slidenum">
+            <a:fld id="{E582DB35-016C-4876-9EED-BFA1106DE81B}" type="slidenum">
               <a:t>&lt;#&gt;</a:t>
             </a:fld>
           </a:p>
@@ -568,7 +568,7 @@
         <p:spPr>
           <a:xfrm>
             <a:off x="1069920" y="1298520"/>
-            <a:ext cx="7314120" cy="3254040"/>
+            <a:ext cx="7313400" cy="3253320"/>
           </a:xfrm>
           <a:prstGeom prst="rect">
             <a:avLst/>
@@ -672,7 +672,7 @@
         <p:txBody>
           <a:bodyPr/>
           <a:p>
-            <a:fld id="{D78BA4CB-A24C-492E-AE3F-764280ABADE5}" type="slidenum">
+            <a:fld id="{649FC423-64FC-48B0-A537-63AF7821FEB7}" type="slidenum">
               <a:t>&lt;#&gt;</a:t>
             </a:fld>
           </a:p>
@@ -755,7 +755,7 @@
         <p:txBody>
           <a:bodyPr/>
           <a:p>
-            <a:fld id="{DCD7942C-67EF-4EE7-83BB-AA6EB438F205}" type="slidenum">
+            <a:fld id="{A2FC5FE8-8C68-49B4-8D2E-0090A7FEBAD4}" type="slidenum">
               <a:t>&lt;#&gt;</a:t>
             </a:fld>
           </a:p>
@@ -817,7 +817,7 @@
         <p:spPr>
           <a:xfrm>
             <a:off x="1069920" y="1298520"/>
-            <a:ext cx="7314120" cy="3254040"/>
+            <a:ext cx="7313400" cy="3253320"/>
           </a:xfrm>
           <a:prstGeom prst="rect">
             <a:avLst/>
@@ -964,7 +964,7 @@
         <p:txBody>
           <a:bodyPr/>
           <a:p>
-            <a:fld id="{DAEEA5D4-4F1D-4278-909F-B03D8D8BF73A}" type="slidenum">
+            <a:fld id="{7988DE44-0E1C-4ADD-9703-AD463E40006E}" type="slidenum">
               <a:t>&lt;#&gt;</a:t>
             </a:fld>
           </a:p>
@@ -1047,7 +1047,7 @@
         <p:txBody>
           <a:bodyPr/>
           <a:p>
-            <a:fld id="{1FF80110-36CF-47A0-A33E-B0AE3F94F918}" type="slidenum">
+            <a:fld id="{45F7F47B-CB3B-461A-8F72-FF70D9D5E282}" type="slidenum">
               <a:t>&lt;#&gt;</a:t>
             </a:fld>
           </a:p>
@@ -1109,7 +1109,7 @@
         <p:spPr>
           <a:xfrm>
             <a:off x="1069920" y="1298520"/>
-            <a:ext cx="7314120" cy="3254040"/>
+            <a:ext cx="7313400" cy="3253320"/>
           </a:xfrm>
           <a:prstGeom prst="rect">
             <a:avLst/>
@@ -1170,7 +1170,7 @@
         <p:txBody>
           <a:bodyPr/>
           <a:p>
-            <a:fld id="{850B469D-88F6-448E-949F-3F20A09E1E06}" type="slidenum">
+            <a:fld id="{2F109ED5-5545-4042-9C9C-74EE2531EC78}" type="slidenum">
               <a:t>&lt;#&gt;</a:t>
             </a:fld>
           </a:p>
@@ -1253,7 +1253,7 @@
         <p:txBody>
           <a:bodyPr/>
           <a:p>
-            <a:fld id="{64B80668-CE29-4C7C-A051-A3036A0776F7}" type="slidenum">
+            <a:fld id="{60E15949-F2D2-445A-A279-A11940760E52}" type="slidenum">
               <a:t>&lt;#&gt;</a:t>
             </a:fld>
           </a:p>
@@ -1318,7 +1318,7 @@
         <p:spPr>
           <a:xfrm>
             <a:off x="0" y="758880"/>
-            <a:ext cx="3442680" cy="5329800"/>
+            <a:ext cx="3441960" cy="5329080"/>
           </a:xfrm>
           <a:prstGeom prst="rect">
             <a:avLst/>
@@ -1368,7 +1368,7 @@
         <p:spPr>
           <a:xfrm>
             <a:off x="11815920" y="758880"/>
-            <a:ext cx="383040" cy="5329800"/>
+            <a:ext cx="382320" cy="5329080"/>
           </a:xfrm>
           <a:prstGeom prst="rect">
             <a:avLst/>
@@ -1420,7 +1420,7 @@
         <p:spPr>
           <a:xfrm>
             <a:off x="0" y="762120"/>
-            <a:ext cx="9140400" cy="5333040"/>
+            <a:ext cx="9139680" cy="5332320"/>
           </a:xfrm>
           <a:prstGeom prst="rect">
             <a:avLst/>
@@ -1470,7 +1470,7 @@
         <p:spPr>
           <a:xfrm>
             <a:off x="9270360" y="762120"/>
-            <a:ext cx="2924280" cy="5333040"/>
+            <a:ext cx="2923560" cy="5332320"/>
           </a:xfrm>
           <a:prstGeom prst="rect">
             <a:avLst/>
@@ -1526,7 +1526,7 @@
         <p:spPr>
           <a:xfrm>
             <a:off x="1069920" y="1298520"/>
-            <a:ext cx="7314120" cy="3254040"/>
+            <a:ext cx="7313400" cy="3253320"/>
           </a:xfrm>
           <a:prstGeom prst="rect">
             <a:avLst/>
@@ -1575,7 +1575,7 @@
         <p:spPr>
           <a:xfrm>
             <a:off x="3869280" y="6356520"/>
-            <a:ext cx="5910480" cy="363960"/>
+            <a:ext cx="5909760" cy="363240"/>
           </a:xfrm>
           <a:prstGeom prst="rect">
             <a:avLst/>
@@ -1623,7 +1623,7 @@
                 </a:solidFill>
                 <a:latin typeface="Times New Roman"/>
               </a:rPr>
-              <a:t> </a:t>
+              <a:t>&lt;нижний колонтитул&gt;</a:t>
             </a:r>
             <a:endParaRPr b="0" lang="ru-RU" sz="1400" spc="-1" strike="noStrike">
               <a:solidFill>
@@ -1647,7 +1647,7 @@
         <p:spPr>
           <a:xfrm>
             <a:off x="10634040" y="6356520"/>
-            <a:ext cx="1530000" cy="363960"/>
+            <a:ext cx="1529280" cy="363240"/>
           </a:xfrm>
           <a:prstGeom prst="rect">
             <a:avLst/>
@@ -1689,7 +1689,7 @@
                 <a:tab algn="l" pos="0"/>
               </a:tabLst>
             </a:pPr>
-            <a:fld id="{569F3849-D2E6-4325-A023-F86216CCDD34}" type="slidenum">
+            <a:fld id="{3821C2A5-49A8-4A91-98C6-9ACA39FA73D4}" type="slidenum">
               <a:rPr b="1" lang="ru-RU" sz="1200" spc="-1" strike="noStrike">
                 <a:solidFill>
                   <a:schemeClr val="accent1"/>
@@ -1697,7 +1697,7 @@
                 <a:latin typeface="Corbel"/>
                 <a:ea typeface="Corbel"/>
               </a:rPr>
-              <a:t>1</a:t>
+              <a:t>&lt;номер&gt;</a:t>
             </a:fld>
             <a:endParaRPr b="0" lang="ru-RU" sz="1200" spc="-1" strike="noStrike">
               <a:solidFill>
@@ -1721,7 +1721,7 @@
         <p:spPr>
           <a:xfrm>
             <a:off x="262440" y="6356520"/>
-            <a:ext cx="2742120" cy="363960"/>
+            <a:ext cx="2741400" cy="363240"/>
           </a:xfrm>
           <a:prstGeom prst="rect">
             <a:avLst/>
@@ -1757,7 +1757,7 @@
                 </a:solidFill>
                 <a:latin typeface="Times New Roman"/>
               </a:rPr>
-              <a:t> </a:t>
+              <a:t>&lt;дата/время&gt;</a:t>
             </a:r>
             <a:endParaRPr b="0" lang="ru-RU" sz="1400" spc="-1" strike="noStrike">
               <a:solidFill>
@@ -2035,7 +2035,7 @@
         <p:spPr>
           <a:xfrm>
             <a:off x="0" y="758880"/>
-            <a:ext cx="3442680" cy="5329800"/>
+            <a:ext cx="3441960" cy="5329080"/>
           </a:xfrm>
           <a:prstGeom prst="rect">
             <a:avLst/>
@@ -2085,7 +2085,7 @@
         <p:spPr>
           <a:xfrm>
             <a:off x="11815920" y="758880"/>
-            <a:ext cx="383040" cy="5329800"/>
+            <a:ext cx="382320" cy="5329080"/>
           </a:xfrm>
           <a:prstGeom prst="rect">
             <a:avLst/>
@@ -2141,7 +2141,7 @@
         <p:spPr>
           <a:xfrm>
             <a:off x="3869280" y="6356520"/>
-            <a:ext cx="5910480" cy="363960"/>
+            <a:ext cx="5909760" cy="363240"/>
           </a:xfrm>
           <a:prstGeom prst="rect">
             <a:avLst/>
@@ -2213,7 +2213,7 @@
         <p:spPr>
           <a:xfrm>
             <a:off x="10634040" y="6356520"/>
-            <a:ext cx="1530000" cy="363960"/>
+            <a:ext cx="1529280" cy="363240"/>
           </a:xfrm>
           <a:prstGeom prst="rect">
             <a:avLst/>
@@ -2255,7 +2255,7 @@
                 <a:tab algn="l" pos="0"/>
               </a:tabLst>
             </a:pPr>
-            <a:fld id="{167F199E-D7B4-4B34-893D-4553E5AC55B9}" type="slidenum">
+            <a:fld id="{A7E5054A-C1D8-4EE6-B294-6FB731044AFC}" type="slidenum">
               <a:rPr b="1" lang="ru-RU" sz="1200" spc="-1" strike="noStrike">
                 <a:solidFill>
                   <a:schemeClr val="accent1"/>
@@ -2287,7 +2287,7 @@
         <p:spPr>
           <a:xfrm>
             <a:off x="262440" y="6356520"/>
-            <a:ext cx="2742120" cy="363960"/>
+            <a:ext cx="2741400" cy="363240"/>
           </a:xfrm>
           <a:prstGeom prst="rect">
             <a:avLst/>
@@ -2376,7 +2376,7 @@
         <p:spPr>
           <a:xfrm>
             <a:off x="0" y="758880"/>
-            <a:ext cx="3442680" cy="5329800"/>
+            <a:ext cx="3441960" cy="5329080"/>
           </a:xfrm>
           <a:prstGeom prst="rect">
             <a:avLst/>
@@ -2426,7 +2426,7 @@
         <p:spPr>
           <a:xfrm>
             <a:off x="11815920" y="758880"/>
-            <a:ext cx="383040" cy="5329800"/>
+            <a:ext cx="382320" cy="5329080"/>
           </a:xfrm>
           <a:prstGeom prst="rect">
             <a:avLst/>
@@ -2482,7 +2482,7 @@
         <p:spPr>
           <a:xfrm>
             <a:off x="3499200" y="6356520"/>
-            <a:ext cx="5910480" cy="363960"/>
+            <a:ext cx="5909760" cy="363240"/>
           </a:xfrm>
           <a:prstGeom prst="rect">
             <a:avLst/>
@@ -2554,7 +2554,7 @@
         <p:spPr>
           <a:xfrm>
             <a:off x="10634040" y="6356520"/>
-            <a:ext cx="1530000" cy="363960"/>
+            <a:ext cx="1529280" cy="363240"/>
           </a:xfrm>
           <a:prstGeom prst="rect">
             <a:avLst/>
@@ -2596,7 +2596,7 @@
                 <a:tab algn="l" pos="0"/>
               </a:tabLst>
             </a:pPr>
-            <a:fld id="{16A50D17-3678-4C96-B4EA-66BD480D5926}" type="slidenum">
+            <a:fld id="{40DE5679-F9A9-452B-8F21-1ABB9D42E30E}" type="slidenum">
               <a:rPr b="1" lang="ru-RU" sz="1200" spc="-1" strike="noStrike">
                 <a:solidFill>
                   <a:schemeClr val="accent1"/>
@@ -2628,7 +2628,7 @@
         <p:spPr>
           <a:xfrm>
             <a:off x="262440" y="6356520"/>
-            <a:ext cx="2742120" cy="363960"/>
+            <a:ext cx="2741400" cy="363240"/>
           </a:xfrm>
           <a:prstGeom prst="rect">
             <a:avLst/>
@@ -2717,7 +2717,7 @@
         <p:spPr>
           <a:xfrm>
             <a:off x="0" y="758880"/>
-            <a:ext cx="3442680" cy="5329800"/>
+            <a:ext cx="3441960" cy="5329080"/>
           </a:xfrm>
           <a:prstGeom prst="rect">
             <a:avLst/>
@@ -2767,7 +2767,7 @@
         <p:spPr>
           <a:xfrm>
             <a:off x="11815920" y="758880"/>
-            <a:ext cx="383040" cy="5329800"/>
+            <a:ext cx="382320" cy="5329080"/>
           </a:xfrm>
           <a:prstGeom prst="rect">
             <a:avLst/>
@@ -2823,7 +2823,7 @@
         <p:spPr>
           <a:xfrm>
             <a:off x="3869280" y="6356520"/>
-            <a:ext cx="5910480" cy="363960"/>
+            <a:ext cx="5909760" cy="363240"/>
           </a:xfrm>
           <a:prstGeom prst="rect">
             <a:avLst/>
@@ -2895,7 +2895,7 @@
         <p:spPr>
           <a:xfrm>
             <a:off x="10634040" y="6356520"/>
-            <a:ext cx="1530000" cy="363960"/>
+            <a:ext cx="1529280" cy="363240"/>
           </a:xfrm>
           <a:prstGeom prst="rect">
             <a:avLst/>
@@ -2937,7 +2937,7 @@
                 <a:tab algn="l" pos="0"/>
               </a:tabLst>
             </a:pPr>
-            <a:fld id="{91A70A06-E872-48A2-9DAB-DB9D8B47502D}" type="slidenum">
+            <a:fld id="{40CA2F18-83C5-4B4C-898E-D0359580887D}" type="slidenum">
               <a:rPr b="1" lang="ru-RU" sz="1200" spc="-1" strike="noStrike">
                 <a:solidFill>
                   <a:schemeClr val="accent1"/>
@@ -2969,7 +2969,7 @@
         <p:spPr>
           <a:xfrm>
             <a:off x="262440" y="6356520"/>
-            <a:ext cx="2742120" cy="363960"/>
+            <a:ext cx="2741400" cy="363240"/>
           </a:xfrm>
           <a:prstGeom prst="rect">
             <a:avLst/>
@@ -3058,7 +3058,7 @@
         <p:spPr>
           <a:xfrm>
             <a:off x="0" y="758880"/>
-            <a:ext cx="3442680" cy="5329800"/>
+            <a:ext cx="3441960" cy="5329080"/>
           </a:xfrm>
           <a:prstGeom prst="rect">
             <a:avLst/>
@@ -3108,7 +3108,7 @@
         <p:spPr>
           <a:xfrm>
             <a:off x="11815920" y="758880"/>
-            <a:ext cx="383040" cy="5329800"/>
+            <a:ext cx="382320" cy="5329080"/>
           </a:xfrm>
           <a:prstGeom prst="rect">
             <a:avLst/>
@@ -3164,7 +3164,7 @@
         <p:spPr>
           <a:xfrm>
             <a:off x="3869280" y="6356520"/>
-            <a:ext cx="5910480" cy="363960"/>
+            <a:ext cx="5909760" cy="363240"/>
           </a:xfrm>
           <a:prstGeom prst="rect">
             <a:avLst/>
@@ -3236,7 +3236,7 @@
         <p:spPr>
           <a:xfrm>
             <a:off x="10634040" y="6356520"/>
-            <a:ext cx="1530000" cy="363960"/>
+            <a:ext cx="1529280" cy="363240"/>
           </a:xfrm>
           <a:prstGeom prst="rect">
             <a:avLst/>
@@ -3278,7 +3278,7 @@
                 <a:tab algn="l" pos="0"/>
               </a:tabLst>
             </a:pPr>
-            <a:fld id="{2D3969C8-85E9-475D-A09C-80A20386099C}" type="slidenum">
+            <a:fld id="{9212F42D-B8E5-4531-B7C5-F7A436344B42}" type="slidenum">
               <a:rPr b="1" lang="ru-RU" sz="1200" spc="-1" strike="noStrike">
                 <a:solidFill>
                   <a:schemeClr val="accent1"/>
@@ -3310,7 +3310,7 @@
         <p:spPr>
           <a:xfrm>
             <a:off x="262440" y="6356520"/>
-            <a:ext cx="2742120" cy="363960"/>
+            <a:ext cx="2741400" cy="363240"/>
           </a:xfrm>
           <a:prstGeom prst="rect">
             <a:avLst/>
@@ -3399,7 +3399,7 @@
         <p:spPr>
           <a:xfrm>
             <a:off x="0" y="758880"/>
-            <a:ext cx="3442680" cy="5329800"/>
+            <a:ext cx="3441960" cy="5329080"/>
           </a:xfrm>
           <a:prstGeom prst="rect">
             <a:avLst/>
@@ -3449,7 +3449,7 @@
         <p:spPr>
           <a:xfrm>
             <a:off x="11815920" y="758880"/>
-            <a:ext cx="383040" cy="5329800"/>
+            <a:ext cx="382320" cy="5329080"/>
           </a:xfrm>
           <a:prstGeom prst="rect">
             <a:avLst/>
@@ -3505,7 +3505,7 @@
         <p:spPr>
           <a:xfrm>
             <a:off x="1069920" y="1298520"/>
-            <a:ext cx="7314120" cy="3254040"/>
+            <a:ext cx="7313400" cy="3253320"/>
           </a:xfrm>
           <a:prstGeom prst="rect">
             <a:avLst/>
@@ -3779,7 +3779,7 @@
         <p:spPr>
           <a:xfrm>
             <a:off x="3869280" y="6356520"/>
-            <a:ext cx="5910480" cy="363960"/>
+            <a:ext cx="5909760" cy="363240"/>
           </a:xfrm>
           <a:prstGeom prst="rect">
             <a:avLst/>
@@ -3851,7 +3851,7 @@
         <p:spPr>
           <a:xfrm>
             <a:off x="10634040" y="6356520"/>
-            <a:ext cx="1530000" cy="363960"/>
+            <a:ext cx="1529280" cy="363240"/>
           </a:xfrm>
           <a:prstGeom prst="rect">
             <a:avLst/>
@@ -3893,7 +3893,7 @@
                 <a:tab algn="l" pos="0"/>
               </a:tabLst>
             </a:pPr>
-            <a:fld id="{CF8D6F53-FE49-43D6-9715-62EECBA5BC2F}" type="slidenum">
+            <a:fld id="{1021BC25-AD73-4E3C-9E99-49EFBB36495C}" type="slidenum">
               <a:rPr b="1" lang="ru-RU" sz="1200" spc="-1" strike="noStrike">
                 <a:solidFill>
                   <a:schemeClr val="accent1"/>
@@ -3925,7 +3925,7 @@
         <p:spPr>
           <a:xfrm>
             <a:off x="262440" y="6356520"/>
-            <a:ext cx="2742120" cy="363960"/>
+            <a:ext cx="2741400" cy="363240"/>
           </a:xfrm>
           <a:prstGeom prst="rect">
             <a:avLst/>
@@ -4014,7 +4014,7 @@
         <p:spPr>
           <a:xfrm>
             <a:off x="0" y="758880"/>
-            <a:ext cx="3442680" cy="5329800"/>
+            <a:ext cx="3441960" cy="5329080"/>
           </a:xfrm>
           <a:prstGeom prst="rect">
             <a:avLst/>
@@ -4064,7 +4064,7 @@
         <p:spPr>
           <a:xfrm>
             <a:off x="11815920" y="758880"/>
-            <a:ext cx="383040" cy="5329800"/>
+            <a:ext cx="382320" cy="5329080"/>
           </a:xfrm>
           <a:prstGeom prst="rect">
             <a:avLst/>
@@ -4120,7 +4120,7 @@
         <p:spPr>
           <a:xfrm>
             <a:off x="3869280" y="6356520"/>
-            <a:ext cx="5910480" cy="363960"/>
+            <a:ext cx="5909760" cy="363240"/>
           </a:xfrm>
           <a:prstGeom prst="rect">
             <a:avLst/>
@@ -4192,7 +4192,7 @@
         <p:spPr>
           <a:xfrm>
             <a:off x="10634040" y="6356520"/>
-            <a:ext cx="1530000" cy="363960"/>
+            <a:ext cx="1529280" cy="363240"/>
           </a:xfrm>
           <a:prstGeom prst="rect">
             <a:avLst/>
@@ -4234,7 +4234,7 @@
                 <a:tab algn="l" pos="0"/>
               </a:tabLst>
             </a:pPr>
-            <a:fld id="{9568B6A4-8485-42DE-AE26-7007084B178E}" type="slidenum">
+            <a:fld id="{741747B1-4EA9-41F3-9471-51F0CAF93290}" type="slidenum">
               <a:rPr b="1" lang="ru-RU" sz="1200" spc="-1" strike="noStrike">
                 <a:solidFill>
                   <a:schemeClr val="accent1"/>
@@ -4266,7 +4266,7 @@
         <p:spPr>
           <a:xfrm>
             <a:off x="262440" y="6356520"/>
-            <a:ext cx="2742120" cy="363960"/>
+            <a:ext cx="2741400" cy="363240"/>
           </a:xfrm>
           <a:prstGeom prst="rect">
             <a:avLst/>
@@ -4355,7 +4355,7 @@
         <p:spPr>
           <a:xfrm>
             <a:off x="0" y="758880"/>
-            <a:ext cx="3442680" cy="5329800"/>
+            <a:ext cx="3441960" cy="5329080"/>
           </a:xfrm>
           <a:prstGeom prst="rect">
             <a:avLst/>
@@ -4405,7 +4405,7 @@
         <p:spPr>
           <a:xfrm>
             <a:off x="11815920" y="758880"/>
-            <a:ext cx="383040" cy="5329800"/>
+            <a:ext cx="382320" cy="5329080"/>
           </a:xfrm>
           <a:prstGeom prst="rect">
             <a:avLst/>
@@ -4461,7 +4461,7 @@
         <p:spPr>
           <a:xfrm>
             <a:off x="1069920" y="1298520"/>
-            <a:ext cx="7314120" cy="3254040"/>
+            <a:ext cx="7313400" cy="3253320"/>
           </a:xfrm>
           <a:prstGeom prst="rect">
             <a:avLst/>
@@ -4960,7 +4960,7 @@
         <p:spPr>
           <a:xfrm>
             <a:off x="3869280" y="6356520"/>
-            <a:ext cx="5910480" cy="363960"/>
+            <a:ext cx="5909760" cy="363240"/>
           </a:xfrm>
           <a:prstGeom prst="rect">
             <a:avLst/>
@@ -5032,7 +5032,7 @@
         <p:spPr>
           <a:xfrm>
             <a:off x="10634040" y="6356520"/>
-            <a:ext cx="1530000" cy="363960"/>
+            <a:ext cx="1529280" cy="363240"/>
           </a:xfrm>
           <a:prstGeom prst="rect">
             <a:avLst/>
@@ -5074,7 +5074,7 @@
                 <a:tab algn="l" pos="0"/>
               </a:tabLst>
             </a:pPr>
-            <a:fld id="{4E9C3CB5-E13D-445F-8E0B-7FBFB3C87EC9}" type="slidenum">
+            <a:fld id="{88897922-AE89-4571-AA68-47C9F6CC9F94}" type="slidenum">
               <a:rPr b="1" lang="ru-RU" sz="1200" spc="-1" strike="noStrike">
                 <a:solidFill>
                   <a:schemeClr val="accent1"/>
@@ -5106,7 +5106,7 @@
         <p:spPr>
           <a:xfrm>
             <a:off x="262440" y="6356520"/>
-            <a:ext cx="2742120" cy="363960"/>
+            <a:ext cx="2741400" cy="363240"/>
           </a:xfrm>
           <a:prstGeom prst="rect">
             <a:avLst/>
@@ -5195,7 +5195,7 @@
         <p:spPr>
           <a:xfrm>
             <a:off x="0" y="758880"/>
-            <a:ext cx="3442680" cy="5329800"/>
+            <a:ext cx="3441960" cy="5329080"/>
           </a:xfrm>
           <a:prstGeom prst="rect">
             <a:avLst/>
@@ -5245,7 +5245,7 @@
         <p:spPr>
           <a:xfrm>
             <a:off x="11815920" y="758880"/>
-            <a:ext cx="383040" cy="5329800"/>
+            <a:ext cx="382320" cy="5329080"/>
           </a:xfrm>
           <a:prstGeom prst="rect">
             <a:avLst/>
@@ -5301,7 +5301,7 @@
         <p:spPr>
           <a:xfrm>
             <a:off x="3869280" y="6356520"/>
-            <a:ext cx="5910480" cy="363960"/>
+            <a:ext cx="5909760" cy="363240"/>
           </a:xfrm>
           <a:prstGeom prst="rect">
             <a:avLst/>
@@ -5373,7 +5373,7 @@
         <p:spPr>
           <a:xfrm>
             <a:off x="10634040" y="6356520"/>
-            <a:ext cx="1530000" cy="363960"/>
+            <a:ext cx="1529280" cy="363240"/>
           </a:xfrm>
           <a:prstGeom prst="rect">
             <a:avLst/>
@@ -5415,7 +5415,7 @@
                 <a:tab algn="l" pos="0"/>
               </a:tabLst>
             </a:pPr>
-            <a:fld id="{ADECD5CC-624B-4658-B736-9C312B9390D5}" type="slidenum">
+            <a:fld id="{BFAC3CD6-C796-427F-B443-0D81E306FF19}" type="slidenum">
               <a:rPr b="1" lang="ru-RU" sz="1200" spc="-1" strike="noStrike">
                 <a:solidFill>
                   <a:schemeClr val="accent1"/>
@@ -5447,7 +5447,7 @@
         <p:spPr>
           <a:xfrm>
             <a:off x="262440" y="6356520"/>
-            <a:ext cx="2742120" cy="363960"/>
+            <a:ext cx="2741400" cy="363240"/>
           </a:xfrm>
           <a:prstGeom prst="rect">
             <a:avLst/>
@@ -5536,7 +5536,7 @@
         <p:spPr>
           <a:xfrm>
             <a:off x="0" y="758880"/>
-            <a:ext cx="3442680" cy="5329800"/>
+            <a:ext cx="3441960" cy="5329080"/>
           </a:xfrm>
           <a:prstGeom prst="rect">
             <a:avLst/>
@@ -5586,7 +5586,7 @@
         <p:spPr>
           <a:xfrm>
             <a:off x="11815920" y="758880"/>
-            <a:ext cx="383040" cy="5329800"/>
+            <a:ext cx="382320" cy="5329080"/>
           </a:xfrm>
           <a:prstGeom prst="rect">
             <a:avLst/>
@@ -5642,7 +5642,7 @@
         <p:spPr>
           <a:xfrm>
             <a:off x="1069920" y="1298520"/>
-            <a:ext cx="7314120" cy="3254040"/>
+            <a:ext cx="7313400" cy="3253320"/>
           </a:xfrm>
           <a:prstGeom prst="rect">
             <a:avLst/>
@@ -5691,7 +5691,7 @@
         <p:spPr>
           <a:xfrm>
             <a:off x="3869280" y="6356520"/>
-            <a:ext cx="5910480" cy="363960"/>
+            <a:ext cx="5909760" cy="363240"/>
           </a:xfrm>
           <a:prstGeom prst="rect">
             <a:avLst/>
@@ -5763,7 +5763,7 @@
         <p:spPr>
           <a:xfrm>
             <a:off x="10634040" y="6356520"/>
-            <a:ext cx="1530000" cy="363960"/>
+            <a:ext cx="1529280" cy="363240"/>
           </a:xfrm>
           <a:prstGeom prst="rect">
             <a:avLst/>
@@ -5805,7 +5805,7 @@
                 <a:tab algn="l" pos="0"/>
               </a:tabLst>
             </a:pPr>
-            <a:fld id="{72D3801E-0B6E-4E1C-883F-CAF6AFBE6C04}" type="slidenum">
+            <a:fld id="{0DC69B8C-6851-4BEC-92CF-64E97683A2D8}" type="slidenum">
               <a:rPr b="1" lang="ru-RU" sz="1200" spc="-1" strike="noStrike">
                 <a:solidFill>
                   <a:schemeClr val="accent1"/>
@@ -5837,7 +5837,7 @@
         <p:spPr>
           <a:xfrm>
             <a:off x="262440" y="6356520"/>
-            <a:ext cx="2742120" cy="363960"/>
+            <a:ext cx="2741400" cy="363240"/>
           </a:xfrm>
           <a:prstGeom prst="rect">
             <a:avLst/>
@@ -5926,7 +5926,7 @@
         <p:spPr>
           <a:xfrm>
             <a:off x="0" y="758880"/>
-            <a:ext cx="3442680" cy="5329800"/>
+            <a:ext cx="3441960" cy="5329080"/>
           </a:xfrm>
           <a:prstGeom prst="rect">
             <a:avLst/>
@@ -5976,7 +5976,7 @@
         <p:spPr>
           <a:xfrm>
             <a:off x="11815920" y="758880"/>
-            <a:ext cx="383040" cy="5329800"/>
+            <a:ext cx="382320" cy="5329080"/>
           </a:xfrm>
           <a:prstGeom prst="rect">
             <a:avLst/>
@@ -6032,7 +6032,7 @@
         <p:spPr>
           <a:xfrm>
             <a:off x="3869280" y="6356520"/>
-            <a:ext cx="5910480" cy="363960"/>
+            <a:ext cx="5909760" cy="363240"/>
           </a:xfrm>
           <a:prstGeom prst="rect">
             <a:avLst/>
@@ -6104,7 +6104,7 @@
         <p:spPr>
           <a:xfrm>
             <a:off x="10634040" y="6356520"/>
-            <a:ext cx="1530000" cy="363960"/>
+            <a:ext cx="1529280" cy="363240"/>
           </a:xfrm>
           <a:prstGeom prst="rect">
             <a:avLst/>
@@ -6146,7 +6146,7 @@
                 <a:tab algn="l" pos="0"/>
               </a:tabLst>
             </a:pPr>
-            <a:fld id="{F504AC60-1796-4BA9-BC7F-907401A2E1D1}" type="slidenum">
+            <a:fld id="{3551D3FC-1599-42FC-A31F-B2342D245035}" type="slidenum">
               <a:rPr b="1" lang="ru-RU" sz="1200" spc="-1" strike="noStrike">
                 <a:solidFill>
                   <a:schemeClr val="accent1"/>
@@ -6178,7 +6178,7 @@
         <p:spPr>
           <a:xfrm>
             <a:off x="262440" y="6356520"/>
-            <a:ext cx="2742120" cy="363960"/>
+            <a:ext cx="2741400" cy="363240"/>
           </a:xfrm>
           <a:prstGeom prst="rect">
             <a:avLst/>
@@ -6264,7 +6264,7 @@
         <p:spPr>
           <a:xfrm>
             <a:off x="1036440" y="1802160"/>
-            <a:ext cx="7286760" cy="1758600"/>
+            <a:ext cx="7286040" cy="1757880"/>
           </a:xfrm>
           <a:prstGeom prst="rect">
             <a:avLst/>
@@ -6346,7 +6346,7 @@
         <p:spPr>
           <a:xfrm>
             <a:off x="5832000" y="5040000"/>
-            <a:ext cx="4325760" cy="894240"/>
+            <a:ext cx="4325040" cy="893520"/>
           </a:xfrm>
           <a:prstGeom prst="rect">
             <a:avLst/>
@@ -6436,7 +6436,7 @@
         <p:spPr>
           <a:xfrm>
             <a:off x="0" y="3758040"/>
-            <a:ext cx="2833560" cy="2316600"/>
+            <a:ext cx="2832840" cy="2315880"/>
           </a:xfrm>
           <a:prstGeom prst="rect">
             <a:avLst/>
@@ -6455,7 +6455,7 @@
         <p:spPr>
           <a:xfrm>
             <a:off x="3053520" y="3785040"/>
-            <a:ext cx="3425760" cy="354240"/>
+            <a:ext cx="3425040" cy="353520"/>
           </a:xfrm>
           <a:prstGeom prst="rect">
             <a:avLst/>
@@ -6535,7 +6535,7 @@
       </p:grpSpPr>
       <p:sp>
         <p:nvSpPr>
-          <p:cNvPr id="96" name="PlaceHolder 1"/>
+          <p:cNvPr id="95" name="PlaceHolder 1"/>
           <p:cNvSpPr>
             <a:spLocks noGrp="1"/>
           </p:cNvSpPr>
@@ -6545,8 +6545,8 @@
         </p:nvSpPr>
         <p:spPr>
           <a:xfrm>
-            <a:off x="111600" y="1077120"/>
-            <a:ext cx="3189240" cy="4845240"/>
+            <a:off x="0" y="1123920"/>
+            <a:ext cx="3371400" cy="4767120"/>
           </a:xfrm>
           <a:prstGeom prst="rect">
             <a:avLst/>
@@ -6563,7 +6563,7 @@
           <a:p>
             <a:pPr indent="0" algn="ctr">
               <a:lnSpc>
-                <a:spcPct val="107000"/>
+                <a:spcPct val="90000"/>
               </a:lnSpc>
               <a:buNone/>
               <a:tabLst>
@@ -6578,7 +6578,7 @@
                 <a:latin typeface="Corbel"/>
                 <a:ea typeface="Corbel"/>
               </a:rPr>
-              <a:t>Создание объектов</a:t>
+              <a:t>Заполнение таблиц тестовыми данными</a:t>
             </a:r>
             <a:br>
               <a:rPr sz="3200"/>
@@ -6594,7 +6594,7 @@
                 <a:latin typeface="Corbel"/>
                 <a:ea typeface="Corbel"/>
               </a:rPr>
-              <a:t>Представление (VIEW) </a:t>
+              <a:t>Таблица VisitClients</a:t>
             </a:r>
             <a:endParaRPr b="0" lang="ru-RU" sz="2400" spc="-1" strike="noStrike">
               <a:solidFill>
@@ -6605,6 +6605,29 @@
           </a:p>
         </p:txBody>
       </p:sp>
+      <p:pic>
+        <p:nvPicPr>
+          <p:cNvPr id="96" name="" descr=""/>
+          <p:cNvPicPr/>
+          <p:nvPr/>
+        </p:nvPicPr>
+        <p:blipFill>
+          <a:blip r:embed="rId1"/>
+          <a:stretch/>
+        </p:blipFill>
+        <p:spPr>
+          <a:xfrm>
+            <a:off x="4059360" y="1179360"/>
+            <a:ext cx="5119200" cy="1339200"/>
+          </a:xfrm>
+          <a:prstGeom prst="rect">
+            <a:avLst/>
+          </a:prstGeom>
+          <a:ln w="0">
+            <a:noFill/>
+          </a:ln>
+        </p:spPr>
+      </p:pic>
       <p:pic>
         <p:nvPicPr>
           <p:cNvPr id="97" name="" descr=""/>
@@ -6612,13 +6635,13 @@
           <p:nvPr/>
         </p:nvPicPr>
         <p:blipFill>
-          <a:blip r:embed="rId1"/>
+          <a:blip r:embed="rId2"/>
           <a:stretch/>
         </p:blipFill>
         <p:spPr>
           <a:xfrm>
-            <a:off x="3567960" y="608400"/>
-            <a:ext cx="4891320" cy="5691240"/>
+            <a:off x="4091040" y="3060000"/>
+            <a:ext cx="4547520" cy="516240"/>
           </a:xfrm>
           <a:prstGeom prst="rect">
             <a:avLst/>
@@ -6628,97 +6651,29 @@
           </a:ln>
         </p:spPr>
       </p:pic>
-      <p:sp>
-        <p:nvSpPr>
-          <p:cNvPr id="98" name="Google Shape;146;p11"/>
-          <p:cNvSpPr/>
+      <p:pic>
+        <p:nvPicPr>
+          <p:cNvPr id="98" name="" descr=""/>
+          <p:cNvPicPr/>
           <p:nvPr/>
-        </p:nvSpPr>
-        <p:spPr>
-          <a:xfrm>
-            <a:off x="8136000" y="180000"/>
-            <a:ext cx="3602160" cy="2245320"/>
-          </a:xfrm>
-          <a:prstGeom prst="rect">
-            <a:avLst/>
-          </a:prstGeom>
-          <a:solidFill>
-            <a:schemeClr val="lt1"/>
-          </a:solidFill>
-          <a:ln w="10775">
-            <a:solidFill>
-              <a:srgbClr val="999999"/>
-            </a:solidFill>
-            <a:round/>
-          </a:ln>
-        </p:spPr>
-        <p:style>
-          <a:lnRef idx="0"/>
-          <a:fillRef idx="0"/>
-          <a:effectRef idx="0"/>
-          <a:fontRef idx="minor"/>
-        </p:style>
-        <p:txBody>
-          <a:bodyPr lIns="90000" rIns="90000" tIns="45000" bIns="45000" anchor="t">
-            <a:spAutoFit/>
-          </a:bodyPr>
-          <a:p>
-            <a:pPr algn="ctr">
-              <a:lnSpc>
-                <a:spcPct val="107000"/>
-              </a:lnSpc>
-              <a:tabLst>
-                <a:tab algn="l" pos="0"/>
-              </a:tabLst>
-            </a:pPr>
-            <a:r>
-              <a:rPr b="0" lang="ru-RU" sz="1400" spc="-1" strike="noStrike">
-                <a:solidFill>
-                  <a:schemeClr val="dk1"/>
-                </a:solidFill>
-                <a:latin typeface="Corbel"/>
-                <a:ea typeface="Corbel"/>
-              </a:rPr>
-              <a:t>Задание:</a:t>
-            </a:r>
-            <a:endParaRPr b="0" lang="ru-RU" sz="1400" spc="-1" strike="noStrike">
-              <a:solidFill>
-                <a:srgbClr val="000000"/>
-              </a:solidFill>
-              <a:latin typeface="Arial"/>
-            </a:endParaRPr>
-          </a:p>
-          <a:p>
-            <a:pPr algn="ctr">
-              <a:lnSpc>
-                <a:spcPct val="107000"/>
-              </a:lnSpc>
-              <a:spcBef>
-                <a:spcPts val="799"/>
-              </a:spcBef>
-              <a:tabLst>
-                <a:tab algn="l" pos="0"/>
-              </a:tabLst>
-            </a:pPr>
-            <a:r>
-              <a:rPr b="0" lang="ru-RU" sz="1400" spc="-1" strike="noStrike">
-                <a:solidFill>
-                  <a:schemeClr val="dk1"/>
-                </a:solidFill>
-                <a:latin typeface="Corbel"/>
-                <a:ea typeface="Corbel"/>
-              </a:rPr>
-              <a:t>Создайте объект для нахождения общего рейтинга топ 50 тренеров за время существования зала, где рейтинг определяется общим количеством баллов за индивидуальные тренировки (свыше 9 тренировок в день – 3 балла, от 5 до 9 тренировок в день – 2 балла, до 4 тренировок в день – 1 балл).</a:t>
-            </a:r>
-            <a:endParaRPr b="0" lang="ru-RU" sz="1400" spc="-1" strike="noStrike">
-              <a:solidFill>
-                <a:srgbClr val="000000"/>
-              </a:solidFill>
-              <a:latin typeface="Arial"/>
-            </a:endParaRPr>
-          </a:p>
-        </p:txBody>
-      </p:sp>
+        </p:nvPicPr>
+        <p:blipFill>
+          <a:blip r:embed="rId3"/>
+          <a:stretch/>
+        </p:blipFill>
+        <p:spPr>
+          <a:xfrm>
+            <a:off x="8481960" y="3060000"/>
+            <a:ext cx="2856600" cy="2856600"/>
+          </a:xfrm>
+          <a:prstGeom prst="rect">
+            <a:avLst/>
+          </a:prstGeom>
+          <a:ln w="0">
+            <a:noFill/>
+          </a:ln>
+        </p:spPr>
+      </p:pic>
     </p:spTree>
   </p:cSld>
   <mc:AlternateContent>
@@ -6761,8 +6716,8 @@
         </p:nvSpPr>
         <p:spPr>
           <a:xfrm>
-            <a:off x="253080" y="1123920"/>
-            <a:ext cx="2946240" cy="4600080"/>
+            <a:off x="111600" y="1077120"/>
+            <a:ext cx="3188520" cy="4844520"/>
           </a:xfrm>
           <a:prstGeom prst="rect">
             <a:avLst/>
@@ -6779,7 +6734,7 @@
           <a:p>
             <a:pPr indent="0" algn="ctr">
               <a:lnSpc>
-                <a:spcPct val="90000"/>
+                <a:spcPct val="107000"/>
               </a:lnSpc>
               <a:buNone/>
               <a:tabLst>
@@ -6794,7 +6749,7 @@
                 <a:latin typeface="Corbel"/>
                 <a:ea typeface="Corbel"/>
               </a:rPr>
-              <a:t>Создание пакетов ETL</a:t>
+              <a:t>Создание объектов</a:t>
             </a:r>
             <a:br>
               <a:rPr sz="3200"/>
@@ -6803,29 +6758,16 @@
               <a:rPr sz="3200"/>
             </a:br>
             <a:r>
-              <a:rPr b="0" lang="ru-RU" sz="1600" spc="-1" strike="noStrike">
+              <a:rPr b="0" lang="ru-RU" sz="2400" spc="-1" strike="noStrike">
                 <a:solidFill>
                   <a:srgbClr val="ffffff"/>
                 </a:solidFill>
                 <a:latin typeface="Corbel"/>
                 <a:ea typeface="Corbel"/>
               </a:rPr>
-              <a:t>с использованием</a:t>
-            </a:r>
-            <a:br>
-              <a:rPr sz="1600"/>
-            </a:br>
-            <a:r>
-              <a:rPr b="0" lang="ru-RU" sz="1600" spc="-1" strike="noStrike">
-                <a:solidFill>
-                  <a:srgbClr val="ffffff"/>
-                </a:solidFill>
-                <a:latin typeface="Corbel"/>
-                <a:ea typeface="Corbel"/>
-              </a:rPr>
-              <a:t>MS SQL Server Integration Services (SSIS)</a:t>
-            </a:r>
-            <a:endParaRPr b="0" lang="ru-RU" sz="1600" spc="-1" strike="noStrike">
+              <a:t>Представление (VIEW) </a:t>
+            </a:r>
+            <a:endParaRPr b="0" lang="ru-RU" sz="2400" spc="-1" strike="noStrike">
               <a:solidFill>
                 <a:srgbClr val="000000"/>
               </a:solidFill>
@@ -6834,16 +6776,39 @@
           </a:p>
         </p:txBody>
       </p:sp>
-      <p:sp>
-        <p:nvSpPr>
-          <p:cNvPr id="100" name="Google Shape;154;p12"/>
+      <p:pic>
+        <p:nvPicPr>
+          <p:cNvPr id="100" name="" descr=""/>
+          <p:cNvPicPr/>
+          <p:nvPr/>
+        </p:nvPicPr>
+        <p:blipFill>
+          <a:blip r:embed="rId1"/>
+          <a:stretch/>
+        </p:blipFill>
+        <p:spPr>
+          <a:xfrm>
+            <a:off x="3567960" y="608400"/>
+            <a:ext cx="4890600" cy="5690520"/>
+          </a:xfrm>
+          <a:prstGeom prst="rect">
+            <a:avLst/>
+          </a:prstGeom>
+          <a:ln w="0">
+            <a:noFill/>
+          </a:ln>
+        </p:spPr>
+      </p:pic>
+      <p:sp>
+        <p:nvSpPr>
+          <p:cNvPr id="101" name="Google Shape;146;p11"/>
           <p:cNvSpPr/>
           <p:nvPr/>
         </p:nvSpPr>
         <p:spPr>
           <a:xfrm>
-            <a:off x="5077800" y="518040"/>
-            <a:ext cx="4879440" cy="875880"/>
+            <a:off x="8136000" y="180000"/>
+            <a:ext cx="3601440" cy="2245320"/>
           </a:xfrm>
           <a:prstGeom prst="rect">
             <a:avLst/>
@@ -6853,7 +6818,7 @@
           </a:solidFill>
           <a:ln w="10775">
             <a:solidFill>
-              <a:srgbClr val="40bad2"/>
+              <a:srgbClr val="999999"/>
             </a:solidFill>
             <a:round/>
           </a:ln>
@@ -6914,7 +6879,7 @@
                 <a:latin typeface="Corbel"/>
                 <a:ea typeface="Corbel"/>
               </a:rPr>
-              <a:t>Создайте SSIS пакет с добавлением 10 новых результатов на основе эксель файла.</a:t>
+              <a:t>Создайте объект для нахождения общего рейтинга топ 50 тренеров за время существования зала, где рейтинг определяется общим количеством баллов за индивидуальные тренировки (свыше 9 тренировок в день – 3 балла, от 5 до 9 тренировок в день – 2 балла, до 4 тренировок в день – 1 балл).</a:t>
             </a:r>
             <a:endParaRPr b="0" lang="ru-RU" sz="1400" spc="-1" strike="noStrike">
               <a:solidFill>
@@ -6925,29 +6890,6 @@
           </a:p>
         </p:txBody>
       </p:sp>
-      <p:pic>
-        <p:nvPicPr>
-          <p:cNvPr id="101" name="" descr=""/>
-          <p:cNvPicPr/>
-          <p:nvPr/>
-        </p:nvPicPr>
-        <p:blipFill>
-          <a:blip r:embed="rId1"/>
-          <a:stretch/>
-        </p:blipFill>
-        <p:spPr>
-          <a:xfrm>
-            <a:off x="4341240" y="1877040"/>
-            <a:ext cx="6278040" cy="3702240"/>
-          </a:xfrm>
-          <a:prstGeom prst="rect">
-            <a:avLst/>
-          </a:prstGeom>
-          <a:ln w="0">
-            <a:noFill/>
-          </a:ln>
-        </p:spPr>
-      </p:pic>
     </p:spTree>
   </p:cSld>
   <mc:AlternateContent>
@@ -6991,7 +6933,7 @@
         <p:spPr>
           <a:xfrm>
             <a:off x="253080" y="1123920"/>
-            <a:ext cx="2946240" cy="4600080"/>
+            <a:ext cx="2945520" cy="4599360"/>
           </a:xfrm>
           <a:prstGeom prst="rect">
             <a:avLst/>
@@ -7023,22 +6965,129 @@
                 <a:latin typeface="Corbel"/>
                 <a:ea typeface="Corbel"/>
               </a:rPr>
-              <a:t>Визуализация данных в </a:t>
+              <a:t>Создание пакетов ETL</a:t>
             </a:r>
             <a:br>
               <a:rPr sz="3200"/>
             </a:br>
-            <a:r>
-              <a:rPr b="0" lang="ru-RU" sz="3200" spc="-1" strike="noStrike">
+            <a:br>
+              <a:rPr sz="3200"/>
+            </a:br>
+            <a:r>
+              <a:rPr b="0" lang="ru-RU" sz="1600" spc="-1" strike="noStrike">
                 <a:solidFill>
                   <a:srgbClr val="ffffff"/>
                 </a:solidFill>
                 <a:latin typeface="Corbel"/>
                 <a:ea typeface="Corbel"/>
               </a:rPr>
-              <a:t>Power BI</a:t>
-            </a:r>
-            <a:endParaRPr b="0" lang="ru-RU" sz="3200" spc="-1" strike="noStrike">
+              <a:t>с использованием</a:t>
+            </a:r>
+            <a:br>
+              <a:rPr sz="1600"/>
+            </a:br>
+            <a:r>
+              <a:rPr b="0" lang="ru-RU" sz="1600" spc="-1" strike="noStrike">
+                <a:solidFill>
+                  <a:srgbClr val="ffffff"/>
+                </a:solidFill>
+                <a:latin typeface="Corbel"/>
+                <a:ea typeface="Corbel"/>
+              </a:rPr>
+              <a:t>MS SQL Server Integration Services (SSIS)</a:t>
+            </a:r>
+            <a:endParaRPr b="0" lang="ru-RU" sz="1600" spc="-1" strike="noStrike">
+              <a:solidFill>
+                <a:srgbClr val="000000"/>
+              </a:solidFill>
+              <a:latin typeface="Arial"/>
+            </a:endParaRPr>
+          </a:p>
+        </p:txBody>
+      </p:sp>
+      <p:sp>
+        <p:nvSpPr>
+          <p:cNvPr id="103" name="Google Shape;154;p12"/>
+          <p:cNvSpPr/>
+          <p:nvPr/>
+        </p:nvSpPr>
+        <p:spPr>
+          <a:xfrm>
+            <a:off x="5077800" y="518040"/>
+            <a:ext cx="4878720" cy="875880"/>
+          </a:xfrm>
+          <a:prstGeom prst="rect">
+            <a:avLst/>
+          </a:prstGeom>
+          <a:solidFill>
+            <a:schemeClr val="lt1"/>
+          </a:solidFill>
+          <a:ln w="10775">
+            <a:solidFill>
+              <a:srgbClr val="40bad2"/>
+            </a:solidFill>
+            <a:round/>
+          </a:ln>
+        </p:spPr>
+        <p:style>
+          <a:lnRef idx="0"/>
+          <a:fillRef idx="0"/>
+          <a:effectRef idx="0"/>
+          <a:fontRef idx="minor"/>
+        </p:style>
+        <p:txBody>
+          <a:bodyPr lIns="90000" rIns="90000" tIns="45000" bIns="45000" anchor="t">
+            <a:spAutoFit/>
+          </a:bodyPr>
+          <a:p>
+            <a:pPr algn="ctr">
+              <a:lnSpc>
+                <a:spcPct val="107000"/>
+              </a:lnSpc>
+              <a:tabLst>
+                <a:tab algn="l" pos="0"/>
+              </a:tabLst>
+            </a:pPr>
+            <a:r>
+              <a:rPr b="0" lang="ru-RU" sz="1400" spc="-1" strike="noStrike">
+                <a:solidFill>
+                  <a:schemeClr val="dk1"/>
+                </a:solidFill>
+                <a:latin typeface="Corbel"/>
+                <a:ea typeface="Corbel"/>
+              </a:rPr>
+              <a:t>Задание:</a:t>
+            </a:r>
+            <a:endParaRPr b="0" lang="ru-RU" sz="1400" spc="-1" strike="noStrike">
+              <a:solidFill>
+                <a:srgbClr val="000000"/>
+              </a:solidFill>
+              <a:latin typeface="Arial"/>
+            </a:endParaRPr>
+          </a:p>
+          <a:p>
+            <a:pPr algn="ctr">
+              <a:lnSpc>
+                <a:spcPct val="107000"/>
+              </a:lnSpc>
+              <a:spcBef>
+                <a:spcPts val="799"/>
+              </a:spcBef>
+              <a:tabLst>
+                <a:tab algn="l" pos="0"/>
+              </a:tabLst>
+            </a:pPr>
+            <a:r>
+              <a:rPr b="0" lang="ru-RU" sz="1400" spc="-1" strike="noStrike">
+                <a:solidFill>
+                  <a:schemeClr val="dk1"/>
+                </a:solidFill>
+                <a:latin typeface="Corbel"/>
+                <a:ea typeface="Corbel"/>
+              </a:rPr>
+              <a:t>Создайте SSIS пакет с добавлением 10 новых результатов на основе эксель файла.</a:t>
+            </a:r>
+            <a:endParaRPr b="0" lang="ru-RU" sz="1400" spc="-1" strike="noStrike">
               <a:solidFill>
                 <a:srgbClr val="000000"/>
               </a:solidFill>
@@ -7049,7 +7098,7 @@
       </p:sp>
       <p:pic>
         <p:nvPicPr>
-          <p:cNvPr id="103" name="" descr=""/>
+          <p:cNvPr id="104" name="" descr=""/>
           <p:cNvPicPr/>
           <p:nvPr/>
         </p:nvPicPr>
@@ -7059,8 +7108,8 @@
         </p:blipFill>
         <p:spPr>
           <a:xfrm>
-            <a:off x="3456000" y="1080000"/>
-            <a:ext cx="8334360" cy="4679280"/>
+            <a:off x="4341240" y="1877040"/>
+            <a:ext cx="6277320" cy="3701520"/>
           </a:xfrm>
           <a:prstGeom prst="rect">
             <a:avLst/>
@@ -7102,7 +7151,7 @@
       </p:grpSpPr>
       <p:sp>
         <p:nvSpPr>
-          <p:cNvPr id="104" name="PlaceHolder 1"/>
+          <p:cNvPr id="105" name="PlaceHolder 1"/>
           <p:cNvSpPr>
             <a:spLocks noGrp="1"/>
           </p:cNvSpPr>
@@ -7113,7 +7162,7 @@
         <p:spPr>
           <a:xfrm>
             <a:off x="253080" y="1123920"/>
-            <a:ext cx="2946240" cy="4600080"/>
+            <a:ext cx="2945520" cy="4599360"/>
           </a:xfrm>
           <a:prstGeom prst="rect">
             <a:avLst/>
@@ -7171,7 +7220,7 @@
       </p:sp>
       <p:pic>
         <p:nvPicPr>
-          <p:cNvPr id="105" name="" descr=""/>
+          <p:cNvPr id="106" name="" descr=""/>
           <p:cNvPicPr/>
           <p:nvPr/>
         </p:nvPicPr>
@@ -7182,7 +7231,7 @@
         <p:spPr>
           <a:xfrm>
             <a:off x="3456000" y="1080000"/>
-            <a:ext cx="8343000" cy="4679280"/>
+            <a:ext cx="8333640" cy="4678560"/>
           </a:xfrm>
           <a:prstGeom prst="rect">
             <a:avLst/>
@@ -7224,7 +7273,7 @@
       </p:grpSpPr>
       <p:sp>
         <p:nvSpPr>
-          <p:cNvPr id="106" name="PlaceHolder 1"/>
+          <p:cNvPr id="107" name="PlaceHolder 1"/>
           <p:cNvSpPr>
             <a:spLocks noGrp="1"/>
           </p:cNvSpPr>
@@ -7235,7 +7284,7 @@
         <p:spPr>
           <a:xfrm>
             <a:off x="253080" y="1123920"/>
-            <a:ext cx="2946240" cy="4600080"/>
+            <a:ext cx="2945520" cy="4599360"/>
           </a:xfrm>
           <a:prstGeom prst="rect">
             <a:avLst/>
@@ -7293,7 +7342,7 @@
       </p:sp>
       <p:pic>
         <p:nvPicPr>
-          <p:cNvPr id="107" name="" descr=""/>
+          <p:cNvPr id="108" name="" descr=""/>
           <p:cNvPicPr/>
           <p:nvPr/>
         </p:nvPicPr>
@@ -7304,7 +7353,7 @@
         <p:spPr>
           <a:xfrm>
             <a:off x="3456000" y="1080000"/>
-            <a:ext cx="8344080" cy="4679280"/>
+            <a:ext cx="8342280" cy="4678560"/>
           </a:xfrm>
           <a:prstGeom prst="rect">
             <a:avLst/>
@@ -7346,7 +7395,7 @@
       </p:grpSpPr>
       <p:sp>
         <p:nvSpPr>
-          <p:cNvPr id="108" name="PlaceHolder 1"/>
+          <p:cNvPr id="109" name="PlaceHolder 1"/>
           <p:cNvSpPr>
             <a:spLocks noGrp="1"/>
           </p:cNvSpPr>
@@ -7357,7 +7406,7 @@
         <p:spPr>
           <a:xfrm>
             <a:off x="253080" y="1123920"/>
-            <a:ext cx="2946240" cy="4600080"/>
+            <a:ext cx="2945520" cy="4599360"/>
           </a:xfrm>
           <a:prstGeom prst="rect">
             <a:avLst/>
@@ -7415,7 +7464,7 @@
       </p:sp>
       <p:pic>
         <p:nvPicPr>
-          <p:cNvPr id="109" name="" descr=""/>
+          <p:cNvPr id="110" name="" descr=""/>
           <p:cNvPicPr/>
           <p:nvPr/>
         </p:nvPicPr>
@@ -7426,7 +7475,7 @@
         <p:spPr>
           <a:xfrm>
             <a:off x="3456000" y="1080000"/>
-            <a:ext cx="8344080" cy="4679280"/>
+            <a:ext cx="8343360" cy="4678560"/>
           </a:xfrm>
           <a:prstGeom prst="rect">
             <a:avLst/>
@@ -7468,7 +7517,7 @@
       </p:grpSpPr>
       <p:sp>
         <p:nvSpPr>
-          <p:cNvPr id="110" name="PlaceHolder 1"/>
+          <p:cNvPr id="111" name="PlaceHolder 1"/>
           <p:cNvSpPr>
             <a:spLocks noGrp="1"/>
           </p:cNvSpPr>
@@ -7479,7 +7528,7 @@
         <p:spPr>
           <a:xfrm>
             <a:off x="253080" y="1123920"/>
-            <a:ext cx="2946240" cy="4600080"/>
+            <a:ext cx="2945520" cy="4599360"/>
           </a:xfrm>
           <a:prstGeom prst="rect">
             <a:avLst/>
@@ -7537,7 +7586,7 @@
       </p:sp>
       <p:pic>
         <p:nvPicPr>
-          <p:cNvPr id="111" name="" descr=""/>
+          <p:cNvPr id="112" name="" descr=""/>
           <p:cNvPicPr/>
           <p:nvPr/>
         </p:nvPicPr>
@@ -7548,7 +7597,7 @@
         <p:spPr>
           <a:xfrm>
             <a:off x="3456000" y="1080000"/>
-            <a:ext cx="8344080" cy="4679280"/>
+            <a:ext cx="8343360" cy="4678560"/>
           </a:xfrm>
           <a:prstGeom prst="rect">
             <a:avLst/>
@@ -7590,7 +7639,7 @@
       </p:grpSpPr>
       <p:sp>
         <p:nvSpPr>
-          <p:cNvPr id="112" name="PlaceHolder 1"/>
+          <p:cNvPr id="113" name="PlaceHolder 1"/>
           <p:cNvSpPr>
             <a:spLocks noGrp="1"/>
           </p:cNvSpPr>
@@ -7601,7 +7650,7 @@
         <p:spPr>
           <a:xfrm>
             <a:off x="253080" y="1123920"/>
-            <a:ext cx="2946240" cy="4600080"/>
+            <a:ext cx="2945520" cy="4599360"/>
           </a:xfrm>
           <a:prstGeom prst="rect">
             <a:avLst/>
@@ -7659,7 +7708,7 @@
       </p:sp>
       <p:pic>
         <p:nvPicPr>
-          <p:cNvPr id="113" name="" descr=""/>
+          <p:cNvPr id="114" name="" descr=""/>
           <p:cNvPicPr/>
           <p:nvPr/>
         </p:nvPicPr>
@@ -7669,8 +7718,8 @@
         </p:blipFill>
         <p:spPr>
           <a:xfrm>
-            <a:off x="3456000" y="1059120"/>
-            <a:ext cx="8344080" cy="4679280"/>
+            <a:off x="3456000" y="1080000"/>
+            <a:ext cx="8343360" cy="4678560"/>
           </a:xfrm>
           <a:prstGeom prst="rect">
             <a:avLst/>
@@ -7712,7 +7761,7 @@
       </p:grpSpPr>
       <p:sp>
         <p:nvSpPr>
-          <p:cNvPr id="114" name="PlaceHolder 1"/>
+          <p:cNvPr id="115" name="PlaceHolder 1"/>
           <p:cNvSpPr>
             <a:spLocks noGrp="1"/>
           </p:cNvSpPr>
@@ -7723,7 +7772,7 @@
         <p:spPr>
           <a:xfrm>
             <a:off x="253080" y="1123920"/>
-            <a:ext cx="2946240" cy="4600080"/>
+            <a:ext cx="2945520" cy="4599360"/>
           </a:xfrm>
           <a:prstGeom prst="rect">
             <a:avLst/>
@@ -7768,7 +7817,7 @@
                 <a:latin typeface="Corbel"/>
                 <a:ea typeface="Corbel"/>
               </a:rPr>
-              <a:t>Tableau</a:t>
+              <a:t>Power BI</a:t>
             </a:r>
             <a:endParaRPr b="0" lang="ru-RU" sz="3200" spc="-1" strike="noStrike">
               <a:solidFill>
@@ -7781,7 +7830,7 @@
       </p:sp>
       <p:pic>
         <p:nvPicPr>
-          <p:cNvPr id="115" name="" descr=""/>
+          <p:cNvPr id="116" name="" descr=""/>
           <p:cNvPicPr/>
           <p:nvPr/>
         </p:nvPicPr>
@@ -7791,31 +7840,8 @@
         </p:blipFill>
         <p:spPr>
           <a:xfrm>
-            <a:off x="3780000" y="540000"/>
-            <a:ext cx="7741440" cy="5782680"/>
-          </a:xfrm>
-          <a:prstGeom prst="rect">
-            <a:avLst/>
-          </a:prstGeom>
-          <a:ln w="0">
-            <a:noFill/>
-          </a:ln>
-        </p:spPr>
-      </p:pic>
-      <p:pic>
-        <p:nvPicPr>
-          <p:cNvPr id="116" name="" descr=""/>
-          <p:cNvPicPr/>
-          <p:nvPr/>
-        </p:nvPicPr>
-        <p:blipFill>
-          <a:blip r:embed="rId2"/>
-          <a:stretch/>
-        </p:blipFill>
-        <p:spPr>
-          <a:xfrm>
-            <a:off x="2880000" y="4900320"/>
-            <a:ext cx="2963160" cy="1758960"/>
+            <a:off x="3456000" y="1059120"/>
+            <a:ext cx="8343360" cy="4678560"/>
           </a:xfrm>
           <a:prstGeom prst="rect">
             <a:avLst/>
@@ -7868,7 +7894,7 @@
         <p:spPr>
           <a:xfrm>
             <a:off x="253080" y="1123920"/>
-            <a:ext cx="2946240" cy="4600080"/>
+            <a:ext cx="2945520" cy="4599360"/>
           </a:xfrm>
           <a:prstGeom prst="rect">
             <a:avLst/>
@@ -7936,8 +7962,31 @@
         </p:blipFill>
         <p:spPr>
           <a:xfrm>
-            <a:off x="3960000" y="387000"/>
-            <a:ext cx="7459200" cy="5912280"/>
+            <a:off x="3780000" y="540000"/>
+            <a:ext cx="7740720" cy="5781960"/>
+          </a:xfrm>
+          <a:prstGeom prst="rect">
+            <a:avLst/>
+          </a:prstGeom>
+          <a:ln w="0">
+            <a:noFill/>
+          </a:ln>
+        </p:spPr>
+      </p:pic>
+      <p:pic>
+        <p:nvPicPr>
+          <p:cNvPr id="119" name="" descr=""/>
+          <p:cNvPicPr/>
+          <p:nvPr/>
+        </p:nvPicPr>
+        <p:blipFill>
+          <a:blip r:embed="rId2"/>
+          <a:stretch/>
+        </p:blipFill>
+        <p:spPr>
+          <a:xfrm>
+            <a:off x="2880000" y="4900320"/>
+            <a:ext cx="2962440" cy="1758240"/>
           </a:xfrm>
           <a:prstGeom prst="rect">
             <a:avLst/>
@@ -7990,7 +8039,7 @@
         <p:spPr>
           <a:xfrm>
             <a:off x="253080" y="1123920"/>
-            <a:ext cx="2946240" cy="4600080"/>
+            <a:ext cx="2945520" cy="4599360"/>
           </a:xfrm>
           <a:prstGeom prst="rect">
             <a:avLst/>
@@ -8046,7 +8095,7 @@
         <p:spPr>
           <a:xfrm>
             <a:off x="3889440" y="762120"/>
-            <a:ext cx="7314120" cy="5312520"/>
+            <a:ext cx="7313400" cy="5311800"/>
           </a:xfrm>
           <a:prstGeom prst="rect">
             <a:avLst/>
@@ -8370,7 +8419,7 @@
       </p:grpSpPr>
       <p:sp>
         <p:nvSpPr>
-          <p:cNvPr id="119" name="PlaceHolder 1"/>
+          <p:cNvPr id="120" name="PlaceHolder 1"/>
           <p:cNvSpPr>
             <a:spLocks noGrp="1"/>
           </p:cNvSpPr>
@@ -8381,7 +8430,7 @@
         <p:spPr>
           <a:xfrm>
             <a:off x="253080" y="1123920"/>
-            <a:ext cx="2946240" cy="4600080"/>
+            <a:ext cx="2945520" cy="4599360"/>
           </a:xfrm>
           <a:prstGeom prst="rect">
             <a:avLst/>
@@ -8439,7 +8488,7 @@
       </p:sp>
       <p:pic>
         <p:nvPicPr>
-          <p:cNvPr id="120" name="" descr=""/>
+          <p:cNvPr id="121" name="" descr=""/>
           <p:cNvPicPr/>
           <p:nvPr/>
         </p:nvPicPr>
@@ -8449,8 +8498,8 @@
         </p:blipFill>
         <p:spPr>
           <a:xfrm>
-            <a:off x="4052160" y="506160"/>
-            <a:ext cx="7467120" cy="5973480"/>
+            <a:off x="3960000" y="387000"/>
+            <a:ext cx="7458480" cy="5911560"/>
           </a:xfrm>
           <a:prstGeom prst="rect">
             <a:avLst/>
@@ -8492,7 +8541,7 @@
       </p:grpSpPr>
       <p:sp>
         <p:nvSpPr>
-          <p:cNvPr id="121" name="PlaceHolder 1"/>
+          <p:cNvPr id="122" name="PlaceHolder 1"/>
           <p:cNvSpPr>
             <a:spLocks noGrp="1"/>
           </p:cNvSpPr>
@@ -8503,7 +8552,7 @@
         <p:spPr>
           <a:xfrm>
             <a:off x="253080" y="1123920"/>
-            <a:ext cx="2946240" cy="4600080"/>
+            <a:ext cx="2945520" cy="4599360"/>
           </a:xfrm>
           <a:prstGeom prst="rect">
             <a:avLst/>
@@ -8535,7 +8584,20 @@
                 <a:latin typeface="Corbel"/>
                 <a:ea typeface="Corbel"/>
               </a:rPr>
-              <a:t>Очень юморная группа попалась</a:t>
+              <a:t>Визуализация данных в </a:t>
+            </a:r>
+            <a:br>
+              <a:rPr sz="3200"/>
+            </a:br>
+            <a:r>
+              <a:rPr b="0" lang="ru-RU" sz="3200" spc="-1" strike="noStrike">
+                <a:solidFill>
+                  <a:srgbClr val="ffffff"/>
+                </a:solidFill>
+                <a:latin typeface="Corbel"/>
+                <a:ea typeface="Corbel"/>
+              </a:rPr>
+              <a:t>Tableau</a:t>
             </a:r>
             <a:endParaRPr b="0" lang="ru-RU" sz="3200" spc="-1" strike="noStrike">
               <a:solidFill>
@@ -8546,30 +8608,6 @@
           </a:p>
         </p:txBody>
       </p:sp>
-      <p:pic>
-        <p:nvPicPr>
-          <p:cNvPr id="122" name="" descr=""/>
-          <p:cNvPicPr/>
-          <p:nvPr/>
-        </p:nvPicPr>
-        <p:blipFill>
-          <a:blip r:embed="rId1"/>
-          <a:srcRect l="10437" t="7852" r="0" b="0"/>
-          <a:stretch/>
-        </p:blipFill>
-        <p:spPr>
-          <a:xfrm>
-            <a:off x="4320000" y="1260000"/>
-            <a:ext cx="4046040" cy="4612320"/>
-          </a:xfrm>
-          <a:prstGeom prst="rect">
-            <a:avLst/>
-          </a:prstGeom>
-          <a:ln w="0">
-            <a:noFill/>
-          </a:ln>
-        </p:spPr>
-      </p:pic>
       <p:pic>
         <p:nvPicPr>
           <p:cNvPr id="123" name="" descr=""/>
@@ -8577,14 +8615,13 @@
           <p:nvPr/>
         </p:nvPicPr>
         <p:blipFill>
-          <a:blip r:embed="rId2"/>
-          <a:srcRect l="10737" t="0" r="0" b="0"/>
+          <a:blip r:embed="rId1"/>
           <a:stretch/>
         </p:blipFill>
         <p:spPr>
           <a:xfrm>
-            <a:off x="8167680" y="1440000"/>
-            <a:ext cx="2991960" cy="2048760"/>
+            <a:off x="4052160" y="506160"/>
+            <a:ext cx="7466400" cy="5972760"/>
           </a:xfrm>
           <a:prstGeom prst="rect">
             <a:avLst/>
@@ -8637,7 +8674,7 @@
         <p:spPr>
           <a:xfrm>
             <a:off x="-25200" y="3544920"/>
-            <a:ext cx="4916520" cy="2515680"/>
+            <a:ext cx="4915800" cy="2514960"/>
           </a:xfrm>
           <a:prstGeom prst="rect">
             <a:avLst/>
@@ -8655,8 +8692,8 @@
         </p:nvSpPr>
         <p:spPr>
           <a:xfrm>
-            <a:off x="1194120" y="2580120"/>
-            <a:ext cx="6399720" cy="1232640"/>
+            <a:off x="1260000" y="1995840"/>
+            <a:ext cx="6399000" cy="1964160"/>
           </a:xfrm>
           <a:prstGeom prst="rect">
             <a:avLst/>
@@ -8693,7 +8730,7 @@
                 <a:latin typeface="Corbel"/>
                 <a:ea typeface="Corbel"/>
               </a:rPr>
-              <a:t>Совершенство дается практикой.</a:t>
+              <a:t>Если ты не сделаешь это сегодня, завтра будет таким же, как вчера.</a:t>
             </a:r>
             <a:br>
               <a:rPr sz="2000"/>
@@ -8706,7 +8743,7 @@
                 <a:latin typeface="Corbel"/>
                 <a:ea typeface="Corbel"/>
               </a:rPr>
-              <a:t>Элизабет Страут</a:t>
+              <a:t>Неизвестный автор</a:t>
             </a:r>
             <a:endParaRPr b="0" lang="ru-RU" sz="1800" spc="-1" strike="noStrike">
               <a:solidFill>
@@ -8760,7 +8797,7 @@
         <p:spPr>
           <a:xfrm>
             <a:off x="182880" y="1123920"/>
-            <a:ext cx="3272040" cy="4707000"/>
+            <a:ext cx="3271320" cy="4706280"/>
           </a:xfrm>
           <a:prstGeom prst="rect">
             <a:avLst/>
@@ -8861,7 +8898,7 @@
         <p:spPr>
           <a:xfrm>
             <a:off x="4140000" y="651960"/>
-            <a:ext cx="7423560" cy="5647320"/>
+            <a:ext cx="7422840" cy="5646600"/>
           </a:xfrm>
           <a:prstGeom prst="rect">
             <a:avLst/>
@@ -8914,7 +8951,7 @@
         <p:spPr>
           <a:xfrm>
             <a:off x="152280" y="1123920"/>
-            <a:ext cx="3097800" cy="4600080"/>
+            <a:ext cx="3097080" cy="4599360"/>
           </a:xfrm>
           <a:prstGeom prst="rect">
             <a:avLst/>
@@ -8986,7 +9023,7 @@
         <p:spPr>
           <a:xfrm>
             <a:off x="3600000" y="540000"/>
-            <a:ext cx="8125560" cy="5759280"/>
+            <a:ext cx="8124840" cy="5758560"/>
           </a:xfrm>
           <a:prstGeom prst="rect">
             <a:avLst/>
@@ -9039,7 +9076,7 @@
         <p:spPr>
           <a:xfrm>
             <a:off x="182880" y="1123920"/>
-            <a:ext cx="3336120" cy="4600080"/>
+            <a:ext cx="3335400" cy="4599360"/>
           </a:xfrm>
           <a:prstGeom prst="rect">
             <a:avLst/>
@@ -9111,7 +9148,7 @@
         <p:spPr>
           <a:xfrm>
             <a:off x="3728160" y="540000"/>
-            <a:ext cx="7971120" cy="5939280"/>
+            <a:ext cx="7970400" cy="5938560"/>
           </a:xfrm>
           <a:prstGeom prst="rect">
             <a:avLst/>
@@ -9164,7 +9201,7 @@
         <p:spPr>
           <a:xfrm>
             <a:off x="182880" y="1123920"/>
-            <a:ext cx="3336120" cy="4600080"/>
+            <a:ext cx="3335400" cy="4599360"/>
           </a:xfrm>
           <a:prstGeom prst="rect">
             <a:avLst/>
@@ -9260,12 +9297,13 @@
         </p:nvPicPr>
         <p:blipFill>
           <a:blip r:embed="rId1"/>
+          <a:srcRect l="10437" t="7852" r="0" b="0"/>
           <a:stretch/>
         </p:blipFill>
         <p:spPr>
           <a:xfrm>
-            <a:off x="3741480" y="540000"/>
-            <a:ext cx="4357800" cy="5813280"/>
+            <a:off x="4320360" y="1260000"/>
+            <a:ext cx="4045320" cy="4611600"/>
           </a:xfrm>
           <a:prstGeom prst="rect">
             <a:avLst/>
@@ -9283,20 +9321,19 @@
         </p:nvPicPr>
         <p:blipFill>
           <a:blip r:embed="rId2"/>
+          <a:srcRect l="10737" t="0" r="0" b="0"/>
           <a:stretch/>
         </p:blipFill>
         <p:spPr>
           <a:xfrm>
-            <a:off x="7200000" y="1980000"/>
-            <a:ext cx="4599720" cy="1945800"/>
-          </a:xfrm>
-          <a:prstGeom prst="rect">
-            <a:avLst/>
-          </a:prstGeom>
-          <a:ln w="0">
-            <a:solidFill>
-              <a:srgbClr val="999999"/>
-            </a:solidFill>
+            <a:off x="8168040" y="1440000"/>
+            <a:ext cx="2991240" cy="2048040"/>
+          </a:xfrm>
+          <a:prstGeom prst="rect">
+            <a:avLst/>
+          </a:prstGeom>
+          <a:ln w="0">
+            <a:noFill/>
           </a:ln>
         </p:spPr>
       </p:pic>
@@ -9342,8 +9379,8 @@
         </p:nvSpPr>
         <p:spPr>
           <a:xfrm>
-            <a:off x="0" y="1123920"/>
-            <a:ext cx="3372120" cy="4767840"/>
+            <a:off x="182880" y="1123920"/>
+            <a:ext cx="3335400" cy="4599360"/>
           </a:xfrm>
           <a:prstGeom prst="rect">
             <a:avLst/>
@@ -9375,7 +9412,7 @@
                 <a:latin typeface="Corbel"/>
                 <a:ea typeface="Corbel"/>
               </a:rPr>
-              <a:t>Заполнение таблиц тестовыми данными</a:t>
+              <a:t>Физическое проектирование</a:t>
             </a:r>
             <a:br>
               <a:rPr sz="3200"/>
@@ -9391,9 +9428,38 @@
                 <a:latin typeface="Corbel"/>
                 <a:ea typeface="Corbel"/>
               </a:rPr>
-              <a:t>Таблица Employees</a:t>
-            </a:r>
-            <a:endParaRPr b="0" lang="ru-RU" sz="2400" spc="-1" strike="noStrike">
+              <a:t>Создание таблиц</a:t>
+            </a:r>
+            <a:br>
+              <a:rPr sz="3200"/>
+            </a:br>
+            <a:br>
+              <a:rPr sz="3200"/>
+            </a:br>
+            <a:r>
+              <a:rPr b="0" lang="ru-RU" sz="1600" spc="-1" strike="noStrike">
+                <a:solidFill>
+                  <a:srgbClr val="ffffff"/>
+                </a:solidFill>
+                <a:latin typeface="Corbel"/>
+                <a:ea typeface="Corbel"/>
+              </a:rPr>
+              <a:t>с использованием</a:t>
+            </a:r>
+            <a:br>
+              <a:rPr sz="1600"/>
+            </a:br>
+            <a:r>
+              <a:rPr b="0" lang="ru-RU" sz="1600" spc="-1" strike="noStrike">
+                <a:solidFill>
+                  <a:srgbClr val="ffffff"/>
+                </a:solidFill>
+                <a:latin typeface="Corbel"/>
+                <a:ea typeface="Corbel"/>
+              </a:rPr>
+              <a:t>MS SQL Server Management Studio (SSMS)</a:t>
+            </a:r>
+            <a:endParaRPr b="0" lang="ru-RU" sz="1600" spc="-1" strike="noStrike">
               <a:solidFill>
                 <a:srgbClr val="000000"/>
               </a:solidFill>
@@ -9414,14 +9480,39 @@
         </p:blipFill>
         <p:spPr>
           <a:xfrm>
-            <a:off x="3600000" y="1055160"/>
-            <a:ext cx="7992000" cy="4704120"/>
-          </a:xfrm>
-          <a:prstGeom prst="rect">
-            <a:avLst/>
-          </a:prstGeom>
-          <a:ln w="0">
-            <a:noFill/>
+            <a:off x="3741480" y="540000"/>
+            <a:ext cx="4357080" cy="5812560"/>
+          </a:xfrm>
+          <a:prstGeom prst="rect">
+            <a:avLst/>
+          </a:prstGeom>
+          <a:ln w="0">
+            <a:noFill/>
+          </a:ln>
+        </p:spPr>
+      </p:pic>
+      <p:pic>
+        <p:nvPicPr>
+          <p:cNvPr id="90" name="" descr=""/>
+          <p:cNvPicPr/>
+          <p:nvPr/>
+        </p:nvPicPr>
+        <p:blipFill>
+          <a:blip r:embed="rId2"/>
+          <a:stretch/>
+        </p:blipFill>
+        <p:spPr>
+          <a:xfrm>
+            <a:off x="7200000" y="1980000"/>
+            <a:ext cx="4599000" cy="1945080"/>
+          </a:xfrm>
+          <a:prstGeom prst="rect">
+            <a:avLst/>
+          </a:prstGeom>
+          <a:ln w="0">
+            <a:solidFill>
+              <a:srgbClr val="999999"/>
+            </a:solidFill>
           </a:ln>
         </p:spPr>
       </p:pic>
@@ -9457,7 +9548,7 @@
       </p:grpSpPr>
       <p:sp>
         <p:nvSpPr>
-          <p:cNvPr id="90" name="PlaceHolder 1"/>
+          <p:cNvPr id="91" name="PlaceHolder 1"/>
           <p:cNvSpPr>
             <a:spLocks noGrp="1"/>
           </p:cNvSpPr>
@@ -9468,7 +9559,7 @@
         <p:spPr>
           <a:xfrm>
             <a:off x="0" y="1123920"/>
-            <a:ext cx="3372120" cy="4767840"/>
+            <a:ext cx="3371400" cy="4767120"/>
           </a:xfrm>
           <a:prstGeom prst="rect">
             <a:avLst/>
@@ -9516,7 +9607,7 @@
                 <a:latin typeface="Corbel"/>
                 <a:ea typeface="Corbel"/>
               </a:rPr>
-              <a:t>Таблица VisitClients</a:t>
+              <a:t>Таблица Employees</a:t>
             </a:r>
             <a:endParaRPr b="0" lang="ru-RU" sz="2400" spc="-1" strike="noStrike">
               <a:solidFill>
@@ -9529,7 +9620,7 @@
       </p:sp>
       <p:pic>
         <p:nvPicPr>
-          <p:cNvPr id="91" name="" descr=""/>
+          <p:cNvPr id="92" name="" descr=""/>
           <p:cNvPicPr/>
           <p:nvPr/>
         </p:nvPicPr>
@@ -9539,8 +9630,8 @@
         </p:blipFill>
         <p:spPr>
           <a:xfrm>
-            <a:off x="3600000" y="720000"/>
-            <a:ext cx="7970040" cy="5531400"/>
+            <a:off x="3600000" y="1055160"/>
+            <a:ext cx="7991280" cy="4703400"/>
           </a:xfrm>
           <a:prstGeom prst="rect">
             <a:avLst/>
@@ -9582,7 +9673,7 @@
       </p:grpSpPr>
       <p:sp>
         <p:nvSpPr>
-          <p:cNvPr id="92" name="PlaceHolder 1"/>
+          <p:cNvPr id="93" name="PlaceHolder 1"/>
           <p:cNvSpPr>
             <a:spLocks noGrp="1"/>
           </p:cNvSpPr>
@@ -9593,7 +9684,7 @@
         <p:spPr>
           <a:xfrm>
             <a:off x="0" y="1123920"/>
-            <a:ext cx="3372120" cy="4767840"/>
+            <a:ext cx="3371400" cy="4767120"/>
           </a:xfrm>
           <a:prstGeom prst="rect">
             <a:avLst/>
@@ -9654,7 +9745,7 @@
       </p:sp>
       <p:pic>
         <p:nvPicPr>
-          <p:cNvPr id="93" name="" descr=""/>
+          <p:cNvPr id="94" name="" descr=""/>
           <p:cNvPicPr/>
           <p:nvPr/>
         </p:nvPicPr>
@@ -9664,54 +9755,8 @@
         </p:blipFill>
         <p:spPr>
           <a:xfrm>
-            <a:off x="4059360" y="1179360"/>
-            <a:ext cx="5119920" cy="1339920"/>
-          </a:xfrm>
-          <a:prstGeom prst="rect">
-            <a:avLst/>
-          </a:prstGeom>
-          <a:ln w="0">
-            <a:noFill/>
-          </a:ln>
-        </p:spPr>
-      </p:pic>
-      <p:pic>
-        <p:nvPicPr>
-          <p:cNvPr id="94" name="" descr=""/>
-          <p:cNvPicPr/>
-          <p:nvPr/>
-        </p:nvPicPr>
-        <p:blipFill>
-          <a:blip r:embed="rId2"/>
-          <a:stretch/>
-        </p:blipFill>
-        <p:spPr>
-          <a:xfrm>
-            <a:off x="4091040" y="3060000"/>
-            <a:ext cx="4548240" cy="516960"/>
-          </a:xfrm>
-          <a:prstGeom prst="rect">
-            <a:avLst/>
-          </a:prstGeom>
-          <a:ln w="0">
-            <a:noFill/>
-          </a:ln>
-        </p:spPr>
-      </p:pic>
-      <p:pic>
-        <p:nvPicPr>
-          <p:cNvPr id="95" name="" descr=""/>
-          <p:cNvPicPr/>
-          <p:nvPr/>
-        </p:nvPicPr>
-        <p:blipFill>
-          <a:blip r:embed="rId3"/>
-          <a:stretch/>
-        </p:blipFill>
-        <p:spPr>
-          <a:xfrm>
-            <a:off x="8481960" y="3060000"/>
-            <a:ext cx="2857320" cy="2857320"/>
+            <a:off x="3600000" y="720000"/>
+            <a:ext cx="7969320" cy="5530680"/>
           </a:xfrm>
           <a:prstGeom prst="rect">
             <a:avLst/>

--- a/Project/Business Intelligence. Дипломный проект.pptx
+++ b/Project/Business Intelligence. Дипломный проект.pptx
@@ -73,7 +73,7 @@
         <p:spPr>
           <a:xfrm>
             <a:off x="1069920" y="1298520"/>
-            <a:ext cx="7313400" cy="3253320"/>
+            <a:ext cx="7313040" cy="3252960"/>
           </a:xfrm>
           <a:prstGeom prst="rect">
             <a:avLst/>
@@ -174,7 +174,7 @@
         <p:txBody>
           <a:bodyPr/>
           <a:p>
-            <a:fld id="{0355C393-8355-4B13-A75F-0056D8657A82}" type="slidenum">
+            <a:fld id="{0A4751F6-7538-43BF-B99B-C9FE3356A981}" type="slidenum">
               <a:t>&lt;#&gt;</a:t>
             </a:fld>
           </a:p>
@@ -257,7 +257,7 @@
         <p:txBody>
           <a:bodyPr/>
           <a:p>
-            <a:fld id="{459AA0D0-741C-4342-BC41-C1997CB2277E}" type="slidenum">
+            <a:fld id="{1EEC2BFB-F0FF-4365-9296-5D80EF362BA0}" type="slidenum">
               <a:t>&lt;#&gt;</a:t>
             </a:fld>
           </a:p>
@@ -340,7 +340,7 @@
         <p:txBody>
           <a:bodyPr/>
           <a:p>
-            <a:fld id="{6A1D3302-B035-40F8-8F97-B91E3B7A01CB}" type="slidenum">
+            <a:fld id="{C0B8F11A-99EA-41C2-9740-C60EC1DBCBF3}" type="slidenum">
               <a:t>&lt;#&gt;</a:t>
             </a:fld>
           </a:p>
@@ -423,7 +423,7 @@
         <p:txBody>
           <a:bodyPr/>
           <a:p>
-            <a:fld id="{99A0C91D-1D0A-4CCC-9365-B382C4936C73}" type="slidenum">
+            <a:fld id="{EA5944B6-C663-48D4-B294-E1A237898C79}" type="slidenum">
               <a:t>&lt;#&gt;</a:t>
             </a:fld>
           </a:p>
@@ -506,7 +506,7 @@
         <p:txBody>
           <a:bodyPr/>
           <a:p>
-            <a:fld id="{E582DB35-016C-4876-9EED-BFA1106DE81B}" type="slidenum">
+            <a:fld id="{EB776A74-8452-41F9-B5CB-03603F9C8A17}" type="slidenum">
               <a:t>&lt;#&gt;</a:t>
             </a:fld>
           </a:p>
@@ -568,7 +568,7 @@
         <p:spPr>
           <a:xfrm>
             <a:off x="1069920" y="1298520"/>
-            <a:ext cx="7313400" cy="3253320"/>
+            <a:ext cx="7313040" cy="3252960"/>
           </a:xfrm>
           <a:prstGeom prst="rect">
             <a:avLst/>
@@ -672,7 +672,7 @@
         <p:txBody>
           <a:bodyPr/>
           <a:p>
-            <a:fld id="{649FC423-64FC-48B0-A537-63AF7821FEB7}" type="slidenum">
+            <a:fld id="{C2D48E24-2E11-4157-9E36-ACE3A854912F}" type="slidenum">
               <a:t>&lt;#&gt;</a:t>
             </a:fld>
           </a:p>
@@ -755,7 +755,7 @@
         <p:txBody>
           <a:bodyPr/>
           <a:p>
-            <a:fld id="{A2FC5FE8-8C68-49B4-8D2E-0090A7FEBAD4}" type="slidenum">
+            <a:fld id="{3FCCBD11-32C6-4E2A-B1A7-45174E0226F4}" type="slidenum">
               <a:t>&lt;#&gt;</a:t>
             </a:fld>
           </a:p>
@@ -817,7 +817,7 @@
         <p:spPr>
           <a:xfrm>
             <a:off x="1069920" y="1298520"/>
-            <a:ext cx="7313400" cy="3253320"/>
+            <a:ext cx="7313040" cy="3252960"/>
           </a:xfrm>
           <a:prstGeom prst="rect">
             <a:avLst/>
@@ -964,7 +964,7 @@
         <p:txBody>
           <a:bodyPr/>
           <a:p>
-            <a:fld id="{7988DE44-0E1C-4ADD-9703-AD463E40006E}" type="slidenum">
+            <a:fld id="{9BC6B267-B766-46A7-91D5-27DC0F256231}" type="slidenum">
               <a:t>&lt;#&gt;</a:t>
             </a:fld>
           </a:p>
@@ -1047,7 +1047,7 @@
         <p:txBody>
           <a:bodyPr/>
           <a:p>
-            <a:fld id="{45F7F47B-CB3B-461A-8F72-FF70D9D5E282}" type="slidenum">
+            <a:fld id="{B8710698-F3F5-47E1-A80B-EEFB16A33DE1}" type="slidenum">
               <a:t>&lt;#&gt;</a:t>
             </a:fld>
           </a:p>
@@ -1109,7 +1109,7 @@
         <p:spPr>
           <a:xfrm>
             <a:off x="1069920" y="1298520"/>
-            <a:ext cx="7313400" cy="3253320"/>
+            <a:ext cx="7313040" cy="3252960"/>
           </a:xfrm>
           <a:prstGeom prst="rect">
             <a:avLst/>
@@ -1170,7 +1170,7 @@
         <p:txBody>
           <a:bodyPr/>
           <a:p>
-            <a:fld id="{2F109ED5-5545-4042-9C9C-74EE2531EC78}" type="slidenum">
+            <a:fld id="{96E42A4E-EEB6-4FF9-B4EF-45BD6D99CAC0}" type="slidenum">
               <a:t>&lt;#&gt;</a:t>
             </a:fld>
           </a:p>
@@ -1253,7 +1253,7 @@
         <p:txBody>
           <a:bodyPr/>
           <a:p>
-            <a:fld id="{60E15949-F2D2-445A-A279-A11940760E52}" type="slidenum">
+            <a:fld id="{A32B13D5-884F-4871-958E-2FE0FF974B07}" type="slidenum">
               <a:t>&lt;#&gt;</a:t>
             </a:fld>
           </a:p>
@@ -1318,7 +1318,7 @@
         <p:spPr>
           <a:xfrm>
             <a:off x="0" y="758880"/>
-            <a:ext cx="3441960" cy="5329080"/>
+            <a:ext cx="3441600" cy="5328720"/>
           </a:xfrm>
           <a:prstGeom prst="rect">
             <a:avLst/>
@@ -1368,7 +1368,7 @@
         <p:spPr>
           <a:xfrm>
             <a:off x="11815920" y="758880"/>
-            <a:ext cx="382320" cy="5329080"/>
+            <a:ext cx="381960" cy="5328720"/>
           </a:xfrm>
           <a:prstGeom prst="rect">
             <a:avLst/>
@@ -1420,7 +1420,7 @@
         <p:spPr>
           <a:xfrm>
             <a:off x="0" y="762120"/>
-            <a:ext cx="9139680" cy="5332320"/>
+            <a:ext cx="9139320" cy="5331960"/>
           </a:xfrm>
           <a:prstGeom prst="rect">
             <a:avLst/>
@@ -1470,7 +1470,7 @@
         <p:spPr>
           <a:xfrm>
             <a:off x="9270360" y="762120"/>
-            <a:ext cx="2923560" cy="5332320"/>
+            <a:ext cx="2923200" cy="5331960"/>
           </a:xfrm>
           <a:prstGeom prst="rect">
             <a:avLst/>
@@ -1526,7 +1526,7 @@
         <p:spPr>
           <a:xfrm>
             <a:off x="1069920" y="1298520"/>
-            <a:ext cx="7313400" cy="3253320"/>
+            <a:ext cx="7313040" cy="3252960"/>
           </a:xfrm>
           <a:prstGeom prst="rect">
             <a:avLst/>
@@ -1575,7 +1575,7 @@
         <p:spPr>
           <a:xfrm>
             <a:off x="3869280" y="6356520"/>
-            <a:ext cx="5909760" cy="363240"/>
+            <a:ext cx="5909400" cy="362880"/>
           </a:xfrm>
           <a:prstGeom prst="rect">
             <a:avLst/>
@@ -1647,7 +1647,7 @@
         <p:spPr>
           <a:xfrm>
             <a:off x="10634040" y="6356520"/>
-            <a:ext cx="1529280" cy="363240"/>
+            <a:ext cx="1528920" cy="362880"/>
           </a:xfrm>
           <a:prstGeom prst="rect">
             <a:avLst/>
@@ -1689,7 +1689,7 @@
                 <a:tab algn="l" pos="0"/>
               </a:tabLst>
             </a:pPr>
-            <a:fld id="{3821C2A5-49A8-4A91-98C6-9ACA39FA73D4}" type="slidenum">
+            <a:fld id="{F0DB73D1-BF79-46F7-9A84-711600CF8A15}" type="slidenum">
               <a:rPr b="1" lang="ru-RU" sz="1200" spc="-1" strike="noStrike">
                 <a:solidFill>
                   <a:schemeClr val="accent1"/>
@@ -1721,7 +1721,7 @@
         <p:spPr>
           <a:xfrm>
             <a:off x="262440" y="6356520"/>
-            <a:ext cx="2741400" cy="363240"/>
+            <a:ext cx="2741040" cy="362880"/>
           </a:xfrm>
           <a:prstGeom prst="rect">
             <a:avLst/>
@@ -2035,7 +2035,7 @@
         <p:spPr>
           <a:xfrm>
             <a:off x="0" y="758880"/>
-            <a:ext cx="3441960" cy="5329080"/>
+            <a:ext cx="3441600" cy="5328720"/>
           </a:xfrm>
           <a:prstGeom prst="rect">
             <a:avLst/>
@@ -2085,7 +2085,7 @@
         <p:spPr>
           <a:xfrm>
             <a:off x="11815920" y="758880"/>
-            <a:ext cx="382320" cy="5329080"/>
+            <a:ext cx="381960" cy="5328720"/>
           </a:xfrm>
           <a:prstGeom prst="rect">
             <a:avLst/>
@@ -2141,7 +2141,7 @@
         <p:spPr>
           <a:xfrm>
             <a:off x="3869280" y="6356520"/>
-            <a:ext cx="5909760" cy="363240"/>
+            <a:ext cx="5909400" cy="362880"/>
           </a:xfrm>
           <a:prstGeom prst="rect">
             <a:avLst/>
@@ -2213,7 +2213,7 @@
         <p:spPr>
           <a:xfrm>
             <a:off x="10634040" y="6356520"/>
-            <a:ext cx="1529280" cy="363240"/>
+            <a:ext cx="1528920" cy="362880"/>
           </a:xfrm>
           <a:prstGeom prst="rect">
             <a:avLst/>
@@ -2255,7 +2255,7 @@
                 <a:tab algn="l" pos="0"/>
               </a:tabLst>
             </a:pPr>
-            <a:fld id="{A7E5054A-C1D8-4EE6-B294-6FB731044AFC}" type="slidenum">
+            <a:fld id="{5AFA3BE7-E6DE-4B48-B7D7-00509506A4EE}" type="slidenum">
               <a:rPr b="1" lang="ru-RU" sz="1200" spc="-1" strike="noStrike">
                 <a:solidFill>
                   <a:schemeClr val="accent1"/>
@@ -2287,7 +2287,7 @@
         <p:spPr>
           <a:xfrm>
             <a:off x="262440" y="6356520"/>
-            <a:ext cx="2741400" cy="363240"/>
+            <a:ext cx="2741040" cy="362880"/>
           </a:xfrm>
           <a:prstGeom prst="rect">
             <a:avLst/>
@@ -2376,7 +2376,7 @@
         <p:spPr>
           <a:xfrm>
             <a:off x="0" y="758880"/>
-            <a:ext cx="3441960" cy="5329080"/>
+            <a:ext cx="3441600" cy="5328720"/>
           </a:xfrm>
           <a:prstGeom prst="rect">
             <a:avLst/>
@@ -2426,7 +2426,7 @@
         <p:spPr>
           <a:xfrm>
             <a:off x="11815920" y="758880"/>
-            <a:ext cx="382320" cy="5329080"/>
+            <a:ext cx="381960" cy="5328720"/>
           </a:xfrm>
           <a:prstGeom prst="rect">
             <a:avLst/>
@@ -2482,7 +2482,7 @@
         <p:spPr>
           <a:xfrm>
             <a:off x="3499200" y="6356520"/>
-            <a:ext cx="5909760" cy="363240"/>
+            <a:ext cx="5909400" cy="362880"/>
           </a:xfrm>
           <a:prstGeom prst="rect">
             <a:avLst/>
@@ -2554,7 +2554,7 @@
         <p:spPr>
           <a:xfrm>
             <a:off x="10634040" y="6356520"/>
-            <a:ext cx="1529280" cy="363240"/>
+            <a:ext cx="1528920" cy="362880"/>
           </a:xfrm>
           <a:prstGeom prst="rect">
             <a:avLst/>
@@ -2596,7 +2596,7 @@
                 <a:tab algn="l" pos="0"/>
               </a:tabLst>
             </a:pPr>
-            <a:fld id="{40DE5679-F9A9-452B-8F21-1ABB9D42E30E}" type="slidenum">
+            <a:fld id="{CED3BA1A-69C7-46EE-8837-50A9E0CAF674}" type="slidenum">
               <a:rPr b="1" lang="ru-RU" sz="1200" spc="-1" strike="noStrike">
                 <a:solidFill>
                   <a:schemeClr val="accent1"/>
@@ -2628,7 +2628,7 @@
         <p:spPr>
           <a:xfrm>
             <a:off x="262440" y="6356520"/>
-            <a:ext cx="2741400" cy="363240"/>
+            <a:ext cx="2741040" cy="362880"/>
           </a:xfrm>
           <a:prstGeom prst="rect">
             <a:avLst/>
@@ -2717,7 +2717,7 @@
         <p:spPr>
           <a:xfrm>
             <a:off x="0" y="758880"/>
-            <a:ext cx="3441960" cy="5329080"/>
+            <a:ext cx="3441600" cy="5328720"/>
           </a:xfrm>
           <a:prstGeom prst="rect">
             <a:avLst/>
@@ -2767,7 +2767,7 @@
         <p:spPr>
           <a:xfrm>
             <a:off x="11815920" y="758880"/>
-            <a:ext cx="382320" cy="5329080"/>
+            <a:ext cx="381960" cy="5328720"/>
           </a:xfrm>
           <a:prstGeom prst="rect">
             <a:avLst/>
@@ -2823,7 +2823,7 @@
         <p:spPr>
           <a:xfrm>
             <a:off x="3869280" y="6356520"/>
-            <a:ext cx="5909760" cy="363240"/>
+            <a:ext cx="5909400" cy="362880"/>
           </a:xfrm>
           <a:prstGeom prst="rect">
             <a:avLst/>
@@ -2895,7 +2895,7 @@
         <p:spPr>
           <a:xfrm>
             <a:off x="10634040" y="6356520"/>
-            <a:ext cx="1529280" cy="363240"/>
+            <a:ext cx="1528920" cy="362880"/>
           </a:xfrm>
           <a:prstGeom prst="rect">
             <a:avLst/>
@@ -2937,7 +2937,7 @@
                 <a:tab algn="l" pos="0"/>
               </a:tabLst>
             </a:pPr>
-            <a:fld id="{40CA2F18-83C5-4B4C-898E-D0359580887D}" type="slidenum">
+            <a:fld id="{FD722BB1-C9ED-451A-8FF7-8EBA1C38A661}" type="slidenum">
               <a:rPr b="1" lang="ru-RU" sz="1200" spc="-1" strike="noStrike">
                 <a:solidFill>
                   <a:schemeClr val="accent1"/>
@@ -2969,7 +2969,7 @@
         <p:spPr>
           <a:xfrm>
             <a:off x="262440" y="6356520"/>
-            <a:ext cx="2741400" cy="363240"/>
+            <a:ext cx="2741040" cy="362880"/>
           </a:xfrm>
           <a:prstGeom prst="rect">
             <a:avLst/>
@@ -3058,7 +3058,7 @@
         <p:spPr>
           <a:xfrm>
             <a:off x="0" y="758880"/>
-            <a:ext cx="3441960" cy="5329080"/>
+            <a:ext cx="3441600" cy="5328720"/>
           </a:xfrm>
           <a:prstGeom prst="rect">
             <a:avLst/>
@@ -3108,7 +3108,7 @@
         <p:spPr>
           <a:xfrm>
             <a:off x="11815920" y="758880"/>
-            <a:ext cx="382320" cy="5329080"/>
+            <a:ext cx="381960" cy="5328720"/>
           </a:xfrm>
           <a:prstGeom prst="rect">
             <a:avLst/>
@@ -3164,7 +3164,7 @@
         <p:spPr>
           <a:xfrm>
             <a:off x="3869280" y="6356520"/>
-            <a:ext cx="5909760" cy="363240"/>
+            <a:ext cx="5909400" cy="362880"/>
           </a:xfrm>
           <a:prstGeom prst="rect">
             <a:avLst/>
@@ -3236,7 +3236,7 @@
         <p:spPr>
           <a:xfrm>
             <a:off x="10634040" y="6356520"/>
-            <a:ext cx="1529280" cy="363240"/>
+            <a:ext cx="1528920" cy="362880"/>
           </a:xfrm>
           <a:prstGeom prst="rect">
             <a:avLst/>
@@ -3278,7 +3278,7 @@
                 <a:tab algn="l" pos="0"/>
               </a:tabLst>
             </a:pPr>
-            <a:fld id="{9212F42D-B8E5-4531-B7C5-F7A436344B42}" type="slidenum">
+            <a:fld id="{C1D72509-4455-454F-81AA-EB26B4D8FCB3}" type="slidenum">
               <a:rPr b="1" lang="ru-RU" sz="1200" spc="-1" strike="noStrike">
                 <a:solidFill>
                   <a:schemeClr val="accent1"/>
@@ -3310,7 +3310,7 @@
         <p:spPr>
           <a:xfrm>
             <a:off x="262440" y="6356520"/>
-            <a:ext cx="2741400" cy="363240"/>
+            <a:ext cx="2741040" cy="362880"/>
           </a:xfrm>
           <a:prstGeom prst="rect">
             <a:avLst/>
@@ -3399,7 +3399,7 @@
         <p:spPr>
           <a:xfrm>
             <a:off x="0" y="758880"/>
-            <a:ext cx="3441960" cy="5329080"/>
+            <a:ext cx="3441600" cy="5328720"/>
           </a:xfrm>
           <a:prstGeom prst="rect">
             <a:avLst/>
@@ -3449,7 +3449,7 @@
         <p:spPr>
           <a:xfrm>
             <a:off x="11815920" y="758880"/>
-            <a:ext cx="382320" cy="5329080"/>
+            <a:ext cx="381960" cy="5328720"/>
           </a:xfrm>
           <a:prstGeom prst="rect">
             <a:avLst/>
@@ -3505,7 +3505,7 @@
         <p:spPr>
           <a:xfrm>
             <a:off x="1069920" y="1298520"/>
-            <a:ext cx="7313400" cy="3253320"/>
+            <a:ext cx="7313040" cy="3252960"/>
           </a:xfrm>
           <a:prstGeom prst="rect">
             <a:avLst/>
@@ -3779,7 +3779,7 @@
         <p:spPr>
           <a:xfrm>
             <a:off x="3869280" y="6356520"/>
-            <a:ext cx="5909760" cy="363240"/>
+            <a:ext cx="5909400" cy="362880"/>
           </a:xfrm>
           <a:prstGeom prst="rect">
             <a:avLst/>
@@ -3851,7 +3851,7 @@
         <p:spPr>
           <a:xfrm>
             <a:off x="10634040" y="6356520"/>
-            <a:ext cx="1529280" cy="363240"/>
+            <a:ext cx="1528920" cy="362880"/>
           </a:xfrm>
           <a:prstGeom prst="rect">
             <a:avLst/>
@@ -3893,7 +3893,7 @@
                 <a:tab algn="l" pos="0"/>
               </a:tabLst>
             </a:pPr>
-            <a:fld id="{1021BC25-AD73-4E3C-9E99-49EFBB36495C}" type="slidenum">
+            <a:fld id="{6253C968-88DA-4031-A02A-B76E1A27A8FB}" type="slidenum">
               <a:rPr b="1" lang="ru-RU" sz="1200" spc="-1" strike="noStrike">
                 <a:solidFill>
                   <a:schemeClr val="accent1"/>
@@ -3925,7 +3925,7 @@
         <p:spPr>
           <a:xfrm>
             <a:off x="262440" y="6356520"/>
-            <a:ext cx="2741400" cy="363240"/>
+            <a:ext cx="2741040" cy="362880"/>
           </a:xfrm>
           <a:prstGeom prst="rect">
             <a:avLst/>
@@ -4014,7 +4014,7 @@
         <p:spPr>
           <a:xfrm>
             <a:off x="0" y="758880"/>
-            <a:ext cx="3441960" cy="5329080"/>
+            <a:ext cx="3441600" cy="5328720"/>
           </a:xfrm>
           <a:prstGeom prst="rect">
             <a:avLst/>
@@ -4064,7 +4064,7 @@
         <p:spPr>
           <a:xfrm>
             <a:off x="11815920" y="758880"/>
-            <a:ext cx="382320" cy="5329080"/>
+            <a:ext cx="381960" cy="5328720"/>
           </a:xfrm>
           <a:prstGeom prst="rect">
             <a:avLst/>
@@ -4120,7 +4120,7 @@
         <p:spPr>
           <a:xfrm>
             <a:off x="3869280" y="6356520"/>
-            <a:ext cx="5909760" cy="363240"/>
+            <a:ext cx="5909400" cy="362880"/>
           </a:xfrm>
           <a:prstGeom prst="rect">
             <a:avLst/>
@@ -4192,7 +4192,7 @@
         <p:spPr>
           <a:xfrm>
             <a:off x="10634040" y="6356520"/>
-            <a:ext cx="1529280" cy="363240"/>
+            <a:ext cx="1528920" cy="362880"/>
           </a:xfrm>
           <a:prstGeom prst="rect">
             <a:avLst/>
@@ -4234,7 +4234,7 @@
                 <a:tab algn="l" pos="0"/>
               </a:tabLst>
             </a:pPr>
-            <a:fld id="{741747B1-4EA9-41F3-9471-51F0CAF93290}" type="slidenum">
+            <a:fld id="{74E37D1E-E46A-4601-BA64-E98C4472AFF6}" type="slidenum">
               <a:rPr b="1" lang="ru-RU" sz="1200" spc="-1" strike="noStrike">
                 <a:solidFill>
                   <a:schemeClr val="accent1"/>
@@ -4266,7 +4266,7 @@
         <p:spPr>
           <a:xfrm>
             <a:off x="262440" y="6356520"/>
-            <a:ext cx="2741400" cy="363240"/>
+            <a:ext cx="2741040" cy="362880"/>
           </a:xfrm>
           <a:prstGeom prst="rect">
             <a:avLst/>
@@ -4355,7 +4355,7 @@
         <p:spPr>
           <a:xfrm>
             <a:off x="0" y="758880"/>
-            <a:ext cx="3441960" cy="5329080"/>
+            <a:ext cx="3441600" cy="5328720"/>
           </a:xfrm>
           <a:prstGeom prst="rect">
             <a:avLst/>
@@ -4405,7 +4405,7 @@
         <p:spPr>
           <a:xfrm>
             <a:off x="11815920" y="758880"/>
-            <a:ext cx="382320" cy="5329080"/>
+            <a:ext cx="381960" cy="5328720"/>
           </a:xfrm>
           <a:prstGeom prst="rect">
             <a:avLst/>
@@ -4461,7 +4461,7 @@
         <p:spPr>
           <a:xfrm>
             <a:off x="1069920" y="1298520"/>
-            <a:ext cx="7313400" cy="3253320"/>
+            <a:ext cx="7313040" cy="3252960"/>
           </a:xfrm>
           <a:prstGeom prst="rect">
             <a:avLst/>
@@ -4960,7 +4960,7 @@
         <p:spPr>
           <a:xfrm>
             <a:off x="3869280" y="6356520"/>
-            <a:ext cx="5909760" cy="363240"/>
+            <a:ext cx="5909400" cy="362880"/>
           </a:xfrm>
           <a:prstGeom prst="rect">
             <a:avLst/>
@@ -5032,7 +5032,7 @@
         <p:spPr>
           <a:xfrm>
             <a:off x="10634040" y="6356520"/>
-            <a:ext cx="1529280" cy="363240"/>
+            <a:ext cx="1528920" cy="362880"/>
           </a:xfrm>
           <a:prstGeom prst="rect">
             <a:avLst/>
@@ -5074,7 +5074,7 @@
                 <a:tab algn="l" pos="0"/>
               </a:tabLst>
             </a:pPr>
-            <a:fld id="{88897922-AE89-4571-AA68-47C9F6CC9F94}" type="slidenum">
+            <a:fld id="{DFA82327-F372-4012-8E45-0D22D2064F4B}" type="slidenum">
               <a:rPr b="1" lang="ru-RU" sz="1200" spc="-1" strike="noStrike">
                 <a:solidFill>
                   <a:schemeClr val="accent1"/>
@@ -5106,7 +5106,7 @@
         <p:spPr>
           <a:xfrm>
             <a:off x="262440" y="6356520"/>
-            <a:ext cx="2741400" cy="363240"/>
+            <a:ext cx="2741040" cy="362880"/>
           </a:xfrm>
           <a:prstGeom prst="rect">
             <a:avLst/>
@@ -5195,7 +5195,7 @@
         <p:spPr>
           <a:xfrm>
             <a:off x="0" y="758880"/>
-            <a:ext cx="3441960" cy="5329080"/>
+            <a:ext cx="3441600" cy="5328720"/>
           </a:xfrm>
           <a:prstGeom prst="rect">
             <a:avLst/>
@@ -5245,7 +5245,7 @@
         <p:spPr>
           <a:xfrm>
             <a:off x="11815920" y="758880"/>
-            <a:ext cx="382320" cy="5329080"/>
+            <a:ext cx="381960" cy="5328720"/>
           </a:xfrm>
           <a:prstGeom prst="rect">
             <a:avLst/>
@@ -5301,7 +5301,7 @@
         <p:spPr>
           <a:xfrm>
             <a:off x="3869280" y="6356520"/>
-            <a:ext cx="5909760" cy="363240"/>
+            <a:ext cx="5909400" cy="362880"/>
           </a:xfrm>
           <a:prstGeom prst="rect">
             <a:avLst/>
@@ -5373,7 +5373,7 @@
         <p:spPr>
           <a:xfrm>
             <a:off x="10634040" y="6356520"/>
-            <a:ext cx="1529280" cy="363240"/>
+            <a:ext cx="1528920" cy="362880"/>
           </a:xfrm>
           <a:prstGeom prst="rect">
             <a:avLst/>
@@ -5415,7 +5415,7 @@
                 <a:tab algn="l" pos="0"/>
               </a:tabLst>
             </a:pPr>
-            <a:fld id="{BFAC3CD6-C796-427F-B443-0D81E306FF19}" type="slidenum">
+            <a:fld id="{3E3863D0-E618-4621-B3AB-34A43332CEC7}" type="slidenum">
               <a:rPr b="1" lang="ru-RU" sz="1200" spc="-1" strike="noStrike">
                 <a:solidFill>
                   <a:schemeClr val="accent1"/>
@@ -5447,7 +5447,7 @@
         <p:spPr>
           <a:xfrm>
             <a:off x="262440" y="6356520"/>
-            <a:ext cx="2741400" cy="363240"/>
+            <a:ext cx="2741040" cy="362880"/>
           </a:xfrm>
           <a:prstGeom prst="rect">
             <a:avLst/>
@@ -5536,7 +5536,7 @@
         <p:spPr>
           <a:xfrm>
             <a:off x="0" y="758880"/>
-            <a:ext cx="3441960" cy="5329080"/>
+            <a:ext cx="3441600" cy="5328720"/>
           </a:xfrm>
           <a:prstGeom prst="rect">
             <a:avLst/>
@@ -5586,7 +5586,7 @@
         <p:spPr>
           <a:xfrm>
             <a:off x="11815920" y="758880"/>
-            <a:ext cx="382320" cy="5329080"/>
+            <a:ext cx="381960" cy="5328720"/>
           </a:xfrm>
           <a:prstGeom prst="rect">
             <a:avLst/>
@@ -5642,7 +5642,7 @@
         <p:spPr>
           <a:xfrm>
             <a:off x="1069920" y="1298520"/>
-            <a:ext cx="7313400" cy="3253320"/>
+            <a:ext cx="7313040" cy="3252960"/>
           </a:xfrm>
           <a:prstGeom prst="rect">
             <a:avLst/>
@@ -5691,7 +5691,7 @@
         <p:spPr>
           <a:xfrm>
             <a:off x="3869280" y="6356520"/>
-            <a:ext cx="5909760" cy="363240"/>
+            <a:ext cx="5909400" cy="362880"/>
           </a:xfrm>
           <a:prstGeom prst="rect">
             <a:avLst/>
@@ -5763,7 +5763,7 @@
         <p:spPr>
           <a:xfrm>
             <a:off x="10634040" y="6356520"/>
-            <a:ext cx="1529280" cy="363240"/>
+            <a:ext cx="1528920" cy="362880"/>
           </a:xfrm>
           <a:prstGeom prst="rect">
             <a:avLst/>
@@ -5805,7 +5805,7 @@
                 <a:tab algn="l" pos="0"/>
               </a:tabLst>
             </a:pPr>
-            <a:fld id="{0DC69B8C-6851-4BEC-92CF-64E97683A2D8}" type="slidenum">
+            <a:fld id="{98FB9075-0639-4117-8892-A93C3B836DFA}" type="slidenum">
               <a:rPr b="1" lang="ru-RU" sz="1200" spc="-1" strike="noStrike">
                 <a:solidFill>
                   <a:schemeClr val="accent1"/>
@@ -5837,7 +5837,7 @@
         <p:spPr>
           <a:xfrm>
             <a:off x="262440" y="6356520"/>
-            <a:ext cx="2741400" cy="363240"/>
+            <a:ext cx="2741040" cy="362880"/>
           </a:xfrm>
           <a:prstGeom prst="rect">
             <a:avLst/>
@@ -5926,7 +5926,7 @@
         <p:spPr>
           <a:xfrm>
             <a:off x="0" y="758880"/>
-            <a:ext cx="3441960" cy="5329080"/>
+            <a:ext cx="3441600" cy="5328720"/>
           </a:xfrm>
           <a:prstGeom prst="rect">
             <a:avLst/>
@@ -5976,7 +5976,7 @@
         <p:spPr>
           <a:xfrm>
             <a:off x="11815920" y="758880"/>
-            <a:ext cx="382320" cy="5329080"/>
+            <a:ext cx="381960" cy="5328720"/>
           </a:xfrm>
           <a:prstGeom prst="rect">
             <a:avLst/>
@@ -6032,7 +6032,7 @@
         <p:spPr>
           <a:xfrm>
             <a:off x="3869280" y="6356520"/>
-            <a:ext cx="5909760" cy="363240"/>
+            <a:ext cx="5909400" cy="362880"/>
           </a:xfrm>
           <a:prstGeom prst="rect">
             <a:avLst/>
@@ -6104,7 +6104,7 @@
         <p:spPr>
           <a:xfrm>
             <a:off x="10634040" y="6356520"/>
-            <a:ext cx="1529280" cy="363240"/>
+            <a:ext cx="1528920" cy="362880"/>
           </a:xfrm>
           <a:prstGeom prst="rect">
             <a:avLst/>
@@ -6146,7 +6146,7 @@
                 <a:tab algn="l" pos="0"/>
               </a:tabLst>
             </a:pPr>
-            <a:fld id="{3551D3FC-1599-42FC-A31F-B2342D245035}" type="slidenum">
+            <a:fld id="{EDA6AFB6-5132-48B1-9523-82844F60FC6D}" type="slidenum">
               <a:rPr b="1" lang="ru-RU" sz="1200" spc="-1" strike="noStrike">
                 <a:solidFill>
                   <a:schemeClr val="accent1"/>
@@ -6178,7 +6178,7 @@
         <p:spPr>
           <a:xfrm>
             <a:off x="262440" y="6356520"/>
-            <a:ext cx="2741400" cy="363240"/>
+            <a:ext cx="2741040" cy="362880"/>
           </a:xfrm>
           <a:prstGeom prst="rect">
             <a:avLst/>
@@ -6253,7 +6253,48 @@
       </p:grpSpPr>
       <p:sp>
         <p:nvSpPr>
-          <p:cNvPr id="73" name="PlaceHolder 1"/>
+          <p:cNvPr id="73" name=""/>
+          <p:cNvSpPr/>
+          <p:nvPr/>
+        </p:nvSpPr>
+        <p:spPr>
+          <a:xfrm>
+            <a:off x="0" y="756000"/>
+            <a:ext cx="9144000" cy="5346000"/>
+          </a:xfrm>
+          <a:prstGeom prst="rect">
+            <a:avLst/>
+          </a:prstGeom>
+          <a:solidFill>
+            <a:srgbClr val="279983"/>
+          </a:solidFill>
+          <a:ln w="0">
+            <a:noFill/>
+          </a:ln>
+        </p:spPr>
+        <p:style>
+          <a:lnRef idx="0"/>
+          <a:fillRef idx="0"/>
+          <a:effectRef idx="0"/>
+          <a:fontRef idx="minor"/>
+        </p:style>
+        <p:txBody>
+          <a:bodyPr lIns="90000" rIns="90000" tIns="45000" bIns="45000" anchor="ctr">
+            <a:noAutofit/>
+          </a:bodyPr>
+          <a:p>
+            <a:endParaRPr b="0" lang="ru-RU" sz="1800" spc="-1" strike="noStrike">
+              <a:solidFill>
+                <a:srgbClr val="ffffff"/>
+              </a:solidFill>
+              <a:latin typeface="Arial"/>
+            </a:endParaRPr>
+          </a:p>
+        </p:txBody>
+      </p:sp>
+      <p:sp>
+        <p:nvSpPr>
+          <p:cNvPr id="74" name="PlaceHolder 1"/>
           <p:cNvSpPr>
             <a:spLocks noGrp="1"/>
           </p:cNvSpPr>
@@ -6264,7 +6305,7 @@
         <p:spPr>
           <a:xfrm>
             <a:off x="1036440" y="1802160"/>
-            <a:ext cx="7286040" cy="1757880"/>
+            <a:ext cx="7285680" cy="1757520"/>
           </a:xfrm>
           <a:prstGeom prst="rect">
             <a:avLst/>
@@ -6335,7 +6376,7 @@
       </p:sp>
       <p:sp>
         <p:nvSpPr>
-          <p:cNvPr id="74" name="PlaceHolder 2"/>
+          <p:cNvPr id="75" name="PlaceHolder 2"/>
           <p:cNvSpPr>
             <a:spLocks noGrp="1"/>
           </p:cNvSpPr>
@@ -6346,7 +6387,7 @@
         <p:spPr>
           <a:xfrm>
             <a:off x="5832000" y="5040000"/>
-            <a:ext cx="4325040" cy="893520"/>
+            <a:ext cx="4324680" cy="893160"/>
           </a:xfrm>
           <a:prstGeom prst="rect">
             <a:avLst/>
@@ -6422,30 +6463,6 @@
           </a:p>
         </p:txBody>
       </p:sp>
-      <p:pic>
-        <p:nvPicPr>
-          <p:cNvPr id="75" name="Google Shape;90;p1" descr=""/>
-          <p:cNvPicPr/>
-          <p:nvPr/>
-        </p:nvPicPr>
-        <p:blipFill>
-          <a:blip r:embed="rId1"/>
-          <a:srcRect l="7821" t="13857" r="9365" b="16515"/>
-          <a:stretch/>
-        </p:blipFill>
-        <p:spPr>
-          <a:xfrm>
-            <a:off x="0" y="3758040"/>
-            <a:ext cx="2832840" cy="2315880"/>
-          </a:xfrm>
-          <a:prstGeom prst="rect">
-            <a:avLst/>
-          </a:prstGeom>
-          <a:ln w="0">
-            <a:noFill/>
-          </a:ln>
-        </p:spPr>
-      </p:pic>
       <p:sp>
         <p:nvSpPr>
           <p:cNvPr id="76" name="Google Shape;89;p 1"/>
@@ -6455,7 +6472,7 @@
         <p:spPr>
           <a:xfrm>
             <a:off x="3053520" y="3785040"/>
-            <a:ext cx="3425040" cy="353520"/>
+            <a:ext cx="3424680" cy="353160"/>
           </a:xfrm>
           <a:prstGeom prst="rect">
             <a:avLst/>
@@ -6503,6 +6520,29 @@
           </a:p>
         </p:txBody>
       </p:sp>
+      <p:pic>
+        <p:nvPicPr>
+          <p:cNvPr id="77" name="" descr=""/>
+          <p:cNvPicPr/>
+          <p:nvPr/>
+        </p:nvPicPr>
+        <p:blipFill>
+          <a:blip r:embed="rId1"/>
+          <a:stretch/>
+        </p:blipFill>
+        <p:spPr>
+          <a:xfrm>
+            <a:off x="159480" y="3545640"/>
+            <a:ext cx="2537640" cy="2537640"/>
+          </a:xfrm>
+          <a:prstGeom prst="rect">
+            <a:avLst/>
+          </a:prstGeom>
+          <a:ln w="0">
+            <a:noFill/>
+          </a:ln>
+        </p:spPr>
+      </p:pic>
     </p:spTree>
   </p:cSld>
   <mc:AlternateContent>
@@ -6535,7 +6575,48 @@
       </p:grpSpPr>
       <p:sp>
         <p:nvSpPr>
-          <p:cNvPr id="95" name="PlaceHolder 1"/>
+          <p:cNvPr id="104" name=""/>
+          <p:cNvSpPr/>
+          <p:nvPr/>
+        </p:nvSpPr>
+        <p:spPr>
+          <a:xfrm>
+            <a:off x="0" y="756000"/>
+            <a:ext cx="3438000" cy="5346000"/>
+          </a:xfrm>
+          <a:prstGeom prst="rect">
+            <a:avLst/>
+          </a:prstGeom>
+          <a:solidFill>
+            <a:srgbClr val="279983"/>
+          </a:solidFill>
+          <a:ln w="0">
+            <a:noFill/>
+          </a:ln>
+        </p:spPr>
+        <p:style>
+          <a:lnRef idx="0"/>
+          <a:fillRef idx="0"/>
+          <a:effectRef idx="0"/>
+          <a:fontRef idx="minor"/>
+        </p:style>
+        <p:txBody>
+          <a:bodyPr lIns="90000" rIns="90000" tIns="45000" bIns="45000" anchor="ctr">
+            <a:noAutofit/>
+          </a:bodyPr>
+          <a:p>
+            <a:endParaRPr b="0" lang="ru-RU" sz="1800" spc="-1" strike="noStrike">
+              <a:solidFill>
+                <a:srgbClr val="ffffff"/>
+              </a:solidFill>
+              <a:latin typeface="Arial"/>
+            </a:endParaRPr>
+          </a:p>
+        </p:txBody>
+      </p:sp>
+      <p:sp>
+        <p:nvSpPr>
+          <p:cNvPr id="105" name="PlaceHolder 1"/>
           <p:cNvSpPr>
             <a:spLocks noGrp="1"/>
           </p:cNvSpPr>
@@ -6546,7 +6627,7 @@
         <p:spPr>
           <a:xfrm>
             <a:off x="0" y="1123920"/>
-            <a:ext cx="3371400" cy="4767120"/>
+            <a:ext cx="3371040" cy="4766760"/>
           </a:xfrm>
           <a:prstGeom prst="rect">
             <a:avLst/>
@@ -6607,7 +6688,7 @@
       </p:sp>
       <p:pic>
         <p:nvPicPr>
-          <p:cNvPr id="96" name="" descr=""/>
+          <p:cNvPr id="106" name="" descr=""/>
           <p:cNvPicPr/>
           <p:nvPr/>
         </p:nvPicPr>
@@ -6618,7 +6699,7 @@
         <p:spPr>
           <a:xfrm>
             <a:off x="4059360" y="1179360"/>
-            <a:ext cx="5119200" cy="1339200"/>
+            <a:ext cx="5118840" cy="1338840"/>
           </a:xfrm>
           <a:prstGeom prst="rect">
             <a:avLst/>
@@ -6630,7 +6711,7 @@
       </p:pic>
       <p:pic>
         <p:nvPicPr>
-          <p:cNvPr id="97" name="" descr=""/>
+          <p:cNvPr id="107" name="" descr=""/>
           <p:cNvPicPr/>
           <p:nvPr/>
         </p:nvPicPr>
@@ -6641,7 +6722,7 @@
         <p:spPr>
           <a:xfrm>
             <a:off x="4091040" y="3060000"/>
-            <a:ext cx="4547520" cy="516240"/>
+            <a:ext cx="4547160" cy="515880"/>
           </a:xfrm>
           <a:prstGeom prst="rect">
             <a:avLst/>
@@ -6653,7 +6734,7 @@
       </p:pic>
       <p:pic>
         <p:nvPicPr>
-          <p:cNvPr id="98" name="" descr=""/>
+          <p:cNvPr id="108" name="" descr=""/>
           <p:cNvPicPr/>
           <p:nvPr/>
         </p:nvPicPr>
@@ -6664,7 +6745,7 @@
         <p:spPr>
           <a:xfrm>
             <a:off x="8481960" y="3060000"/>
-            <a:ext cx="2856600" cy="2856600"/>
+            <a:ext cx="2856240" cy="2856240"/>
           </a:xfrm>
           <a:prstGeom prst="rect">
             <a:avLst/>
@@ -6706,7 +6787,48 @@
       </p:grpSpPr>
       <p:sp>
         <p:nvSpPr>
-          <p:cNvPr id="99" name="PlaceHolder 1"/>
+          <p:cNvPr id="109" name=""/>
+          <p:cNvSpPr/>
+          <p:nvPr/>
+        </p:nvSpPr>
+        <p:spPr>
+          <a:xfrm>
+            <a:off x="0" y="756000"/>
+            <a:ext cx="3438000" cy="5346000"/>
+          </a:xfrm>
+          <a:prstGeom prst="rect">
+            <a:avLst/>
+          </a:prstGeom>
+          <a:solidFill>
+            <a:srgbClr val="279983"/>
+          </a:solidFill>
+          <a:ln w="0">
+            <a:noFill/>
+          </a:ln>
+        </p:spPr>
+        <p:style>
+          <a:lnRef idx="0"/>
+          <a:fillRef idx="0"/>
+          <a:effectRef idx="0"/>
+          <a:fontRef idx="minor"/>
+        </p:style>
+        <p:txBody>
+          <a:bodyPr lIns="90000" rIns="90000" tIns="45000" bIns="45000" anchor="ctr">
+            <a:noAutofit/>
+          </a:bodyPr>
+          <a:p>
+            <a:endParaRPr b="0" lang="ru-RU" sz="1800" spc="-1" strike="noStrike">
+              <a:solidFill>
+                <a:srgbClr val="ffffff"/>
+              </a:solidFill>
+              <a:latin typeface="Arial"/>
+            </a:endParaRPr>
+          </a:p>
+        </p:txBody>
+      </p:sp>
+      <p:sp>
+        <p:nvSpPr>
+          <p:cNvPr id="110" name="PlaceHolder 1"/>
           <p:cNvSpPr>
             <a:spLocks noGrp="1"/>
           </p:cNvSpPr>
@@ -6717,7 +6839,7 @@
         <p:spPr>
           <a:xfrm>
             <a:off x="111600" y="1077120"/>
-            <a:ext cx="3188520" cy="4844520"/>
+            <a:ext cx="3188160" cy="4844160"/>
           </a:xfrm>
           <a:prstGeom prst="rect">
             <a:avLst/>
@@ -6778,7 +6900,7 @@
       </p:sp>
       <p:pic>
         <p:nvPicPr>
-          <p:cNvPr id="100" name="" descr=""/>
+          <p:cNvPr id="111" name="" descr=""/>
           <p:cNvPicPr/>
           <p:nvPr/>
         </p:nvPicPr>
@@ -6789,7 +6911,7 @@
         <p:spPr>
           <a:xfrm>
             <a:off x="3567960" y="608400"/>
-            <a:ext cx="4890600" cy="5690520"/>
+            <a:ext cx="4890240" cy="5690160"/>
           </a:xfrm>
           <a:prstGeom prst="rect">
             <a:avLst/>
@@ -6801,14 +6923,14 @@
       </p:pic>
       <p:sp>
         <p:nvSpPr>
-          <p:cNvPr id="101" name="Google Shape;146;p11"/>
+          <p:cNvPr id="112" name="Google Shape;146;p11"/>
           <p:cNvSpPr/>
           <p:nvPr/>
         </p:nvSpPr>
         <p:spPr>
           <a:xfrm>
             <a:off x="8136000" y="180000"/>
-            <a:ext cx="3601440" cy="2245320"/>
+            <a:ext cx="3601080" cy="2245320"/>
           </a:xfrm>
           <a:prstGeom prst="rect">
             <a:avLst/>
@@ -6922,7 +7044,48 @@
       </p:grpSpPr>
       <p:sp>
         <p:nvSpPr>
-          <p:cNvPr id="102" name="PlaceHolder 1"/>
+          <p:cNvPr id="113" name=""/>
+          <p:cNvSpPr/>
+          <p:nvPr/>
+        </p:nvSpPr>
+        <p:spPr>
+          <a:xfrm>
+            <a:off x="0" y="756000"/>
+            <a:ext cx="3438000" cy="5346000"/>
+          </a:xfrm>
+          <a:prstGeom prst="rect">
+            <a:avLst/>
+          </a:prstGeom>
+          <a:solidFill>
+            <a:srgbClr val="279983"/>
+          </a:solidFill>
+          <a:ln w="0">
+            <a:noFill/>
+          </a:ln>
+        </p:spPr>
+        <p:style>
+          <a:lnRef idx="0"/>
+          <a:fillRef idx="0"/>
+          <a:effectRef idx="0"/>
+          <a:fontRef idx="minor"/>
+        </p:style>
+        <p:txBody>
+          <a:bodyPr lIns="90000" rIns="90000" tIns="45000" bIns="45000" anchor="ctr">
+            <a:noAutofit/>
+          </a:bodyPr>
+          <a:p>
+            <a:endParaRPr b="0" lang="ru-RU" sz="1800" spc="-1" strike="noStrike">
+              <a:solidFill>
+                <a:srgbClr val="ffffff"/>
+              </a:solidFill>
+              <a:latin typeface="Arial"/>
+            </a:endParaRPr>
+          </a:p>
+        </p:txBody>
+      </p:sp>
+      <p:sp>
+        <p:nvSpPr>
+          <p:cNvPr id="114" name="PlaceHolder 1"/>
           <p:cNvSpPr>
             <a:spLocks noGrp="1"/>
           </p:cNvSpPr>
@@ -6933,7 +7096,7 @@
         <p:spPr>
           <a:xfrm>
             <a:off x="253080" y="1123920"/>
-            <a:ext cx="2945520" cy="4599360"/>
+            <a:ext cx="2945160" cy="4599000"/>
           </a:xfrm>
           <a:prstGeom prst="rect">
             <a:avLst/>
@@ -7007,14 +7170,14 @@
       </p:sp>
       <p:sp>
         <p:nvSpPr>
-          <p:cNvPr id="103" name="Google Shape;154;p12"/>
+          <p:cNvPr id="115" name="Google Shape;154;p12"/>
           <p:cNvSpPr/>
           <p:nvPr/>
         </p:nvSpPr>
         <p:spPr>
           <a:xfrm>
             <a:off x="5077800" y="518040"/>
-            <a:ext cx="4878720" cy="875880"/>
+            <a:ext cx="4878360" cy="875880"/>
           </a:xfrm>
           <a:prstGeom prst="rect">
             <a:avLst/>
@@ -7098,7 +7261,7 @@
       </p:sp>
       <p:pic>
         <p:nvPicPr>
-          <p:cNvPr id="104" name="" descr=""/>
+          <p:cNvPr id="116" name="" descr=""/>
           <p:cNvPicPr/>
           <p:nvPr/>
         </p:nvPicPr>
@@ -7109,7 +7272,7 @@
         <p:spPr>
           <a:xfrm>
             <a:off x="4341240" y="1877040"/>
-            <a:ext cx="6277320" cy="3701520"/>
+            <a:ext cx="6276960" cy="3701160"/>
           </a:xfrm>
           <a:prstGeom prst="rect">
             <a:avLst/>
@@ -7151,7 +7314,48 @@
       </p:grpSpPr>
       <p:sp>
         <p:nvSpPr>
-          <p:cNvPr id="105" name="PlaceHolder 1"/>
+          <p:cNvPr id="117" name=""/>
+          <p:cNvSpPr/>
+          <p:nvPr/>
+        </p:nvSpPr>
+        <p:spPr>
+          <a:xfrm>
+            <a:off x="0" y="756000"/>
+            <a:ext cx="3438000" cy="5346000"/>
+          </a:xfrm>
+          <a:prstGeom prst="rect">
+            <a:avLst/>
+          </a:prstGeom>
+          <a:solidFill>
+            <a:srgbClr val="279983"/>
+          </a:solidFill>
+          <a:ln w="0">
+            <a:noFill/>
+          </a:ln>
+        </p:spPr>
+        <p:style>
+          <a:lnRef idx="0"/>
+          <a:fillRef idx="0"/>
+          <a:effectRef idx="0"/>
+          <a:fontRef idx="minor"/>
+        </p:style>
+        <p:txBody>
+          <a:bodyPr lIns="90000" rIns="90000" tIns="45000" bIns="45000" anchor="ctr">
+            <a:noAutofit/>
+          </a:bodyPr>
+          <a:p>
+            <a:endParaRPr b="0" lang="ru-RU" sz="1800" spc="-1" strike="noStrike">
+              <a:solidFill>
+                <a:srgbClr val="ffffff"/>
+              </a:solidFill>
+              <a:latin typeface="Arial"/>
+            </a:endParaRPr>
+          </a:p>
+        </p:txBody>
+      </p:sp>
+      <p:sp>
+        <p:nvSpPr>
+          <p:cNvPr id="118" name="PlaceHolder 1"/>
           <p:cNvSpPr>
             <a:spLocks noGrp="1"/>
           </p:cNvSpPr>
@@ -7162,7 +7366,7 @@
         <p:spPr>
           <a:xfrm>
             <a:off x="253080" y="1123920"/>
-            <a:ext cx="2945520" cy="4599360"/>
+            <a:ext cx="2945160" cy="4599000"/>
           </a:xfrm>
           <a:prstGeom prst="rect">
             <a:avLst/>
@@ -7220,7 +7424,7 @@
       </p:sp>
       <p:pic>
         <p:nvPicPr>
-          <p:cNvPr id="106" name="" descr=""/>
+          <p:cNvPr id="119" name="" descr=""/>
           <p:cNvPicPr/>
           <p:nvPr/>
         </p:nvPicPr>
@@ -7230,8 +7434,8 @@
         </p:blipFill>
         <p:spPr>
           <a:xfrm>
-            <a:off x="3456000" y="1080000"/>
-            <a:ext cx="8333640" cy="4678560"/>
+            <a:off x="3456000" y="900000"/>
+            <a:ext cx="8333280" cy="4678200"/>
           </a:xfrm>
           <a:prstGeom prst="rect">
             <a:avLst/>
@@ -7273,7 +7477,48 @@
       </p:grpSpPr>
       <p:sp>
         <p:nvSpPr>
-          <p:cNvPr id="107" name="PlaceHolder 1"/>
+          <p:cNvPr id="120" name=""/>
+          <p:cNvSpPr/>
+          <p:nvPr/>
+        </p:nvSpPr>
+        <p:spPr>
+          <a:xfrm>
+            <a:off x="0" y="756000"/>
+            <a:ext cx="3438000" cy="5346000"/>
+          </a:xfrm>
+          <a:prstGeom prst="rect">
+            <a:avLst/>
+          </a:prstGeom>
+          <a:solidFill>
+            <a:srgbClr val="279983"/>
+          </a:solidFill>
+          <a:ln w="0">
+            <a:noFill/>
+          </a:ln>
+        </p:spPr>
+        <p:style>
+          <a:lnRef idx="0"/>
+          <a:fillRef idx="0"/>
+          <a:effectRef idx="0"/>
+          <a:fontRef idx="minor"/>
+        </p:style>
+        <p:txBody>
+          <a:bodyPr lIns="90000" rIns="90000" tIns="45000" bIns="45000" anchor="ctr">
+            <a:noAutofit/>
+          </a:bodyPr>
+          <a:p>
+            <a:endParaRPr b="0" lang="ru-RU" sz="1800" spc="-1" strike="noStrike">
+              <a:solidFill>
+                <a:srgbClr val="ffffff"/>
+              </a:solidFill>
+              <a:latin typeface="Arial"/>
+            </a:endParaRPr>
+          </a:p>
+        </p:txBody>
+      </p:sp>
+      <p:sp>
+        <p:nvSpPr>
+          <p:cNvPr id="121" name="PlaceHolder 1"/>
           <p:cNvSpPr>
             <a:spLocks noGrp="1"/>
           </p:cNvSpPr>
@@ -7284,7 +7529,7 @@
         <p:spPr>
           <a:xfrm>
             <a:off x="253080" y="1123920"/>
-            <a:ext cx="2945520" cy="4599360"/>
+            <a:ext cx="2945160" cy="4599000"/>
           </a:xfrm>
           <a:prstGeom prst="rect">
             <a:avLst/>
@@ -7342,7 +7587,7 @@
       </p:sp>
       <p:pic>
         <p:nvPicPr>
-          <p:cNvPr id="108" name="" descr=""/>
+          <p:cNvPr id="122" name="" descr=""/>
           <p:cNvPicPr/>
           <p:nvPr/>
         </p:nvPicPr>
@@ -7352,8 +7597,8 @@
         </p:blipFill>
         <p:spPr>
           <a:xfrm>
-            <a:off x="3456000" y="1080000"/>
-            <a:ext cx="8342280" cy="4678560"/>
+            <a:off x="3456000" y="900000"/>
+            <a:ext cx="8341920" cy="4678200"/>
           </a:xfrm>
           <a:prstGeom prst="rect">
             <a:avLst/>
@@ -7395,7 +7640,48 @@
       </p:grpSpPr>
       <p:sp>
         <p:nvSpPr>
-          <p:cNvPr id="109" name="PlaceHolder 1"/>
+          <p:cNvPr id="123" name=""/>
+          <p:cNvSpPr/>
+          <p:nvPr/>
+        </p:nvSpPr>
+        <p:spPr>
+          <a:xfrm>
+            <a:off x="0" y="756000"/>
+            <a:ext cx="3438000" cy="5346000"/>
+          </a:xfrm>
+          <a:prstGeom prst="rect">
+            <a:avLst/>
+          </a:prstGeom>
+          <a:solidFill>
+            <a:srgbClr val="279983"/>
+          </a:solidFill>
+          <a:ln w="0">
+            <a:noFill/>
+          </a:ln>
+        </p:spPr>
+        <p:style>
+          <a:lnRef idx="0"/>
+          <a:fillRef idx="0"/>
+          <a:effectRef idx="0"/>
+          <a:fontRef idx="minor"/>
+        </p:style>
+        <p:txBody>
+          <a:bodyPr lIns="90000" rIns="90000" tIns="45000" bIns="45000" anchor="ctr">
+            <a:noAutofit/>
+          </a:bodyPr>
+          <a:p>
+            <a:endParaRPr b="0" lang="ru-RU" sz="1800" spc="-1" strike="noStrike">
+              <a:solidFill>
+                <a:srgbClr val="ffffff"/>
+              </a:solidFill>
+              <a:latin typeface="Arial"/>
+            </a:endParaRPr>
+          </a:p>
+        </p:txBody>
+      </p:sp>
+      <p:sp>
+        <p:nvSpPr>
+          <p:cNvPr id="124" name="PlaceHolder 1"/>
           <p:cNvSpPr>
             <a:spLocks noGrp="1"/>
           </p:cNvSpPr>
@@ -7406,7 +7692,7 @@
         <p:spPr>
           <a:xfrm>
             <a:off x="253080" y="1123920"/>
-            <a:ext cx="2945520" cy="4599360"/>
+            <a:ext cx="2945160" cy="4599000"/>
           </a:xfrm>
           <a:prstGeom prst="rect">
             <a:avLst/>
@@ -7464,7 +7750,7 @@
       </p:sp>
       <p:pic>
         <p:nvPicPr>
-          <p:cNvPr id="110" name="" descr=""/>
+          <p:cNvPr id="125" name="" descr=""/>
           <p:cNvPicPr/>
           <p:nvPr/>
         </p:nvPicPr>
@@ -7474,8 +7760,8 @@
         </p:blipFill>
         <p:spPr>
           <a:xfrm>
-            <a:off x="3456000" y="1080000"/>
-            <a:ext cx="8343360" cy="4678560"/>
+            <a:off x="3456000" y="900000"/>
+            <a:ext cx="8343000" cy="4678200"/>
           </a:xfrm>
           <a:prstGeom prst="rect">
             <a:avLst/>
@@ -7517,7 +7803,48 @@
       </p:grpSpPr>
       <p:sp>
         <p:nvSpPr>
-          <p:cNvPr id="111" name="PlaceHolder 1"/>
+          <p:cNvPr id="126" name=""/>
+          <p:cNvSpPr/>
+          <p:nvPr/>
+        </p:nvSpPr>
+        <p:spPr>
+          <a:xfrm>
+            <a:off x="0" y="756000"/>
+            <a:ext cx="3438000" cy="5346000"/>
+          </a:xfrm>
+          <a:prstGeom prst="rect">
+            <a:avLst/>
+          </a:prstGeom>
+          <a:solidFill>
+            <a:srgbClr val="279983"/>
+          </a:solidFill>
+          <a:ln w="0">
+            <a:noFill/>
+          </a:ln>
+        </p:spPr>
+        <p:style>
+          <a:lnRef idx="0"/>
+          <a:fillRef idx="0"/>
+          <a:effectRef idx="0"/>
+          <a:fontRef idx="minor"/>
+        </p:style>
+        <p:txBody>
+          <a:bodyPr lIns="90000" rIns="90000" tIns="45000" bIns="45000" anchor="ctr">
+            <a:noAutofit/>
+          </a:bodyPr>
+          <a:p>
+            <a:endParaRPr b="0" lang="ru-RU" sz="1800" spc="-1" strike="noStrike">
+              <a:solidFill>
+                <a:srgbClr val="ffffff"/>
+              </a:solidFill>
+              <a:latin typeface="Arial"/>
+            </a:endParaRPr>
+          </a:p>
+        </p:txBody>
+      </p:sp>
+      <p:sp>
+        <p:nvSpPr>
+          <p:cNvPr id="127" name="PlaceHolder 1"/>
           <p:cNvSpPr>
             <a:spLocks noGrp="1"/>
           </p:cNvSpPr>
@@ -7528,7 +7855,7 @@
         <p:spPr>
           <a:xfrm>
             <a:off x="253080" y="1123920"/>
-            <a:ext cx="2945520" cy="4599360"/>
+            <a:ext cx="2945160" cy="4599000"/>
           </a:xfrm>
           <a:prstGeom prst="rect">
             <a:avLst/>
@@ -7586,7 +7913,7 @@
       </p:sp>
       <p:pic>
         <p:nvPicPr>
-          <p:cNvPr id="112" name="" descr=""/>
+          <p:cNvPr id="128" name="" descr=""/>
           <p:cNvPicPr/>
           <p:nvPr/>
         </p:nvPicPr>
@@ -7596,8 +7923,8 @@
         </p:blipFill>
         <p:spPr>
           <a:xfrm>
-            <a:off x="3456000" y="1080000"/>
-            <a:ext cx="8343360" cy="4678560"/>
+            <a:off x="3456000" y="900000"/>
+            <a:ext cx="8343000" cy="4678200"/>
           </a:xfrm>
           <a:prstGeom prst="rect">
             <a:avLst/>
@@ -7639,7 +7966,48 @@
       </p:grpSpPr>
       <p:sp>
         <p:nvSpPr>
-          <p:cNvPr id="113" name="PlaceHolder 1"/>
+          <p:cNvPr id="129" name=""/>
+          <p:cNvSpPr/>
+          <p:nvPr/>
+        </p:nvSpPr>
+        <p:spPr>
+          <a:xfrm>
+            <a:off x="0" y="756000"/>
+            <a:ext cx="3438000" cy="5346000"/>
+          </a:xfrm>
+          <a:prstGeom prst="rect">
+            <a:avLst/>
+          </a:prstGeom>
+          <a:solidFill>
+            <a:srgbClr val="279983"/>
+          </a:solidFill>
+          <a:ln w="0">
+            <a:noFill/>
+          </a:ln>
+        </p:spPr>
+        <p:style>
+          <a:lnRef idx="0"/>
+          <a:fillRef idx="0"/>
+          <a:effectRef idx="0"/>
+          <a:fontRef idx="minor"/>
+        </p:style>
+        <p:txBody>
+          <a:bodyPr lIns="90000" rIns="90000" tIns="45000" bIns="45000" anchor="ctr">
+            <a:noAutofit/>
+          </a:bodyPr>
+          <a:p>
+            <a:endParaRPr b="0" lang="ru-RU" sz="1800" spc="-1" strike="noStrike">
+              <a:solidFill>
+                <a:srgbClr val="ffffff"/>
+              </a:solidFill>
+              <a:latin typeface="Arial"/>
+            </a:endParaRPr>
+          </a:p>
+        </p:txBody>
+      </p:sp>
+      <p:sp>
+        <p:nvSpPr>
+          <p:cNvPr id="130" name="PlaceHolder 1"/>
           <p:cNvSpPr>
             <a:spLocks noGrp="1"/>
           </p:cNvSpPr>
@@ -7650,7 +8018,7 @@
         <p:spPr>
           <a:xfrm>
             <a:off x="253080" y="1123920"/>
-            <a:ext cx="2945520" cy="4599360"/>
+            <a:ext cx="2945160" cy="4599000"/>
           </a:xfrm>
           <a:prstGeom prst="rect">
             <a:avLst/>
@@ -7708,7 +8076,7 @@
       </p:sp>
       <p:pic>
         <p:nvPicPr>
-          <p:cNvPr id="114" name="" descr=""/>
+          <p:cNvPr id="131" name="" descr=""/>
           <p:cNvPicPr/>
           <p:nvPr/>
         </p:nvPicPr>
@@ -7719,7 +8087,7 @@
         <p:spPr>
           <a:xfrm>
             <a:off x="3456000" y="1080000"/>
-            <a:ext cx="8343360" cy="4678560"/>
+            <a:ext cx="8343000" cy="4678200"/>
           </a:xfrm>
           <a:prstGeom prst="rect">
             <a:avLst/>
@@ -7761,7 +8129,48 @@
       </p:grpSpPr>
       <p:sp>
         <p:nvSpPr>
-          <p:cNvPr id="115" name="PlaceHolder 1"/>
+          <p:cNvPr id="132" name=""/>
+          <p:cNvSpPr/>
+          <p:nvPr/>
+        </p:nvSpPr>
+        <p:spPr>
+          <a:xfrm>
+            <a:off x="0" y="756000"/>
+            <a:ext cx="3438000" cy="5346000"/>
+          </a:xfrm>
+          <a:prstGeom prst="rect">
+            <a:avLst/>
+          </a:prstGeom>
+          <a:solidFill>
+            <a:srgbClr val="279983"/>
+          </a:solidFill>
+          <a:ln w="0">
+            <a:noFill/>
+          </a:ln>
+        </p:spPr>
+        <p:style>
+          <a:lnRef idx="0"/>
+          <a:fillRef idx="0"/>
+          <a:effectRef idx="0"/>
+          <a:fontRef idx="minor"/>
+        </p:style>
+        <p:txBody>
+          <a:bodyPr lIns="90000" rIns="90000" tIns="45000" bIns="45000" anchor="ctr">
+            <a:noAutofit/>
+          </a:bodyPr>
+          <a:p>
+            <a:endParaRPr b="0" lang="ru-RU" sz="1800" spc="-1" strike="noStrike">
+              <a:solidFill>
+                <a:srgbClr val="ffffff"/>
+              </a:solidFill>
+              <a:latin typeface="Arial"/>
+            </a:endParaRPr>
+          </a:p>
+        </p:txBody>
+      </p:sp>
+      <p:sp>
+        <p:nvSpPr>
+          <p:cNvPr id="133" name="PlaceHolder 1"/>
           <p:cNvSpPr>
             <a:spLocks noGrp="1"/>
           </p:cNvSpPr>
@@ -7772,7 +8181,7 @@
         <p:spPr>
           <a:xfrm>
             <a:off x="253080" y="1123920"/>
-            <a:ext cx="2945520" cy="4599360"/>
+            <a:ext cx="2945160" cy="4599000"/>
           </a:xfrm>
           <a:prstGeom prst="rect">
             <a:avLst/>
@@ -7830,7 +8239,7 @@
       </p:sp>
       <p:pic>
         <p:nvPicPr>
-          <p:cNvPr id="116" name="" descr=""/>
+          <p:cNvPr id="134" name="" descr=""/>
           <p:cNvPicPr/>
           <p:nvPr/>
         </p:nvPicPr>
@@ -7840,8 +8249,8 @@
         </p:blipFill>
         <p:spPr>
           <a:xfrm>
-            <a:off x="3456000" y="1059120"/>
-            <a:ext cx="8343360" cy="4678560"/>
+            <a:off x="3456000" y="1080000"/>
+            <a:ext cx="8343000" cy="4678200"/>
           </a:xfrm>
           <a:prstGeom prst="rect">
             <a:avLst/>
@@ -7883,7 +8292,48 @@
       </p:grpSpPr>
       <p:sp>
         <p:nvSpPr>
-          <p:cNvPr id="117" name="PlaceHolder 1"/>
+          <p:cNvPr id="135" name=""/>
+          <p:cNvSpPr/>
+          <p:nvPr/>
+        </p:nvSpPr>
+        <p:spPr>
+          <a:xfrm>
+            <a:off x="0" y="756000"/>
+            <a:ext cx="3438000" cy="5346000"/>
+          </a:xfrm>
+          <a:prstGeom prst="rect">
+            <a:avLst/>
+          </a:prstGeom>
+          <a:solidFill>
+            <a:srgbClr val="279983"/>
+          </a:solidFill>
+          <a:ln w="0">
+            <a:noFill/>
+          </a:ln>
+        </p:spPr>
+        <p:style>
+          <a:lnRef idx="0"/>
+          <a:fillRef idx="0"/>
+          <a:effectRef idx="0"/>
+          <a:fontRef idx="minor"/>
+        </p:style>
+        <p:txBody>
+          <a:bodyPr lIns="90000" rIns="90000" tIns="45000" bIns="45000" anchor="ctr">
+            <a:noAutofit/>
+          </a:bodyPr>
+          <a:p>
+            <a:endParaRPr b="0" lang="ru-RU" sz="1800" spc="-1" strike="noStrike">
+              <a:solidFill>
+                <a:srgbClr val="ffffff"/>
+              </a:solidFill>
+              <a:latin typeface="Arial"/>
+            </a:endParaRPr>
+          </a:p>
+        </p:txBody>
+      </p:sp>
+      <p:sp>
+        <p:nvSpPr>
+          <p:cNvPr id="136" name="PlaceHolder 1"/>
           <p:cNvSpPr>
             <a:spLocks noGrp="1"/>
           </p:cNvSpPr>
@@ -7894,7 +8344,7 @@
         <p:spPr>
           <a:xfrm>
             <a:off x="253080" y="1123920"/>
-            <a:ext cx="2945520" cy="4599360"/>
+            <a:ext cx="2945160" cy="4599000"/>
           </a:xfrm>
           <a:prstGeom prst="rect">
             <a:avLst/>
@@ -7952,7 +8402,7 @@
       </p:sp>
       <p:pic>
         <p:nvPicPr>
-          <p:cNvPr id="118" name="" descr=""/>
+          <p:cNvPr id="137" name="" descr=""/>
           <p:cNvPicPr/>
           <p:nvPr/>
         </p:nvPicPr>
@@ -7963,7 +8413,7 @@
         <p:spPr>
           <a:xfrm>
             <a:off x="3780000" y="540000"/>
-            <a:ext cx="7740720" cy="5781960"/>
+            <a:ext cx="7740360" cy="5781600"/>
           </a:xfrm>
           <a:prstGeom prst="rect">
             <a:avLst/>
@@ -7975,7 +8425,7 @@
       </p:pic>
       <p:pic>
         <p:nvPicPr>
-          <p:cNvPr id="119" name="" descr=""/>
+          <p:cNvPr id="138" name="" descr=""/>
           <p:cNvPicPr/>
           <p:nvPr/>
         </p:nvPicPr>
@@ -7986,7 +8436,7 @@
         <p:spPr>
           <a:xfrm>
             <a:off x="2880000" y="4900320"/>
-            <a:ext cx="2962440" cy="1758240"/>
+            <a:ext cx="2962080" cy="1757880"/>
           </a:xfrm>
           <a:prstGeom prst="rect">
             <a:avLst/>
@@ -8028,7 +8478,48 @@
       </p:grpSpPr>
       <p:sp>
         <p:nvSpPr>
-          <p:cNvPr id="77" name="PlaceHolder 1"/>
+          <p:cNvPr id="78" name=""/>
+          <p:cNvSpPr/>
+          <p:nvPr/>
+        </p:nvSpPr>
+        <p:spPr>
+          <a:xfrm>
+            <a:off x="0" y="756000"/>
+            <a:ext cx="3438000" cy="5346000"/>
+          </a:xfrm>
+          <a:prstGeom prst="rect">
+            <a:avLst/>
+          </a:prstGeom>
+          <a:solidFill>
+            <a:srgbClr val="279983"/>
+          </a:solidFill>
+          <a:ln w="0">
+            <a:noFill/>
+          </a:ln>
+        </p:spPr>
+        <p:style>
+          <a:lnRef idx="0"/>
+          <a:fillRef idx="0"/>
+          <a:effectRef idx="0"/>
+          <a:fontRef idx="minor"/>
+        </p:style>
+        <p:txBody>
+          <a:bodyPr lIns="90000" rIns="90000" tIns="45000" bIns="45000" anchor="ctr">
+            <a:noAutofit/>
+          </a:bodyPr>
+          <a:p>
+            <a:endParaRPr b="0" lang="ru-RU" sz="1800" spc="-1" strike="noStrike">
+              <a:solidFill>
+                <a:srgbClr val="ffffff"/>
+              </a:solidFill>
+              <a:latin typeface="Arial"/>
+            </a:endParaRPr>
+          </a:p>
+        </p:txBody>
+      </p:sp>
+      <p:sp>
+        <p:nvSpPr>
+          <p:cNvPr id="79" name="PlaceHolder 1"/>
           <p:cNvSpPr>
             <a:spLocks noGrp="1"/>
           </p:cNvSpPr>
@@ -8039,7 +8530,7 @@
         <p:spPr>
           <a:xfrm>
             <a:off x="253080" y="1123920"/>
-            <a:ext cx="2945520" cy="4599360"/>
+            <a:ext cx="2945160" cy="4599000"/>
           </a:xfrm>
           <a:prstGeom prst="rect">
             <a:avLst/>
@@ -8084,7 +8575,7 @@
       </p:sp>
       <p:sp>
         <p:nvSpPr>
-          <p:cNvPr id="78" name="PlaceHolder 2"/>
+          <p:cNvPr id="80" name="PlaceHolder 2"/>
           <p:cNvSpPr>
             <a:spLocks noGrp="1"/>
           </p:cNvSpPr>
@@ -8095,7 +8586,7 @@
         <p:spPr>
           <a:xfrm>
             <a:off x="3889440" y="762120"/>
-            <a:ext cx="7313400" cy="5311800"/>
+            <a:ext cx="7313040" cy="5311440"/>
           </a:xfrm>
           <a:prstGeom prst="rect">
             <a:avLst/>
@@ -8115,7 +8606,7 @@
                 <a:spcPct val="90000"/>
               </a:lnSpc>
               <a:buClr>
-                <a:srgbClr val="40bad2"/>
+                <a:srgbClr val="279983"/>
               </a:buClr>
               <a:buFont typeface="Noto Sans Symbols"/>
               <a:buChar char="●"/>
@@ -8146,7 +8637,7 @@
                 <a:spcPts val="1199"/>
               </a:spcBef>
               <a:buClr>
-                <a:srgbClr val="40bad2"/>
+                <a:srgbClr val="279983"/>
               </a:buClr>
               <a:buFont typeface="Noto Sans Symbols"/>
               <a:buChar char="●"/>
@@ -8177,7 +8668,7 @@
                 <a:spcPts val="1199"/>
               </a:spcBef>
               <a:buClr>
-                <a:srgbClr val="40bad2"/>
+                <a:srgbClr val="279983"/>
               </a:buClr>
               <a:buFont typeface="Noto Sans Symbols"/>
               <a:buChar char="●"/>
@@ -8208,7 +8699,7 @@
                 <a:spcPts val="1199"/>
               </a:spcBef>
               <a:buClr>
-                <a:srgbClr val="40bad2"/>
+                <a:srgbClr val="279983"/>
               </a:buClr>
               <a:buFont typeface="Noto Sans Symbols"/>
               <a:buChar char="●"/>
@@ -8239,7 +8730,7 @@
                 <a:spcPts val="1199"/>
               </a:spcBef>
               <a:buClr>
-                <a:srgbClr val="40bad2"/>
+                <a:srgbClr val="279983"/>
               </a:buClr>
               <a:buFont typeface="Noto Sans Symbols"/>
               <a:buChar char="●"/>
@@ -8270,7 +8761,7 @@
                 <a:spcPts val="1199"/>
               </a:spcBef>
               <a:buClr>
-                <a:srgbClr val="40bad2"/>
+                <a:srgbClr val="279983"/>
               </a:buClr>
               <a:buFont typeface="Noto Sans Symbols"/>
               <a:buChar char="●"/>
@@ -8301,7 +8792,7 @@
                 <a:spcPts val="1199"/>
               </a:spcBef>
               <a:buClr>
-                <a:srgbClr val="40bad2"/>
+                <a:srgbClr val="279983"/>
               </a:buClr>
               <a:buFont typeface="Noto Sans Symbols"/>
               <a:buChar char="●"/>
@@ -8332,7 +8823,7 @@
                 <a:spcPts val="1199"/>
               </a:spcBef>
               <a:buClr>
-                <a:srgbClr val="40bad2"/>
+                <a:srgbClr val="279983"/>
               </a:buClr>
               <a:buFont typeface="Noto Sans Symbols"/>
               <a:buChar char="●"/>
@@ -8363,7 +8854,7 @@
                 <a:spcPts val="1199"/>
               </a:spcBef>
               <a:buClr>
-                <a:srgbClr val="40bad2"/>
+                <a:srgbClr val="279983"/>
               </a:buClr>
               <a:buFont typeface="Noto Sans Symbols"/>
               <a:buChar char="●"/>
@@ -8419,7 +8910,48 @@
       </p:grpSpPr>
       <p:sp>
         <p:nvSpPr>
-          <p:cNvPr id="120" name="PlaceHolder 1"/>
+          <p:cNvPr id="139" name=""/>
+          <p:cNvSpPr/>
+          <p:nvPr/>
+        </p:nvSpPr>
+        <p:spPr>
+          <a:xfrm>
+            <a:off x="0" y="756000"/>
+            <a:ext cx="3438000" cy="5346000"/>
+          </a:xfrm>
+          <a:prstGeom prst="rect">
+            <a:avLst/>
+          </a:prstGeom>
+          <a:solidFill>
+            <a:srgbClr val="279983"/>
+          </a:solidFill>
+          <a:ln w="0">
+            <a:noFill/>
+          </a:ln>
+        </p:spPr>
+        <p:style>
+          <a:lnRef idx="0"/>
+          <a:fillRef idx="0"/>
+          <a:effectRef idx="0"/>
+          <a:fontRef idx="minor"/>
+        </p:style>
+        <p:txBody>
+          <a:bodyPr lIns="90000" rIns="90000" tIns="45000" bIns="45000" anchor="ctr">
+            <a:noAutofit/>
+          </a:bodyPr>
+          <a:p>
+            <a:endParaRPr b="0" lang="ru-RU" sz="1800" spc="-1" strike="noStrike">
+              <a:solidFill>
+                <a:srgbClr val="ffffff"/>
+              </a:solidFill>
+              <a:latin typeface="Arial"/>
+            </a:endParaRPr>
+          </a:p>
+        </p:txBody>
+      </p:sp>
+      <p:sp>
+        <p:nvSpPr>
+          <p:cNvPr id="140" name="PlaceHolder 1"/>
           <p:cNvSpPr>
             <a:spLocks noGrp="1"/>
           </p:cNvSpPr>
@@ -8430,7 +8962,7 @@
         <p:spPr>
           <a:xfrm>
             <a:off x="253080" y="1123920"/>
-            <a:ext cx="2945520" cy="4599360"/>
+            <a:ext cx="2945160" cy="4599000"/>
           </a:xfrm>
           <a:prstGeom prst="rect">
             <a:avLst/>
@@ -8488,7 +9020,7 @@
       </p:sp>
       <p:pic>
         <p:nvPicPr>
-          <p:cNvPr id="121" name="" descr=""/>
+          <p:cNvPr id="141" name="" descr=""/>
           <p:cNvPicPr/>
           <p:nvPr/>
         </p:nvPicPr>
@@ -8498,8 +9030,8 @@
         </p:blipFill>
         <p:spPr>
           <a:xfrm>
-            <a:off x="3960000" y="387000"/>
-            <a:ext cx="7458480" cy="5911560"/>
+            <a:off x="3960000" y="495000"/>
+            <a:ext cx="7458120" cy="5911200"/>
           </a:xfrm>
           <a:prstGeom prst="rect">
             <a:avLst/>
@@ -8541,7 +9073,48 @@
       </p:grpSpPr>
       <p:sp>
         <p:nvSpPr>
-          <p:cNvPr id="122" name="PlaceHolder 1"/>
+          <p:cNvPr id="142" name=""/>
+          <p:cNvSpPr/>
+          <p:nvPr/>
+        </p:nvSpPr>
+        <p:spPr>
+          <a:xfrm>
+            <a:off x="0" y="756000"/>
+            <a:ext cx="3438000" cy="5346000"/>
+          </a:xfrm>
+          <a:prstGeom prst="rect">
+            <a:avLst/>
+          </a:prstGeom>
+          <a:solidFill>
+            <a:srgbClr val="279983"/>
+          </a:solidFill>
+          <a:ln w="0">
+            <a:noFill/>
+          </a:ln>
+        </p:spPr>
+        <p:style>
+          <a:lnRef idx="0"/>
+          <a:fillRef idx="0"/>
+          <a:effectRef idx="0"/>
+          <a:fontRef idx="minor"/>
+        </p:style>
+        <p:txBody>
+          <a:bodyPr lIns="90000" rIns="90000" tIns="45000" bIns="45000" anchor="ctr">
+            <a:noAutofit/>
+          </a:bodyPr>
+          <a:p>
+            <a:endParaRPr b="0" lang="ru-RU" sz="1800" spc="-1" strike="noStrike">
+              <a:solidFill>
+                <a:srgbClr val="ffffff"/>
+              </a:solidFill>
+              <a:latin typeface="Arial"/>
+            </a:endParaRPr>
+          </a:p>
+        </p:txBody>
+      </p:sp>
+      <p:sp>
+        <p:nvSpPr>
+          <p:cNvPr id="143" name="PlaceHolder 1"/>
           <p:cNvSpPr>
             <a:spLocks noGrp="1"/>
           </p:cNvSpPr>
@@ -8552,7 +9125,7 @@
         <p:spPr>
           <a:xfrm>
             <a:off x="253080" y="1123920"/>
-            <a:ext cx="2945520" cy="4599360"/>
+            <a:ext cx="2945160" cy="4599000"/>
           </a:xfrm>
           <a:prstGeom prst="rect">
             <a:avLst/>
@@ -8610,7 +9183,7 @@
       </p:sp>
       <p:pic>
         <p:nvPicPr>
-          <p:cNvPr id="123" name="" descr=""/>
+          <p:cNvPr id="144" name="" descr=""/>
           <p:cNvPicPr/>
           <p:nvPr/>
         </p:nvPicPr>
@@ -8620,8 +9193,8 @@
         </p:blipFill>
         <p:spPr>
           <a:xfrm>
-            <a:off x="4052160" y="506160"/>
-            <a:ext cx="7466400" cy="5972760"/>
+            <a:off x="3960000" y="496800"/>
+            <a:ext cx="7466040" cy="5972400"/>
           </a:xfrm>
           <a:prstGeom prst="rect">
             <a:avLst/>
@@ -8661,9 +9234,120 @@
           <a:chExt cx="0" cy="0"/>
         </a:xfrm>
       </p:grpSpPr>
+      <p:sp>
+        <p:nvSpPr>
+          <p:cNvPr id="145" name=""/>
+          <p:cNvSpPr/>
+          <p:nvPr/>
+        </p:nvSpPr>
+        <p:spPr>
+          <a:xfrm>
+            <a:off x="0" y="756000"/>
+            <a:ext cx="9144000" cy="5346000"/>
+          </a:xfrm>
+          <a:prstGeom prst="rect">
+            <a:avLst/>
+          </a:prstGeom>
+          <a:solidFill>
+            <a:srgbClr val="279983"/>
+          </a:solidFill>
+          <a:ln w="0">
+            <a:noFill/>
+          </a:ln>
+        </p:spPr>
+        <p:style>
+          <a:lnRef idx="0"/>
+          <a:fillRef idx="0"/>
+          <a:effectRef idx="0"/>
+          <a:fontRef idx="minor"/>
+        </p:style>
+        <p:txBody>
+          <a:bodyPr lIns="90000" rIns="90000" tIns="45000" bIns="45000" anchor="ctr">
+            <a:noAutofit/>
+          </a:bodyPr>
+          <a:p>
+            <a:endParaRPr b="0" lang="ru-RU" sz="1800" spc="-1" strike="noStrike">
+              <a:solidFill>
+                <a:srgbClr val="ffffff"/>
+              </a:solidFill>
+              <a:latin typeface="Arial"/>
+            </a:endParaRPr>
+          </a:p>
+        </p:txBody>
+      </p:sp>
+      <p:sp>
+        <p:nvSpPr>
+          <p:cNvPr id="146" name="Google Shape;184;p17"/>
+          <p:cNvSpPr/>
+          <p:nvPr/>
+        </p:nvSpPr>
+        <p:spPr>
+          <a:xfrm>
+            <a:off x="1260000" y="1995840"/>
+            <a:ext cx="6398640" cy="1964160"/>
+          </a:xfrm>
+          <a:prstGeom prst="rect">
+            <a:avLst/>
+          </a:prstGeom>
+          <a:noFill/>
+          <a:ln w="0">
+            <a:noFill/>
+          </a:ln>
+        </p:spPr>
+        <p:style>
+          <a:lnRef idx="0"/>
+          <a:fillRef idx="0"/>
+          <a:effectRef idx="0"/>
+          <a:fontRef idx="minor"/>
+        </p:style>
+        <p:txBody>
+          <a:bodyPr lIns="90000" rIns="90000" tIns="45000" bIns="45000" anchor="t">
+            <a:spAutoFit/>
+          </a:bodyPr>
+          <a:p>
+            <a:pPr algn="r">
+              <a:lnSpc>
+                <a:spcPct val="150000"/>
+              </a:lnSpc>
+              <a:tabLst>
+                <a:tab algn="l" pos="0"/>
+              </a:tabLst>
+            </a:pPr>
+            <a:r>
+              <a:rPr b="0" lang="ru-RU" sz="3200" spc="-1" strike="noStrike">
+                <a:solidFill>
+                  <a:schemeClr val="lt1"/>
+                </a:solidFill>
+                <a:latin typeface="Corbel"/>
+                <a:ea typeface="Corbel"/>
+              </a:rPr>
+              <a:t>Если ты не сделаешь это сегодня, завтра будет таким же, как вчера.</a:t>
+            </a:r>
+            <a:br>
+              <a:rPr sz="2000"/>
+            </a:br>
+            <a:r>
+              <a:rPr b="0" lang="ru-RU" sz="1800" spc="-1" strike="noStrike">
+                <a:solidFill>
+                  <a:schemeClr val="lt1"/>
+                </a:solidFill>
+                <a:latin typeface="Corbel"/>
+                <a:ea typeface="Corbel"/>
+              </a:rPr>
+              <a:t>Неизвестный автор</a:t>
+            </a:r>
+            <a:endParaRPr b="0" lang="ru-RU" sz="1800" spc="-1" strike="noStrike">
+              <a:solidFill>
+                <a:srgbClr val="000000"/>
+              </a:solidFill>
+              <a:latin typeface="Arial"/>
+            </a:endParaRPr>
+          </a:p>
+        </p:txBody>
+      </p:sp>
       <p:pic>
         <p:nvPicPr>
-          <p:cNvPr id="124" name="Google Shape;183;p17" descr=""/>
+          <p:cNvPr id="147" name="" descr=""/>
           <p:cNvPicPr/>
           <p:nvPr/>
         </p:nvPicPr>
@@ -8673,8 +9357,8 @@
         </p:blipFill>
         <p:spPr>
           <a:xfrm>
-            <a:off x="-25200" y="3544920"/>
-            <a:ext cx="4915800" cy="2514960"/>
+            <a:off x="540000" y="3730680"/>
+            <a:ext cx="1620000" cy="2209320"/>
           </a:xfrm>
           <a:prstGeom prst="rect">
             <a:avLst/>
@@ -8684,76 +9368,6 @@
           </a:ln>
         </p:spPr>
       </p:pic>
-      <p:sp>
-        <p:nvSpPr>
-          <p:cNvPr id="125" name="Google Shape;184;p17"/>
-          <p:cNvSpPr/>
-          <p:nvPr/>
-        </p:nvSpPr>
-        <p:spPr>
-          <a:xfrm>
-            <a:off x="1260000" y="1995840"/>
-            <a:ext cx="6399000" cy="1964160"/>
-          </a:xfrm>
-          <a:prstGeom prst="rect">
-            <a:avLst/>
-          </a:prstGeom>
-          <a:noFill/>
-          <a:ln w="0">
-            <a:noFill/>
-          </a:ln>
-        </p:spPr>
-        <p:style>
-          <a:lnRef idx="0"/>
-          <a:fillRef idx="0"/>
-          <a:effectRef idx="0"/>
-          <a:fontRef idx="minor"/>
-        </p:style>
-        <p:txBody>
-          <a:bodyPr lIns="90000" rIns="90000" tIns="45000" bIns="45000" anchor="t">
-            <a:spAutoFit/>
-          </a:bodyPr>
-          <a:p>
-            <a:pPr algn="r">
-              <a:lnSpc>
-                <a:spcPct val="150000"/>
-              </a:lnSpc>
-              <a:tabLst>
-                <a:tab algn="l" pos="0"/>
-              </a:tabLst>
-            </a:pPr>
-            <a:r>
-              <a:rPr b="0" lang="ru-RU" sz="3200" spc="-1" strike="noStrike">
-                <a:solidFill>
-                  <a:schemeClr val="lt1"/>
-                </a:solidFill>
-                <a:latin typeface="Corbel"/>
-                <a:ea typeface="Corbel"/>
-              </a:rPr>
-              <a:t>Если ты не сделаешь это сегодня, завтра будет таким же, как вчера.</a:t>
-            </a:r>
-            <a:br>
-              <a:rPr sz="2000"/>
-            </a:br>
-            <a:r>
-              <a:rPr b="0" lang="ru-RU" sz="1800" spc="-1" strike="noStrike">
-                <a:solidFill>
-                  <a:schemeClr val="lt1"/>
-                </a:solidFill>
-                <a:latin typeface="Corbel"/>
-                <a:ea typeface="Corbel"/>
-              </a:rPr>
-              <a:t>Неизвестный автор</a:t>
-            </a:r>
-            <a:endParaRPr b="0" lang="ru-RU" sz="1800" spc="-1" strike="noStrike">
-              <a:solidFill>
-                <a:srgbClr val="000000"/>
-              </a:solidFill>
-              <a:latin typeface="Arial"/>
-            </a:endParaRPr>
-          </a:p>
-        </p:txBody>
-      </p:sp>
     </p:spTree>
   </p:cSld>
   <mc:AlternateContent>
@@ -8786,7 +9400,48 @@
       </p:grpSpPr>
       <p:sp>
         <p:nvSpPr>
-          <p:cNvPr id="79" name="PlaceHolder 1"/>
+          <p:cNvPr id="81" name=""/>
+          <p:cNvSpPr/>
+          <p:nvPr/>
+        </p:nvSpPr>
+        <p:spPr>
+          <a:xfrm>
+            <a:off x="0" y="756000"/>
+            <a:ext cx="3438000" cy="5346000"/>
+          </a:xfrm>
+          <a:prstGeom prst="rect">
+            <a:avLst/>
+          </a:prstGeom>
+          <a:solidFill>
+            <a:srgbClr val="279983"/>
+          </a:solidFill>
+          <a:ln w="0">
+            <a:noFill/>
+          </a:ln>
+        </p:spPr>
+        <p:style>
+          <a:lnRef idx="0"/>
+          <a:fillRef idx="0"/>
+          <a:effectRef idx="0"/>
+          <a:fontRef idx="minor"/>
+        </p:style>
+        <p:txBody>
+          <a:bodyPr lIns="90000" rIns="90000" tIns="45000" bIns="45000" anchor="ctr">
+            <a:noAutofit/>
+          </a:bodyPr>
+          <a:p>
+            <a:endParaRPr b="0" lang="ru-RU" sz="1800" spc="-1" strike="noStrike">
+              <a:solidFill>
+                <a:srgbClr val="ffffff"/>
+              </a:solidFill>
+              <a:latin typeface="Arial"/>
+            </a:endParaRPr>
+          </a:p>
+        </p:txBody>
+      </p:sp>
+      <p:sp>
+        <p:nvSpPr>
+          <p:cNvPr id="82" name="PlaceHolder 1"/>
           <p:cNvSpPr>
             <a:spLocks noGrp="1"/>
           </p:cNvSpPr>
@@ -8797,7 +9452,7 @@
         <p:spPr>
           <a:xfrm>
             <a:off x="182880" y="1123920"/>
-            <a:ext cx="3271320" cy="4706280"/>
+            <a:ext cx="3270960" cy="4705920"/>
           </a:xfrm>
           <a:prstGeom prst="rect">
             <a:avLst/>
@@ -8887,7 +9542,7 @@
       </p:sp>
       <p:pic>
         <p:nvPicPr>
-          <p:cNvPr id="80" name="" descr=""/>
+          <p:cNvPr id="83" name="" descr=""/>
           <p:cNvPicPr/>
           <p:nvPr/>
         </p:nvPicPr>
@@ -8897,8 +9552,8 @@
         </p:blipFill>
         <p:spPr>
           <a:xfrm>
-            <a:off x="4140000" y="651960"/>
-            <a:ext cx="7422840" cy="5646600"/>
+            <a:off x="4140000" y="471960"/>
+            <a:ext cx="7422480" cy="5646240"/>
           </a:xfrm>
           <a:prstGeom prst="rect">
             <a:avLst/>
@@ -8940,7 +9595,48 @@
       </p:grpSpPr>
       <p:sp>
         <p:nvSpPr>
-          <p:cNvPr id="81" name="PlaceHolder 1"/>
+          <p:cNvPr id="84" name=""/>
+          <p:cNvSpPr/>
+          <p:nvPr/>
+        </p:nvSpPr>
+        <p:spPr>
+          <a:xfrm>
+            <a:off x="0" y="756000"/>
+            <a:ext cx="3438000" cy="5346000"/>
+          </a:xfrm>
+          <a:prstGeom prst="rect">
+            <a:avLst/>
+          </a:prstGeom>
+          <a:solidFill>
+            <a:srgbClr val="279983"/>
+          </a:solidFill>
+          <a:ln w="0">
+            <a:noFill/>
+          </a:ln>
+        </p:spPr>
+        <p:style>
+          <a:lnRef idx="0"/>
+          <a:fillRef idx="0"/>
+          <a:effectRef idx="0"/>
+          <a:fontRef idx="minor"/>
+        </p:style>
+        <p:txBody>
+          <a:bodyPr lIns="90000" rIns="90000" tIns="45000" bIns="45000" anchor="ctr">
+            <a:noAutofit/>
+          </a:bodyPr>
+          <a:p>
+            <a:endParaRPr b="0" lang="ru-RU" sz="1800" spc="-1" strike="noStrike">
+              <a:solidFill>
+                <a:srgbClr val="ffffff"/>
+              </a:solidFill>
+              <a:latin typeface="Arial"/>
+            </a:endParaRPr>
+          </a:p>
+        </p:txBody>
+      </p:sp>
+      <p:sp>
+        <p:nvSpPr>
+          <p:cNvPr id="85" name="PlaceHolder 1"/>
           <p:cNvSpPr>
             <a:spLocks noGrp="1"/>
           </p:cNvSpPr>
@@ -8951,7 +9647,7 @@
         <p:spPr>
           <a:xfrm>
             <a:off x="152280" y="1123920"/>
-            <a:ext cx="3097080" cy="4599360"/>
+            <a:ext cx="3096720" cy="4599000"/>
           </a:xfrm>
           <a:prstGeom prst="rect">
             <a:avLst/>
@@ -9012,7 +9708,7 @@
       </p:sp>
       <p:pic>
         <p:nvPicPr>
-          <p:cNvPr id="82" name="" descr=""/>
+          <p:cNvPr id="86" name="" descr=""/>
           <p:cNvPicPr/>
           <p:nvPr/>
         </p:nvPicPr>
@@ -9023,7 +9719,7 @@
         <p:spPr>
           <a:xfrm>
             <a:off x="3600000" y="540000"/>
-            <a:ext cx="8124840" cy="5758560"/>
+            <a:ext cx="8124480" cy="5758200"/>
           </a:xfrm>
           <a:prstGeom prst="rect">
             <a:avLst/>
@@ -9065,7 +9761,48 @@
       </p:grpSpPr>
       <p:sp>
         <p:nvSpPr>
-          <p:cNvPr id="83" name="PlaceHolder 1"/>
+          <p:cNvPr id="87" name=""/>
+          <p:cNvSpPr/>
+          <p:nvPr/>
+        </p:nvSpPr>
+        <p:spPr>
+          <a:xfrm>
+            <a:off x="0" y="756000"/>
+            <a:ext cx="3438000" cy="5346000"/>
+          </a:xfrm>
+          <a:prstGeom prst="rect">
+            <a:avLst/>
+          </a:prstGeom>
+          <a:solidFill>
+            <a:srgbClr val="279983"/>
+          </a:solidFill>
+          <a:ln w="0">
+            <a:noFill/>
+          </a:ln>
+        </p:spPr>
+        <p:style>
+          <a:lnRef idx="0"/>
+          <a:fillRef idx="0"/>
+          <a:effectRef idx="0"/>
+          <a:fontRef idx="minor"/>
+        </p:style>
+        <p:txBody>
+          <a:bodyPr lIns="90000" rIns="90000" tIns="45000" bIns="45000" anchor="ctr">
+            <a:noAutofit/>
+          </a:bodyPr>
+          <a:p>
+            <a:endParaRPr b="0" lang="ru-RU" sz="1800" spc="-1" strike="noStrike">
+              <a:solidFill>
+                <a:srgbClr val="ffffff"/>
+              </a:solidFill>
+              <a:latin typeface="Arial"/>
+            </a:endParaRPr>
+          </a:p>
+        </p:txBody>
+      </p:sp>
+      <p:sp>
+        <p:nvSpPr>
+          <p:cNvPr id="88" name="PlaceHolder 1"/>
           <p:cNvSpPr>
             <a:spLocks noGrp="1"/>
           </p:cNvSpPr>
@@ -9076,7 +9813,7 @@
         <p:spPr>
           <a:xfrm>
             <a:off x="182880" y="1123920"/>
-            <a:ext cx="3335400" cy="4599360"/>
+            <a:ext cx="3335040" cy="4599000"/>
           </a:xfrm>
           <a:prstGeom prst="rect">
             <a:avLst/>
@@ -9137,7 +9874,7 @@
       </p:sp>
       <p:pic>
         <p:nvPicPr>
-          <p:cNvPr id="84" name="" descr=""/>
+          <p:cNvPr id="89" name="" descr=""/>
           <p:cNvPicPr/>
           <p:nvPr/>
         </p:nvPicPr>
@@ -9148,7 +9885,7 @@
         <p:spPr>
           <a:xfrm>
             <a:off x="3728160" y="540000"/>
-            <a:ext cx="7970400" cy="5938560"/>
+            <a:ext cx="7970040" cy="5938200"/>
           </a:xfrm>
           <a:prstGeom prst="rect">
             <a:avLst/>
@@ -9190,7 +9927,48 @@
       </p:grpSpPr>
       <p:sp>
         <p:nvSpPr>
-          <p:cNvPr id="85" name="PlaceHolder 1"/>
+          <p:cNvPr id="90" name=""/>
+          <p:cNvSpPr/>
+          <p:nvPr/>
+        </p:nvSpPr>
+        <p:spPr>
+          <a:xfrm>
+            <a:off x="0" y="756000"/>
+            <a:ext cx="3438000" cy="5346000"/>
+          </a:xfrm>
+          <a:prstGeom prst="rect">
+            <a:avLst/>
+          </a:prstGeom>
+          <a:solidFill>
+            <a:srgbClr val="279983"/>
+          </a:solidFill>
+          <a:ln w="0">
+            <a:noFill/>
+          </a:ln>
+        </p:spPr>
+        <p:style>
+          <a:lnRef idx="0"/>
+          <a:fillRef idx="0"/>
+          <a:effectRef idx="0"/>
+          <a:fontRef idx="minor"/>
+        </p:style>
+        <p:txBody>
+          <a:bodyPr lIns="90000" rIns="90000" tIns="45000" bIns="45000" anchor="ctr">
+            <a:noAutofit/>
+          </a:bodyPr>
+          <a:p>
+            <a:endParaRPr b="0" lang="ru-RU" sz="1800" spc="-1" strike="noStrike">
+              <a:solidFill>
+                <a:srgbClr val="ffffff"/>
+              </a:solidFill>
+              <a:latin typeface="Arial"/>
+            </a:endParaRPr>
+          </a:p>
+        </p:txBody>
+      </p:sp>
+      <p:sp>
+        <p:nvSpPr>
+          <p:cNvPr id="91" name="PlaceHolder 1"/>
           <p:cNvSpPr>
             <a:spLocks noGrp="1"/>
           </p:cNvSpPr>
@@ -9201,7 +9979,7 @@
         <p:spPr>
           <a:xfrm>
             <a:off x="182880" y="1123920"/>
-            <a:ext cx="3335400" cy="4599360"/>
+            <a:ext cx="3335040" cy="4599000"/>
           </a:xfrm>
           <a:prstGeom prst="rect">
             <a:avLst/>
@@ -9291,7 +10069,7 @@
       </p:sp>
       <p:pic>
         <p:nvPicPr>
-          <p:cNvPr id="86" name="" descr=""/>
+          <p:cNvPr id="92" name="" descr=""/>
           <p:cNvPicPr/>
           <p:nvPr/>
         </p:nvPicPr>
@@ -9303,7 +10081,7 @@
         <p:spPr>
           <a:xfrm>
             <a:off x="4320360" y="1260000"/>
-            <a:ext cx="4045320" cy="4611600"/>
+            <a:ext cx="4044960" cy="4611240"/>
           </a:xfrm>
           <a:prstGeom prst="rect">
             <a:avLst/>
@@ -9315,7 +10093,7 @@
       </p:pic>
       <p:pic>
         <p:nvPicPr>
-          <p:cNvPr id="87" name="" descr=""/>
+          <p:cNvPr id="93" name="" descr=""/>
           <p:cNvPicPr/>
           <p:nvPr/>
         </p:nvPicPr>
@@ -9327,7 +10105,7 @@
         <p:spPr>
           <a:xfrm>
             <a:off x="8168040" y="1440000"/>
-            <a:ext cx="2991240" cy="2048040"/>
+            <a:ext cx="2990880" cy="2047680"/>
           </a:xfrm>
           <a:prstGeom prst="rect">
             <a:avLst/>
@@ -9369,7 +10147,48 @@
       </p:grpSpPr>
       <p:sp>
         <p:nvSpPr>
-          <p:cNvPr id="88" name="PlaceHolder 1"/>
+          <p:cNvPr id="94" name=""/>
+          <p:cNvSpPr/>
+          <p:nvPr/>
+        </p:nvSpPr>
+        <p:spPr>
+          <a:xfrm>
+            <a:off x="0" y="756000"/>
+            <a:ext cx="3438000" cy="5346000"/>
+          </a:xfrm>
+          <a:prstGeom prst="rect">
+            <a:avLst/>
+          </a:prstGeom>
+          <a:solidFill>
+            <a:srgbClr val="279983"/>
+          </a:solidFill>
+          <a:ln w="0">
+            <a:noFill/>
+          </a:ln>
+        </p:spPr>
+        <p:style>
+          <a:lnRef idx="0"/>
+          <a:fillRef idx="0"/>
+          <a:effectRef idx="0"/>
+          <a:fontRef idx="minor"/>
+        </p:style>
+        <p:txBody>
+          <a:bodyPr lIns="90000" rIns="90000" tIns="45000" bIns="45000" anchor="ctr">
+            <a:noAutofit/>
+          </a:bodyPr>
+          <a:p>
+            <a:endParaRPr b="0" lang="ru-RU" sz="1800" spc="-1" strike="noStrike">
+              <a:solidFill>
+                <a:srgbClr val="ffffff"/>
+              </a:solidFill>
+              <a:latin typeface="Arial"/>
+            </a:endParaRPr>
+          </a:p>
+        </p:txBody>
+      </p:sp>
+      <p:sp>
+        <p:nvSpPr>
+          <p:cNvPr id="95" name="PlaceHolder 1"/>
           <p:cNvSpPr>
             <a:spLocks noGrp="1"/>
           </p:cNvSpPr>
@@ -9380,7 +10199,7 @@
         <p:spPr>
           <a:xfrm>
             <a:off x="182880" y="1123920"/>
-            <a:ext cx="3335400" cy="4599360"/>
+            <a:ext cx="3335040" cy="4599000"/>
           </a:xfrm>
           <a:prstGeom prst="rect">
             <a:avLst/>
@@ -9470,7 +10289,7 @@
       </p:sp>
       <p:pic>
         <p:nvPicPr>
-          <p:cNvPr id="89" name="" descr=""/>
+          <p:cNvPr id="96" name="" descr=""/>
           <p:cNvPicPr/>
           <p:nvPr/>
         </p:nvPicPr>
@@ -9481,7 +10300,7 @@
         <p:spPr>
           <a:xfrm>
             <a:off x="3741480" y="540000"/>
-            <a:ext cx="4357080" cy="5812560"/>
+            <a:ext cx="4356720" cy="5812200"/>
           </a:xfrm>
           <a:prstGeom prst="rect">
             <a:avLst/>
@@ -9493,7 +10312,7 @@
       </p:pic>
       <p:pic>
         <p:nvPicPr>
-          <p:cNvPr id="90" name="" descr=""/>
+          <p:cNvPr id="97" name="" descr=""/>
           <p:cNvPicPr/>
           <p:nvPr/>
         </p:nvPicPr>
@@ -9504,7 +10323,7 @@
         <p:spPr>
           <a:xfrm>
             <a:off x="7200000" y="1980000"/>
-            <a:ext cx="4599000" cy="1945080"/>
+            <a:ext cx="4598640" cy="1944720"/>
           </a:xfrm>
           <a:prstGeom prst="rect">
             <a:avLst/>
@@ -9548,7 +10367,48 @@
       </p:grpSpPr>
       <p:sp>
         <p:nvSpPr>
-          <p:cNvPr id="91" name="PlaceHolder 1"/>
+          <p:cNvPr id="98" name=""/>
+          <p:cNvSpPr/>
+          <p:nvPr/>
+        </p:nvSpPr>
+        <p:spPr>
+          <a:xfrm>
+            <a:off x="0" y="756000"/>
+            <a:ext cx="3438000" cy="5346000"/>
+          </a:xfrm>
+          <a:prstGeom prst="rect">
+            <a:avLst/>
+          </a:prstGeom>
+          <a:solidFill>
+            <a:srgbClr val="279983"/>
+          </a:solidFill>
+          <a:ln w="0">
+            <a:noFill/>
+          </a:ln>
+        </p:spPr>
+        <p:style>
+          <a:lnRef idx="0"/>
+          <a:fillRef idx="0"/>
+          <a:effectRef idx="0"/>
+          <a:fontRef idx="minor"/>
+        </p:style>
+        <p:txBody>
+          <a:bodyPr lIns="90000" rIns="90000" tIns="45000" bIns="45000" anchor="ctr">
+            <a:noAutofit/>
+          </a:bodyPr>
+          <a:p>
+            <a:endParaRPr b="0" lang="ru-RU" sz="1800" spc="-1" strike="noStrike">
+              <a:solidFill>
+                <a:srgbClr val="ffffff"/>
+              </a:solidFill>
+              <a:latin typeface="Arial"/>
+            </a:endParaRPr>
+          </a:p>
+        </p:txBody>
+      </p:sp>
+      <p:sp>
+        <p:nvSpPr>
+          <p:cNvPr id="99" name="PlaceHolder 1"/>
           <p:cNvSpPr>
             <a:spLocks noGrp="1"/>
           </p:cNvSpPr>
@@ -9559,7 +10419,7 @@
         <p:spPr>
           <a:xfrm>
             <a:off x="0" y="1123920"/>
-            <a:ext cx="3371400" cy="4767120"/>
+            <a:ext cx="3371040" cy="4766760"/>
           </a:xfrm>
           <a:prstGeom prst="rect">
             <a:avLst/>
@@ -9620,7 +10480,7 @@
       </p:sp>
       <p:pic>
         <p:nvPicPr>
-          <p:cNvPr id="92" name="" descr=""/>
+          <p:cNvPr id="100" name="" descr=""/>
           <p:cNvPicPr/>
           <p:nvPr/>
         </p:nvPicPr>
@@ -9631,7 +10491,7 @@
         <p:spPr>
           <a:xfrm>
             <a:off x="3600000" y="1055160"/>
-            <a:ext cx="7991280" cy="4703400"/>
+            <a:ext cx="7990920" cy="4703040"/>
           </a:xfrm>
           <a:prstGeom prst="rect">
             <a:avLst/>
@@ -9673,7 +10533,48 @@
       </p:grpSpPr>
       <p:sp>
         <p:nvSpPr>
-          <p:cNvPr id="93" name="PlaceHolder 1"/>
+          <p:cNvPr id="101" name=""/>
+          <p:cNvSpPr/>
+          <p:nvPr/>
+        </p:nvSpPr>
+        <p:spPr>
+          <a:xfrm>
+            <a:off x="0" y="756000"/>
+            <a:ext cx="3438000" cy="5346000"/>
+          </a:xfrm>
+          <a:prstGeom prst="rect">
+            <a:avLst/>
+          </a:prstGeom>
+          <a:solidFill>
+            <a:srgbClr val="279983"/>
+          </a:solidFill>
+          <a:ln w="0">
+            <a:noFill/>
+          </a:ln>
+        </p:spPr>
+        <p:style>
+          <a:lnRef idx="0"/>
+          <a:fillRef idx="0"/>
+          <a:effectRef idx="0"/>
+          <a:fontRef idx="minor"/>
+        </p:style>
+        <p:txBody>
+          <a:bodyPr lIns="90000" rIns="90000" tIns="45000" bIns="45000" anchor="ctr">
+            <a:noAutofit/>
+          </a:bodyPr>
+          <a:p>
+            <a:endParaRPr b="0" lang="ru-RU" sz="1800" spc="-1" strike="noStrike">
+              <a:solidFill>
+                <a:srgbClr val="ffffff"/>
+              </a:solidFill>
+              <a:latin typeface="Arial"/>
+            </a:endParaRPr>
+          </a:p>
+        </p:txBody>
+      </p:sp>
+      <p:sp>
+        <p:nvSpPr>
+          <p:cNvPr id="102" name="PlaceHolder 1"/>
           <p:cNvSpPr>
             <a:spLocks noGrp="1"/>
           </p:cNvSpPr>
@@ -9684,7 +10585,7 @@
         <p:spPr>
           <a:xfrm>
             <a:off x="0" y="1123920"/>
-            <a:ext cx="3371400" cy="4767120"/>
+            <a:ext cx="3371040" cy="4766760"/>
           </a:xfrm>
           <a:prstGeom prst="rect">
             <a:avLst/>
@@ -9745,7 +10646,7 @@
       </p:sp>
       <p:pic>
         <p:nvPicPr>
-          <p:cNvPr id="94" name="" descr=""/>
+          <p:cNvPr id="103" name="" descr=""/>
           <p:cNvPicPr/>
           <p:nvPr/>
         </p:nvPicPr>
@@ -9756,7 +10657,7 @@
         <p:spPr>
           <a:xfrm>
             <a:off x="3600000" y="720000"/>
-            <a:ext cx="7969320" cy="5530680"/>
+            <a:ext cx="7968960" cy="5530320"/>
           </a:xfrm>
           <a:prstGeom prst="rect">
             <a:avLst/>
